--- a/prezka.pptx
+++ b/prezka.pptx
@@ -361,7 +361,7 @@
     </p:spTree>
     <p:extLst>
       <p:ext uri="{BB962C8B-B14F-4D97-AF65-F5344CB8AC3E}">
-        <p14:creationId xmlns:p14="http://schemas.microsoft.com/office/powerpoint/2010/main" xmlns="" val="1731233127"/>
+        <p14:creationId xmlns="" xmlns:p14="http://schemas.microsoft.com/office/powerpoint/2010/main" val="1731233127"/>
       </p:ext>
     </p:extLst>
   </p:cSld>
@@ -533,7 +533,7 @@
     </p:spTree>
     <p:extLst>
       <p:ext uri="{BB962C8B-B14F-4D97-AF65-F5344CB8AC3E}">
-        <p14:creationId xmlns:p14="http://schemas.microsoft.com/office/powerpoint/2010/main" xmlns="" val="2847812126"/>
+        <p14:creationId xmlns="" xmlns:p14="http://schemas.microsoft.com/office/powerpoint/2010/main" val="2847812126"/>
       </p:ext>
     </p:extLst>
   </p:cSld>
@@ -715,7 +715,7 @@
     </p:spTree>
     <p:extLst>
       <p:ext uri="{BB962C8B-B14F-4D97-AF65-F5344CB8AC3E}">
-        <p14:creationId xmlns:p14="http://schemas.microsoft.com/office/powerpoint/2010/main" xmlns="" val="516095393"/>
+        <p14:creationId xmlns="" xmlns:p14="http://schemas.microsoft.com/office/powerpoint/2010/main" val="516095393"/>
       </p:ext>
     </p:extLst>
   </p:cSld>
@@ -887,7 +887,7 @@
     </p:spTree>
     <p:extLst>
       <p:ext uri="{BB962C8B-B14F-4D97-AF65-F5344CB8AC3E}">
-        <p14:creationId xmlns:p14="http://schemas.microsoft.com/office/powerpoint/2010/main" xmlns="" val="1384265332"/>
+        <p14:creationId xmlns="" xmlns:p14="http://schemas.microsoft.com/office/powerpoint/2010/main" val="1384265332"/>
       </p:ext>
     </p:extLst>
   </p:cSld>
@@ -1135,7 +1135,7 @@
     </p:spTree>
     <p:extLst>
       <p:ext uri="{BB962C8B-B14F-4D97-AF65-F5344CB8AC3E}">
-        <p14:creationId xmlns:p14="http://schemas.microsoft.com/office/powerpoint/2010/main" xmlns="" val="4241166118"/>
+        <p14:creationId xmlns="" xmlns:p14="http://schemas.microsoft.com/office/powerpoint/2010/main" val="4241166118"/>
       </p:ext>
     </p:extLst>
   </p:cSld>
@@ -1425,7 +1425,7 @@
     </p:spTree>
     <p:extLst>
       <p:ext uri="{BB962C8B-B14F-4D97-AF65-F5344CB8AC3E}">
-        <p14:creationId xmlns:p14="http://schemas.microsoft.com/office/powerpoint/2010/main" xmlns="" val="2967055804"/>
+        <p14:creationId xmlns="" xmlns:p14="http://schemas.microsoft.com/office/powerpoint/2010/main" val="2967055804"/>
       </p:ext>
     </p:extLst>
   </p:cSld>
@@ -1849,7 +1849,7 @@
     </p:spTree>
     <p:extLst>
       <p:ext uri="{BB962C8B-B14F-4D97-AF65-F5344CB8AC3E}">
-        <p14:creationId xmlns:p14="http://schemas.microsoft.com/office/powerpoint/2010/main" xmlns="" val="1967685052"/>
+        <p14:creationId xmlns="" xmlns:p14="http://schemas.microsoft.com/office/powerpoint/2010/main" val="1967685052"/>
       </p:ext>
     </p:extLst>
   </p:cSld>
@@ -1969,7 +1969,7 @@
     </p:spTree>
     <p:extLst>
       <p:ext uri="{BB962C8B-B14F-4D97-AF65-F5344CB8AC3E}">
-        <p14:creationId xmlns:p14="http://schemas.microsoft.com/office/powerpoint/2010/main" xmlns="" val="3560315199"/>
+        <p14:creationId xmlns="" xmlns:p14="http://schemas.microsoft.com/office/powerpoint/2010/main" val="3560315199"/>
       </p:ext>
     </p:extLst>
   </p:cSld>
@@ -2066,7 +2066,7 @@
     </p:spTree>
     <p:extLst>
       <p:ext uri="{BB962C8B-B14F-4D97-AF65-F5344CB8AC3E}">
-        <p14:creationId xmlns:p14="http://schemas.microsoft.com/office/powerpoint/2010/main" xmlns="" val="850799134"/>
+        <p14:creationId xmlns="" xmlns:p14="http://schemas.microsoft.com/office/powerpoint/2010/main" val="850799134"/>
       </p:ext>
     </p:extLst>
   </p:cSld>
@@ -2345,7 +2345,7 @@
     </p:spTree>
     <p:extLst>
       <p:ext uri="{BB962C8B-B14F-4D97-AF65-F5344CB8AC3E}">
-        <p14:creationId xmlns:p14="http://schemas.microsoft.com/office/powerpoint/2010/main" xmlns="" val="3990278901"/>
+        <p14:creationId xmlns="" xmlns:p14="http://schemas.microsoft.com/office/powerpoint/2010/main" val="3990278901"/>
       </p:ext>
     </p:extLst>
   </p:cSld>
@@ -2600,7 +2600,7 @@
     </p:spTree>
     <p:extLst>
       <p:ext uri="{BB962C8B-B14F-4D97-AF65-F5344CB8AC3E}">
-        <p14:creationId xmlns:p14="http://schemas.microsoft.com/office/powerpoint/2010/main" xmlns="" val="1763289167"/>
+        <p14:creationId xmlns="" xmlns:p14="http://schemas.microsoft.com/office/powerpoint/2010/main" val="1763289167"/>
       </p:ext>
     </p:extLst>
   </p:cSld>
@@ -2860,7 +2860,7 @@
     </p:spTree>
     <p:extLst>
       <p:ext uri="{BB962C8B-B14F-4D97-AF65-F5344CB8AC3E}">
-        <p14:creationId xmlns:p14="http://schemas.microsoft.com/office/powerpoint/2010/main" xmlns="" val="866398959"/>
+        <p14:creationId xmlns="" xmlns:p14="http://schemas.microsoft.com/office/powerpoint/2010/main" val="866398959"/>
       </p:ext>
     </p:extLst>
   </p:cSld>
@@ -3423,7 +3423,17 @@
                   </a:schemeClr>
                 </a:solidFill>
               </a:rPr>
-              <a:t>Aplety w </a:t>
+              <a:t>Applety </a:t>
+            </a:r>
+            <a:r>
+              <a:rPr lang="pl-PL" dirty="0" smtClean="0">
+                <a:solidFill>
+                  <a:schemeClr val="accent4">
+                    <a:lumMod val="75000"/>
+                  </a:schemeClr>
+                </a:solidFill>
+              </a:rPr>
+              <a:t>w </a:t>
             </a:r>
             <a:r>
               <a:rPr lang="pl-PL" b="1" dirty="0" smtClean="0">
@@ -3714,7 +3724,7 @@
     </p:spTree>
     <p:extLst>
       <p:ext uri="{BB962C8B-B14F-4D97-AF65-F5344CB8AC3E}">
-        <p14:creationId xmlns:p14="http://schemas.microsoft.com/office/powerpoint/2010/main" xmlns="" val="2367997045"/>
+        <p14:creationId xmlns="" xmlns:p14="http://schemas.microsoft.com/office/powerpoint/2010/main" val="2367997045"/>
       </p:ext>
     </p:extLst>
   </p:cSld>
@@ -3722,7 +3732,7 @@
     <a:masterClrMapping/>
   </p:clrMapOvr>
   <mc:AlternateContent xmlns:mc="http://schemas.openxmlformats.org/markup-compatibility/2006">
-    <mc:Choice xmlns:p14="http://schemas.microsoft.com/office/powerpoint/2010/main" xmlns="" Requires="p14">
+    <mc:Choice xmlns="" xmlns:p14="http://schemas.microsoft.com/office/powerpoint/2010/main" Requires="p14">
       <p:transition spd="med" p14:dur="699">
         <p:fade/>
       </p:transition>
@@ -3950,7 +3960,7 @@
     </p:spTree>
     <p:extLst>
       <p:ext uri="{BB962C8B-B14F-4D97-AF65-F5344CB8AC3E}">
-        <p14:creationId xmlns:p14="http://schemas.microsoft.com/office/powerpoint/2010/main" xmlns="" val="2367997045"/>
+        <p14:creationId xmlns="" xmlns:p14="http://schemas.microsoft.com/office/powerpoint/2010/main" val="2367997045"/>
       </p:ext>
     </p:extLst>
   </p:cSld>
@@ -3958,7 +3968,7 @@
     <a:masterClrMapping/>
   </p:clrMapOvr>
   <mc:AlternateContent xmlns:mc="http://schemas.openxmlformats.org/markup-compatibility/2006">
-    <mc:Choice xmlns:p14="http://schemas.microsoft.com/office/powerpoint/2010/main" xmlns="" Requires="p14">
+    <mc:Choice xmlns="" xmlns:p14="http://schemas.microsoft.com/office/powerpoint/2010/main" Requires="p14">
       <p:transition spd="med" p14:dur="699">
         <p:fade/>
       </p:transition>
@@ -4180,7 +4190,7 @@
     </p:spTree>
     <p:extLst>
       <p:ext uri="{BB962C8B-B14F-4D97-AF65-F5344CB8AC3E}">
-        <p14:creationId xmlns:p14="http://schemas.microsoft.com/office/powerpoint/2010/main" xmlns="" val="2367997045"/>
+        <p14:creationId xmlns="" xmlns:p14="http://schemas.microsoft.com/office/powerpoint/2010/main" val="2367997045"/>
       </p:ext>
     </p:extLst>
   </p:cSld>
@@ -4188,7 +4198,7 @@
     <a:masterClrMapping/>
   </p:clrMapOvr>
   <mc:AlternateContent xmlns:mc="http://schemas.openxmlformats.org/markup-compatibility/2006">
-    <mc:Choice xmlns:p14="http://schemas.microsoft.com/office/powerpoint/2010/main" xmlns="" Requires="p14">
+    <mc:Choice xmlns="" xmlns:p14="http://schemas.microsoft.com/office/powerpoint/2010/main" Requires="p14">
       <p:transition spd="med" p14:dur="699">
         <p:fade/>
       </p:transition>
@@ -4442,7 +4452,7 @@
     </p:spTree>
     <p:extLst>
       <p:ext uri="{BB962C8B-B14F-4D97-AF65-F5344CB8AC3E}">
-        <p14:creationId xmlns:p14="http://schemas.microsoft.com/office/powerpoint/2010/main" xmlns="" val="2367997045"/>
+        <p14:creationId xmlns="" xmlns:p14="http://schemas.microsoft.com/office/powerpoint/2010/main" val="2367997045"/>
       </p:ext>
     </p:extLst>
   </p:cSld>
@@ -4450,7 +4460,7 @@
     <a:masterClrMapping/>
   </p:clrMapOvr>
   <mc:AlternateContent xmlns:mc="http://schemas.openxmlformats.org/markup-compatibility/2006">
-    <mc:Choice xmlns:p14="http://schemas.microsoft.com/office/powerpoint/2010/main" xmlns="" Requires="p14">
+    <mc:Choice xmlns="" xmlns:p14="http://schemas.microsoft.com/office/powerpoint/2010/main" Requires="p14">
       <p:transition spd="med" p14:dur="699">
         <p:fade/>
       </p:transition>
@@ -4664,7 +4674,7 @@
     </p:spTree>
     <p:extLst>
       <p:ext uri="{BB962C8B-B14F-4D97-AF65-F5344CB8AC3E}">
-        <p14:creationId xmlns:p14="http://schemas.microsoft.com/office/powerpoint/2010/main" xmlns="" val="2367997045"/>
+        <p14:creationId xmlns="" xmlns:p14="http://schemas.microsoft.com/office/powerpoint/2010/main" val="2367997045"/>
       </p:ext>
     </p:extLst>
   </p:cSld>
@@ -4672,7 +4682,7 @@
     <a:masterClrMapping/>
   </p:clrMapOvr>
   <mc:AlternateContent xmlns:mc="http://schemas.openxmlformats.org/markup-compatibility/2006">
-    <mc:Choice xmlns:p14="http://schemas.microsoft.com/office/powerpoint/2010/main" xmlns="" Requires="p14">
+    <mc:Choice xmlns="" xmlns:p14="http://schemas.microsoft.com/office/powerpoint/2010/main" Requires="p14">
       <p:transition spd="med" p14:dur="699">
         <p:fade/>
       </p:transition>
@@ -4886,7 +4896,7 @@
     </p:spTree>
     <p:extLst>
       <p:ext uri="{BB962C8B-B14F-4D97-AF65-F5344CB8AC3E}">
-        <p14:creationId xmlns:p14="http://schemas.microsoft.com/office/powerpoint/2010/main" xmlns="" val="2367997045"/>
+        <p14:creationId xmlns="" xmlns:p14="http://schemas.microsoft.com/office/powerpoint/2010/main" val="2367997045"/>
       </p:ext>
     </p:extLst>
   </p:cSld>
@@ -4894,7 +4904,7 @@
     <a:masterClrMapping/>
   </p:clrMapOvr>
   <mc:AlternateContent xmlns:mc="http://schemas.openxmlformats.org/markup-compatibility/2006">
-    <mc:Choice xmlns:p14="http://schemas.microsoft.com/office/powerpoint/2010/main" xmlns="" Requires="p14">
+    <mc:Choice xmlns="" xmlns:p14="http://schemas.microsoft.com/office/powerpoint/2010/main" Requires="p14">
       <p:transition spd="med" p14:dur="699">
         <p:fade/>
       </p:transition>
@@ -5300,7 +5310,7 @@
     </p:spTree>
     <p:extLst>
       <p:ext uri="{BB962C8B-B14F-4D97-AF65-F5344CB8AC3E}">
-        <p14:creationId xmlns:p14="http://schemas.microsoft.com/office/powerpoint/2010/main" xmlns="" val="2740888392"/>
+        <p14:creationId xmlns="" xmlns:p14="http://schemas.microsoft.com/office/powerpoint/2010/main" val="2740888392"/>
       </p:ext>
     </p:extLst>
   </p:cSld>
@@ -5308,7 +5318,7 @@
     <a:masterClrMapping/>
   </p:clrMapOvr>
   <mc:AlternateContent xmlns:mc="http://schemas.openxmlformats.org/markup-compatibility/2006">
-    <mc:Choice xmlns:p14="http://schemas.microsoft.com/office/powerpoint/2010/main" xmlns="" Requires="p14">
+    <mc:Choice xmlns="" xmlns:p14="http://schemas.microsoft.com/office/powerpoint/2010/main" Requires="p14">
       <p:transition spd="med" p14:dur="699">
         <p:fade/>
       </p:transition>
@@ -5719,7 +5729,7 @@
     </p:spTree>
     <p:extLst>
       <p:ext uri="{BB962C8B-B14F-4D97-AF65-F5344CB8AC3E}">
-        <p14:creationId xmlns:p14="http://schemas.microsoft.com/office/powerpoint/2010/main" xmlns="" val="2367997045"/>
+        <p14:creationId xmlns="" xmlns:p14="http://schemas.microsoft.com/office/powerpoint/2010/main" val="2367997045"/>
       </p:ext>
     </p:extLst>
   </p:cSld>
@@ -5727,7 +5737,7 @@
     <a:masterClrMapping/>
   </p:clrMapOvr>
   <mc:AlternateContent xmlns:mc="http://schemas.openxmlformats.org/markup-compatibility/2006">
-    <mc:Choice xmlns:p14="http://schemas.microsoft.com/office/powerpoint/2010/main" xmlns="" Requires="p14">
+    <mc:Choice xmlns="" xmlns:p14="http://schemas.microsoft.com/office/powerpoint/2010/main" Requires="p14">
       <p:transition spd="med" p14:dur="699">
         <p:fade/>
       </p:transition>
@@ -6119,7 +6129,7 @@
     </p:spTree>
     <p:extLst>
       <p:ext uri="{BB962C8B-B14F-4D97-AF65-F5344CB8AC3E}">
-        <p14:creationId xmlns:p14="http://schemas.microsoft.com/office/powerpoint/2010/main" xmlns="" val="2367997045"/>
+        <p14:creationId xmlns="" xmlns:p14="http://schemas.microsoft.com/office/powerpoint/2010/main" val="2367997045"/>
       </p:ext>
     </p:extLst>
   </p:cSld>
@@ -6127,7 +6137,7 @@
     <a:masterClrMapping/>
   </p:clrMapOvr>
   <mc:AlternateContent xmlns:mc="http://schemas.openxmlformats.org/markup-compatibility/2006">
-    <mc:Choice xmlns:p14="http://schemas.microsoft.com/office/powerpoint/2010/main" xmlns="" Requires="p14">
+    <mc:Choice xmlns="" xmlns:p14="http://schemas.microsoft.com/office/powerpoint/2010/main" Requires="p14">
       <p:transition spd="med" p14:dur="699">
         <p:fade/>
       </p:transition>
@@ -6518,17 +6528,7 @@
                   </a:schemeClr>
                 </a:solidFill>
               </a:rPr>
-              <a:t>p</a:t>
-            </a:r>
-            <a:r>
-              <a:rPr lang="pl-PL" sz="16600" b="1" dirty="0" smtClean="0">
-                <a:solidFill>
-                  <a:schemeClr val="accent4">
-                    <a:lumMod val="75000"/>
-                  </a:schemeClr>
-                </a:solidFill>
-              </a:rPr>
-              <a:t>ytania?</a:t>
+              <a:t>pytania?</a:t>
             </a:r>
             <a:endParaRPr lang="es-ES" sz="16600" b="1" dirty="0">
               <a:solidFill>
@@ -6543,7 +6543,7 @@
     </p:spTree>
     <p:extLst>
       <p:ext uri="{BB962C8B-B14F-4D97-AF65-F5344CB8AC3E}">
-        <p14:creationId xmlns:p14="http://schemas.microsoft.com/office/powerpoint/2010/main" xmlns="" val="2740888392"/>
+        <p14:creationId xmlns="" xmlns:p14="http://schemas.microsoft.com/office/powerpoint/2010/main" val="2740888392"/>
       </p:ext>
     </p:extLst>
   </p:cSld>
@@ -6551,7 +6551,7 @@
     <a:masterClrMapping/>
   </p:clrMapOvr>
   <mc:AlternateContent xmlns:mc="http://schemas.openxmlformats.org/markup-compatibility/2006">
-    <mc:Choice xmlns:p14="http://schemas.microsoft.com/office/powerpoint/2010/main" xmlns="" Requires="p14">
+    <mc:Choice xmlns="" xmlns:p14="http://schemas.microsoft.com/office/powerpoint/2010/main" Requires="p14">
       <p:transition spd="med" p14:dur="699">
         <p:fade/>
       </p:transition>
@@ -6967,10 +6967,55 @@
           </a:p>
         </p:txBody>
       </p:sp>
+      <p:sp>
+        <p:nvSpPr>
+          <p:cNvPr id="11" name="TextBox 10"/>
+          <p:cNvSpPr txBox="1"/>
+          <p:nvPr/>
+        </p:nvSpPr>
+        <p:spPr>
+          <a:xfrm>
+            <a:off x="251520" y="4509120"/>
+            <a:ext cx="8640960" cy="584775"/>
+          </a:xfrm>
+          <a:prstGeom prst="rect">
+            <a:avLst/>
+          </a:prstGeom>
+          <a:noFill/>
+        </p:spPr>
+        <p:txBody>
+          <a:bodyPr wrap="square" rtlCol="0">
+            <a:spAutoFit/>
+          </a:bodyPr>
+          <a:lstStyle/>
+          <a:p>
+            <a:pPr algn="ctr"/>
+            <a:r>
+              <a:rPr lang="en-US" sz="3200" b="1" dirty="0" smtClean="0">
+                <a:solidFill>
+                  <a:schemeClr val="accent4">
+                    <a:lumMod val="75000"/>
+                  </a:schemeClr>
+                </a:solidFill>
+                <a:latin typeface="+mj-lt"/>
+              </a:rPr>
+              <a:t>/Java-Applets</a:t>
+            </a:r>
+            <a:endParaRPr lang="en-US" sz="3200" b="1" dirty="0">
+              <a:solidFill>
+                <a:schemeClr val="accent4">
+                  <a:lumMod val="75000"/>
+                </a:schemeClr>
+              </a:solidFill>
+              <a:latin typeface="+mj-lt"/>
+            </a:endParaRPr>
+          </a:p>
+        </p:txBody>
+      </p:sp>
     </p:spTree>
     <p:extLst>
       <p:ext uri="{BB962C8B-B14F-4D97-AF65-F5344CB8AC3E}">
-        <p14:creationId xmlns:p14="http://schemas.microsoft.com/office/powerpoint/2010/main" xmlns="" val="2740888392"/>
+        <p14:creationId xmlns="" xmlns:p14="http://schemas.microsoft.com/office/powerpoint/2010/main" val="2740888392"/>
       </p:ext>
     </p:extLst>
   </p:cSld>
@@ -6978,7 +7023,7 @@
     <a:masterClrMapping/>
   </p:clrMapOvr>
   <mc:AlternateContent xmlns:mc="http://schemas.openxmlformats.org/markup-compatibility/2006">
-    <mc:Choice xmlns:p14="http://schemas.microsoft.com/office/powerpoint/2010/main" xmlns="" Requires="p14">
+    <mc:Choice xmlns="" xmlns:p14="http://schemas.microsoft.com/office/powerpoint/2010/main" Requires="p14">
       <p:transition spd="med" p14:dur="699">
         <p:fade/>
       </p:transition>
@@ -8035,7 +8080,7 @@
     </p:spTree>
     <p:extLst>
       <p:ext uri="{BB962C8B-B14F-4D97-AF65-F5344CB8AC3E}">
-        <p14:creationId xmlns:p14="http://schemas.microsoft.com/office/powerpoint/2010/main" xmlns="" val="1335941665"/>
+        <p14:creationId xmlns="" xmlns:p14="http://schemas.microsoft.com/office/powerpoint/2010/main" val="1335941665"/>
       </p:ext>
     </p:extLst>
   </p:cSld>
@@ -8043,7 +8088,7 @@
     <a:masterClrMapping/>
   </p:clrMapOvr>
   <mc:AlternateContent xmlns:mc="http://schemas.openxmlformats.org/markup-compatibility/2006">
-    <mc:Choice xmlns:p14="http://schemas.microsoft.com/office/powerpoint/2010/main" xmlns="" Requires="p14">
+    <mc:Choice xmlns="" xmlns:p14="http://schemas.microsoft.com/office/powerpoint/2010/main" Requires="p14">
       <p:transition spd="med" p14:dur="699">
         <p:fade/>
       </p:transition>
@@ -9044,7 +9089,7 @@
     </p:spTree>
     <p:extLst>
       <p:ext uri="{BB962C8B-B14F-4D97-AF65-F5344CB8AC3E}">
-        <p14:creationId xmlns:p14="http://schemas.microsoft.com/office/powerpoint/2010/main" xmlns="" val="2305319834"/>
+        <p14:creationId xmlns="" xmlns:p14="http://schemas.microsoft.com/office/powerpoint/2010/main" val="2305319834"/>
       </p:ext>
     </p:extLst>
   </p:cSld>
@@ -9052,7 +9097,7 @@
     <a:masterClrMapping/>
   </p:clrMapOvr>
   <mc:AlternateContent xmlns:mc="http://schemas.openxmlformats.org/markup-compatibility/2006">
-    <mc:Choice xmlns:p14="http://schemas.microsoft.com/office/powerpoint/2010/main" xmlns="" Requires="p14">
+    <mc:Choice xmlns="" xmlns:p14="http://schemas.microsoft.com/office/powerpoint/2010/main" Requires="p14">
       <p:transition spd="med" p14:dur="699">
         <p:fade/>
       </p:transition>
@@ -10548,7 +10593,7 @@
     </p:spTree>
     <p:extLst>
       <p:ext uri="{BB962C8B-B14F-4D97-AF65-F5344CB8AC3E}">
-        <p14:creationId xmlns:p14="http://schemas.microsoft.com/office/powerpoint/2010/main" xmlns="" val="2115499910"/>
+        <p14:creationId xmlns="" xmlns:p14="http://schemas.microsoft.com/office/powerpoint/2010/main" val="2115499910"/>
       </p:ext>
     </p:extLst>
   </p:cSld>
@@ -10556,7 +10601,7 @@
     <a:masterClrMapping/>
   </p:clrMapOvr>
   <mc:AlternateContent xmlns:mc="http://schemas.openxmlformats.org/markup-compatibility/2006">
-    <mc:Choice xmlns:p14="http://schemas.microsoft.com/office/powerpoint/2010/main" xmlns="" Requires="p14">
+    <mc:Choice xmlns="" xmlns:p14="http://schemas.microsoft.com/office/powerpoint/2010/main" Requires="p14">
       <p:transition spd="med" p14:dur="699">
         <p:fade/>
       </p:transition>
@@ -10690,7 +10735,7 @@
                   </a:schemeClr>
                 </a:solidFill>
               </a:rPr>
-              <a:t>Aplety</a:t>
+              <a:t>Applety</a:t>
             </a:r>
             <a:endParaRPr lang="es-ES" sz="7000" b="1" dirty="0">
               <a:solidFill>
@@ -10749,7 +10794,27 @@
                   </a:schemeClr>
                 </a:solidFill>
               </a:rPr>
-              <a:t>CZYM SĄ APLETY?</a:t>
+              <a:t>CZYM </a:t>
+            </a:r>
+            <a:r>
+              <a:rPr lang="pl-PL" b="1" smtClean="0">
+                <a:solidFill>
+                  <a:schemeClr val="bg1">
+                    <a:lumMod val="65000"/>
+                  </a:schemeClr>
+                </a:solidFill>
+              </a:rPr>
+              <a:t>SĄ APPLETY</a:t>
+            </a:r>
+            <a:r>
+              <a:rPr lang="pl-PL" b="1" dirty="0" smtClean="0">
+                <a:solidFill>
+                  <a:schemeClr val="bg1">
+                    <a:lumMod val="65000"/>
+                  </a:schemeClr>
+                </a:solidFill>
+              </a:rPr>
+              <a:t>?</a:t>
             </a:r>
           </a:p>
         </p:txBody>
@@ -10926,7 +10991,15 @@
                   <a:srgbClr val="5F5F5F"/>
                 </a:solidFill>
               </a:rPr>
-              <a:t>Alety to małe aplikacje dostępne przez internet. Automatycznie instalowane, uruchamiane jako część dokumentu strony internetowej.</a:t>
+              <a:t>Applety </a:t>
+            </a:r>
+            <a:r>
+              <a:rPr lang="pl-PL" sz="1400" b="1" dirty="0" smtClean="0">
+                <a:solidFill>
+                  <a:srgbClr val="5F5F5F"/>
+                </a:solidFill>
+              </a:rPr>
+              <a:t>to małe aplikacje dostępne przez internet. Automatycznie instalowane, uruchamiane jako część dokumentu strony internetowej.</a:t>
             </a:r>
             <a:endParaRPr lang="es-ES" sz="1400" b="1" dirty="0">
               <a:solidFill>
@@ -11108,7 +11181,15 @@
                   <a:srgbClr val="5F5F5F"/>
                 </a:solidFill>
               </a:rPr>
-              <a:t>Aplet to program napisany w języku Java, może być dołączony do dokumentu HTML. Kod apletu jest transferowany do systemu i wykonany przez Wirutlaną Maszynę Javy (JVM) przeglądarki internetowej</a:t>
+              <a:t>Applet </a:t>
+            </a:r>
+            <a:r>
+              <a:rPr lang="pl-PL" sz="1200" dirty="0" smtClean="0">
+                <a:solidFill>
+                  <a:srgbClr val="5F5F5F"/>
+                </a:solidFill>
+              </a:rPr>
+              <a:t>to program napisany w języku Java, może być dołączony do dokumentu HTML. Kod apletu jest transferowany do systemu i wykonany przez Wirutlaną Maszynę Javy (JVM) przeglądarki internetowej</a:t>
             </a:r>
             <a:endParaRPr lang="es-ES" sz="1200" dirty="0">
               <a:solidFill>
@@ -11349,7 +11430,15 @@
                   <a:srgbClr val="5F5F5F"/>
                 </a:solidFill>
               </a:rPr>
-              <a:t>Aplet to program</a:t>
+              <a:t>Applet </a:t>
+            </a:r>
+            <a:r>
+              <a:rPr lang="pl-PL" sz="1400" b="1" dirty="0" smtClean="0">
+                <a:solidFill>
+                  <a:srgbClr val="5F5F5F"/>
+                </a:solidFill>
+              </a:rPr>
+              <a:t>to program</a:t>
             </a:r>
             <a:endParaRPr lang="es-ES" sz="1400" b="1" dirty="0">
               <a:solidFill>
@@ -11531,7 +11620,23 @@
                   <a:srgbClr val="5F5F5F"/>
                 </a:solidFill>
               </a:rPr>
-              <a:t>Dzięki Apletom możemy próbować dostać się do warstwy sprzętowej użytkownika, uzyskać dostęp do plików (wymaga podpisanego apletu – certyfikacja) a także przerzucić ciężar obliczeń na maszynę użytkownika</a:t>
+              <a:t>Dzięki </a:t>
+            </a:r>
+            <a:r>
+              <a:rPr lang="pl-PL" sz="1200" dirty="0" smtClean="0">
+                <a:solidFill>
+                  <a:srgbClr val="5F5F5F"/>
+                </a:solidFill>
+              </a:rPr>
+              <a:t>Appletom </a:t>
+            </a:r>
+            <a:r>
+              <a:rPr lang="pl-PL" sz="1200" dirty="0" smtClean="0">
+                <a:solidFill>
+                  <a:srgbClr val="5F5F5F"/>
+                </a:solidFill>
+              </a:rPr>
+              <a:t>możemy próbować dostać się do warstwy sprzętowej użytkownika, uzyskać dostęp do plików (wymaga podpisanego apletu – certyfikacja) a także przerzucić ciężar obliczeń na maszynę użytkownika</a:t>
             </a:r>
             <a:endParaRPr lang="es-ES" sz="1200" dirty="0">
               <a:solidFill>
@@ -12272,7 +12377,7 @@
     </p:spTree>
     <p:extLst>
       <p:ext uri="{BB962C8B-B14F-4D97-AF65-F5344CB8AC3E}">
-        <p14:creationId xmlns:p14="http://schemas.microsoft.com/office/powerpoint/2010/main" xmlns="" val="3867510109"/>
+        <p14:creationId xmlns="" xmlns:p14="http://schemas.microsoft.com/office/powerpoint/2010/main" val="3867510109"/>
       </p:ext>
     </p:extLst>
   </p:cSld>
@@ -12280,7 +12385,7 @@
     <a:masterClrMapping/>
   </p:clrMapOvr>
   <mc:AlternateContent xmlns:mc="http://schemas.openxmlformats.org/markup-compatibility/2006">
-    <mc:Choice xmlns:p14="http://schemas.microsoft.com/office/powerpoint/2010/main" xmlns="" Requires="p14">
+    <mc:Choice xmlns="" xmlns:p14="http://schemas.microsoft.com/office/powerpoint/2010/main" Requires="p14">
       <p:transition spd="med" p14:dur="699">
         <p:fade/>
       </p:transition>
@@ -14082,7 +14187,7 @@
     </p:spTree>
     <p:extLst>
       <p:ext uri="{BB962C8B-B14F-4D97-AF65-F5344CB8AC3E}">
-        <p14:creationId xmlns:p14="http://schemas.microsoft.com/office/powerpoint/2010/main" xmlns="" val="3867510109"/>
+        <p14:creationId xmlns="" xmlns:p14="http://schemas.microsoft.com/office/powerpoint/2010/main" val="3867510109"/>
       </p:ext>
     </p:extLst>
   </p:cSld>
@@ -14090,7 +14195,7 @@
     <a:masterClrMapping/>
   </p:clrMapOvr>
   <mc:AlternateContent xmlns:mc="http://schemas.openxmlformats.org/markup-compatibility/2006">
-    <mc:Choice xmlns:p14="http://schemas.microsoft.com/office/powerpoint/2010/main" xmlns="" Requires="p14">
+    <mc:Choice xmlns="" xmlns:p14="http://schemas.microsoft.com/office/powerpoint/2010/main" Requires="p14">
       <p:transition spd="med" p14:dur="699">
         <p:fade/>
       </p:transition>
@@ -15752,7 +15857,7 @@
     </p:spTree>
     <p:extLst>
       <p:ext uri="{BB962C8B-B14F-4D97-AF65-F5344CB8AC3E}">
-        <p14:creationId xmlns:p14="http://schemas.microsoft.com/office/powerpoint/2010/main" xmlns="" val="2115499910"/>
+        <p14:creationId xmlns="" xmlns:p14="http://schemas.microsoft.com/office/powerpoint/2010/main" val="2115499910"/>
       </p:ext>
     </p:extLst>
   </p:cSld>
@@ -15760,7 +15865,7 @@
     <a:masterClrMapping/>
   </p:clrMapOvr>
   <mc:AlternateContent xmlns:mc="http://schemas.openxmlformats.org/markup-compatibility/2006">
-    <mc:Choice xmlns:p14="http://schemas.microsoft.com/office/powerpoint/2010/main" xmlns="" Requires="p14">
+    <mc:Choice xmlns="" xmlns:p14="http://schemas.microsoft.com/office/powerpoint/2010/main" Requires="p14">
       <p:transition spd="med" p14:dur="699">
         <p:fade/>
       </p:transition>
@@ -16023,7 +16128,7 @@
     </p:spTree>
     <p:extLst>
       <p:ext uri="{BB962C8B-B14F-4D97-AF65-F5344CB8AC3E}">
-        <p14:creationId xmlns:p14="http://schemas.microsoft.com/office/powerpoint/2010/main" xmlns="" val="2367997045"/>
+        <p14:creationId xmlns="" xmlns:p14="http://schemas.microsoft.com/office/powerpoint/2010/main" val="2367997045"/>
       </p:ext>
     </p:extLst>
   </p:cSld>
@@ -16031,7 +16136,7 @@
     <a:masterClrMapping/>
   </p:clrMapOvr>
   <mc:AlternateContent xmlns:mc="http://schemas.openxmlformats.org/markup-compatibility/2006">
-    <mc:Choice xmlns:p14="http://schemas.microsoft.com/office/powerpoint/2010/main" xmlns="" Requires="p14">
+    <mc:Choice xmlns="" xmlns:p14="http://schemas.microsoft.com/office/powerpoint/2010/main" Requires="p14">
       <p:transition spd="med" p14:dur="699">
         <p:fade/>
       </p:transition>
@@ -16244,7 +16349,7 @@
     </p:spTree>
     <p:extLst>
       <p:ext uri="{BB962C8B-B14F-4D97-AF65-F5344CB8AC3E}">
-        <p14:creationId xmlns:p14="http://schemas.microsoft.com/office/powerpoint/2010/main" xmlns="" val="2367997045"/>
+        <p14:creationId xmlns="" xmlns:p14="http://schemas.microsoft.com/office/powerpoint/2010/main" val="2367997045"/>
       </p:ext>
     </p:extLst>
   </p:cSld>
@@ -16252,7 +16357,7 @@
     <a:masterClrMapping/>
   </p:clrMapOvr>
   <mc:AlternateContent xmlns:mc="http://schemas.openxmlformats.org/markup-compatibility/2006">
-    <mc:Choice xmlns:p14="http://schemas.microsoft.com/office/powerpoint/2010/main" xmlns="" Requires="p14">
+    <mc:Choice xmlns="" xmlns:p14="http://schemas.microsoft.com/office/powerpoint/2010/main" Requires="p14">
       <p:transition spd="med" p14:dur="699">
         <p:fade/>
       </p:transition>
@@ -16564,7 +16669,7 @@
     </p:spTree>
     <p:extLst>
       <p:ext uri="{BB962C8B-B14F-4D97-AF65-F5344CB8AC3E}">
-        <p14:creationId xmlns:p14="http://schemas.microsoft.com/office/powerpoint/2010/main" xmlns="" val="2367997045"/>
+        <p14:creationId xmlns="" xmlns:p14="http://schemas.microsoft.com/office/powerpoint/2010/main" val="2367997045"/>
       </p:ext>
     </p:extLst>
   </p:cSld>
@@ -16572,7 +16677,7 @@
     <a:masterClrMapping/>
   </p:clrMapOvr>
   <mc:AlternateContent xmlns:mc="http://schemas.openxmlformats.org/markup-compatibility/2006">
-    <mc:Choice xmlns:p14="http://schemas.microsoft.com/office/powerpoint/2010/main" xmlns="" Requires="p14">
+    <mc:Choice xmlns="" xmlns:p14="http://schemas.microsoft.com/office/powerpoint/2010/main" Requires="p14">
       <p:transition spd="med" p14:dur="699">
         <p:fade/>
       </p:transition>
@@ -16784,7 +16889,7 @@
     </p:spTree>
     <p:extLst>
       <p:ext uri="{BB962C8B-B14F-4D97-AF65-F5344CB8AC3E}">
-        <p14:creationId xmlns:p14="http://schemas.microsoft.com/office/powerpoint/2010/main" xmlns="" val="2367997045"/>
+        <p14:creationId xmlns="" xmlns:p14="http://schemas.microsoft.com/office/powerpoint/2010/main" val="2367997045"/>
       </p:ext>
     </p:extLst>
   </p:cSld>
@@ -16792,7 +16897,7 @@
     <a:masterClrMapping/>
   </p:clrMapOvr>
   <mc:AlternateContent xmlns:mc="http://schemas.openxmlformats.org/markup-compatibility/2006">
-    <mc:Choice xmlns:p14="http://schemas.microsoft.com/office/powerpoint/2010/main" xmlns="" Requires="p14">
+    <mc:Choice xmlns="" xmlns:p14="http://schemas.microsoft.com/office/powerpoint/2010/main" Requires="p14">
       <p:transition spd="med" p14:dur="699">
         <p:fade/>
       </p:transition>

--- a/prezka.pptx
+++ b/prezka.pptx
@@ -18,14 +18,13 @@
     <p:sldId id="274" r:id="rId12"/>
     <p:sldId id="275" r:id="rId13"/>
     <p:sldId id="276" r:id="rId14"/>
-    <p:sldId id="278" r:id="rId15"/>
-    <p:sldId id="279" r:id="rId16"/>
-    <p:sldId id="280" r:id="rId17"/>
-    <p:sldId id="281" r:id="rId18"/>
-    <p:sldId id="259" r:id="rId19"/>
-    <p:sldId id="266" r:id="rId20"/>
-    <p:sldId id="264" r:id="rId21"/>
-    <p:sldId id="262" r:id="rId22"/>
+    <p:sldId id="279" r:id="rId15"/>
+    <p:sldId id="280" r:id="rId16"/>
+    <p:sldId id="281" r:id="rId17"/>
+    <p:sldId id="259" r:id="rId18"/>
+    <p:sldId id="266" r:id="rId19"/>
+    <p:sldId id="264" r:id="rId20"/>
+    <p:sldId id="262" r:id="rId21"/>
   </p:sldIdLst>
   <p:sldSz cx="9144000" cy="6858000" type="screen4x3"/>
   <p:notesSz cx="6858000" cy="9144000"/>
@@ -309,7 +308,7 @@
             <a:fld id="{22627A37-37B1-4CBC-B071-E81B12DE63DD}" type="datetimeFigureOut">
               <a:rPr lang="es-ES" smtClean="0"/>
               <a:pPr/>
-              <a:t>14/06/2011</a:t>
+              <a:t>15/06/2011</a:t>
             </a:fld>
             <a:endParaRPr lang="es-ES"/>
           </a:p>
@@ -361,7 +360,7 @@
     </p:spTree>
     <p:extLst>
       <p:ext uri="{BB962C8B-B14F-4D97-AF65-F5344CB8AC3E}">
-        <p14:creationId xmlns="" xmlns:p14="http://schemas.microsoft.com/office/powerpoint/2010/main" val="1731233127"/>
+        <p14:creationId xmlns:p14="http://schemas.microsoft.com/office/powerpoint/2010/main" xmlns="" val="1731233127"/>
       </p:ext>
     </p:extLst>
   </p:cSld>
@@ -481,7 +480,7 @@
             <a:fld id="{22627A37-37B1-4CBC-B071-E81B12DE63DD}" type="datetimeFigureOut">
               <a:rPr lang="es-ES" smtClean="0"/>
               <a:pPr/>
-              <a:t>14/06/2011</a:t>
+              <a:t>15/06/2011</a:t>
             </a:fld>
             <a:endParaRPr lang="es-ES"/>
           </a:p>
@@ -533,7 +532,7 @@
     </p:spTree>
     <p:extLst>
       <p:ext uri="{BB962C8B-B14F-4D97-AF65-F5344CB8AC3E}">
-        <p14:creationId xmlns="" xmlns:p14="http://schemas.microsoft.com/office/powerpoint/2010/main" val="2847812126"/>
+        <p14:creationId xmlns:p14="http://schemas.microsoft.com/office/powerpoint/2010/main" xmlns="" val="2847812126"/>
       </p:ext>
     </p:extLst>
   </p:cSld>
@@ -663,7 +662,7 @@
             <a:fld id="{22627A37-37B1-4CBC-B071-E81B12DE63DD}" type="datetimeFigureOut">
               <a:rPr lang="es-ES" smtClean="0"/>
               <a:pPr/>
-              <a:t>14/06/2011</a:t>
+              <a:t>15/06/2011</a:t>
             </a:fld>
             <a:endParaRPr lang="es-ES"/>
           </a:p>
@@ -715,7 +714,7 @@
     </p:spTree>
     <p:extLst>
       <p:ext uri="{BB962C8B-B14F-4D97-AF65-F5344CB8AC3E}">
-        <p14:creationId xmlns="" xmlns:p14="http://schemas.microsoft.com/office/powerpoint/2010/main" val="516095393"/>
+        <p14:creationId xmlns:p14="http://schemas.microsoft.com/office/powerpoint/2010/main" xmlns="" val="516095393"/>
       </p:ext>
     </p:extLst>
   </p:cSld>
@@ -835,7 +834,7 @@
             <a:fld id="{22627A37-37B1-4CBC-B071-E81B12DE63DD}" type="datetimeFigureOut">
               <a:rPr lang="es-ES" smtClean="0"/>
               <a:pPr/>
-              <a:t>14/06/2011</a:t>
+              <a:t>15/06/2011</a:t>
             </a:fld>
             <a:endParaRPr lang="es-ES"/>
           </a:p>
@@ -887,7 +886,7 @@
     </p:spTree>
     <p:extLst>
       <p:ext uri="{BB962C8B-B14F-4D97-AF65-F5344CB8AC3E}">
-        <p14:creationId xmlns="" xmlns:p14="http://schemas.microsoft.com/office/powerpoint/2010/main" val="1384265332"/>
+        <p14:creationId xmlns:p14="http://schemas.microsoft.com/office/powerpoint/2010/main" xmlns="" val="1384265332"/>
       </p:ext>
     </p:extLst>
   </p:cSld>
@@ -1083,7 +1082,7 @@
             <a:fld id="{22627A37-37B1-4CBC-B071-E81B12DE63DD}" type="datetimeFigureOut">
               <a:rPr lang="es-ES" smtClean="0"/>
               <a:pPr/>
-              <a:t>14/06/2011</a:t>
+              <a:t>15/06/2011</a:t>
             </a:fld>
             <a:endParaRPr lang="es-ES"/>
           </a:p>
@@ -1135,7 +1134,7 @@
     </p:spTree>
     <p:extLst>
       <p:ext uri="{BB962C8B-B14F-4D97-AF65-F5344CB8AC3E}">
-        <p14:creationId xmlns="" xmlns:p14="http://schemas.microsoft.com/office/powerpoint/2010/main" val="4241166118"/>
+        <p14:creationId xmlns:p14="http://schemas.microsoft.com/office/powerpoint/2010/main" xmlns="" val="4241166118"/>
       </p:ext>
     </p:extLst>
   </p:cSld>
@@ -1373,7 +1372,7 @@
             <a:fld id="{22627A37-37B1-4CBC-B071-E81B12DE63DD}" type="datetimeFigureOut">
               <a:rPr lang="es-ES" smtClean="0"/>
               <a:pPr/>
-              <a:t>14/06/2011</a:t>
+              <a:t>15/06/2011</a:t>
             </a:fld>
             <a:endParaRPr lang="es-ES"/>
           </a:p>
@@ -1425,7 +1424,7 @@
     </p:spTree>
     <p:extLst>
       <p:ext uri="{BB962C8B-B14F-4D97-AF65-F5344CB8AC3E}">
-        <p14:creationId xmlns="" xmlns:p14="http://schemas.microsoft.com/office/powerpoint/2010/main" val="2967055804"/>
+        <p14:creationId xmlns:p14="http://schemas.microsoft.com/office/powerpoint/2010/main" xmlns="" val="2967055804"/>
       </p:ext>
     </p:extLst>
   </p:cSld>
@@ -1797,7 +1796,7 @@
             <a:fld id="{22627A37-37B1-4CBC-B071-E81B12DE63DD}" type="datetimeFigureOut">
               <a:rPr lang="es-ES" smtClean="0"/>
               <a:pPr/>
-              <a:t>14/06/2011</a:t>
+              <a:t>15/06/2011</a:t>
             </a:fld>
             <a:endParaRPr lang="es-ES"/>
           </a:p>
@@ -1849,7 +1848,7 @@
     </p:spTree>
     <p:extLst>
       <p:ext uri="{BB962C8B-B14F-4D97-AF65-F5344CB8AC3E}">
-        <p14:creationId xmlns="" xmlns:p14="http://schemas.microsoft.com/office/powerpoint/2010/main" val="1967685052"/>
+        <p14:creationId xmlns:p14="http://schemas.microsoft.com/office/powerpoint/2010/main" xmlns="" val="1967685052"/>
       </p:ext>
     </p:extLst>
   </p:cSld>
@@ -1917,7 +1916,7 @@
             <a:fld id="{22627A37-37B1-4CBC-B071-E81B12DE63DD}" type="datetimeFigureOut">
               <a:rPr lang="es-ES" smtClean="0"/>
               <a:pPr/>
-              <a:t>14/06/2011</a:t>
+              <a:t>15/06/2011</a:t>
             </a:fld>
             <a:endParaRPr lang="es-ES"/>
           </a:p>
@@ -1969,7 +1968,7 @@
     </p:spTree>
     <p:extLst>
       <p:ext uri="{BB962C8B-B14F-4D97-AF65-F5344CB8AC3E}">
-        <p14:creationId xmlns="" xmlns:p14="http://schemas.microsoft.com/office/powerpoint/2010/main" val="3560315199"/>
+        <p14:creationId xmlns:p14="http://schemas.microsoft.com/office/powerpoint/2010/main" xmlns="" val="3560315199"/>
       </p:ext>
     </p:extLst>
   </p:cSld>
@@ -2014,7 +2013,7 @@
             <a:fld id="{22627A37-37B1-4CBC-B071-E81B12DE63DD}" type="datetimeFigureOut">
               <a:rPr lang="es-ES" smtClean="0"/>
               <a:pPr/>
-              <a:t>14/06/2011</a:t>
+              <a:t>15/06/2011</a:t>
             </a:fld>
             <a:endParaRPr lang="es-ES"/>
           </a:p>
@@ -2066,7 +2065,7 @@
     </p:spTree>
     <p:extLst>
       <p:ext uri="{BB962C8B-B14F-4D97-AF65-F5344CB8AC3E}">
-        <p14:creationId xmlns="" xmlns:p14="http://schemas.microsoft.com/office/powerpoint/2010/main" val="850799134"/>
+        <p14:creationId xmlns:p14="http://schemas.microsoft.com/office/powerpoint/2010/main" xmlns="" val="850799134"/>
       </p:ext>
     </p:extLst>
   </p:cSld>
@@ -2293,7 +2292,7 @@
             <a:fld id="{22627A37-37B1-4CBC-B071-E81B12DE63DD}" type="datetimeFigureOut">
               <a:rPr lang="es-ES" smtClean="0"/>
               <a:pPr/>
-              <a:t>14/06/2011</a:t>
+              <a:t>15/06/2011</a:t>
             </a:fld>
             <a:endParaRPr lang="es-ES"/>
           </a:p>
@@ -2345,7 +2344,7 @@
     </p:spTree>
     <p:extLst>
       <p:ext uri="{BB962C8B-B14F-4D97-AF65-F5344CB8AC3E}">
-        <p14:creationId xmlns="" xmlns:p14="http://schemas.microsoft.com/office/powerpoint/2010/main" val="3990278901"/>
+        <p14:creationId xmlns:p14="http://schemas.microsoft.com/office/powerpoint/2010/main" xmlns="" val="3990278901"/>
       </p:ext>
     </p:extLst>
   </p:cSld>
@@ -2548,7 +2547,7 @@
             <a:fld id="{22627A37-37B1-4CBC-B071-E81B12DE63DD}" type="datetimeFigureOut">
               <a:rPr lang="es-ES" smtClean="0"/>
               <a:pPr/>
-              <a:t>14/06/2011</a:t>
+              <a:t>15/06/2011</a:t>
             </a:fld>
             <a:endParaRPr lang="es-ES"/>
           </a:p>
@@ -2600,7 +2599,7 @@
     </p:spTree>
     <p:extLst>
       <p:ext uri="{BB962C8B-B14F-4D97-AF65-F5344CB8AC3E}">
-        <p14:creationId xmlns="" xmlns:p14="http://schemas.microsoft.com/office/powerpoint/2010/main" val="1763289167"/>
+        <p14:creationId xmlns:p14="http://schemas.microsoft.com/office/powerpoint/2010/main" xmlns="" val="1763289167"/>
       </p:ext>
     </p:extLst>
   </p:cSld>
@@ -2772,7 +2771,7 @@
             <a:fld id="{22627A37-37B1-4CBC-B071-E81B12DE63DD}" type="datetimeFigureOut">
               <a:rPr lang="es-ES" smtClean="0"/>
               <a:pPr/>
-              <a:t>14/06/2011</a:t>
+              <a:t>15/06/2011</a:t>
             </a:fld>
             <a:endParaRPr lang="es-ES"/>
           </a:p>
@@ -2860,7 +2859,7 @@
     </p:spTree>
     <p:extLst>
       <p:ext uri="{BB962C8B-B14F-4D97-AF65-F5344CB8AC3E}">
-        <p14:creationId xmlns="" xmlns:p14="http://schemas.microsoft.com/office/powerpoint/2010/main" val="866398959"/>
+        <p14:creationId xmlns:p14="http://schemas.microsoft.com/office/powerpoint/2010/main" xmlns="" val="866398959"/>
       </p:ext>
     </p:extLst>
   </p:cSld>
@@ -3423,17 +3422,7 @@
                   </a:schemeClr>
                 </a:solidFill>
               </a:rPr>
-              <a:t>Applety </a:t>
-            </a:r>
-            <a:r>
-              <a:rPr lang="pl-PL" dirty="0" smtClean="0">
-                <a:solidFill>
-                  <a:schemeClr val="accent4">
-                    <a:lumMod val="75000"/>
-                  </a:schemeClr>
-                </a:solidFill>
-              </a:rPr>
-              <a:t>w </a:t>
+              <a:t>Applety w </a:t>
             </a:r>
             <a:r>
               <a:rPr lang="pl-PL" b="1" dirty="0" smtClean="0">
@@ -3724,7 +3713,7 @@
     </p:spTree>
     <p:extLst>
       <p:ext uri="{BB962C8B-B14F-4D97-AF65-F5344CB8AC3E}">
-        <p14:creationId xmlns="" xmlns:p14="http://schemas.microsoft.com/office/powerpoint/2010/main" val="2367997045"/>
+        <p14:creationId xmlns:p14="http://schemas.microsoft.com/office/powerpoint/2010/main" xmlns="" val="2367997045"/>
       </p:ext>
     </p:extLst>
   </p:cSld>
@@ -3732,7 +3721,7 @@
     <a:masterClrMapping/>
   </p:clrMapOvr>
   <mc:AlternateContent xmlns:mc="http://schemas.openxmlformats.org/markup-compatibility/2006">
-    <mc:Choice xmlns="" xmlns:p14="http://schemas.microsoft.com/office/powerpoint/2010/main" Requires="p14">
+    <mc:Choice xmlns:p14="http://schemas.microsoft.com/office/powerpoint/2010/main" xmlns="" Requires="p14">
       <p:transition spd="med" p14:dur="699">
         <p:fade/>
       </p:transition>
@@ -3960,7 +3949,7 @@
     </p:spTree>
     <p:extLst>
       <p:ext uri="{BB962C8B-B14F-4D97-AF65-F5344CB8AC3E}">
-        <p14:creationId xmlns="" xmlns:p14="http://schemas.microsoft.com/office/powerpoint/2010/main" val="2367997045"/>
+        <p14:creationId xmlns:p14="http://schemas.microsoft.com/office/powerpoint/2010/main" xmlns="" val="2367997045"/>
       </p:ext>
     </p:extLst>
   </p:cSld>
@@ -3968,7 +3957,7 @@
     <a:masterClrMapping/>
   </p:clrMapOvr>
   <mc:AlternateContent xmlns:mc="http://schemas.openxmlformats.org/markup-compatibility/2006">
-    <mc:Choice xmlns="" xmlns:p14="http://schemas.microsoft.com/office/powerpoint/2010/main" Requires="p14">
+    <mc:Choice xmlns:p14="http://schemas.microsoft.com/office/powerpoint/2010/main" xmlns="" Requires="p14">
       <p:transition spd="med" p14:dur="699">
         <p:fade/>
       </p:transition>
@@ -4190,7 +4179,7 @@
     </p:spTree>
     <p:extLst>
       <p:ext uri="{BB962C8B-B14F-4D97-AF65-F5344CB8AC3E}">
-        <p14:creationId xmlns="" xmlns:p14="http://schemas.microsoft.com/office/powerpoint/2010/main" val="2367997045"/>
+        <p14:creationId xmlns:p14="http://schemas.microsoft.com/office/powerpoint/2010/main" xmlns="" val="2367997045"/>
       </p:ext>
     </p:extLst>
   </p:cSld>
@@ -4198,7 +4187,7 @@
     <a:masterClrMapping/>
   </p:clrMapOvr>
   <mc:AlternateContent xmlns:mc="http://schemas.openxmlformats.org/markup-compatibility/2006">
-    <mc:Choice xmlns="" xmlns:p14="http://schemas.microsoft.com/office/powerpoint/2010/main" Requires="p14">
+    <mc:Choice xmlns:p14="http://schemas.microsoft.com/office/powerpoint/2010/main" xmlns="" Requires="p14">
       <p:transition spd="med" p14:dur="699">
         <p:fade/>
       </p:transition>
@@ -4320,83 +4309,105 @@
           <a:lstStyle/>
           <a:p>
             <a:r>
-              <a:rPr lang="pl-PL" sz="2400" dirty="0" smtClean="0"/>
+              <a:rPr lang="pl-PL" sz="2000" dirty="0" smtClean="0"/>
               <a:t>Uruchamianie appletów dla większości przeglądarek</a:t>
             </a:r>
           </a:p>
           <a:p>
             <a:pPr lvl="1"/>
             <a:r>
-              <a:rPr lang="pl-PL" sz="2400" dirty="0" smtClean="0"/>
+              <a:rPr lang="pl-PL" sz="2000" dirty="0" smtClean="0"/>
               <a:t>Używając tagu &lt;</a:t>
             </a:r>
             <a:r>
-              <a:rPr lang="pl-PL" sz="2400" b="1" dirty="0" smtClean="0"/>
+              <a:rPr lang="pl-PL" sz="2000" b="1" dirty="0" smtClean="0"/>
               <a:t>applet</a:t>
             </a:r>
             <a:r>
-              <a:rPr lang="pl-PL" sz="2400" dirty="0" smtClean="0"/>
+              <a:rPr lang="pl-PL" sz="2000" dirty="0" smtClean="0"/>
               <a:t>&gt; gdy dostęp do strony jest uzyskiwany z globalnego internetu</a:t>
             </a:r>
           </a:p>
           <a:p>
             <a:pPr lvl="1"/>
             <a:r>
-              <a:rPr lang="pl-PL" sz="2400" dirty="0" smtClean="0"/>
+              <a:rPr lang="pl-PL" sz="2000" dirty="0" smtClean="0"/>
               <a:t>Używając tagu &lt;</a:t>
             </a:r>
             <a:r>
-              <a:rPr lang="pl-PL" sz="2400" b="1" dirty="0" smtClean="0"/>
+              <a:rPr lang="pl-PL" sz="2000" b="1" dirty="0" smtClean="0"/>
               <a:t>object</a:t>
             </a:r>
             <a:r>
-              <a:rPr lang="pl-PL" sz="2400" dirty="0" smtClean="0"/>
+              <a:rPr lang="pl-PL" sz="2000" dirty="0" smtClean="0"/>
               <a:t>&gt; albo &lt;</a:t>
             </a:r>
             <a:r>
-              <a:rPr lang="pl-PL" sz="2400" b="1" dirty="0" smtClean="0"/>
+              <a:rPr lang="pl-PL" sz="2000" b="1" dirty="0" smtClean="0"/>
               <a:t>embed</a:t>
             </a:r>
             <a:r>
-              <a:rPr lang="pl-PL" sz="2400" dirty="0" smtClean="0"/>
+              <a:rPr lang="pl-PL" sz="2000" dirty="0" smtClean="0"/>
               <a:t>&gt; gdy strona internetowa jest ładowana poprzez intranet</a:t>
             </a:r>
           </a:p>
           <a:p>
             <a:r>
-              <a:rPr lang="pl-PL" sz="2400" dirty="0" smtClean="0"/>
+              <a:rPr lang="pl-PL" sz="2000" dirty="0" smtClean="0"/>
               <a:t>Uruchamianie appletów dla poszczególnych przeglądarek</a:t>
             </a:r>
           </a:p>
           <a:p>
             <a:pPr lvl="1"/>
             <a:r>
-              <a:rPr lang="pl-PL" sz="2400" dirty="0" smtClean="0"/>
+              <a:rPr lang="pl-PL" sz="2000" dirty="0" smtClean="0"/>
               <a:t>Internet Exploler: tylko &lt;</a:t>
             </a:r>
             <a:r>
-              <a:rPr lang="pl-PL" sz="2400" b="1" dirty="0" smtClean="0"/>
+              <a:rPr lang="pl-PL" sz="2000" b="1" dirty="0" smtClean="0"/>
               <a:t>object</a:t>
             </a:r>
             <a:r>
-              <a:rPr lang="pl-PL" sz="2400" dirty="0" smtClean="0"/>
+              <a:rPr lang="pl-PL" sz="2000" dirty="0" smtClean="0"/>
               <a:t>&gt; tag</a:t>
             </a:r>
           </a:p>
           <a:p>
             <a:pPr lvl="1"/>
             <a:r>
-              <a:rPr lang="pl-PL" sz="2400" dirty="0" smtClean="0"/>
+              <a:rPr lang="pl-PL" sz="2000" dirty="0" smtClean="0"/>
               <a:t>Mozilla: zaleca się używać tagu &lt;</a:t>
             </a:r>
             <a:r>
-              <a:rPr lang="pl-PL" sz="2400" b="1" dirty="0" smtClean="0"/>
+              <a:rPr lang="pl-PL" sz="2000" b="1" dirty="0" smtClean="0"/>
               <a:t>embed</a:t>
             </a:r>
             <a:r>
-              <a:rPr lang="pl-PL" sz="2400" dirty="0" smtClean="0"/>
+              <a:rPr lang="pl-PL" sz="2000" dirty="0" smtClean="0"/>
               <a:t>&gt;</a:t>
             </a:r>
+          </a:p>
+          <a:p>
+            <a:r>
+              <a:rPr lang="pl-PL" sz="2000" dirty="0" smtClean="0"/>
+              <a:t>Jako klasyczna aplikacja javy </a:t>
+            </a:r>
+          </a:p>
+          <a:p>
+            <a:pPr lvl="1"/>
+            <a:r>
+              <a:rPr lang="pl-PL" sz="2000" dirty="0" smtClean="0"/>
+              <a:t>Wymaga specjalnego wywołania w metodzie </a:t>
+            </a:r>
+            <a:r>
+              <a:rPr lang="pl-PL" sz="2000" b="1" dirty="0" smtClean="0"/>
+              <a:t>main</a:t>
+            </a:r>
+            <a:r>
+              <a:rPr lang="pl-PL" sz="2000" dirty="0" smtClean="0"/>
+              <a:t>()</a:t>
+            </a:r>
+            <a:endParaRPr lang="pl-PL" sz="2000" dirty="0" smtClean="0"/>
           </a:p>
         </p:txBody>
       </p:sp>
@@ -4452,7 +4463,7 @@
     </p:spTree>
     <p:extLst>
       <p:ext uri="{BB962C8B-B14F-4D97-AF65-F5344CB8AC3E}">
-        <p14:creationId xmlns="" xmlns:p14="http://schemas.microsoft.com/office/powerpoint/2010/main" val="2367997045"/>
+        <p14:creationId xmlns:p14="http://schemas.microsoft.com/office/powerpoint/2010/main" xmlns="" val="2367997045"/>
       </p:ext>
     </p:extLst>
   </p:cSld>
@@ -4460,7 +4471,7 @@
     <a:masterClrMapping/>
   </p:clrMapOvr>
   <mc:AlternateContent xmlns:mc="http://schemas.openxmlformats.org/markup-compatibility/2006">
-    <mc:Choice xmlns="" xmlns:p14="http://schemas.microsoft.com/office/powerpoint/2010/main" Requires="p14">
+    <mc:Choice xmlns:p14="http://schemas.microsoft.com/office/powerpoint/2010/main" xmlns="" Requires="p14">
       <p:transition spd="med" p14:dur="699">
         <p:fade/>
       </p:transition>
@@ -4674,7 +4685,7 @@
     </p:spTree>
     <p:extLst>
       <p:ext uri="{BB962C8B-B14F-4D97-AF65-F5344CB8AC3E}">
-        <p14:creationId xmlns="" xmlns:p14="http://schemas.microsoft.com/office/powerpoint/2010/main" val="2367997045"/>
+        <p14:creationId xmlns:p14="http://schemas.microsoft.com/office/powerpoint/2010/main" xmlns="" val="2367997045"/>
       </p:ext>
     </p:extLst>
   </p:cSld>
@@ -4682,7 +4693,7 @@
     <a:masterClrMapping/>
   </p:clrMapOvr>
   <mc:AlternateContent xmlns:mc="http://schemas.openxmlformats.org/markup-compatibility/2006">
-    <mc:Choice xmlns="" xmlns:p14="http://schemas.microsoft.com/office/powerpoint/2010/main" Requires="p14">
+    <mc:Choice xmlns:p14="http://schemas.microsoft.com/office/powerpoint/2010/main" xmlns="" Requires="p14">
       <p:transition spd="med" p14:dur="699">
         <p:fade/>
       </p:transition>
@@ -4704,228 +4715,6 @@
 </file>
 
 <file path=ppt/slides/slide14.xml><?xml version="1.0" encoding="utf-8"?>
-<p:sld xmlns:a="http://schemas.openxmlformats.org/drawingml/2006/main" xmlns:r="http://schemas.openxmlformats.org/officeDocument/2006/relationships" xmlns:p="http://schemas.openxmlformats.org/presentationml/2006/main">
-  <p:cSld>
-    <p:spTree>
-      <p:nvGrpSpPr>
-        <p:cNvPr id="1" name=""/>
-        <p:cNvGrpSpPr/>
-        <p:nvPr/>
-      </p:nvGrpSpPr>
-      <p:grpSpPr>
-        <a:xfrm>
-          <a:off x="0" y="0"/>
-          <a:ext cx="0" cy="0"/>
-          <a:chOff x="0" y="0"/>
-          <a:chExt cx="0" cy="0"/>
-        </a:xfrm>
-      </p:grpSpPr>
-      <p:sp>
-        <p:nvSpPr>
-          <p:cNvPr id="7" name="Title 6"/>
-          <p:cNvSpPr>
-            <a:spLocks noGrp="1"/>
-          </p:cNvSpPr>
-          <p:nvPr>
-            <p:ph type="title"/>
-          </p:nvPr>
-        </p:nvSpPr>
-        <p:spPr/>
-        <p:txBody>
-          <a:bodyPr>
-            <a:normAutofit/>
-          </a:bodyPr>
-          <a:lstStyle/>
-          <a:p>
-            <a:r>
-              <a:rPr lang="pl-PL" dirty="0" smtClean="0">
-                <a:solidFill>
-                  <a:schemeClr val="accent4">
-                    <a:lumMod val="75000"/>
-                  </a:schemeClr>
-                </a:solidFill>
-              </a:rPr>
-              <a:t>Rozmyślania</a:t>
-            </a:r>
-            <a:endParaRPr lang="en-US" dirty="0"/>
-          </a:p>
-        </p:txBody>
-      </p:sp>
-      <p:pic>
-        <p:nvPicPr>
-          <p:cNvPr id="1026" name="Picture 2" descr="C:\Users\Ernest\Pictures\dziki_dzik.png"/>
-          <p:cNvPicPr>
-            <a:picLocks noChangeAspect="1" noChangeArrowheads="1"/>
-          </p:cNvPicPr>
-          <p:nvPr/>
-        </p:nvPicPr>
-        <p:blipFill>
-          <a:blip r:embed="rId2" cstate="print"/>
-          <a:srcRect/>
-          <a:stretch>
-            <a:fillRect/>
-          </a:stretch>
-        </p:blipFill>
-        <p:spPr bwMode="auto">
-          <a:xfrm>
-            <a:off x="179512" y="5877272"/>
-            <a:ext cx="1800200" cy="860673"/>
-          </a:xfrm>
-          <a:prstGeom prst="rect">
-            <a:avLst/>
-          </a:prstGeom>
-          <a:ln>
-            <a:noFill/>
-          </a:ln>
-          <a:effectLst>
-            <a:outerShdw blurRad="190500" algn="tl" rotWithShape="0">
-              <a:srgbClr val="000000">
-                <a:alpha val="70000"/>
-              </a:srgbClr>
-            </a:outerShdw>
-          </a:effectLst>
-        </p:spPr>
-      </p:pic>
-      <p:sp>
-        <p:nvSpPr>
-          <p:cNvPr id="13" name="Content Placeholder 12"/>
-          <p:cNvSpPr>
-            <a:spLocks noGrp="1"/>
-          </p:cNvSpPr>
-          <p:nvPr>
-            <p:ph idx="1"/>
-          </p:nvPr>
-        </p:nvSpPr>
-        <p:spPr/>
-        <p:txBody>
-          <a:bodyPr>
-            <a:normAutofit/>
-          </a:bodyPr>
-          <a:lstStyle/>
-          <a:p>
-            <a:r>
-              <a:rPr lang="pl-PL" sz="2400" dirty="0" smtClean="0"/>
-              <a:t>Ograniczenia bezpieczeństwa</a:t>
-            </a:r>
-          </a:p>
-          <a:p>
-            <a:pPr lvl="1"/>
-            <a:r>
-              <a:rPr lang="pl-PL" sz="2000" dirty="0" smtClean="0"/>
-              <a:t>Applety nie mogą ładować bibliotek lub też definiować natywnych metod</a:t>
-            </a:r>
-          </a:p>
-          <a:p>
-            <a:pPr lvl="1"/>
-            <a:r>
-              <a:rPr lang="pl-PL" sz="2000" dirty="0" smtClean="0"/>
-              <a:t>Applety nie mogą rozpocząć działania żadnego trzeciego programu na maszynie klienta</a:t>
-            </a:r>
-          </a:p>
-          <a:p>
-            <a:pPr lvl="1"/>
-            <a:r>
-              <a:rPr lang="pl-PL" sz="2000" dirty="0" smtClean="0"/>
-              <a:t>Applet nie może wykonywać innych połączeń aniżeli z hostem z którego został uruchomiony (chyba że jest podpisany certyfikatem)</a:t>
-            </a:r>
-          </a:p>
-          <a:p>
-            <a:r>
-              <a:rPr lang="pl-PL" sz="2400" dirty="0" smtClean="0"/>
-              <a:t>Wątki w appletach </a:t>
-            </a:r>
-          </a:p>
-          <a:p>
-            <a:pPr lvl="1"/>
-            <a:r>
-              <a:rPr lang="pl-PL" sz="2000" dirty="0" smtClean="0"/>
-              <a:t>Applety są generalnie wielowątkowe – jeden wątek tworzy interfejs użytkownika podczas gdy pozostały pobiera dane albo dokonuje pewnych obliczeń w tle</a:t>
-            </a:r>
-          </a:p>
-        </p:txBody>
-      </p:sp>
-      <p:sp>
-        <p:nvSpPr>
-          <p:cNvPr id="15" name="3 Recortar rectángulo de esquina del mismo lado"/>
-          <p:cNvSpPr/>
-          <p:nvPr/>
-        </p:nvSpPr>
-        <p:spPr>
-          <a:xfrm>
-            <a:off x="8316416" y="-38912"/>
-            <a:ext cx="432048" cy="432048"/>
-          </a:xfrm>
-          <a:prstGeom prst="snip2SameRect">
-            <a:avLst/>
-          </a:prstGeom>
-          <a:effectLst>
-            <a:outerShdw blurRad="40000" dist="23000" dir="5400000" sx="1000" sy="1000" rotWithShape="0">
-              <a:srgbClr val="000000">
-                <a:alpha val="0"/>
-              </a:srgbClr>
-            </a:outerShdw>
-          </a:effectLst>
-        </p:spPr>
-        <p:style>
-          <a:lnRef idx="1">
-            <a:schemeClr val="accent4"/>
-          </a:lnRef>
-          <a:fillRef idx="3">
-            <a:schemeClr val="accent4"/>
-          </a:fillRef>
-          <a:effectRef idx="2">
-            <a:schemeClr val="accent4"/>
-          </a:effectRef>
-          <a:fontRef idx="minor">
-            <a:schemeClr val="lt1"/>
-          </a:fontRef>
-        </p:style>
-        <p:txBody>
-          <a:bodyPr rtlCol="0" anchor="ctr"/>
-          <a:lstStyle/>
-          <a:p>
-            <a:pPr algn="ctr"/>
-            <a:r>
-              <a:rPr lang="pl-PL" sz="1200" b="1" dirty="0" smtClean="0"/>
-              <a:t>10</a:t>
-            </a:r>
-            <a:endParaRPr lang="es-ES" sz="1200" b="1" dirty="0"/>
-          </a:p>
-        </p:txBody>
-      </p:sp>
-    </p:spTree>
-    <p:extLst>
-      <p:ext uri="{BB962C8B-B14F-4D97-AF65-F5344CB8AC3E}">
-        <p14:creationId xmlns="" xmlns:p14="http://schemas.microsoft.com/office/powerpoint/2010/main" val="2367997045"/>
-      </p:ext>
-    </p:extLst>
-  </p:cSld>
-  <p:clrMapOvr>
-    <a:masterClrMapping/>
-  </p:clrMapOvr>
-  <mc:AlternateContent xmlns:mc="http://schemas.openxmlformats.org/markup-compatibility/2006">
-    <mc:Choice xmlns="" xmlns:p14="http://schemas.microsoft.com/office/powerpoint/2010/main" Requires="p14">
-      <p:transition spd="med" p14:dur="699">
-        <p:fade/>
-      </p:transition>
-    </mc:Choice>
-    <mc:Fallback>
-      <p:transition spd="med">
-        <p:fade/>
-      </p:transition>
-    </mc:Fallback>
-  </mc:AlternateContent>
-  <p:timing>
-    <p:tnLst>
-      <p:par>
-        <p:cTn id="1" dur="indefinite" restart="never" nodeType="tmRoot"/>
-      </p:par>
-    </p:tnLst>
-  </p:timing>
-</p:sld>
-</file>
-
-<file path=ppt/slides/slide15.xml><?xml version="1.0" encoding="utf-8"?>
 <p:sld xmlns:a="http://schemas.openxmlformats.org/drawingml/2006/main" xmlns:r="http://schemas.openxmlformats.org/officeDocument/2006/relationships" xmlns:p="http://schemas.openxmlformats.org/presentationml/2006/main">
   <p:cSld>
     <p:spTree>
@@ -5310,7 +5099,7 @@
     </p:spTree>
     <p:extLst>
       <p:ext uri="{BB962C8B-B14F-4D97-AF65-F5344CB8AC3E}">
-        <p14:creationId xmlns="" xmlns:p14="http://schemas.microsoft.com/office/powerpoint/2010/main" val="2740888392"/>
+        <p14:creationId xmlns:p14="http://schemas.microsoft.com/office/powerpoint/2010/main" xmlns="" val="2740888392"/>
       </p:ext>
     </p:extLst>
   </p:cSld>
@@ -5318,7 +5107,436 @@
     <a:masterClrMapping/>
   </p:clrMapOvr>
   <mc:AlternateContent xmlns:mc="http://schemas.openxmlformats.org/markup-compatibility/2006">
-    <mc:Choice xmlns="" xmlns:p14="http://schemas.microsoft.com/office/powerpoint/2010/main" Requires="p14">
+    <mc:Choice xmlns:p14="http://schemas.microsoft.com/office/powerpoint/2010/main" xmlns="" Requires="p14">
+      <p:transition spd="med" p14:dur="699">
+        <p:fade/>
+      </p:transition>
+    </mc:Choice>
+    <mc:Fallback>
+      <p:transition spd="med">
+        <p:fade/>
+      </p:transition>
+    </mc:Fallback>
+  </mc:AlternateContent>
+  <p:timing>
+    <p:tnLst>
+      <p:par>
+        <p:cTn id="1" dur="indefinite" restart="never" nodeType="tmRoot"/>
+      </p:par>
+    </p:tnLst>
+  </p:timing>
+</p:sld>
+</file>
+
+<file path=ppt/slides/slide15.xml><?xml version="1.0" encoding="utf-8"?>
+<p:sld xmlns:a="http://schemas.openxmlformats.org/drawingml/2006/main" xmlns:r="http://schemas.openxmlformats.org/officeDocument/2006/relationships" xmlns:p="http://schemas.openxmlformats.org/presentationml/2006/main">
+  <p:cSld>
+    <p:spTree>
+      <p:nvGrpSpPr>
+        <p:cNvPr id="1" name=""/>
+        <p:cNvGrpSpPr/>
+        <p:nvPr/>
+      </p:nvGrpSpPr>
+      <p:grpSpPr>
+        <a:xfrm>
+          <a:off x="0" y="0"/>
+          <a:ext cx="0" cy="0"/>
+          <a:chOff x="0" y="0"/>
+          <a:chExt cx="0" cy="0"/>
+        </a:xfrm>
+      </p:grpSpPr>
+      <p:sp>
+        <p:nvSpPr>
+          <p:cNvPr id="5" name="4 Rectángulo redondeado"/>
+          <p:cNvSpPr/>
+          <p:nvPr/>
+        </p:nvSpPr>
+        <p:spPr>
+          <a:xfrm>
+            <a:off x="7092280" y="6165304"/>
+            <a:ext cx="1656184" cy="360040"/>
+          </a:xfrm>
+          <a:prstGeom prst="roundRect">
+            <a:avLst/>
+          </a:prstGeom>
+          <a:gradFill>
+            <a:gsLst>
+              <a:gs pos="0">
+                <a:schemeClr val="bg1">
+                  <a:lumMod val="75000"/>
+                </a:schemeClr>
+              </a:gs>
+              <a:gs pos="80000">
+                <a:schemeClr val="bg1">
+                  <a:lumMod val="95000"/>
+                </a:schemeClr>
+              </a:gs>
+              <a:gs pos="100000">
+                <a:schemeClr val="bg1">
+                  <a:lumMod val="95000"/>
+                </a:schemeClr>
+              </a:gs>
+            </a:gsLst>
+          </a:gradFill>
+        </p:spPr>
+        <p:style>
+          <a:lnRef idx="0">
+            <a:schemeClr val="accent4"/>
+          </a:lnRef>
+          <a:fillRef idx="3">
+            <a:schemeClr val="accent4"/>
+          </a:fillRef>
+          <a:effectRef idx="3">
+            <a:schemeClr val="accent4"/>
+          </a:effectRef>
+          <a:fontRef idx="minor">
+            <a:schemeClr val="lt1"/>
+          </a:fontRef>
+        </p:style>
+        <p:txBody>
+          <a:bodyPr rtlCol="0" anchor="ctr"/>
+          <a:lstStyle/>
+          <a:p>
+            <a:pPr algn="ctr"/>
+            <a:endParaRPr lang="es-ES"/>
+          </a:p>
+        </p:txBody>
+      </p:sp>
+      <p:sp>
+        <p:nvSpPr>
+          <p:cNvPr id="7" name="Title 6"/>
+          <p:cNvSpPr>
+            <a:spLocks noGrp="1"/>
+          </p:cNvSpPr>
+          <p:nvPr>
+            <p:ph type="ctrTitle"/>
+          </p:nvPr>
+        </p:nvSpPr>
+        <p:spPr/>
+        <p:txBody>
+          <a:bodyPr>
+            <a:normAutofit/>
+          </a:bodyPr>
+          <a:lstStyle/>
+          <a:p>
+            <a:r>
+              <a:rPr lang="pl-PL" dirty="0" smtClean="0">
+                <a:solidFill>
+                  <a:schemeClr val="accent4">
+                    <a:lumMod val="75000"/>
+                  </a:schemeClr>
+                </a:solidFill>
+              </a:rPr>
+              <a:t>Prosty applet w </a:t>
+            </a:r>
+            <a:r>
+              <a:rPr lang="pl-PL" b="1" dirty="0" smtClean="0">
+                <a:solidFill>
+                  <a:schemeClr val="accent4">
+                    <a:lumMod val="75000"/>
+                  </a:schemeClr>
+                </a:solidFill>
+              </a:rPr>
+              <a:t>Javie</a:t>
+            </a:r>
+            <a:r>
+              <a:rPr lang="pl-PL" b="1" smtClean="0">
+                <a:solidFill>
+                  <a:schemeClr val="accent4">
+                    <a:lumMod val="75000"/>
+                  </a:schemeClr>
+                </a:solidFill>
+              </a:rPr>
+              <a:t/>
+            </a:r>
+            <a:br>
+              <a:rPr lang="pl-PL" b="1" smtClean="0">
+                <a:solidFill>
+                  <a:schemeClr val="accent4">
+                    <a:lumMod val="75000"/>
+                  </a:schemeClr>
+                </a:solidFill>
+              </a:rPr>
+            </a:br>
+            <a:r>
+              <a:rPr lang="pl-PL" sz="1600" b="1" smtClean="0">
+                <a:solidFill>
+                  <a:schemeClr val="accent4">
+                    <a:lumMod val="75000"/>
+                  </a:schemeClr>
+                </a:solidFill>
+              </a:rPr>
+              <a:t>Podstawowe działania</a:t>
+            </a:r>
+            <a:endParaRPr lang="en-US" dirty="0"/>
+          </a:p>
+        </p:txBody>
+      </p:sp>
+      <p:sp>
+        <p:nvSpPr>
+          <p:cNvPr id="10" name="Subtitle 9"/>
+          <p:cNvSpPr>
+            <a:spLocks noGrp="1"/>
+          </p:cNvSpPr>
+          <p:nvPr>
+            <p:ph type="subTitle" idx="1"/>
+          </p:nvPr>
+        </p:nvSpPr>
+        <p:spPr/>
+        <p:txBody>
+          <a:bodyPr/>
+          <a:lstStyle/>
+          <a:p>
+            <a:endParaRPr lang="en-US" dirty="0"/>
+          </a:p>
+        </p:txBody>
+      </p:sp>
+      <p:sp>
+        <p:nvSpPr>
+          <p:cNvPr id="11" name="2 Subtítulo"/>
+          <p:cNvSpPr txBox="1">
+            <a:spLocks/>
+          </p:cNvSpPr>
+          <p:nvPr/>
+        </p:nvSpPr>
+        <p:spPr>
+          <a:xfrm>
+            <a:off x="6804248" y="6165304"/>
+            <a:ext cx="2160240" cy="360040"/>
+          </a:xfrm>
+          <a:prstGeom prst="rect">
+            <a:avLst/>
+          </a:prstGeom>
+        </p:spPr>
+        <p:txBody>
+          <a:bodyPr vert="horz" lIns="91440" tIns="45720" rIns="91440" bIns="45720" rtlCol="0">
+            <a:normAutofit/>
+          </a:bodyPr>
+          <a:lstStyle>
+            <a:lvl1pPr marL="0" indent="0" algn="ctr" defTabSz="914400" rtl="0" eaLnBrk="1" latinLnBrk="0" hangingPunct="1">
+              <a:spcBef>
+                <a:spcPct val="20000"/>
+              </a:spcBef>
+              <a:buFont typeface="Arial" pitchFamily="34" charset="0"/>
+              <a:buNone/>
+              <a:defRPr sz="3200" kern="1200">
+                <a:solidFill>
+                  <a:schemeClr val="tx1">
+                    <a:tint val="75000"/>
+                  </a:schemeClr>
+                </a:solidFill>
+                <a:latin typeface="+mn-lt"/>
+                <a:ea typeface="+mn-ea"/>
+                <a:cs typeface="+mn-cs"/>
+              </a:defRPr>
+            </a:lvl1pPr>
+            <a:lvl2pPr marL="457200" indent="0" algn="ctr" defTabSz="914400" rtl="0" eaLnBrk="1" latinLnBrk="0" hangingPunct="1">
+              <a:spcBef>
+                <a:spcPct val="20000"/>
+              </a:spcBef>
+              <a:buFont typeface="Arial" pitchFamily="34" charset="0"/>
+              <a:buNone/>
+              <a:defRPr sz="2800" kern="1200">
+                <a:solidFill>
+                  <a:schemeClr val="tx1">
+                    <a:tint val="75000"/>
+                  </a:schemeClr>
+                </a:solidFill>
+                <a:latin typeface="+mn-lt"/>
+                <a:ea typeface="+mn-ea"/>
+                <a:cs typeface="+mn-cs"/>
+              </a:defRPr>
+            </a:lvl2pPr>
+            <a:lvl3pPr marL="914400" indent="0" algn="ctr" defTabSz="914400" rtl="0" eaLnBrk="1" latinLnBrk="0" hangingPunct="1">
+              <a:spcBef>
+                <a:spcPct val="20000"/>
+              </a:spcBef>
+              <a:buFont typeface="Arial" pitchFamily="34" charset="0"/>
+              <a:buNone/>
+              <a:defRPr sz="2400" kern="1200">
+                <a:solidFill>
+                  <a:schemeClr val="tx1">
+                    <a:tint val="75000"/>
+                  </a:schemeClr>
+                </a:solidFill>
+                <a:latin typeface="+mn-lt"/>
+                <a:ea typeface="+mn-ea"/>
+                <a:cs typeface="+mn-cs"/>
+              </a:defRPr>
+            </a:lvl3pPr>
+            <a:lvl4pPr marL="1371600" indent="0" algn="ctr" defTabSz="914400" rtl="0" eaLnBrk="1" latinLnBrk="0" hangingPunct="1">
+              <a:spcBef>
+                <a:spcPct val="20000"/>
+              </a:spcBef>
+              <a:buFont typeface="Arial" pitchFamily="34" charset="0"/>
+              <a:buNone/>
+              <a:defRPr sz="2000" kern="1200">
+                <a:solidFill>
+                  <a:schemeClr val="tx1">
+                    <a:tint val="75000"/>
+                  </a:schemeClr>
+                </a:solidFill>
+                <a:latin typeface="+mn-lt"/>
+                <a:ea typeface="+mn-ea"/>
+                <a:cs typeface="+mn-cs"/>
+              </a:defRPr>
+            </a:lvl4pPr>
+            <a:lvl5pPr marL="1828800" indent="0" algn="ctr" defTabSz="914400" rtl="0" eaLnBrk="1" latinLnBrk="0" hangingPunct="1">
+              <a:spcBef>
+                <a:spcPct val="20000"/>
+              </a:spcBef>
+              <a:buFont typeface="Arial" pitchFamily="34" charset="0"/>
+              <a:buNone/>
+              <a:defRPr sz="2000" kern="1200">
+                <a:solidFill>
+                  <a:schemeClr val="tx1">
+                    <a:tint val="75000"/>
+                  </a:schemeClr>
+                </a:solidFill>
+                <a:latin typeface="+mn-lt"/>
+                <a:ea typeface="+mn-ea"/>
+                <a:cs typeface="+mn-cs"/>
+              </a:defRPr>
+            </a:lvl5pPr>
+            <a:lvl6pPr marL="2286000" indent="0" algn="ctr" defTabSz="914400" rtl="0" eaLnBrk="1" latinLnBrk="0" hangingPunct="1">
+              <a:spcBef>
+                <a:spcPct val="20000"/>
+              </a:spcBef>
+              <a:buFont typeface="Arial" pitchFamily="34" charset="0"/>
+              <a:buNone/>
+              <a:defRPr sz="2000" kern="1200">
+                <a:solidFill>
+                  <a:schemeClr val="tx1">
+                    <a:tint val="75000"/>
+                  </a:schemeClr>
+                </a:solidFill>
+                <a:latin typeface="+mn-lt"/>
+                <a:ea typeface="+mn-ea"/>
+                <a:cs typeface="+mn-cs"/>
+              </a:defRPr>
+            </a:lvl6pPr>
+            <a:lvl7pPr marL="2743200" indent="0" algn="ctr" defTabSz="914400" rtl="0" eaLnBrk="1" latinLnBrk="0" hangingPunct="1">
+              <a:spcBef>
+                <a:spcPct val="20000"/>
+              </a:spcBef>
+              <a:buFont typeface="Arial" pitchFamily="34" charset="0"/>
+              <a:buNone/>
+              <a:defRPr sz="2000" kern="1200">
+                <a:solidFill>
+                  <a:schemeClr val="tx1">
+                    <a:tint val="75000"/>
+                  </a:schemeClr>
+                </a:solidFill>
+                <a:latin typeface="+mn-lt"/>
+                <a:ea typeface="+mn-ea"/>
+                <a:cs typeface="+mn-cs"/>
+              </a:defRPr>
+            </a:lvl7pPr>
+            <a:lvl8pPr marL="3200400" indent="0" algn="ctr" defTabSz="914400" rtl="0" eaLnBrk="1" latinLnBrk="0" hangingPunct="1">
+              <a:spcBef>
+                <a:spcPct val="20000"/>
+              </a:spcBef>
+              <a:buFont typeface="Arial" pitchFamily="34" charset="0"/>
+              <a:buNone/>
+              <a:defRPr sz="2000" kern="1200">
+                <a:solidFill>
+                  <a:schemeClr val="tx1">
+                    <a:tint val="75000"/>
+                  </a:schemeClr>
+                </a:solidFill>
+                <a:latin typeface="+mn-lt"/>
+                <a:ea typeface="+mn-ea"/>
+                <a:cs typeface="+mn-cs"/>
+              </a:defRPr>
+            </a:lvl8pPr>
+            <a:lvl9pPr marL="3657600" indent="0" algn="ctr" defTabSz="914400" rtl="0" eaLnBrk="1" latinLnBrk="0" hangingPunct="1">
+              <a:spcBef>
+                <a:spcPct val="20000"/>
+              </a:spcBef>
+              <a:buFont typeface="Arial" pitchFamily="34" charset="0"/>
+              <a:buNone/>
+              <a:defRPr sz="2000" kern="1200">
+                <a:solidFill>
+                  <a:schemeClr val="tx1">
+                    <a:tint val="75000"/>
+                  </a:schemeClr>
+                </a:solidFill>
+                <a:latin typeface="+mn-lt"/>
+                <a:ea typeface="+mn-ea"/>
+                <a:cs typeface="+mn-cs"/>
+              </a:defRPr>
+            </a:lvl9pPr>
+          </a:lstStyle>
+          <a:p>
+            <a:r>
+              <a:rPr lang="pl-PL" sz="1500" b="1" dirty="0" smtClean="0">
+                <a:solidFill>
+                  <a:schemeClr val="tx1">
+                    <a:lumMod val="50000"/>
+                    <a:lumOff val="50000"/>
+                  </a:schemeClr>
+                </a:solidFill>
+              </a:rPr>
+              <a:t>PAUZA</a:t>
+            </a:r>
+            <a:endParaRPr lang="es-ES" sz="1500" b="1" dirty="0">
+              <a:solidFill>
+                <a:schemeClr val="tx1">
+                  <a:lumMod val="50000"/>
+                  <a:lumOff val="50000"/>
+                </a:schemeClr>
+              </a:solidFill>
+            </a:endParaRPr>
+          </a:p>
+        </p:txBody>
+      </p:sp>
+      <p:pic>
+        <p:nvPicPr>
+          <p:cNvPr id="1026" name="Picture 2" descr="C:\Users\Ernest\Pictures\dziki_dzik.png"/>
+          <p:cNvPicPr>
+            <a:picLocks noChangeAspect="1" noChangeArrowheads="1"/>
+          </p:cNvPicPr>
+          <p:nvPr/>
+        </p:nvPicPr>
+        <p:blipFill>
+          <a:blip r:embed="rId2" cstate="print"/>
+          <a:srcRect/>
+          <a:stretch>
+            <a:fillRect/>
+          </a:stretch>
+        </p:blipFill>
+        <p:spPr bwMode="auto">
+          <a:xfrm>
+            <a:off x="179512" y="5877272"/>
+            <a:ext cx="1800200" cy="860673"/>
+          </a:xfrm>
+          <a:prstGeom prst="rect">
+            <a:avLst/>
+          </a:prstGeom>
+          <a:ln>
+            <a:noFill/>
+          </a:ln>
+          <a:effectLst>
+            <a:outerShdw blurRad="190500" algn="tl" rotWithShape="0">
+              <a:srgbClr val="000000">
+                <a:alpha val="70000"/>
+              </a:srgbClr>
+            </a:outerShdw>
+          </a:effectLst>
+        </p:spPr>
+      </p:pic>
+    </p:spTree>
+    <p:extLst>
+      <p:ext uri="{BB962C8B-B14F-4D97-AF65-F5344CB8AC3E}">
+        <p14:creationId xmlns:p14="http://schemas.microsoft.com/office/powerpoint/2010/main" xmlns="" val="2367997045"/>
+      </p:ext>
+    </p:extLst>
+  </p:cSld>
+  <p:clrMapOvr>
+    <a:masterClrMapping/>
+  </p:clrMapOvr>
+  <mc:AlternateContent xmlns:mc="http://schemas.openxmlformats.org/markup-compatibility/2006">
+    <mc:Choice xmlns:p14="http://schemas.microsoft.com/office/powerpoint/2010/main" xmlns="" Requires="p14">
       <p:transition spd="med" p14:dur="699">
         <p:fade/>
       </p:transition>
@@ -5438,7 +5656,7 @@
                   </a:schemeClr>
                 </a:solidFill>
               </a:rPr>
-              <a:t>Applet parsujący plik RSS w </a:t>
+              <a:t>Ta</a:t>
             </a:r>
             <a:r>
               <a:rPr lang="pl-PL" b="1" dirty="0" smtClean="0">
@@ -5448,28 +5666,9 @@
                   </a:schemeClr>
                 </a:solidFill>
               </a:rPr>
-              <a:t>Javie</a:t>
-            </a:r>
-            <a:br>
-              <a:rPr lang="pl-PL" b="1" dirty="0" smtClean="0">
-                <a:solidFill>
-                  <a:schemeClr val="accent4">
-                    <a:lumMod val="75000"/>
-                  </a:schemeClr>
-                </a:solidFill>
-              </a:rPr>
-            </a:br>
-            <a:r>
-              <a:rPr lang="pl-PL" sz="1600" b="1" dirty="0" smtClean="0">
-                <a:solidFill>
-                  <a:schemeClr val="accent4">
-                    <a:lumMod val="75000"/>
-                  </a:schemeClr>
-                </a:solidFill>
-              </a:rPr>
-              <a:t>Client side processing</a:t>
-            </a:r>
-            <a:endParaRPr lang="en-US" dirty="0"/>
+              <a:t>Da</a:t>
+            </a:r>
+            <a:endParaRPr lang="en-US" b="1" dirty="0"/>
           </a:p>
         </p:txBody>
       </p:sp>
@@ -5488,7 +5687,7 @@
           <a:bodyPr/>
           <a:lstStyle/>
           <a:p>
-            <a:endParaRPr lang="en-US"/>
+            <a:endParaRPr lang="en-US" dirty="0"/>
           </a:p>
         </p:txBody>
       </p:sp>
@@ -5729,7 +5928,7 @@
     </p:spTree>
     <p:extLst>
       <p:ext uri="{BB962C8B-B14F-4D97-AF65-F5344CB8AC3E}">
-        <p14:creationId xmlns="" xmlns:p14="http://schemas.microsoft.com/office/powerpoint/2010/main" val="2367997045"/>
+        <p14:creationId xmlns:p14="http://schemas.microsoft.com/office/powerpoint/2010/main" xmlns="" val="2367997045"/>
       </p:ext>
     </p:extLst>
   </p:cSld>
@@ -5737,7 +5936,7 @@
     <a:masterClrMapping/>
   </p:clrMapOvr>
   <mc:AlternateContent xmlns:mc="http://schemas.openxmlformats.org/markup-compatibility/2006">
-    <mc:Choice xmlns="" xmlns:p14="http://schemas.microsoft.com/office/powerpoint/2010/main" Requires="p14">
+    <mc:Choice xmlns:p14="http://schemas.microsoft.com/office/powerpoint/2010/main" xmlns="" Requires="p14">
       <p:transition spd="med" p14:dur="699">
         <p:fade/>
       </p:transition>
@@ -5759,406 +5958,6 @@
 </file>
 
 <file path=ppt/slides/slide17.xml><?xml version="1.0" encoding="utf-8"?>
-<p:sld xmlns:a="http://schemas.openxmlformats.org/drawingml/2006/main" xmlns:r="http://schemas.openxmlformats.org/officeDocument/2006/relationships" xmlns:p="http://schemas.openxmlformats.org/presentationml/2006/main">
-  <p:cSld>
-    <p:spTree>
-      <p:nvGrpSpPr>
-        <p:cNvPr id="1" name=""/>
-        <p:cNvGrpSpPr/>
-        <p:nvPr/>
-      </p:nvGrpSpPr>
-      <p:grpSpPr>
-        <a:xfrm>
-          <a:off x="0" y="0"/>
-          <a:ext cx="0" cy="0"/>
-          <a:chOff x="0" y="0"/>
-          <a:chExt cx="0" cy="0"/>
-        </a:xfrm>
-      </p:grpSpPr>
-      <p:sp>
-        <p:nvSpPr>
-          <p:cNvPr id="5" name="4 Rectángulo redondeado"/>
-          <p:cNvSpPr/>
-          <p:nvPr/>
-        </p:nvSpPr>
-        <p:spPr>
-          <a:xfrm>
-            <a:off x="7092280" y="6165304"/>
-            <a:ext cx="1656184" cy="360040"/>
-          </a:xfrm>
-          <a:prstGeom prst="roundRect">
-            <a:avLst/>
-          </a:prstGeom>
-          <a:gradFill>
-            <a:gsLst>
-              <a:gs pos="0">
-                <a:schemeClr val="bg1">
-                  <a:lumMod val="75000"/>
-                </a:schemeClr>
-              </a:gs>
-              <a:gs pos="80000">
-                <a:schemeClr val="bg1">
-                  <a:lumMod val="95000"/>
-                </a:schemeClr>
-              </a:gs>
-              <a:gs pos="100000">
-                <a:schemeClr val="bg1">
-                  <a:lumMod val="95000"/>
-                </a:schemeClr>
-              </a:gs>
-            </a:gsLst>
-          </a:gradFill>
-        </p:spPr>
-        <p:style>
-          <a:lnRef idx="0">
-            <a:schemeClr val="accent4"/>
-          </a:lnRef>
-          <a:fillRef idx="3">
-            <a:schemeClr val="accent4"/>
-          </a:fillRef>
-          <a:effectRef idx="3">
-            <a:schemeClr val="accent4"/>
-          </a:effectRef>
-          <a:fontRef idx="minor">
-            <a:schemeClr val="lt1"/>
-          </a:fontRef>
-        </p:style>
-        <p:txBody>
-          <a:bodyPr rtlCol="0" anchor="ctr"/>
-          <a:lstStyle/>
-          <a:p>
-            <a:pPr algn="ctr"/>
-            <a:endParaRPr lang="es-ES"/>
-          </a:p>
-        </p:txBody>
-      </p:sp>
-      <p:sp>
-        <p:nvSpPr>
-          <p:cNvPr id="7" name="Title 6"/>
-          <p:cNvSpPr>
-            <a:spLocks noGrp="1"/>
-          </p:cNvSpPr>
-          <p:nvPr>
-            <p:ph type="ctrTitle"/>
-          </p:nvPr>
-        </p:nvSpPr>
-        <p:spPr/>
-        <p:txBody>
-          <a:bodyPr>
-            <a:normAutofit/>
-          </a:bodyPr>
-          <a:lstStyle/>
-          <a:p>
-            <a:r>
-              <a:rPr lang="pl-PL" dirty="0" smtClean="0">
-                <a:solidFill>
-                  <a:schemeClr val="accent4">
-                    <a:lumMod val="75000"/>
-                  </a:schemeClr>
-                </a:solidFill>
-              </a:rPr>
-              <a:t>Ta</a:t>
-            </a:r>
-            <a:r>
-              <a:rPr lang="pl-PL" b="1" dirty="0" smtClean="0">
-                <a:solidFill>
-                  <a:schemeClr val="accent4">
-                    <a:lumMod val="75000"/>
-                  </a:schemeClr>
-                </a:solidFill>
-              </a:rPr>
-              <a:t>Da</a:t>
-            </a:r>
-            <a:endParaRPr lang="en-US" b="1" dirty="0"/>
-          </a:p>
-        </p:txBody>
-      </p:sp>
-      <p:sp>
-        <p:nvSpPr>
-          <p:cNvPr id="10" name="Subtitle 9"/>
-          <p:cNvSpPr>
-            <a:spLocks noGrp="1"/>
-          </p:cNvSpPr>
-          <p:nvPr>
-            <p:ph type="subTitle" idx="1"/>
-          </p:nvPr>
-        </p:nvSpPr>
-        <p:spPr/>
-        <p:txBody>
-          <a:bodyPr/>
-          <a:lstStyle/>
-          <a:p>
-            <a:endParaRPr lang="en-US" dirty="0"/>
-          </a:p>
-        </p:txBody>
-      </p:sp>
-      <p:sp>
-        <p:nvSpPr>
-          <p:cNvPr id="11" name="2 Subtítulo"/>
-          <p:cNvSpPr txBox="1">
-            <a:spLocks/>
-          </p:cNvSpPr>
-          <p:nvPr/>
-        </p:nvSpPr>
-        <p:spPr>
-          <a:xfrm>
-            <a:off x="6804248" y="6165304"/>
-            <a:ext cx="2160240" cy="360040"/>
-          </a:xfrm>
-          <a:prstGeom prst="rect">
-            <a:avLst/>
-          </a:prstGeom>
-        </p:spPr>
-        <p:txBody>
-          <a:bodyPr vert="horz" lIns="91440" tIns="45720" rIns="91440" bIns="45720" rtlCol="0">
-            <a:normAutofit/>
-          </a:bodyPr>
-          <a:lstStyle>
-            <a:lvl1pPr marL="0" indent="0" algn="ctr" defTabSz="914400" rtl="0" eaLnBrk="1" latinLnBrk="0" hangingPunct="1">
-              <a:spcBef>
-                <a:spcPct val="20000"/>
-              </a:spcBef>
-              <a:buFont typeface="Arial" pitchFamily="34" charset="0"/>
-              <a:buNone/>
-              <a:defRPr sz="3200" kern="1200">
-                <a:solidFill>
-                  <a:schemeClr val="tx1">
-                    <a:tint val="75000"/>
-                  </a:schemeClr>
-                </a:solidFill>
-                <a:latin typeface="+mn-lt"/>
-                <a:ea typeface="+mn-ea"/>
-                <a:cs typeface="+mn-cs"/>
-              </a:defRPr>
-            </a:lvl1pPr>
-            <a:lvl2pPr marL="457200" indent="0" algn="ctr" defTabSz="914400" rtl="0" eaLnBrk="1" latinLnBrk="0" hangingPunct="1">
-              <a:spcBef>
-                <a:spcPct val="20000"/>
-              </a:spcBef>
-              <a:buFont typeface="Arial" pitchFamily="34" charset="0"/>
-              <a:buNone/>
-              <a:defRPr sz="2800" kern="1200">
-                <a:solidFill>
-                  <a:schemeClr val="tx1">
-                    <a:tint val="75000"/>
-                  </a:schemeClr>
-                </a:solidFill>
-                <a:latin typeface="+mn-lt"/>
-                <a:ea typeface="+mn-ea"/>
-                <a:cs typeface="+mn-cs"/>
-              </a:defRPr>
-            </a:lvl2pPr>
-            <a:lvl3pPr marL="914400" indent="0" algn="ctr" defTabSz="914400" rtl="0" eaLnBrk="1" latinLnBrk="0" hangingPunct="1">
-              <a:spcBef>
-                <a:spcPct val="20000"/>
-              </a:spcBef>
-              <a:buFont typeface="Arial" pitchFamily="34" charset="0"/>
-              <a:buNone/>
-              <a:defRPr sz="2400" kern="1200">
-                <a:solidFill>
-                  <a:schemeClr val="tx1">
-                    <a:tint val="75000"/>
-                  </a:schemeClr>
-                </a:solidFill>
-                <a:latin typeface="+mn-lt"/>
-                <a:ea typeface="+mn-ea"/>
-                <a:cs typeface="+mn-cs"/>
-              </a:defRPr>
-            </a:lvl3pPr>
-            <a:lvl4pPr marL="1371600" indent="0" algn="ctr" defTabSz="914400" rtl="0" eaLnBrk="1" latinLnBrk="0" hangingPunct="1">
-              <a:spcBef>
-                <a:spcPct val="20000"/>
-              </a:spcBef>
-              <a:buFont typeface="Arial" pitchFamily="34" charset="0"/>
-              <a:buNone/>
-              <a:defRPr sz="2000" kern="1200">
-                <a:solidFill>
-                  <a:schemeClr val="tx1">
-                    <a:tint val="75000"/>
-                  </a:schemeClr>
-                </a:solidFill>
-                <a:latin typeface="+mn-lt"/>
-                <a:ea typeface="+mn-ea"/>
-                <a:cs typeface="+mn-cs"/>
-              </a:defRPr>
-            </a:lvl4pPr>
-            <a:lvl5pPr marL="1828800" indent="0" algn="ctr" defTabSz="914400" rtl="0" eaLnBrk="1" latinLnBrk="0" hangingPunct="1">
-              <a:spcBef>
-                <a:spcPct val="20000"/>
-              </a:spcBef>
-              <a:buFont typeface="Arial" pitchFamily="34" charset="0"/>
-              <a:buNone/>
-              <a:defRPr sz="2000" kern="1200">
-                <a:solidFill>
-                  <a:schemeClr val="tx1">
-                    <a:tint val="75000"/>
-                  </a:schemeClr>
-                </a:solidFill>
-                <a:latin typeface="+mn-lt"/>
-                <a:ea typeface="+mn-ea"/>
-                <a:cs typeface="+mn-cs"/>
-              </a:defRPr>
-            </a:lvl5pPr>
-            <a:lvl6pPr marL="2286000" indent="0" algn="ctr" defTabSz="914400" rtl="0" eaLnBrk="1" latinLnBrk="0" hangingPunct="1">
-              <a:spcBef>
-                <a:spcPct val="20000"/>
-              </a:spcBef>
-              <a:buFont typeface="Arial" pitchFamily="34" charset="0"/>
-              <a:buNone/>
-              <a:defRPr sz="2000" kern="1200">
-                <a:solidFill>
-                  <a:schemeClr val="tx1">
-                    <a:tint val="75000"/>
-                  </a:schemeClr>
-                </a:solidFill>
-                <a:latin typeface="+mn-lt"/>
-                <a:ea typeface="+mn-ea"/>
-                <a:cs typeface="+mn-cs"/>
-              </a:defRPr>
-            </a:lvl6pPr>
-            <a:lvl7pPr marL="2743200" indent="0" algn="ctr" defTabSz="914400" rtl="0" eaLnBrk="1" latinLnBrk="0" hangingPunct="1">
-              <a:spcBef>
-                <a:spcPct val="20000"/>
-              </a:spcBef>
-              <a:buFont typeface="Arial" pitchFamily="34" charset="0"/>
-              <a:buNone/>
-              <a:defRPr sz="2000" kern="1200">
-                <a:solidFill>
-                  <a:schemeClr val="tx1">
-                    <a:tint val="75000"/>
-                  </a:schemeClr>
-                </a:solidFill>
-                <a:latin typeface="+mn-lt"/>
-                <a:ea typeface="+mn-ea"/>
-                <a:cs typeface="+mn-cs"/>
-              </a:defRPr>
-            </a:lvl7pPr>
-            <a:lvl8pPr marL="3200400" indent="0" algn="ctr" defTabSz="914400" rtl="0" eaLnBrk="1" latinLnBrk="0" hangingPunct="1">
-              <a:spcBef>
-                <a:spcPct val="20000"/>
-              </a:spcBef>
-              <a:buFont typeface="Arial" pitchFamily="34" charset="0"/>
-              <a:buNone/>
-              <a:defRPr sz="2000" kern="1200">
-                <a:solidFill>
-                  <a:schemeClr val="tx1">
-                    <a:tint val="75000"/>
-                  </a:schemeClr>
-                </a:solidFill>
-                <a:latin typeface="+mn-lt"/>
-                <a:ea typeface="+mn-ea"/>
-                <a:cs typeface="+mn-cs"/>
-              </a:defRPr>
-            </a:lvl8pPr>
-            <a:lvl9pPr marL="3657600" indent="0" algn="ctr" defTabSz="914400" rtl="0" eaLnBrk="1" latinLnBrk="0" hangingPunct="1">
-              <a:spcBef>
-                <a:spcPct val="20000"/>
-              </a:spcBef>
-              <a:buFont typeface="Arial" pitchFamily="34" charset="0"/>
-              <a:buNone/>
-              <a:defRPr sz="2000" kern="1200">
-                <a:solidFill>
-                  <a:schemeClr val="tx1">
-                    <a:tint val="75000"/>
-                  </a:schemeClr>
-                </a:solidFill>
-                <a:latin typeface="+mn-lt"/>
-                <a:ea typeface="+mn-ea"/>
-                <a:cs typeface="+mn-cs"/>
-              </a:defRPr>
-            </a:lvl9pPr>
-          </a:lstStyle>
-          <a:p>
-            <a:r>
-              <a:rPr lang="pl-PL" sz="1500" b="1" dirty="0" smtClean="0">
-                <a:solidFill>
-                  <a:schemeClr val="tx1">
-                    <a:lumMod val="50000"/>
-                    <a:lumOff val="50000"/>
-                  </a:schemeClr>
-                </a:solidFill>
-              </a:rPr>
-              <a:t>PAUZA</a:t>
-            </a:r>
-            <a:endParaRPr lang="es-ES" sz="1500" b="1" dirty="0">
-              <a:solidFill>
-                <a:schemeClr val="tx1">
-                  <a:lumMod val="50000"/>
-                  <a:lumOff val="50000"/>
-                </a:schemeClr>
-              </a:solidFill>
-            </a:endParaRPr>
-          </a:p>
-        </p:txBody>
-      </p:sp>
-      <p:pic>
-        <p:nvPicPr>
-          <p:cNvPr id="1026" name="Picture 2" descr="C:\Users\Ernest\Pictures\dziki_dzik.png"/>
-          <p:cNvPicPr>
-            <a:picLocks noChangeAspect="1" noChangeArrowheads="1"/>
-          </p:cNvPicPr>
-          <p:nvPr/>
-        </p:nvPicPr>
-        <p:blipFill>
-          <a:blip r:embed="rId2" cstate="print"/>
-          <a:srcRect/>
-          <a:stretch>
-            <a:fillRect/>
-          </a:stretch>
-        </p:blipFill>
-        <p:spPr bwMode="auto">
-          <a:xfrm>
-            <a:off x="179512" y="5877272"/>
-            <a:ext cx="1800200" cy="860673"/>
-          </a:xfrm>
-          <a:prstGeom prst="rect">
-            <a:avLst/>
-          </a:prstGeom>
-          <a:ln>
-            <a:noFill/>
-          </a:ln>
-          <a:effectLst>
-            <a:outerShdw blurRad="190500" algn="tl" rotWithShape="0">
-              <a:srgbClr val="000000">
-                <a:alpha val="70000"/>
-              </a:srgbClr>
-            </a:outerShdw>
-          </a:effectLst>
-        </p:spPr>
-      </p:pic>
-    </p:spTree>
-    <p:extLst>
-      <p:ext uri="{BB962C8B-B14F-4D97-AF65-F5344CB8AC3E}">
-        <p14:creationId xmlns="" xmlns:p14="http://schemas.microsoft.com/office/powerpoint/2010/main" val="2367997045"/>
-      </p:ext>
-    </p:extLst>
-  </p:cSld>
-  <p:clrMapOvr>
-    <a:masterClrMapping/>
-  </p:clrMapOvr>
-  <mc:AlternateContent xmlns:mc="http://schemas.openxmlformats.org/markup-compatibility/2006">
-    <mc:Choice xmlns="" xmlns:p14="http://schemas.microsoft.com/office/powerpoint/2010/main" Requires="p14">
-      <p:transition spd="med" p14:dur="699">
-        <p:fade/>
-      </p:transition>
-    </mc:Choice>
-    <mc:Fallback>
-      <p:transition spd="med">
-        <p:fade/>
-      </p:transition>
-    </mc:Fallback>
-  </mc:AlternateContent>
-  <p:timing>
-    <p:tnLst>
-      <p:par>
-        <p:cTn id="1" dur="indefinite" restart="never" nodeType="tmRoot"/>
-      </p:par>
-    </p:tnLst>
-  </p:timing>
-</p:sld>
-</file>
-
-<file path=ppt/slides/slide18.xml><?xml version="1.0" encoding="utf-8"?>
 <p:sld xmlns:a="http://schemas.openxmlformats.org/drawingml/2006/main" xmlns:r="http://schemas.openxmlformats.org/officeDocument/2006/relationships" xmlns:p="http://schemas.openxmlformats.org/presentationml/2006/main">
   <p:cSld>
     <p:spTree>
@@ -6543,7 +6342,7 @@
     </p:spTree>
     <p:extLst>
       <p:ext uri="{BB962C8B-B14F-4D97-AF65-F5344CB8AC3E}">
-        <p14:creationId xmlns="" xmlns:p14="http://schemas.microsoft.com/office/powerpoint/2010/main" val="2740888392"/>
+        <p14:creationId xmlns:p14="http://schemas.microsoft.com/office/powerpoint/2010/main" xmlns="" val="2740888392"/>
       </p:ext>
     </p:extLst>
   </p:cSld>
@@ -6551,7 +6350,7 @@
     <a:masterClrMapping/>
   </p:clrMapOvr>
   <mc:AlternateContent xmlns:mc="http://schemas.openxmlformats.org/markup-compatibility/2006">
-    <mc:Choice xmlns="" xmlns:p14="http://schemas.microsoft.com/office/powerpoint/2010/main" Requires="p14">
+    <mc:Choice xmlns:p14="http://schemas.microsoft.com/office/powerpoint/2010/main" xmlns="" Requires="p14">
       <p:transition spd="med" p14:dur="699">
         <p:fade/>
       </p:transition>
@@ -6572,7 +6371,7 @@
 </p:sld>
 </file>
 
-<file path=ppt/slides/slide19.xml><?xml version="1.0" encoding="utf-8"?>
+<file path=ppt/slides/slide18.xml><?xml version="1.0" encoding="utf-8"?>
 <p:sld xmlns:a="http://schemas.openxmlformats.org/drawingml/2006/main" xmlns:r="http://schemas.openxmlformats.org/officeDocument/2006/relationships" xmlns:p="http://schemas.openxmlformats.org/presentationml/2006/main">
   <p:cSld>
     <p:spTree>
@@ -7015,7 +6814,7 @@
     </p:spTree>
     <p:extLst>
       <p:ext uri="{BB962C8B-B14F-4D97-AF65-F5344CB8AC3E}">
-        <p14:creationId xmlns="" xmlns:p14="http://schemas.microsoft.com/office/powerpoint/2010/main" val="2740888392"/>
+        <p14:creationId xmlns:p14="http://schemas.microsoft.com/office/powerpoint/2010/main" xmlns="" val="2740888392"/>
       </p:ext>
     </p:extLst>
   </p:cSld>
@@ -7023,7 +6822,1016 @@
     <a:masterClrMapping/>
   </p:clrMapOvr>
   <mc:AlternateContent xmlns:mc="http://schemas.openxmlformats.org/markup-compatibility/2006">
-    <mc:Choice xmlns="" xmlns:p14="http://schemas.microsoft.com/office/powerpoint/2010/main" Requires="p14">
+    <mc:Choice xmlns:p14="http://schemas.microsoft.com/office/powerpoint/2010/main" xmlns="" Requires="p14">
+      <p:transition spd="med" p14:dur="699">
+        <p:fade/>
+      </p:transition>
+    </mc:Choice>
+    <mc:Fallback>
+      <p:transition spd="med">
+        <p:fade/>
+      </p:transition>
+    </mc:Fallback>
+  </mc:AlternateContent>
+  <p:timing>
+    <p:tnLst>
+      <p:par>
+        <p:cTn id="1" dur="indefinite" restart="never" nodeType="tmRoot"/>
+      </p:par>
+    </p:tnLst>
+  </p:timing>
+</p:sld>
+</file>
+
+<file path=ppt/slides/slide19.xml><?xml version="1.0" encoding="utf-8"?>
+<p:sld xmlns:a="http://schemas.openxmlformats.org/drawingml/2006/main" xmlns:r="http://schemas.openxmlformats.org/officeDocument/2006/relationships" xmlns:p="http://schemas.openxmlformats.org/presentationml/2006/main">
+  <p:cSld>
+    <p:spTree>
+      <p:nvGrpSpPr>
+        <p:cNvPr id="1" name=""/>
+        <p:cNvGrpSpPr/>
+        <p:nvPr/>
+      </p:nvGrpSpPr>
+      <p:grpSpPr>
+        <a:xfrm>
+          <a:off x="0" y="0"/>
+          <a:ext cx="0" cy="0"/>
+          <a:chOff x="0" y="0"/>
+          <a:chExt cx="0" cy="0"/>
+        </a:xfrm>
+      </p:grpSpPr>
+      <p:sp>
+        <p:nvSpPr>
+          <p:cNvPr id="15" name="1 Título"/>
+          <p:cNvSpPr txBox="1">
+            <a:spLocks/>
+          </p:cNvSpPr>
+          <p:nvPr/>
+        </p:nvSpPr>
+        <p:spPr>
+          <a:xfrm>
+            <a:off x="4523296" y="1491264"/>
+            <a:ext cx="8761672" cy="1143000"/>
+          </a:xfrm>
+          <a:prstGeom prst="rect">
+            <a:avLst/>
+          </a:prstGeom>
+        </p:spPr>
+        <p:txBody>
+          <a:bodyPr vert="horz" lIns="91440" tIns="45720" rIns="91440" bIns="45720" rtlCol="0" anchor="ctr">
+            <a:noAutofit/>
+          </a:bodyPr>
+          <a:lstStyle>
+            <a:lvl1pPr algn="ctr" defTabSz="914400" rtl="0" eaLnBrk="1" latinLnBrk="0" hangingPunct="1">
+              <a:spcBef>
+                <a:spcPct val="0"/>
+              </a:spcBef>
+              <a:buNone/>
+              <a:defRPr sz="4400" kern="1200">
+                <a:solidFill>
+                  <a:schemeClr val="tx1"/>
+                </a:solidFill>
+                <a:latin typeface="+mj-lt"/>
+                <a:ea typeface="+mj-ea"/>
+                <a:cs typeface="+mj-cs"/>
+              </a:defRPr>
+            </a:lvl1pPr>
+          </a:lstStyle>
+          <a:p>
+            <a:pPr algn="l"/>
+            <a:r>
+              <a:rPr lang="pl-PL" sz="7000" dirty="0" smtClean="0">
+                <a:solidFill>
+                  <a:schemeClr val="bg1"/>
+                </a:solidFill>
+              </a:rPr>
+              <a:t>Kontakt</a:t>
+            </a:r>
+            <a:endParaRPr lang="es-ES" sz="7000" b="1" dirty="0">
+              <a:solidFill>
+                <a:schemeClr val="bg1"/>
+              </a:solidFill>
+            </a:endParaRPr>
+          </a:p>
+        </p:txBody>
+      </p:sp>
+      <p:sp>
+        <p:nvSpPr>
+          <p:cNvPr id="3" name="2 Marcador de contenido"/>
+          <p:cNvSpPr>
+            <a:spLocks noGrp="1"/>
+          </p:cNvSpPr>
+          <p:nvPr>
+            <p:ph idx="1"/>
+          </p:nvPr>
+        </p:nvSpPr>
+        <p:spPr>
+          <a:xfrm>
+            <a:off x="4593568" y="2624903"/>
+            <a:ext cx="3240360" cy="2302275"/>
+          </a:xfrm>
+        </p:spPr>
+        <p:txBody>
+          <a:bodyPr>
+            <a:noAutofit/>
+          </a:bodyPr>
+          <a:lstStyle/>
+          <a:p>
+            <a:pPr marL="0" indent="0">
+              <a:buNone/>
+            </a:pPr>
+            <a:r>
+              <a:rPr lang="pl-PL" sz="1400" b="1" dirty="0" smtClean="0">
+                <a:solidFill>
+                  <a:srgbClr val="5F5F5F"/>
+                </a:solidFill>
+              </a:rPr>
+              <a:t>Internet</a:t>
+            </a:r>
+            <a:r>
+              <a:rPr lang="en-US" sz="1400" b="1" dirty="0" smtClean="0">
+                <a:solidFill>
+                  <a:srgbClr val="5F5F5F"/>
+                </a:solidFill>
+              </a:rPr>
+              <a:t>:</a:t>
+            </a:r>
+            <a:endParaRPr lang="en-US" sz="1400" b="1" dirty="0">
+              <a:solidFill>
+                <a:srgbClr val="5F5F5F"/>
+              </a:solidFill>
+            </a:endParaRPr>
+          </a:p>
+          <a:p>
+            <a:pPr marL="0" indent="0">
+              <a:buNone/>
+            </a:pPr>
+            <a:r>
+              <a:rPr lang="pl-PL" sz="1400" dirty="0" smtClean="0">
+                <a:solidFill>
+                  <a:srgbClr val="5F5F5F"/>
+                </a:solidFill>
+                <a:hlinkClick r:id="rId2"/>
+              </a:rPr>
+              <a:t>www.ernest.bzdury.pl</a:t>
+            </a:r>
+            <a:r>
+              <a:rPr lang="pl-PL" sz="1400" dirty="0" smtClean="0">
+                <a:solidFill>
+                  <a:srgbClr val="5F5F5F"/>
+                </a:solidFill>
+              </a:rPr>
+              <a:t/>
+            </a:r>
+            <a:br>
+              <a:rPr lang="pl-PL" sz="1400" dirty="0" smtClean="0">
+                <a:solidFill>
+                  <a:srgbClr val="5F5F5F"/>
+                </a:solidFill>
+              </a:rPr>
+            </a:br>
+            <a:r>
+              <a:rPr lang="pl-PL" sz="1400" dirty="0" smtClean="0">
+                <a:hlinkClick r:id="rId3"/>
+              </a:rPr>
+              <a:t>www.github.com/swistaczek</a:t>
+            </a:r>
+            <a:endParaRPr lang="en-US" sz="1400" dirty="0">
+              <a:solidFill>
+                <a:srgbClr val="5F5F5F"/>
+              </a:solidFill>
+            </a:endParaRPr>
+          </a:p>
+          <a:p>
+            <a:pPr marL="0" indent="0">
+              <a:buNone/>
+            </a:pPr>
+            <a:endParaRPr lang="en-US" sz="1400" dirty="0" smtClean="0">
+              <a:solidFill>
+                <a:srgbClr val="5F5F5F"/>
+              </a:solidFill>
+            </a:endParaRPr>
+          </a:p>
+          <a:p>
+            <a:pPr marL="0" indent="0">
+              <a:buNone/>
+            </a:pPr>
+            <a:r>
+              <a:rPr lang="pl-PL" sz="1400" b="1" dirty="0" smtClean="0">
+                <a:solidFill>
+                  <a:srgbClr val="5F5F5F"/>
+                </a:solidFill>
+              </a:rPr>
+              <a:t>Telefon</a:t>
+            </a:r>
+            <a:r>
+              <a:rPr lang="en-US" sz="1400" b="1" dirty="0" smtClean="0">
+                <a:solidFill>
+                  <a:srgbClr val="5F5F5F"/>
+                </a:solidFill>
+              </a:rPr>
+              <a:t>:</a:t>
+            </a:r>
+            <a:endParaRPr lang="en-US" sz="1400" b="1" dirty="0">
+              <a:solidFill>
+                <a:srgbClr val="5F5F5F"/>
+              </a:solidFill>
+            </a:endParaRPr>
+          </a:p>
+          <a:p>
+            <a:pPr marL="0" indent="0">
+              <a:buNone/>
+            </a:pPr>
+            <a:r>
+              <a:rPr lang="en-US" sz="1400" dirty="0" smtClean="0">
+                <a:solidFill>
+                  <a:srgbClr val="5F5F5F"/>
+                </a:solidFill>
+              </a:rPr>
+              <a:t>+</a:t>
+            </a:r>
+            <a:r>
+              <a:rPr lang="pl-PL" sz="1400" dirty="0" smtClean="0">
+                <a:solidFill>
+                  <a:srgbClr val="5F5F5F"/>
+                </a:solidFill>
+              </a:rPr>
+              <a:t>48 793 376 378</a:t>
+            </a:r>
+            <a:endParaRPr lang="en-US" sz="1400" dirty="0">
+              <a:solidFill>
+                <a:srgbClr val="5F5F5F"/>
+              </a:solidFill>
+            </a:endParaRPr>
+          </a:p>
+          <a:p>
+            <a:pPr marL="0" indent="0">
+              <a:buNone/>
+            </a:pPr>
+            <a:endParaRPr lang="en-US" sz="1400" b="1" dirty="0" smtClean="0">
+              <a:solidFill>
+                <a:srgbClr val="5F5F5F"/>
+              </a:solidFill>
+            </a:endParaRPr>
+          </a:p>
+          <a:p>
+            <a:pPr marL="0" indent="0">
+              <a:buNone/>
+            </a:pPr>
+            <a:r>
+              <a:rPr lang="en-US" sz="1400" b="1" dirty="0" smtClean="0">
+                <a:solidFill>
+                  <a:srgbClr val="5F5F5F"/>
+                </a:solidFill>
+              </a:rPr>
+              <a:t>Email:</a:t>
+            </a:r>
+            <a:endParaRPr lang="en-US" sz="1400" b="1" dirty="0">
+              <a:solidFill>
+                <a:srgbClr val="5F5F5F"/>
+              </a:solidFill>
+            </a:endParaRPr>
+          </a:p>
+          <a:p>
+            <a:pPr marL="0" indent="0">
+              <a:buNone/>
+            </a:pPr>
+            <a:r>
+              <a:rPr lang="pl-PL" sz="1400" dirty="0" smtClean="0">
+                <a:solidFill>
+                  <a:srgbClr val="5F5F5F"/>
+                </a:solidFill>
+              </a:rPr>
+              <a:t>ernest@bzdury.pl</a:t>
+            </a:r>
+            <a:endParaRPr lang="es-ES" sz="1400" dirty="0">
+              <a:solidFill>
+                <a:srgbClr val="5F5F5F"/>
+              </a:solidFill>
+            </a:endParaRPr>
+          </a:p>
+        </p:txBody>
+      </p:sp>
+      <p:sp>
+        <p:nvSpPr>
+          <p:cNvPr id="14" name="13 Recortar rectángulo de esquina del mismo lado"/>
+          <p:cNvSpPr/>
+          <p:nvPr/>
+        </p:nvSpPr>
+        <p:spPr>
+          <a:xfrm>
+            <a:off x="8316416" y="-38912"/>
+            <a:ext cx="432048" cy="432048"/>
+          </a:xfrm>
+          <a:prstGeom prst="snip2SameRect">
+            <a:avLst/>
+          </a:prstGeom>
+          <a:effectLst>
+            <a:outerShdw blurRad="40000" dist="23000" dir="5400000" sx="1000" sy="1000" rotWithShape="0">
+              <a:srgbClr val="000000">
+                <a:alpha val="0"/>
+              </a:srgbClr>
+            </a:outerShdw>
+          </a:effectLst>
+        </p:spPr>
+        <p:style>
+          <a:lnRef idx="1">
+            <a:schemeClr val="accent4"/>
+          </a:lnRef>
+          <a:fillRef idx="3">
+            <a:schemeClr val="accent4"/>
+          </a:fillRef>
+          <a:effectRef idx="2">
+            <a:schemeClr val="accent4"/>
+          </a:effectRef>
+          <a:fontRef idx="minor">
+            <a:schemeClr val="lt1"/>
+          </a:fontRef>
+        </p:style>
+        <p:txBody>
+          <a:bodyPr rtlCol="0" anchor="ctr"/>
+          <a:lstStyle/>
+          <a:p>
+            <a:pPr algn="ctr"/>
+            <a:r>
+              <a:rPr lang="pl-PL" sz="1200" b="1" dirty="0" smtClean="0"/>
+              <a:t>19</a:t>
+            </a:r>
+            <a:endParaRPr lang="es-ES" sz="1200" b="1" dirty="0"/>
+          </a:p>
+        </p:txBody>
+      </p:sp>
+      <p:cxnSp>
+        <p:nvCxnSpPr>
+          <p:cNvPr id="5" name="4 Conector recto"/>
+          <p:cNvCxnSpPr/>
+          <p:nvPr/>
+        </p:nvCxnSpPr>
+        <p:spPr>
+          <a:xfrm>
+            <a:off x="4283968" y="1491264"/>
+            <a:ext cx="0" cy="3377896"/>
+          </a:xfrm>
+          <a:prstGeom prst="line">
+            <a:avLst/>
+          </a:prstGeom>
+          <a:ln>
+            <a:solidFill>
+              <a:schemeClr val="bg1">
+                <a:lumMod val="85000"/>
+              </a:schemeClr>
+            </a:solidFill>
+          </a:ln>
+        </p:spPr>
+        <p:style>
+          <a:lnRef idx="1">
+            <a:schemeClr val="dk1"/>
+          </a:lnRef>
+          <a:fillRef idx="0">
+            <a:schemeClr val="dk1"/>
+          </a:fillRef>
+          <a:effectRef idx="0">
+            <a:schemeClr val="dk1"/>
+          </a:effectRef>
+          <a:fontRef idx="minor">
+            <a:schemeClr val="tx1"/>
+          </a:fontRef>
+        </p:style>
+      </p:cxnSp>
+      <p:cxnSp>
+        <p:nvCxnSpPr>
+          <p:cNvPr id="12" name="11 Conector recto"/>
+          <p:cNvCxnSpPr/>
+          <p:nvPr/>
+        </p:nvCxnSpPr>
+        <p:spPr>
+          <a:xfrm>
+            <a:off x="4276922" y="1491264"/>
+            <a:ext cx="0" cy="3377896"/>
+          </a:xfrm>
+          <a:prstGeom prst="line">
+            <a:avLst/>
+          </a:prstGeom>
+          <a:ln>
+            <a:solidFill>
+              <a:schemeClr val="bg1"/>
+            </a:solidFill>
+          </a:ln>
+        </p:spPr>
+        <p:style>
+          <a:lnRef idx="1">
+            <a:schemeClr val="dk1"/>
+          </a:lnRef>
+          <a:fillRef idx="0">
+            <a:schemeClr val="dk1"/>
+          </a:fillRef>
+          <a:effectRef idx="0">
+            <a:schemeClr val="dk1"/>
+          </a:effectRef>
+          <a:fontRef idx="minor">
+            <a:schemeClr val="tx1"/>
+          </a:fontRef>
+        </p:style>
+      </p:cxnSp>
+      <p:grpSp>
+        <p:nvGrpSpPr>
+          <p:cNvPr id="18" name="17 Grupo"/>
+          <p:cNvGrpSpPr/>
+          <p:nvPr/>
+        </p:nvGrpSpPr>
+        <p:grpSpPr>
+          <a:xfrm>
+            <a:off x="6876256" y="6146254"/>
+            <a:ext cx="414046" cy="360040"/>
+            <a:chOff x="7308304" y="6165304"/>
+            <a:chExt cx="414046" cy="360040"/>
+          </a:xfrm>
+        </p:grpSpPr>
+        <p:sp>
+          <p:nvSpPr>
+            <p:cNvPr id="19" name="18 Rectángulo redondeado"/>
+            <p:cNvSpPr/>
+            <p:nvPr/>
+          </p:nvSpPr>
+          <p:spPr>
+            <a:xfrm>
+              <a:off x="7308304" y="6165304"/>
+              <a:ext cx="414046" cy="360040"/>
+            </a:xfrm>
+            <a:prstGeom prst="roundRect">
+              <a:avLst/>
+            </a:prstGeom>
+            <a:gradFill>
+              <a:gsLst>
+                <a:gs pos="0">
+                  <a:schemeClr val="bg1">
+                    <a:lumMod val="75000"/>
+                  </a:schemeClr>
+                </a:gs>
+                <a:gs pos="80000">
+                  <a:schemeClr val="bg1">
+                    <a:lumMod val="95000"/>
+                  </a:schemeClr>
+                </a:gs>
+                <a:gs pos="100000">
+                  <a:schemeClr val="bg1">
+                    <a:lumMod val="95000"/>
+                  </a:schemeClr>
+                </a:gs>
+              </a:gsLst>
+            </a:gradFill>
+          </p:spPr>
+          <p:style>
+            <a:lnRef idx="0">
+              <a:schemeClr val="accent4"/>
+            </a:lnRef>
+            <a:fillRef idx="3">
+              <a:schemeClr val="accent4"/>
+            </a:fillRef>
+            <a:effectRef idx="3">
+              <a:schemeClr val="accent4"/>
+            </a:effectRef>
+            <a:fontRef idx="minor">
+              <a:schemeClr val="lt1"/>
+            </a:fontRef>
+          </p:style>
+          <p:txBody>
+            <a:bodyPr rtlCol="0" anchor="ctr"/>
+            <a:lstStyle/>
+            <a:p>
+              <a:pPr algn="ctr"/>
+              <a:endParaRPr lang="es-ES"/>
+            </a:p>
+          </p:txBody>
+        </p:sp>
+        <p:sp>
+          <p:nvSpPr>
+            <p:cNvPr id="20" name="19 Lágrima">
+              <a:hlinkClick r:id="" action="ppaction://hlinkshowjump?jump=previousslide"/>
+            </p:cNvPr>
+            <p:cNvSpPr/>
+            <p:nvPr/>
+          </p:nvSpPr>
+          <p:spPr>
+            <a:xfrm rot="13500000">
+              <a:off x="7443319" y="6279493"/>
+              <a:ext cx="144016" cy="144016"/>
+            </a:xfrm>
+            <a:prstGeom prst="teardrop">
+              <a:avLst/>
+            </a:prstGeom>
+          </p:spPr>
+          <p:style>
+            <a:lnRef idx="0">
+              <a:schemeClr val="accent4"/>
+            </a:lnRef>
+            <a:fillRef idx="3">
+              <a:schemeClr val="accent4"/>
+            </a:fillRef>
+            <a:effectRef idx="3">
+              <a:schemeClr val="accent4"/>
+            </a:effectRef>
+            <a:fontRef idx="minor">
+              <a:schemeClr val="lt1"/>
+            </a:fontRef>
+          </p:style>
+          <p:txBody>
+            <a:bodyPr rtlCol="0" anchor="ctr"/>
+            <a:lstStyle/>
+            <a:p>
+              <a:pPr algn="ctr"/>
+              <a:endParaRPr lang="es-ES"/>
+            </a:p>
+          </p:txBody>
+        </p:sp>
+      </p:grpSp>
+      <p:grpSp>
+        <p:nvGrpSpPr>
+          <p:cNvPr id="21" name="20 Grupo"/>
+          <p:cNvGrpSpPr/>
+          <p:nvPr/>
+        </p:nvGrpSpPr>
+        <p:grpSpPr>
+          <a:xfrm>
+            <a:off x="7422697" y="6146254"/>
+            <a:ext cx="414046" cy="360040"/>
+            <a:chOff x="7902370" y="6165304"/>
+            <a:chExt cx="414046" cy="360040"/>
+          </a:xfrm>
+        </p:grpSpPr>
+        <p:sp>
+          <p:nvSpPr>
+            <p:cNvPr id="22" name="21 Rectángulo redondeado"/>
+            <p:cNvSpPr/>
+            <p:nvPr/>
+          </p:nvSpPr>
+          <p:spPr>
+            <a:xfrm>
+              <a:off x="7902370" y="6165304"/>
+              <a:ext cx="414046" cy="360040"/>
+            </a:xfrm>
+            <a:prstGeom prst="roundRect">
+              <a:avLst/>
+            </a:prstGeom>
+            <a:gradFill>
+              <a:gsLst>
+                <a:gs pos="0">
+                  <a:schemeClr val="bg1">
+                    <a:lumMod val="75000"/>
+                  </a:schemeClr>
+                </a:gs>
+                <a:gs pos="80000">
+                  <a:schemeClr val="bg1">
+                    <a:lumMod val="95000"/>
+                  </a:schemeClr>
+                </a:gs>
+                <a:gs pos="100000">
+                  <a:schemeClr val="bg1">
+                    <a:lumMod val="95000"/>
+                  </a:schemeClr>
+                </a:gs>
+              </a:gsLst>
+            </a:gradFill>
+          </p:spPr>
+          <p:style>
+            <a:lnRef idx="0">
+              <a:schemeClr val="accent4"/>
+            </a:lnRef>
+            <a:fillRef idx="3">
+              <a:schemeClr val="accent4"/>
+            </a:fillRef>
+            <a:effectRef idx="3">
+              <a:schemeClr val="accent4"/>
+            </a:effectRef>
+            <a:fontRef idx="minor">
+              <a:schemeClr val="lt1"/>
+            </a:fontRef>
+          </p:style>
+          <p:txBody>
+            <a:bodyPr rtlCol="0" anchor="ctr"/>
+            <a:lstStyle/>
+            <a:p>
+              <a:pPr algn="ctr"/>
+              <a:endParaRPr lang="es-ES"/>
+            </a:p>
+          </p:txBody>
+        </p:sp>
+        <p:sp>
+          <p:nvSpPr>
+            <p:cNvPr id="23" name="22 Lágrima">
+              <a:hlinkClick r:id="" action="ppaction://hlinkshowjump?jump=nextslide"/>
+            </p:cNvPr>
+            <p:cNvSpPr/>
+            <p:nvPr/>
+          </p:nvSpPr>
+          <p:spPr>
+            <a:xfrm rot="2700000">
+              <a:off x="8037385" y="6279493"/>
+              <a:ext cx="144016" cy="144016"/>
+            </a:xfrm>
+            <a:prstGeom prst="teardrop">
+              <a:avLst/>
+            </a:prstGeom>
+          </p:spPr>
+          <p:style>
+            <a:lnRef idx="0">
+              <a:schemeClr val="accent4"/>
+            </a:lnRef>
+            <a:fillRef idx="3">
+              <a:schemeClr val="accent4"/>
+            </a:fillRef>
+            <a:effectRef idx="3">
+              <a:schemeClr val="accent4"/>
+            </a:effectRef>
+            <a:fontRef idx="minor">
+              <a:schemeClr val="lt1"/>
+            </a:fontRef>
+          </p:style>
+          <p:txBody>
+            <a:bodyPr rtlCol="0" anchor="ctr"/>
+            <a:lstStyle/>
+            <a:p>
+              <a:pPr algn="ctr"/>
+              <a:endParaRPr lang="es-ES"/>
+            </a:p>
+          </p:txBody>
+        </p:sp>
+      </p:grpSp>
+      <p:grpSp>
+        <p:nvGrpSpPr>
+          <p:cNvPr id="24" name="23 Grupo"/>
+          <p:cNvGrpSpPr/>
+          <p:nvPr/>
+        </p:nvGrpSpPr>
+        <p:grpSpPr>
+          <a:xfrm>
+            <a:off x="8490086" y="6146254"/>
+            <a:ext cx="414046" cy="360040"/>
+            <a:chOff x="8490086" y="6146254"/>
+            <a:chExt cx="414046" cy="360040"/>
+          </a:xfrm>
+        </p:grpSpPr>
+        <p:sp>
+          <p:nvSpPr>
+            <p:cNvPr id="25" name="24 Rectángulo redondeado"/>
+            <p:cNvSpPr/>
+            <p:nvPr/>
+          </p:nvSpPr>
+          <p:spPr>
+            <a:xfrm>
+              <a:off x="8490086" y="6146254"/>
+              <a:ext cx="414046" cy="360040"/>
+            </a:xfrm>
+            <a:prstGeom prst="roundRect">
+              <a:avLst/>
+            </a:prstGeom>
+            <a:gradFill>
+              <a:gsLst>
+                <a:gs pos="0">
+                  <a:schemeClr val="bg1">
+                    <a:lumMod val="75000"/>
+                  </a:schemeClr>
+                </a:gs>
+                <a:gs pos="80000">
+                  <a:schemeClr val="bg1">
+                    <a:lumMod val="95000"/>
+                  </a:schemeClr>
+                </a:gs>
+                <a:gs pos="100000">
+                  <a:schemeClr val="bg1">
+                    <a:lumMod val="95000"/>
+                  </a:schemeClr>
+                </a:gs>
+              </a:gsLst>
+            </a:gradFill>
+          </p:spPr>
+          <p:style>
+            <a:lnRef idx="0">
+              <a:schemeClr val="accent4"/>
+            </a:lnRef>
+            <a:fillRef idx="3">
+              <a:schemeClr val="accent4"/>
+            </a:fillRef>
+            <a:effectRef idx="3">
+              <a:schemeClr val="accent4"/>
+            </a:effectRef>
+            <a:fontRef idx="minor">
+              <a:schemeClr val="lt1"/>
+            </a:fontRef>
+          </p:style>
+          <p:txBody>
+            <a:bodyPr rtlCol="0" anchor="ctr"/>
+            <a:lstStyle/>
+            <a:p>
+              <a:pPr algn="ctr"/>
+              <a:endParaRPr lang="es-ES"/>
+            </a:p>
+          </p:txBody>
+        </p:sp>
+        <p:sp>
+          <p:nvSpPr>
+            <p:cNvPr id="26" name="25 Multiplicar">
+              <a:hlinkClick r:id="" action="ppaction://hlinkshowjump?jump=endshow"/>
+            </p:cNvPr>
+            <p:cNvSpPr/>
+            <p:nvPr/>
+          </p:nvSpPr>
+          <p:spPr>
+            <a:xfrm>
+              <a:off x="8604448" y="6230616"/>
+              <a:ext cx="203670" cy="203670"/>
+            </a:xfrm>
+            <a:prstGeom prst="mathMultiply">
+              <a:avLst/>
+            </a:prstGeom>
+          </p:spPr>
+          <p:style>
+            <a:lnRef idx="0">
+              <a:schemeClr val="accent4"/>
+            </a:lnRef>
+            <a:fillRef idx="3">
+              <a:schemeClr val="accent4"/>
+            </a:fillRef>
+            <a:effectRef idx="3">
+              <a:schemeClr val="accent4"/>
+            </a:effectRef>
+            <a:fontRef idx="minor">
+              <a:schemeClr val="lt1"/>
+            </a:fontRef>
+          </p:style>
+          <p:txBody>
+            <a:bodyPr rtlCol="0" anchor="ctr"/>
+            <a:lstStyle/>
+            <a:p>
+              <a:pPr algn="ctr"/>
+              <a:endParaRPr lang="es-ES"/>
+            </a:p>
+          </p:txBody>
+        </p:sp>
+      </p:grpSp>
+      <p:grpSp>
+        <p:nvGrpSpPr>
+          <p:cNvPr id="27" name="26 Grupo"/>
+          <p:cNvGrpSpPr/>
+          <p:nvPr/>
+        </p:nvGrpSpPr>
+        <p:grpSpPr>
+          <a:xfrm>
+            <a:off x="7956580" y="6146254"/>
+            <a:ext cx="414046" cy="360040"/>
+            <a:chOff x="7956580" y="6146254"/>
+            <a:chExt cx="414046" cy="360040"/>
+          </a:xfrm>
+        </p:grpSpPr>
+        <p:sp>
+          <p:nvSpPr>
+            <p:cNvPr id="28" name="27 Rectángulo redondeado"/>
+            <p:cNvSpPr/>
+            <p:nvPr/>
+          </p:nvSpPr>
+          <p:spPr>
+            <a:xfrm>
+              <a:off x="7956580" y="6146254"/>
+              <a:ext cx="414046" cy="360040"/>
+            </a:xfrm>
+            <a:prstGeom prst="roundRect">
+              <a:avLst/>
+            </a:prstGeom>
+            <a:gradFill>
+              <a:gsLst>
+                <a:gs pos="0">
+                  <a:schemeClr val="bg1">
+                    <a:lumMod val="75000"/>
+                  </a:schemeClr>
+                </a:gs>
+                <a:gs pos="80000">
+                  <a:schemeClr val="bg1">
+                    <a:lumMod val="95000"/>
+                  </a:schemeClr>
+                </a:gs>
+                <a:gs pos="100000">
+                  <a:schemeClr val="bg1">
+                    <a:lumMod val="95000"/>
+                  </a:schemeClr>
+                </a:gs>
+              </a:gsLst>
+            </a:gradFill>
+          </p:spPr>
+          <p:style>
+            <a:lnRef idx="0">
+              <a:schemeClr val="accent4"/>
+            </a:lnRef>
+            <a:fillRef idx="3">
+              <a:schemeClr val="accent4"/>
+            </a:fillRef>
+            <a:effectRef idx="3">
+              <a:schemeClr val="accent4"/>
+            </a:effectRef>
+            <a:fontRef idx="minor">
+              <a:schemeClr val="lt1"/>
+            </a:fontRef>
+          </p:style>
+          <p:txBody>
+            <a:bodyPr rtlCol="0" anchor="ctr"/>
+            <a:lstStyle/>
+            <a:p>
+              <a:pPr algn="ctr"/>
+              <a:endParaRPr lang="es-ES"/>
+            </a:p>
+          </p:txBody>
+        </p:sp>
+        <p:sp>
+          <p:nvSpPr>
+            <p:cNvPr id="29" name="28 Flecha curvada hacia la izquierda">
+              <a:hlinkClick r:id="" action="ppaction://hlinkshowjump?jump=firstslide"/>
+            </p:cNvPr>
+            <p:cNvSpPr/>
+            <p:nvPr/>
+          </p:nvSpPr>
+          <p:spPr>
+            <a:xfrm>
+              <a:off x="8081546" y="6221091"/>
+              <a:ext cx="143812" cy="239087"/>
+            </a:xfrm>
+            <a:prstGeom prst="curvedLeftArrow">
+              <a:avLst/>
+            </a:prstGeom>
+          </p:spPr>
+          <p:style>
+            <a:lnRef idx="0">
+              <a:schemeClr val="accent4"/>
+            </a:lnRef>
+            <a:fillRef idx="3">
+              <a:schemeClr val="accent4"/>
+            </a:fillRef>
+            <a:effectRef idx="3">
+              <a:schemeClr val="accent4"/>
+            </a:effectRef>
+            <a:fontRef idx="minor">
+              <a:schemeClr val="lt1"/>
+            </a:fontRef>
+          </p:style>
+          <p:txBody>
+            <a:bodyPr rtlCol="0" anchor="ctr"/>
+            <a:lstStyle/>
+            <a:p>
+              <a:pPr algn="ctr"/>
+              <a:endParaRPr lang="es-ES">
+                <a:solidFill>
+                  <a:schemeClr val="tx1"/>
+                </a:solidFill>
+              </a:endParaRPr>
+            </a:p>
+          </p:txBody>
+        </p:sp>
+      </p:grpSp>
+      <p:sp>
+        <p:nvSpPr>
+          <p:cNvPr id="31" name="Title 30"/>
+          <p:cNvSpPr>
+            <a:spLocks noGrp="1"/>
+          </p:cNvSpPr>
+          <p:nvPr>
+            <p:ph type="title"/>
+          </p:nvPr>
+        </p:nvSpPr>
+        <p:spPr/>
+        <p:txBody>
+          <a:bodyPr/>
+          <a:lstStyle/>
+          <a:p>
+            <a:endParaRPr lang="en-US"/>
+          </a:p>
+        </p:txBody>
+      </p:sp>
+      <p:sp>
+        <p:nvSpPr>
+          <p:cNvPr id="32" name="1 Título"/>
+          <p:cNvSpPr txBox="1">
+            <a:spLocks/>
+          </p:cNvSpPr>
+          <p:nvPr/>
+        </p:nvSpPr>
+        <p:spPr>
+          <a:xfrm>
+            <a:off x="4521560" y="1484784"/>
+            <a:ext cx="3938872" cy="1143000"/>
+          </a:xfrm>
+          <a:prstGeom prst="rect">
+            <a:avLst/>
+          </a:prstGeom>
+        </p:spPr>
+        <p:txBody>
+          <a:bodyPr vert="horz" lIns="91440" tIns="45720" rIns="91440" bIns="45720" rtlCol="0" anchor="ctr">
+            <a:noAutofit/>
+          </a:bodyPr>
+          <a:lstStyle/>
+          <a:p>
+            <a:pPr marL="0" marR="0" lvl="0" indent="0" algn="l" defTabSz="914400" rtl="0" eaLnBrk="1" fontAlgn="auto" latinLnBrk="0" hangingPunct="1">
+              <a:lnSpc>
+                <a:spcPct val="100000"/>
+              </a:lnSpc>
+              <a:spcBef>
+                <a:spcPct val="0"/>
+              </a:spcBef>
+              <a:spcAft>
+                <a:spcPts val="0"/>
+              </a:spcAft>
+              <a:buClrTx/>
+              <a:buSzTx/>
+              <a:buFontTx/>
+              <a:buNone/>
+              <a:tabLst/>
+              <a:defRPr/>
+            </a:pPr>
+            <a:r>
+              <a:rPr kumimoji="0" lang="pl-PL" sz="7000" b="0" i="0" u="none" strike="noStrike" kern="1200" cap="none" spc="0" normalizeH="0" baseline="0" noProof="0" smtClean="0">
+                <a:ln>
+                  <a:noFill/>
+                </a:ln>
+                <a:solidFill>
+                  <a:schemeClr val="accent4">
+                    <a:lumMod val="75000"/>
+                  </a:schemeClr>
+                </a:solidFill>
+                <a:effectLst/>
+                <a:uLnTx/>
+                <a:uFillTx/>
+                <a:latin typeface="+mj-lt"/>
+                <a:ea typeface="+mj-ea"/>
+                <a:cs typeface="+mj-cs"/>
+              </a:rPr>
+              <a:t>Kontakt</a:t>
+            </a:r>
+            <a:endParaRPr kumimoji="0" lang="es-ES" sz="7000" b="1" i="0" u="none" strike="noStrike" kern="1200" cap="none" spc="0" normalizeH="0" baseline="0" noProof="0" dirty="0">
+              <a:ln>
+                <a:noFill/>
+              </a:ln>
+              <a:solidFill>
+                <a:schemeClr val="accent4">
+                  <a:lumMod val="75000"/>
+                </a:schemeClr>
+              </a:solidFill>
+              <a:effectLst/>
+              <a:uLnTx/>
+              <a:uFillTx/>
+              <a:latin typeface="+mj-lt"/>
+              <a:ea typeface="+mj-ea"/>
+              <a:cs typeface="+mj-cs"/>
+            </a:endParaRPr>
+          </a:p>
+        </p:txBody>
+      </p:sp>
+      <p:pic>
+        <p:nvPicPr>
+          <p:cNvPr id="33" name="Picture 2" descr="C:\Users\Ernest\Pictures\dziki_dzik.png"/>
+          <p:cNvPicPr>
+            <a:picLocks noChangeAspect="1" noChangeArrowheads="1"/>
+          </p:cNvPicPr>
+          <p:nvPr/>
+        </p:nvPicPr>
+        <p:blipFill>
+          <a:blip r:embed="rId4" cstate="print"/>
+          <a:srcRect/>
+          <a:stretch>
+            <a:fillRect/>
+          </a:stretch>
+        </p:blipFill>
+        <p:spPr bwMode="auto">
+          <a:xfrm>
+            <a:off x="899592" y="2564904"/>
+            <a:ext cx="2843808" cy="1359620"/>
+          </a:xfrm>
+          <a:prstGeom prst="roundRect">
+            <a:avLst>
+              <a:gd name="adj" fmla="val 8594"/>
+            </a:avLst>
+          </a:prstGeom>
+          <a:solidFill>
+            <a:srgbClr val="FFFFFF">
+              <a:shade val="85000"/>
+            </a:srgbClr>
+          </a:solidFill>
+          <a:ln>
+            <a:noFill/>
+          </a:ln>
+          <a:effectLst>
+            <a:reflection blurRad="12700" stA="38000" endPos="28000" dist="5000" dir="5400000" sy="-100000" algn="bl" rotWithShape="0"/>
+          </a:effectLst>
+        </p:spPr>
+      </p:pic>
+    </p:spTree>
+    <p:extLst>
+      <p:ext uri="{BB962C8B-B14F-4D97-AF65-F5344CB8AC3E}">
+        <p14:creationId xmlns:p14="http://schemas.microsoft.com/office/powerpoint/2010/main" xmlns="" val="2305319834"/>
+      </p:ext>
+    </p:extLst>
+  </p:cSld>
+  <p:clrMapOvr>
+    <a:masterClrMapping/>
+  </p:clrMapOvr>
+  <mc:AlternateContent xmlns:mc="http://schemas.openxmlformats.org/markup-compatibility/2006">
+    <mc:Choice xmlns:p14="http://schemas.microsoft.com/office/powerpoint/2010/main" xmlns="" Requires="p14">
       <p:transition spd="med" p14:dur="699">
         <p:fade/>
       </p:transition>
@@ -8080,7 +8888,7 @@
     </p:spTree>
     <p:extLst>
       <p:ext uri="{BB962C8B-B14F-4D97-AF65-F5344CB8AC3E}">
-        <p14:creationId xmlns="" xmlns:p14="http://schemas.microsoft.com/office/powerpoint/2010/main" val="1335941665"/>
+        <p14:creationId xmlns:p14="http://schemas.microsoft.com/office/powerpoint/2010/main" xmlns="" val="1335941665"/>
       </p:ext>
     </p:extLst>
   </p:cSld>
@@ -8088,7 +8896,7 @@
     <a:masterClrMapping/>
   </p:clrMapOvr>
   <mc:AlternateContent xmlns:mc="http://schemas.openxmlformats.org/markup-compatibility/2006">
-    <mc:Choice xmlns="" xmlns:p14="http://schemas.microsoft.com/office/powerpoint/2010/main" Requires="p14">
+    <mc:Choice xmlns:p14="http://schemas.microsoft.com/office/powerpoint/2010/main" xmlns="" Requires="p14">
       <p:transition spd="med" p14:dur="699">
         <p:fade/>
       </p:transition>
@@ -8110,1015 +8918,6 @@
 </file>
 
 <file path=ppt/slides/slide20.xml><?xml version="1.0" encoding="utf-8"?>
-<p:sld xmlns:a="http://schemas.openxmlformats.org/drawingml/2006/main" xmlns:r="http://schemas.openxmlformats.org/officeDocument/2006/relationships" xmlns:p="http://schemas.openxmlformats.org/presentationml/2006/main">
-  <p:cSld>
-    <p:spTree>
-      <p:nvGrpSpPr>
-        <p:cNvPr id="1" name=""/>
-        <p:cNvGrpSpPr/>
-        <p:nvPr/>
-      </p:nvGrpSpPr>
-      <p:grpSpPr>
-        <a:xfrm>
-          <a:off x="0" y="0"/>
-          <a:ext cx="0" cy="0"/>
-          <a:chOff x="0" y="0"/>
-          <a:chExt cx="0" cy="0"/>
-        </a:xfrm>
-      </p:grpSpPr>
-      <p:sp>
-        <p:nvSpPr>
-          <p:cNvPr id="15" name="1 Título"/>
-          <p:cNvSpPr txBox="1">
-            <a:spLocks/>
-          </p:cNvSpPr>
-          <p:nvPr/>
-        </p:nvSpPr>
-        <p:spPr>
-          <a:xfrm>
-            <a:off x="4523296" y="1491264"/>
-            <a:ext cx="8761672" cy="1143000"/>
-          </a:xfrm>
-          <a:prstGeom prst="rect">
-            <a:avLst/>
-          </a:prstGeom>
-        </p:spPr>
-        <p:txBody>
-          <a:bodyPr vert="horz" lIns="91440" tIns="45720" rIns="91440" bIns="45720" rtlCol="0" anchor="ctr">
-            <a:noAutofit/>
-          </a:bodyPr>
-          <a:lstStyle>
-            <a:lvl1pPr algn="ctr" defTabSz="914400" rtl="0" eaLnBrk="1" latinLnBrk="0" hangingPunct="1">
-              <a:spcBef>
-                <a:spcPct val="0"/>
-              </a:spcBef>
-              <a:buNone/>
-              <a:defRPr sz="4400" kern="1200">
-                <a:solidFill>
-                  <a:schemeClr val="tx1"/>
-                </a:solidFill>
-                <a:latin typeface="+mj-lt"/>
-                <a:ea typeface="+mj-ea"/>
-                <a:cs typeface="+mj-cs"/>
-              </a:defRPr>
-            </a:lvl1pPr>
-          </a:lstStyle>
-          <a:p>
-            <a:pPr algn="l"/>
-            <a:r>
-              <a:rPr lang="pl-PL" sz="7000" dirty="0" smtClean="0">
-                <a:solidFill>
-                  <a:schemeClr val="bg1"/>
-                </a:solidFill>
-              </a:rPr>
-              <a:t>Kontakt</a:t>
-            </a:r>
-            <a:endParaRPr lang="es-ES" sz="7000" b="1" dirty="0">
-              <a:solidFill>
-                <a:schemeClr val="bg1"/>
-              </a:solidFill>
-            </a:endParaRPr>
-          </a:p>
-        </p:txBody>
-      </p:sp>
-      <p:sp>
-        <p:nvSpPr>
-          <p:cNvPr id="3" name="2 Marcador de contenido"/>
-          <p:cNvSpPr>
-            <a:spLocks noGrp="1"/>
-          </p:cNvSpPr>
-          <p:nvPr>
-            <p:ph idx="1"/>
-          </p:nvPr>
-        </p:nvSpPr>
-        <p:spPr>
-          <a:xfrm>
-            <a:off x="4593568" y="2624903"/>
-            <a:ext cx="3240360" cy="2302275"/>
-          </a:xfrm>
-        </p:spPr>
-        <p:txBody>
-          <a:bodyPr>
-            <a:noAutofit/>
-          </a:bodyPr>
-          <a:lstStyle/>
-          <a:p>
-            <a:pPr marL="0" indent="0">
-              <a:buNone/>
-            </a:pPr>
-            <a:r>
-              <a:rPr lang="pl-PL" sz="1400" b="1" dirty="0" smtClean="0">
-                <a:solidFill>
-                  <a:srgbClr val="5F5F5F"/>
-                </a:solidFill>
-              </a:rPr>
-              <a:t>Internet</a:t>
-            </a:r>
-            <a:r>
-              <a:rPr lang="en-US" sz="1400" b="1" dirty="0" smtClean="0">
-                <a:solidFill>
-                  <a:srgbClr val="5F5F5F"/>
-                </a:solidFill>
-              </a:rPr>
-              <a:t>:</a:t>
-            </a:r>
-            <a:endParaRPr lang="en-US" sz="1400" b="1" dirty="0">
-              <a:solidFill>
-                <a:srgbClr val="5F5F5F"/>
-              </a:solidFill>
-            </a:endParaRPr>
-          </a:p>
-          <a:p>
-            <a:pPr marL="0" indent="0">
-              <a:buNone/>
-            </a:pPr>
-            <a:r>
-              <a:rPr lang="pl-PL" sz="1400" dirty="0" smtClean="0">
-                <a:solidFill>
-                  <a:srgbClr val="5F5F5F"/>
-                </a:solidFill>
-                <a:hlinkClick r:id="rId2"/>
-              </a:rPr>
-              <a:t>www.ernest.bzdury.pl</a:t>
-            </a:r>
-            <a:r>
-              <a:rPr lang="pl-PL" sz="1400" dirty="0" smtClean="0">
-                <a:solidFill>
-                  <a:srgbClr val="5F5F5F"/>
-                </a:solidFill>
-              </a:rPr>
-              <a:t/>
-            </a:r>
-            <a:br>
-              <a:rPr lang="pl-PL" sz="1400" dirty="0" smtClean="0">
-                <a:solidFill>
-                  <a:srgbClr val="5F5F5F"/>
-                </a:solidFill>
-              </a:rPr>
-            </a:br>
-            <a:r>
-              <a:rPr lang="pl-PL" sz="1400" dirty="0" smtClean="0">
-                <a:hlinkClick r:id="rId3"/>
-              </a:rPr>
-              <a:t>www.github.com/swistaczek</a:t>
-            </a:r>
-            <a:endParaRPr lang="en-US" sz="1400" dirty="0">
-              <a:solidFill>
-                <a:srgbClr val="5F5F5F"/>
-              </a:solidFill>
-            </a:endParaRPr>
-          </a:p>
-          <a:p>
-            <a:pPr marL="0" indent="0">
-              <a:buNone/>
-            </a:pPr>
-            <a:endParaRPr lang="en-US" sz="1400" dirty="0" smtClean="0">
-              <a:solidFill>
-                <a:srgbClr val="5F5F5F"/>
-              </a:solidFill>
-            </a:endParaRPr>
-          </a:p>
-          <a:p>
-            <a:pPr marL="0" indent="0">
-              <a:buNone/>
-            </a:pPr>
-            <a:r>
-              <a:rPr lang="pl-PL" sz="1400" b="1" dirty="0" smtClean="0">
-                <a:solidFill>
-                  <a:srgbClr val="5F5F5F"/>
-                </a:solidFill>
-              </a:rPr>
-              <a:t>Telefon</a:t>
-            </a:r>
-            <a:r>
-              <a:rPr lang="en-US" sz="1400" b="1" dirty="0" smtClean="0">
-                <a:solidFill>
-                  <a:srgbClr val="5F5F5F"/>
-                </a:solidFill>
-              </a:rPr>
-              <a:t>:</a:t>
-            </a:r>
-            <a:endParaRPr lang="en-US" sz="1400" b="1" dirty="0">
-              <a:solidFill>
-                <a:srgbClr val="5F5F5F"/>
-              </a:solidFill>
-            </a:endParaRPr>
-          </a:p>
-          <a:p>
-            <a:pPr marL="0" indent="0">
-              <a:buNone/>
-            </a:pPr>
-            <a:r>
-              <a:rPr lang="en-US" sz="1400" dirty="0" smtClean="0">
-                <a:solidFill>
-                  <a:srgbClr val="5F5F5F"/>
-                </a:solidFill>
-              </a:rPr>
-              <a:t>+</a:t>
-            </a:r>
-            <a:r>
-              <a:rPr lang="pl-PL" sz="1400" dirty="0" smtClean="0">
-                <a:solidFill>
-                  <a:srgbClr val="5F5F5F"/>
-                </a:solidFill>
-              </a:rPr>
-              <a:t>48 793 376 378</a:t>
-            </a:r>
-            <a:endParaRPr lang="en-US" sz="1400" dirty="0">
-              <a:solidFill>
-                <a:srgbClr val="5F5F5F"/>
-              </a:solidFill>
-            </a:endParaRPr>
-          </a:p>
-          <a:p>
-            <a:pPr marL="0" indent="0">
-              <a:buNone/>
-            </a:pPr>
-            <a:endParaRPr lang="en-US" sz="1400" b="1" dirty="0" smtClean="0">
-              <a:solidFill>
-                <a:srgbClr val="5F5F5F"/>
-              </a:solidFill>
-            </a:endParaRPr>
-          </a:p>
-          <a:p>
-            <a:pPr marL="0" indent="0">
-              <a:buNone/>
-            </a:pPr>
-            <a:r>
-              <a:rPr lang="en-US" sz="1400" b="1" dirty="0" smtClean="0">
-                <a:solidFill>
-                  <a:srgbClr val="5F5F5F"/>
-                </a:solidFill>
-              </a:rPr>
-              <a:t>Email:</a:t>
-            </a:r>
-            <a:endParaRPr lang="en-US" sz="1400" b="1" dirty="0">
-              <a:solidFill>
-                <a:srgbClr val="5F5F5F"/>
-              </a:solidFill>
-            </a:endParaRPr>
-          </a:p>
-          <a:p>
-            <a:pPr marL="0" indent="0">
-              <a:buNone/>
-            </a:pPr>
-            <a:r>
-              <a:rPr lang="pl-PL" sz="1400" dirty="0" smtClean="0">
-                <a:solidFill>
-                  <a:srgbClr val="5F5F5F"/>
-                </a:solidFill>
-              </a:rPr>
-              <a:t>ernest@bzdury.pl</a:t>
-            </a:r>
-            <a:endParaRPr lang="es-ES" sz="1400" dirty="0">
-              <a:solidFill>
-                <a:srgbClr val="5F5F5F"/>
-              </a:solidFill>
-            </a:endParaRPr>
-          </a:p>
-        </p:txBody>
-      </p:sp>
-      <p:sp>
-        <p:nvSpPr>
-          <p:cNvPr id="14" name="13 Recortar rectángulo de esquina del mismo lado"/>
-          <p:cNvSpPr/>
-          <p:nvPr/>
-        </p:nvSpPr>
-        <p:spPr>
-          <a:xfrm>
-            <a:off x="8316416" y="-38912"/>
-            <a:ext cx="432048" cy="432048"/>
-          </a:xfrm>
-          <a:prstGeom prst="snip2SameRect">
-            <a:avLst/>
-          </a:prstGeom>
-          <a:effectLst>
-            <a:outerShdw blurRad="40000" dist="23000" dir="5400000" sx="1000" sy="1000" rotWithShape="0">
-              <a:srgbClr val="000000">
-                <a:alpha val="0"/>
-              </a:srgbClr>
-            </a:outerShdw>
-          </a:effectLst>
-        </p:spPr>
-        <p:style>
-          <a:lnRef idx="1">
-            <a:schemeClr val="accent4"/>
-          </a:lnRef>
-          <a:fillRef idx="3">
-            <a:schemeClr val="accent4"/>
-          </a:fillRef>
-          <a:effectRef idx="2">
-            <a:schemeClr val="accent4"/>
-          </a:effectRef>
-          <a:fontRef idx="minor">
-            <a:schemeClr val="lt1"/>
-          </a:fontRef>
-        </p:style>
-        <p:txBody>
-          <a:bodyPr rtlCol="0" anchor="ctr"/>
-          <a:lstStyle/>
-          <a:p>
-            <a:pPr algn="ctr"/>
-            <a:r>
-              <a:rPr lang="pl-PL" sz="1200" b="1" dirty="0" smtClean="0"/>
-              <a:t>19</a:t>
-            </a:r>
-            <a:endParaRPr lang="es-ES" sz="1200" b="1" dirty="0"/>
-          </a:p>
-        </p:txBody>
-      </p:sp>
-      <p:cxnSp>
-        <p:nvCxnSpPr>
-          <p:cNvPr id="5" name="4 Conector recto"/>
-          <p:cNvCxnSpPr/>
-          <p:nvPr/>
-        </p:nvCxnSpPr>
-        <p:spPr>
-          <a:xfrm>
-            <a:off x="4283968" y="1491264"/>
-            <a:ext cx="0" cy="3377896"/>
-          </a:xfrm>
-          <a:prstGeom prst="line">
-            <a:avLst/>
-          </a:prstGeom>
-          <a:ln>
-            <a:solidFill>
-              <a:schemeClr val="bg1">
-                <a:lumMod val="85000"/>
-              </a:schemeClr>
-            </a:solidFill>
-          </a:ln>
-        </p:spPr>
-        <p:style>
-          <a:lnRef idx="1">
-            <a:schemeClr val="dk1"/>
-          </a:lnRef>
-          <a:fillRef idx="0">
-            <a:schemeClr val="dk1"/>
-          </a:fillRef>
-          <a:effectRef idx="0">
-            <a:schemeClr val="dk1"/>
-          </a:effectRef>
-          <a:fontRef idx="minor">
-            <a:schemeClr val="tx1"/>
-          </a:fontRef>
-        </p:style>
-      </p:cxnSp>
-      <p:cxnSp>
-        <p:nvCxnSpPr>
-          <p:cNvPr id="12" name="11 Conector recto"/>
-          <p:cNvCxnSpPr/>
-          <p:nvPr/>
-        </p:nvCxnSpPr>
-        <p:spPr>
-          <a:xfrm>
-            <a:off x="4276922" y="1491264"/>
-            <a:ext cx="0" cy="3377896"/>
-          </a:xfrm>
-          <a:prstGeom prst="line">
-            <a:avLst/>
-          </a:prstGeom>
-          <a:ln>
-            <a:solidFill>
-              <a:schemeClr val="bg1"/>
-            </a:solidFill>
-          </a:ln>
-        </p:spPr>
-        <p:style>
-          <a:lnRef idx="1">
-            <a:schemeClr val="dk1"/>
-          </a:lnRef>
-          <a:fillRef idx="0">
-            <a:schemeClr val="dk1"/>
-          </a:fillRef>
-          <a:effectRef idx="0">
-            <a:schemeClr val="dk1"/>
-          </a:effectRef>
-          <a:fontRef idx="minor">
-            <a:schemeClr val="tx1"/>
-          </a:fontRef>
-        </p:style>
-      </p:cxnSp>
-      <p:grpSp>
-        <p:nvGrpSpPr>
-          <p:cNvPr id="18" name="17 Grupo"/>
-          <p:cNvGrpSpPr/>
-          <p:nvPr/>
-        </p:nvGrpSpPr>
-        <p:grpSpPr>
-          <a:xfrm>
-            <a:off x="6876256" y="6146254"/>
-            <a:ext cx="414046" cy="360040"/>
-            <a:chOff x="7308304" y="6165304"/>
-            <a:chExt cx="414046" cy="360040"/>
-          </a:xfrm>
-        </p:grpSpPr>
-        <p:sp>
-          <p:nvSpPr>
-            <p:cNvPr id="19" name="18 Rectángulo redondeado"/>
-            <p:cNvSpPr/>
-            <p:nvPr/>
-          </p:nvSpPr>
-          <p:spPr>
-            <a:xfrm>
-              <a:off x="7308304" y="6165304"/>
-              <a:ext cx="414046" cy="360040"/>
-            </a:xfrm>
-            <a:prstGeom prst="roundRect">
-              <a:avLst/>
-            </a:prstGeom>
-            <a:gradFill>
-              <a:gsLst>
-                <a:gs pos="0">
-                  <a:schemeClr val="bg1">
-                    <a:lumMod val="75000"/>
-                  </a:schemeClr>
-                </a:gs>
-                <a:gs pos="80000">
-                  <a:schemeClr val="bg1">
-                    <a:lumMod val="95000"/>
-                  </a:schemeClr>
-                </a:gs>
-                <a:gs pos="100000">
-                  <a:schemeClr val="bg1">
-                    <a:lumMod val="95000"/>
-                  </a:schemeClr>
-                </a:gs>
-              </a:gsLst>
-            </a:gradFill>
-          </p:spPr>
-          <p:style>
-            <a:lnRef idx="0">
-              <a:schemeClr val="accent4"/>
-            </a:lnRef>
-            <a:fillRef idx="3">
-              <a:schemeClr val="accent4"/>
-            </a:fillRef>
-            <a:effectRef idx="3">
-              <a:schemeClr val="accent4"/>
-            </a:effectRef>
-            <a:fontRef idx="minor">
-              <a:schemeClr val="lt1"/>
-            </a:fontRef>
-          </p:style>
-          <p:txBody>
-            <a:bodyPr rtlCol="0" anchor="ctr"/>
-            <a:lstStyle/>
-            <a:p>
-              <a:pPr algn="ctr"/>
-              <a:endParaRPr lang="es-ES"/>
-            </a:p>
-          </p:txBody>
-        </p:sp>
-        <p:sp>
-          <p:nvSpPr>
-            <p:cNvPr id="20" name="19 Lágrima">
-              <a:hlinkClick r:id="" action="ppaction://hlinkshowjump?jump=previousslide"/>
-            </p:cNvPr>
-            <p:cNvSpPr/>
-            <p:nvPr/>
-          </p:nvSpPr>
-          <p:spPr>
-            <a:xfrm rot="13500000">
-              <a:off x="7443319" y="6279493"/>
-              <a:ext cx="144016" cy="144016"/>
-            </a:xfrm>
-            <a:prstGeom prst="teardrop">
-              <a:avLst/>
-            </a:prstGeom>
-          </p:spPr>
-          <p:style>
-            <a:lnRef idx="0">
-              <a:schemeClr val="accent4"/>
-            </a:lnRef>
-            <a:fillRef idx="3">
-              <a:schemeClr val="accent4"/>
-            </a:fillRef>
-            <a:effectRef idx="3">
-              <a:schemeClr val="accent4"/>
-            </a:effectRef>
-            <a:fontRef idx="minor">
-              <a:schemeClr val="lt1"/>
-            </a:fontRef>
-          </p:style>
-          <p:txBody>
-            <a:bodyPr rtlCol="0" anchor="ctr"/>
-            <a:lstStyle/>
-            <a:p>
-              <a:pPr algn="ctr"/>
-              <a:endParaRPr lang="es-ES"/>
-            </a:p>
-          </p:txBody>
-        </p:sp>
-      </p:grpSp>
-      <p:grpSp>
-        <p:nvGrpSpPr>
-          <p:cNvPr id="21" name="20 Grupo"/>
-          <p:cNvGrpSpPr/>
-          <p:nvPr/>
-        </p:nvGrpSpPr>
-        <p:grpSpPr>
-          <a:xfrm>
-            <a:off x="7422697" y="6146254"/>
-            <a:ext cx="414046" cy="360040"/>
-            <a:chOff x="7902370" y="6165304"/>
-            <a:chExt cx="414046" cy="360040"/>
-          </a:xfrm>
-        </p:grpSpPr>
-        <p:sp>
-          <p:nvSpPr>
-            <p:cNvPr id="22" name="21 Rectángulo redondeado"/>
-            <p:cNvSpPr/>
-            <p:nvPr/>
-          </p:nvSpPr>
-          <p:spPr>
-            <a:xfrm>
-              <a:off x="7902370" y="6165304"/>
-              <a:ext cx="414046" cy="360040"/>
-            </a:xfrm>
-            <a:prstGeom prst="roundRect">
-              <a:avLst/>
-            </a:prstGeom>
-            <a:gradFill>
-              <a:gsLst>
-                <a:gs pos="0">
-                  <a:schemeClr val="bg1">
-                    <a:lumMod val="75000"/>
-                  </a:schemeClr>
-                </a:gs>
-                <a:gs pos="80000">
-                  <a:schemeClr val="bg1">
-                    <a:lumMod val="95000"/>
-                  </a:schemeClr>
-                </a:gs>
-                <a:gs pos="100000">
-                  <a:schemeClr val="bg1">
-                    <a:lumMod val="95000"/>
-                  </a:schemeClr>
-                </a:gs>
-              </a:gsLst>
-            </a:gradFill>
-          </p:spPr>
-          <p:style>
-            <a:lnRef idx="0">
-              <a:schemeClr val="accent4"/>
-            </a:lnRef>
-            <a:fillRef idx="3">
-              <a:schemeClr val="accent4"/>
-            </a:fillRef>
-            <a:effectRef idx="3">
-              <a:schemeClr val="accent4"/>
-            </a:effectRef>
-            <a:fontRef idx="minor">
-              <a:schemeClr val="lt1"/>
-            </a:fontRef>
-          </p:style>
-          <p:txBody>
-            <a:bodyPr rtlCol="0" anchor="ctr"/>
-            <a:lstStyle/>
-            <a:p>
-              <a:pPr algn="ctr"/>
-              <a:endParaRPr lang="es-ES"/>
-            </a:p>
-          </p:txBody>
-        </p:sp>
-        <p:sp>
-          <p:nvSpPr>
-            <p:cNvPr id="23" name="22 Lágrima">
-              <a:hlinkClick r:id="" action="ppaction://hlinkshowjump?jump=nextslide"/>
-            </p:cNvPr>
-            <p:cNvSpPr/>
-            <p:nvPr/>
-          </p:nvSpPr>
-          <p:spPr>
-            <a:xfrm rot="2700000">
-              <a:off x="8037385" y="6279493"/>
-              <a:ext cx="144016" cy="144016"/>
-            </a:xfrm>
-            <a:prstGeom prst="teardrop">
-              <a:avLst/>
-            </a:prstGeom>
-          </p:spPr>
-          <p:style>
-            <a:lnRef idx="0">
-              <a:schemeClr val="accent4"/>
-            </a:lnRef>
-            <a:fillRef idx="3">
-              <a:schemeClr val="accent4"/>
-            </a:fillRef>
-            <a:effectRef idx="3">
-              <a:schemeClr val="accent4"/>
-            </a:effectRef>
-            <a:fontRef idx="minor">
-              <a:schemeClr val="lt1"/>
-            </a:fontRef>
-          </p:style>
-          <p:txBody>
-            <a:bodyPr rtlCol="0" anchor="ctr"/>
-            <a:lstStyle/>
-            <a:p>
-              <a:pPr algn="ctr"/>
-              <a:endParaRPr lang="es-ES"/>
-            </a:p>
-          </p:txBody>
-        </p:sp>
-      </p:grpSp>
-      <p:grpSp>
-        <p:nvGrpSpPr>
-          <p:cNvPr id="24" name="23 Grupo"/>
-          <p:cNvGrpSpPr/>
-          <p:nvPr/>
-        </p:nvGrpSpPr>
-        <p:grpSpPr>
-          <a:xfrm>
-            <a:off x="8490086" y="6146254"/>
-            <a:ext cx="414046" cy="360040"/>
-            <a:chOff x="8490086" y="6146254"/>
-            <a:chExt cx="414046" cy="360040"/>
-          </a:xfrm>
-        </p:grpSpPr>
-        <p:sp>
-          <p:nvSpPr>
-            <p:cNvPr id="25" name="24 Rectángulo redondeado"/>
-            <p:cNvSpPr/>
-            <p:nvPr/>
-          </p:nvSpPr>
-          <p:spPr>
-            <a:xfrm>
-              <a:off x="8490086" y="6146254"/>
-              <a:ext cx="414046" cy="360040"/>
-            </a:xfrm>
-            <a:prstGeom prst="roundRect">
-              <a:avLst/>
-            </a:prstGeom>
-            <a:gradFill>
-              <a:gsLst>
-                <a:gs pos="0">
-                  <a:schemeClr val="bg1">
-                    <a:lumMod val="75000"/>
-                  </a:schemeClr>
-                </a:gs>
-                <a:gs pos="80000">
-                  <a:schemeClr val="bg1">
-                    <a:lumMod val="95000"/>
-                  </a:schemeClr>
-                </a:gs>
-                <a:gs pos="100000">
-                  <a:schemeClr val="bg1">
-                    <a:lumMod val="95000"/>
-                  </a:schemeClr>
-                </a:gs>
-              </a:gsLst>
-            </a:gradFill>
-          </p:spPr>
-          <p:style>
-            <a:lnRef idx="0">
-              <a:schemeClr val="accent4"/>
-            </a:lnRef>
-            <a:fillRef idx="3">
-              <a:schemeClr val="accent4"/>
-            </a:fillRef>
-            <a:effectRef idx="3">
-              <a:schemeClr val="accent4"/>
-            </a:effectRef>
-            <a:fontRef idx="minor">
-              <a:schemeClr val="lt1"/>
-            </a:fontRef>
-          </p:style>
-          <p:txBody>
-            <a:bodyPr rtlCol="0" anchor="ctr"/>
-            <a:lstStyle/>
-            <a:p>
-              <a:pPr algn="ctr"/>
-              <a:endParaRPr lang="es-ES"/>
-            </a:p>
-          </p:txBody>
-        </p:sp>
-        <p:sp>
-          <p:nvSpPr>
-            <p:cNvPr id="26" name="25 Multiplicar">
-              <a:hlinkClick r:id="" action="ppaction://hlinkshowjump?jump=endshow"/>
-            </p:cNvPr>
-            <p:cNvSpPr/>
-            <p:nvPr/>
-          </p:nvSpPr>
-          <p:spPr>
-            <a:xfrm>
-              <a:off x="8604448" y="6230616"/>
-              <a:ext cx="203670" cy="203670"/>
-            </a:xfrm>
-            <a:prstGeom prst="mathMultiply">
-              <a:avLst/>
-            </a:prstGeom>
-          </p:spPr>
-          <p:style>
-            <a:lnRef idx="0">
-              <a:schemeClr val="accent4"/>
-            </a:lnRef>
-            <a:fillRef idx="3">
-              <a:schemeClr val="accent4"/>
-            </a:fillRef>
-            <a:effectRef idx="3">
-              <a:schemeClr val="accent4"/>
-            </a:effectRef>
-            <a:fontRef idx="minor">
-              <a:schemeClr val="lt1"/>
-            </a:fontRef>
-          </p:style>
-          <p:txBody>
-            <a:bodyPr rtlCol="0" anchor="ctr"/>
-            <a:lstStyle/>
-            <a:p>
-              <a:pPr algn="ctr"/>
-              <a:endParaRPr lang="es-ES"/>
-            </a:p>
-          </p:txBody>
-        </p:sp>
-      </p:grpSp>
-      <p:grpSp>
-        <p:nvGrpSpPr>
-          <p:cNvPr id="27" name="26 Grupo"/>
-          <p:cNvGrpSpPr/>
-          <p:nvPr/>
-        </p:nvGrpSpPr>
-        <p:grpSpPr>
-          <a:xfrm>
-            <a:off x="7956580" y="6146254"/>
-            <a:ext cx="414046" cy="360040"/>
-            <a:chOff x="7956580" y="6146254"/>
-            <a:chExt cx="414046" cy="360040"/>
-          </a:xfrm>
-        </p:grpSpPr>
-        <p:sp>
-          <p:nvSpPr>
-            <p:cNvPr id="28" name="27 Rectángulo redondeado"/>
-            <p:cNvSpPr/>
-            <p:nvPr/>
-          </p:nvSpPr>
-          <p:spPr>
-            <a:xfrm>
-              <a:off x="7956580" y="6146254"/>
-              <a:ext cx="414046" cy="360040"/>
-            </a:xfrm>
-            <a:prstGeom prst="roundRect">
-              <a:avLst/>
-            </a:prstGeom>
-            <a:gradFill>
-              <a:gsLst>
-                <a:gs pos="0">
-                  <a:schemeClr val="bg1">
-                    <a:lumMod val="75000"/>
-                  </a:schemeClr>
-                </a:gs>
-                <a:gs pos="80000">
-                  <a:schemeClr val="bg1">
-                    <a:lumMod val="95000"/>
-                  </a:schemeClr>
-                </a:gs>
-                <a:gs pos="100000">
-                  <a:schemeClr val="bg1">
-                    <a:lumMod val="95000"/>
-                  </a:schemeClr>
-                </a:gs>
-              </a:gsLst>
-            </a:gradFill>
-          </p:spPr>
-          <p:style>
-            <a:lnRef idx="0">
-              <a:schemeClr val="accent4"/>
-            </a:lnRef>
-            <a:fillRef idx="3">
-              <a:schemeClr val="accent4"/>
-            </a:fillRef>
-            <a:effectRef idx="3">
-              <a:schemeClr val="accent4"/>
-            </a:effectRef>
-            <a:fontRef idx="minor">
-              <a:schemeClr val="lt1"/>
-            </a:fontRef>
-          </p:style>
-          <p:txBody>
-            <a:bodyPr rtlCol="0" anchor="ctr"/>
-            <a:lstStyle/>
-            <a:p>
-              <a:pPr algn="ctr"/>
-              <a:endParaRPr lang="es-ES"/>
-            </a:p>
-          </p:txBody>
-        </p:sp>
-        <p:sp>
-          <p:nvSpPr>
-            <p:cNvPr id="29" name="28 Flecha curvada hacia la izquierda">
-              <a:hlinkClick r:id="" action="ppaction://hlinkshowjump?jump=firstslide"/>
-            </p:cNvPr>
-            <p:cNvSpPr/>
-            <p:nvPr/>
-          </p:nvSpPr>
-          <p:spPr>
-            <a:xfrm>
-              <a:off x="8081546" y="6221091"/>
-              <a:ext cx="143812" cy="239087"/>
-            </a:xfrm>
-            <a:prstGeom prst="curvedLeftArrow">
-              <a:avLst/>
-            </a:prstGeom>
-          </p:spPr>
-          <p:style>
-            <a:lnRef idx="0">
-              <a:schemeClr val="accent4"/>
-            </a:lnRef>
-            <a:fillRef idx="3">
-              <a:schemeClr val="accent4"/>
-            </a:fillRef>
-            <a:effectRef idx="3">
-              <a:schemeClr val="accent4"/>
-            </a:effectRef>
-            <a:fontRef idx="minor">
-              <a:schemeClr val="lt1"/>
-            </a:fontRef>
-          </p:style>
-          <p:txBody>
-            <a:bodyPr rtlCol="0" anchor="ctr"/>
-            <a:lstStyle/>
-            <a:p>
-              <a:pPr algn="ctr"/>
-              <a:endParaRPr lang="es-ES">
-                <a:solidFill>
-                  <a:schemeClr val="tx1"/>
-                </a:solidFill>
-              </a:endParaRPr>
-            </a:p>
-          </p:txBody>
-        </p:sp>
-      </p:grpSp>
-      <p:sp>
-        <p:nvSpPr>
-          <p:cNvPr id="31" name="Title 30"/>
-          <p:cNvSpPr>
-            <a:spLocks noGrp="1"/>
-          </p:cNvSpPr>
-          <p:nvPr>
-            <p:ph type="title"/>
-          </p:nvPr>
-        </p:nvSpPr>
-        <p:spPr/>
-        <p:txBody>
-          <a:bodyPr/>
-          <a:lstStyle/>
-          <a:p>
-            <a:endParaRPr lang="en-US"/>
-          </a:p>
-        </p:txBody>
-      </p:sp>
-      <p:sp>
-        <p:nvSpPr>
-          <p:cNvPr id="32" name="1 Título"/>
-          <p:cNvSpPr txBox="1">
-            <a:spLocks/>
-          </p:cNvSpPr>
-          <p:nvPr/>
-        </p:nvSpPr>
-        <p:spPr>
-          <a:xfrm>
-            <a:off x="4521560" y="1484784"/>
-            <a:ext cx="3938872" cy="1143000"/>
-          </a:xfrm>
-          <a:prstGeom prst="rect">
-            <a:avLst/>
-          </a:prstGeom>
-        </p:spPr>
-        <p:txBody>
-          <a:bodyPr vert="horz" lIns="91440" tIns="45720" rIns="91440" bIns="45720" rtlCol="0" anchor="ctr">
-            <a:noAutofit/>
-          </a:bodyPr>
-          <a:lstStyle/>
-          <a:p>
-            <a:pPr marL="0" marR="0" lvl="0" indent="0" algn="l" defTabSz="914400" rtl="0" eaLnBrk="1" fontAlgn="auto" latinLnBrk="0" hangingPunct="1">
-              <a:lnSpc>
-                <a:spcPct val="100000"/>
-              </a:lnSpc>
-              <a:spcBef>
-                <a:spcPct val="0"/>
-              </a:spcBef>
-              <a:spcAft>
-                <a:spcPts val="0"/>
-              </a:spcAft>
-              <a:buClrTx/>
-              <a:buSzTx/>
-              <a:buFontTx/>
-              <a:buNone/>
-              <a:tabLst/>
-              <a:defRPr/>
-            </a:pPr>
-            <a:r>
-              <a:rPr kumimoji="0" lang="pl-PL" sz="7000" b="0" i="0" u="none" strike="noStrike" kern="1200" cap="none" spc="0" normalizeH="0" baseline="0" noProof="0" smtClean="0">
-                <a:ln>
-                  <a:noFill/>
-                </a:ln>
-                <a:solidFill>
-                  <a:schemeClr val="accent4">
-                    <a:lumMod val="75000"/>
-                  </a:schemeClr>
-                </a:solidFill>
-                <a:effectLst/>
-                <a:uLnTx/>
-                <a:uFillTx/>
-                <a:latin typeface="+mj-lt"/>
-                <a:ea typeface="+mj-ea"/>
-                <a:cs typeface="+mj-cs"/>
-              </a:rPr>
-              <a:t>Kontakt</a:t>
-            </a:r>
-            <a:endParaRPr kumimoji="0" lang="es-ES" sz="7000" b="1" i="0" u="none" strike="noStrike" kern="1200" cap="none" spc="0" normalizeH="0" baseline="0" noProof="0" dirty="0">
-              <a:ln>
-                <a:noFill/>
-              </a:ln>
-              <a:solidFill>
-                <a:schemeClr val="accent4">
-                  <a:lumMod val="75000"/>
-                </a:schemeClr>
-              </a:solidFill>
-              <a:effectLst/>
-              <a:uLnTx/>
-              <a:uFillTx/>
-              <a:latin typeface="+mj-lt"/>
-              <a:ea typeface="+mj-ea"/>
-              <a:cs typeface="+mj-cs"/>
-            </a:endParaRPr>
-          </a:p>
-        </p:txBody>
-      </p:sp>
-      <p:pic>
-        <p:nvPicPr>
-          <p:cNvPr id="33" name="Picture 2" descr="C:\Users\Ernest\Pictures\dziki_dzik.png"/>
-          <p:cNvPicPr>
-            <a:picLocks noChangeAspect="1" noChangeArrowheads="1"/>
-          </p:cNvPicPr>
-          <p:nvPr/>
-        </p:nvPicPr>
-        <p:blipFill>
-          <a:blip r:embed="rId4" cstate="print"/>
-          <a:srcRect/>
-          <a:stretch>
-            <a:fillRect/>
-          </a:stretch>
-        </p:blipFill>
-        <p:spPr bwMode="auto">
-          <a:xfrm>
-            <a:off x="899592" y="2564904"/>
-            <a:ext cx="2843808" cy="1359620"/>
-          </a:xfrm>
-          <a:prstGeom prst="roundRect">
-            <a:avLst>
-              <a:gd name="adj" fmla="val 8594"/>
-            </a:avLst>
-          </a:prstGeom>
-          <a:solidFill>
-            <a:srgbClr val="FFFFFF">
-              <a:shade val="85000"/>
-            </a:srgbClr>
-          </a:solidFill>
-          <a:ln>
-            <a:noFill/>
-          </a:ln>
-          <a:effectLst>
-            <a:reflection blurRad="12700" stA="38000" endPos="28000" dist="5000" dir="5400000" sy="-100000" algn="bl" rotWithShape="0"/>
-          </a:effectLst>
-        </p:spPr>
-      </p:pic>
-    </p:spTree>
-    <p:extLst>
-      <p:ext uri="{BB962C8B-B14F-4D97-AF65-F5344CB8AC3E}">
-        <p14:creationId xmlns="" xmlns:p14="http://schemas.microsoft.com/office/powerpoint/2010/main" val="2305319834"/>
-      </p:ext>
-    </p:extLst>
-  </p:cSld>
-  <p:clrMapOvr>
-    <a:masterClrMapping/>
-  </p:clrMapOvr>
-  <mc:AlternateContent xmlns:mc="http://schemas.openxmlformats.org/markup-compatibility/2006">
-    <mc:Choice xmlns="" xmlns:p14="http://schemas.microsoft.com/office/powerpoint/2010/main" Requires="p14">
-      <p:transition spd="med" p14:dur="699">
-        <p:fade/>
-      </p:transition>
-    </mc:Choice>
-    <mc:Fallback>
-      <p:transition spd="med">
-        <p:fade/>
-      </p:transition>
-    </mc:Fallback>
-  </mc:AlternateContent>
-  <p:timing>
-    <p:tnLst>
-      <p:par>
-        <p:cTn id="1" dur="indefinite" restart="never" nodeType="tmRoot"/>
-      </p:par>
-    </p:tnLst>
-  </p:timing>
-</p:sld>
-</file>
-
-<file path=ppt/slides/slide21.xml><?xml version="1.0" encoding="utf-8"?>
 <p:sld xmlns:a="http://schemas.openxmlformats.org/drawingml/2006/main" xmlns:r="http://schemas.openxmlformats.org/officeDocument/2006/relationships" xmlns:p="http://schemas.openxmlformats.org/presentationml/2006/main">
   <p:cSld>
     <p:spTree>
@@ -10593,7 +10392,7 @@
     </p:spTree>
     <p:extLst>
       <p:ext uri="{BB962C8B-B14F-4D97-AF65-F5344CB8AC3E}">
-        <p14:creationId xmlns="" xmlns:p14="http://schemas.microsoft.com/office/powerpoint/2010/main" val="2115499910"/>
+        <p14:creationId xmlns:p14="http://schemas.microsoft.com/office/powerpoint/2010/main" xmlns="" val="2115499910"/>
       </p:ext>
     </p:extLst>
   </p:cSld>
@@ -10601,7 +10400,7 @@
     <a:masterClrMapping/>
   </p:clrMapOvr>
   <mc:AlternateContent xmlns:mc="http://schemas.openxmlformats.org/markup-compatibility/2006">
-    <mc:Choice xmlns="" xmlns:p14="http://schemas.microsoft.com/office/powerpoint/2010/main" Requires="p14">
+    <mc:Choice xmlns:p14="http://schemas.microsoft.com/office/powerpoint/2010/main" xmlns="" Requires="p14">
       <p:transition spd="med" p14:dur="699">
         <p:fade/>
       </p:transition>
@@ -10991,15 +10790,7 @@
                   <a:srgbClr val="5F5F5F"/>
                 </a:solidFill>
               </a:rPr>
-              <a:t>Applety </a:t>
-            </a:r>
-            <a:r>
-              <a:rPr lang="pl-PL" sz="1400" b="1" dirty="0" smtClean="0">
-                <a:solidFill>
-                  <a:srgbClr val="5F5F5F"/>
-                </a:solidFill>
-              </a:rPr>
-              <a:t>to małe aplikacje dostępne przez internet. Automatycznie instalowane, uruchamiane jako część dokumentu strony internetowej.</a:t>
+              <a:t>Applety to małe aplikacje dostępne przez internet. Automatycznie instalowane, uruchamiane jako część dokumentu strony internetowej.</a:t>
             </a:r>
             <a:endParaRPr lang="es-ES" sz="1400" b="1" dirty="0">
               <a:solidFill>
@@ -11181,15 +10972,7 @@
                   <a:srgbClr val="5F5F5F"/>
                 </a:solidFill>
               </a:rPr>
-              <a:t>Applet </a:t>
-            </a:r>
-            <a:r>
-              <a:rPr lang="pl-PL" sz="1200" dirty="0" smtClean="0">
-                <a:solidFill>
-                  <a:srgbClr val="5F5F5F"/>
-                </a:solidFill>
-              </a:rPr>
-              <a:t>to program napisany w języku Java, może być dołączony do dokumentu HTML. Kod apletu jest transferowany do systemu i wykonany przez Wirutlaną Maszynę Javy (JVM) przeglądarki internetowej</a:t>
+              <a:t>Applet to program napisany w języku Java, może być dołączony do dokumentu HTML. Kod apletu jest transferowany do systemu i wykonany przez Wirutlaną Maszynę Javy (JVM) przeglądarki internetowej</a:t>
             </a:r>
             <a:endParaRPr lang="es-ES" sz="1200" dirty="0">
               <a:solidFill>
@@ -11430,15 +11213,7 @@
                   <a:srgbClr val="5F5F5F"/>
                 </a:solidFill>
               </a:rPr>
-              <a:t>Applet </a:t>
-            </a:r>
-            <a:r>
-              <a:rPr lang="pl-PL" sz="1400" b="1" dirty="0" smtClean="0">
-                <a:solidFill>
-                  <a:srgbClr val="5F5F5F"/>
-                </a:solidFill>
-              </a:rPr>
-              <a:t>to program</a:t>
+              <a:t>Applet to program</a:t>
             </a:r>
             <a:endParaRPr lang="es-ES" sz="1400" b="1" dirty="0">
               <a:solidFill>
@@ -11620,23 +11395,7 @@
                   <a:srgbClr val="5F5F5F"/>
                 </a:solidFill>
               </a:rPr>
-              <a:t>Dzięki </a:t>
-            </a:r>
-            <a:r>
-              <a:rPr lang="pl-PL" sz="1200" dirty="0" smtClean="0">
-                <a:solidFill>
-                  <a:srgbClr val="5F5F5F"/>
-                </a:solidFill>
-              </a:rPr>
-              <a:t>Appletom </a:t>
-            </a:r>
-            <a:r>
-              <a:rPr lang="pl-PL" sz="1200" dirty="0" smtClean="0">
-                <a:solidFill>
-                  <a:srgbClr val="5F5F5F"/>
-                </a:solidFill>
-              </a:rPr>
-              <a:t>możemy próbować dostać się do warstwy sprzętowej użytkownika, uzyskać dostęp do plików (wymaga podpisanego apletu – certyfikacja) a także przerzucić ciężar obliczeń na maszynę użytkownika</a:t>
+              <a:t>Dzięki Appletom możemy próbować dostać się do warstwy sprzętowej użytkownika, uzyskać dostęp do plików (wymaga podpisanego apletu – certyfikacja) a także przerzucić ciężar obliczeń na maszynę użytkownika</a:t>
             </a:r>
             <a:endParaRPr lang="es-ES" sz="1200" dirty="0">
               <a:solidFill>
@@ -12377,7 +12136,7 @@
     </p:spTree>
     <p:extLst>
       <p:ext uri="{BB962C8B-B14F-4D97-AF65-F5344CB8AC3E}">
-        <p14:creationId xmlns="" xmlns:p14="http://schemas.microsoft.com/office/powerpoint/2010/main" val="3867510109"/>
+        <p14:creationId xmlns:p14="http://schemas.microsoft.com/office/powerpoint/2010/main" xmlns="" val="3867510109"/>
       </p:ext>
     </p:extLst>
   </p:cSld>
@@ -12385,7 +12144,7 @@
     <a:masterClrMapping/>
   </p:clrMapOvr>
   <mc:AlternateContent xmlns:mc="http://schemas.openxmlformats.org/markup-compatibility/2006">
-    <mc:Choice xmlns="" xmlns:p14="http://schemas.microsoft.com/office/powerpoint/2010/main" Requires="p14">
+    <mc:Choice xmlns:p14="http://schemas.microsoft.com/office/powerpoint/2010/main" xmlns="" Requires="p14">
       <p:transition spd="med" p14:dur="699">
         <p:fade/>
       </p:transition>
@@ -14187,7 +13946,7 @@
     </p:spTree>
     <p:extLst>
       <p:ext uri="{BB962C8B-B14F-4D97-AF65-F5344CB8AC3E}">
-        <p14:creationId xmlns="" xmlns:p14="http://schemas.microsoft.com/office/powerpoint/2010/main" val="3867510109"/>
+        <p14:creationId xmlns:p14="http://schemas.microsoft.com/office/powerpoint/2010/main" xmlns="" val="3867510109"/>
       </p:ext>
     </p:extLst>
   </p:cSld>
@@ -14195,7 +13954,7 @@
     <a:masterClrMapping/>
   </p:clrMapOvr>
   <mc:AlternateContent xmlns:mc="http://schemas.openxmlformats.org/markup-compatibility/2006">
-    <mc:Choice xmlns="" xmlns:p14="http://schemas.microsoft.com/office/powerpoint/2010/main" Requires="p14">
+    <mc:Choice xmlns:p14="http://schemas.microsoft.com/office/powerpoint/2010/main" xmlns="" Requires="p14">
       <p:transition spd="med" p14:dur="699">
         <p:fade/>
       </p:transition>
@@ -15857,7 +15616,7 @@
     </p:spTree>
     <p:extLst>
       <p:ext uri="{BB962C8B-B14F-4D97-AF65-F5344CB8AC3E}">
-        <p14:creationId xmlns="" xmlns:p14="http://schemas.microsoft.com/office/powerpoint/2010/main" val="2115499910"/>
+        <p14:creationId xmlns:p14="http://schemas.microsoft.com/office/powerpoint/2010/main" xmlns="" val="2115499910"/>
       </p:ext>
     </p:extLst>
   </p:cSld>
@@ -15865,7 +15624,7 @@
     <a:masterClrMapping/>
   </p:clrMapOvr>
   <mc:AlternateContent xmlns:mc="http://schemas.openxmlformats.org/markup-compatibility/2006">
-    <mc:Choice xmlns="" xmlns:p14="http://schemas.microsoft.com/office/powerpoint/2010/main" Requires="p14">
+    <mc:Choice xmlns:p14="http://schemas.microsoft.com/office/powerpoint/2010/main" xmlns="" Requires="p14">
       <p:transition spd="med" p14:dur="699">
         <p:fade/>
       </p:transition>
@@ -16128,7 +15887,7 @@
     </p:spTree>
     <p:extLst>
       <p:ext uri="{BB962C8B-B14F-4D97-AF65-F5344CB8AC3E}">
-        <p14:creationId xmlns="" xmlns:p14="http://schemas.microsoft.com/office/powerpoint/2010/main" val="2367997045"/>
+        <p14:creationId xmlns:p14="http://schemas.microsoft.com/office/powerpoint/2010/main" xmlns="" val="2367997045"/>
       </p:ext>
     </p:extLst>
   </p:cSld>
@@ -16136,7 +15895,7 @@
     <a:masterClrMapping/>
   </p:clrMapOvr>
   <mc:AlternateContent xmlns:mc="http://schemas.openxmlformats.org/markup-compatibility/2006">
-    <mc:Choice xmlns="" xmlns:p14="http://schemas.microsoft.com/office/powerpoint/2010/main" Requires="p14">
+    <mc:Choice xmlns:p14="http://schemas.microsoft.com/office/powerpoint/2010/main" xmlns="" Requires="p14">
       <p:transition spd="med" p14:dur="699">
         <p:fade/>
       </p:transition>
@@ -16349,7 +16108,7 @@
     </p:spTree>
     <p:extLst>
       <p:ext uri="{BB962C8B-B14F-4D97-AF65-F5344CB8AC3E}">
-        <p14:creationId xmlns="" xmlns:p14="http://schemas.microsoft.com/office/powerpoint/2010/main" val="2367997045"/>
+        <p14:creationId xmlns:p14="http://schemas.microsoft.com/office/powerpoint/2010/main" xmlns="" val="2367997045"/>
       </p:ext>
     </p:extLst>
   </p:cSld>
@@ -16357,7 +16116,7 @@
     <a:masterClrMapping/>
   </p:clrMapOvr>
   <mc:AlternateContent xmlns:mc="http://schemas.openxmlformats.org/markup-compatibility/2006">
-    <mc:Choice xmlns="" xmlns:p14="http://schemas.microsoft.com/office/powerpoint/2010/main" Requires="p14">
+    <mc:Choice xmlns:p14="http://schemas.microsoft.com/office/powerpoint/2010/main" xmlns="" Requires="p14">
       <p:transition spd="med" p14:dur="699">
         <p:fade/>
       </p:transition>
@@ -16669,7 +16428,7 @@
     </p:spTree>
     <p:extLst>
       <p:ext uri="{BB962C8B-B14F-4D97-AF65-F5344CB8AC3E}">
-        <p14:creationId xmlns="" xmlns:p14="http://schemas.microsoft.com/office/powerpoint/2010/main" val="2367997045"/>
+        <p14:creationId xmlns:p14="http://schemas.microsoft.com/office/powerpoint/2010/main" xmlns="" val="2367997045"/>
       </p:ext>
     </p:extLst>
   </p:cSld>
@@ -16677,7 +16436,7 @@
     <a:masterClrMapping/>
   </p:clrMapOvr>
   <mc:AlternateContent xmlns:mc="http://schemas.openxmlformats.org/markup-compatibility/2006">
-    <mc:Choice xmlns="" xmlns:p14="http://schemas.microsoft.com/office/powerpoint/2010/main" Requires="p14">
+    <mc:Choice xmlns:p14="http://schemas.microsoft.com/office/powerpoint/2010/main" xmlns="" Requires="p14">
       <p:transition spd="med" p14:dur="699">
         <p:fade/>
       </p:transition>
@@ -16889,7 +16648,7 @@
     </p:spTree>
     <p:extLst>
       <p:ext uri="{BB962C8B-B14F-4D97-AF65-F5344CB8AC3E}">
-        <p14:creationId xmlns="" xmlns:p14="http://schemas.microsoft.com/office/powerpoint/2010/main" val="2367997045"/>
+        <p14:creationId xmlns:p14="http://schemas.microsoft.com/office/powerpoint/2010/main" xmlns="" val="2367997045"/>
       </p:ext>
     </p:extLst>
   </p:cSld>
@@ -16897,7 +16656,7 @@
     <a:masterClrMapping/>
   </p:clrMapOvr>
   <mc:AlternateContent xmlns:mc="http://schemas.openxmlformats.org/markup-compatibility/2006">
-    <mc:Choice xmlns="" xmlns:p14="http://schemas.microsoft.com/office/powerpoint/2010/main" Requires="p14">
+    <mc:Choice xmlns:p14="http://schemas.microsoft.com/office/powerpoint/2010/main" xmlns="" Requires="p14">
       <p:transition spd="med" p14:dur="699">
         <p:fade/>
       </p:transition>

--- a/prezka.pptx
+++ b/prezka.pptx
@@ -20,11 +20,10 @@
     <p:sldId id="276" r:id="rId14"/>
     <p:sldId id="279" r:id="rId15"/>
     <p:sldId id="280" r:id="rId16"/>
-    <p:sldId id="281" r:id="rId17"/>
-    <p:sldId id="259" r:id="rId18"/>
-    <p:sldId id="266" r:id="rId19"/>
-    <p:sldId id="264" r:id="rId20"/>
-    <p:sldId id="262" r:id="rId21"/>
+    <p:sldId id="259" r:id="rId17"/>
+    <p:sldId id="266" r:id="rId18"/>
+    <p:sldId id="264" r:id="rId19"/>
+    <p:sldId id="262" r:id="rId20"/>
   </p:sldIdLst>
   <p:sldSz cx="9144000" cy="6858000" type="screen4x3"/>
   <p:notesSz cx="6858000" cy="9144000"/>
@@ -3451,7 +3450,7 @@
                   </a:schemeClr>
                 </a:solidFill>
               </a:rPr>
-              <a:t>Jak przerzucić skomplikowane działania na maszynę klienta</a:t>
+              <a:t>Podstawowe pojęcia</a:t>
             </a:r>
             <a:endParaRPr lang="en-US" dirty="0"/>
           </a:p>
@@ -5240,7 +5239,7 @@
               <a:t>Javie</a:t>
             </a:r>
             <a:r>
-              <a:rPr lang="pl-PL" b="1" smtClean="0">
+              <a:rPr lang="pl-PL" b="1" dirty="0" smtClean="0">
                 <a:solidFill>
                   <a:schemeClr val="accent4">
                     <a:lumMod val="75000"/>
@@ -5250,7 +5249,7 @@
               <a:t/>
             </a:r>
             <a:br>
-              <a:rPr lang="pl-PL" b="1" smtClean="0">
+              <a:rPr lang="pl-PL" b="1" dirty="0" smtClean="0">
                 <a:solidFill>
                   <a:schemeClr val="accent4">
                     <a:lumMod val="75000"/>
@@ -5266,7 +5265,7 @@
                   </a:schemeClr>
                 </a:solidFill>
               </a:rPr>
-              <a:t>Podstawowe działania</a:t>
+              <a:t>Podstawowe działania, obsługa wątków</a:t>
             </a:r>
             <a:endParaRPr lang="en-US" dirty="0"/>
           </a:p>
@@ -5576,406 +5575,6 @@
       </p:grpSpPr>
       <p:sp>
         <p:nvSpPr>
-          <p:cNvPr id="5" name="4 Rectángulo redondeado"/>
-          <p:cNvSpPr/>
-          <p:nvPr/>
-        </p:nvSpPr>
-        <p:spPr>
-          <a:xfrm>
-            <a:off x="7092280" y="6165304"/>
-            <a:ext cx="1656184" cy="360040"/>
-          </a:xfrm>
-          <a:prstGeom prst="roundRect">
-            <a:avLst/>
-          </a:prstGeom>
-          <a:gradFill>
-            <a:gsLst>
-              <a:gs pos="0">
-                <a:schemeClr val="bg1">
-                  <a:lumMod val="75000"/>
-                </a:schemeClr>
-              </a:gs>
-              <a:gs pos="80000">
-                <a:schemeClr val="bg1">
-                  <a:lumMod val="95000"/>
-                </a:schemeClr>
-              </a:gs>
-              <a:gs pos="100000">
-                <a:schemeClr val="bg1">
-                  <a:lumMod val="95000"/>
-                </a:schemeClr>
-              </a:gs>
-            </a:gsLst>
-          </a:gradFill>
-        </p:spPr>
-        <p:style>
-          <a:lnRef idx="0">
-            <a:schemeClr val="accent4"/>
-          </a:lnRef>
-          <a:fillRef idx="3">
-            <a:schemeClr val="accent4"/>
-          </a:fillRef>
-          <a:effectRef idx="3">
-            <a:schemeClr val="accent4"/>
-          </a:effectRef>
-          <a:fontRef idx="minor">
-            <a:schemeClr val="lt1"/>
-          </a:fontRef>
-        </p:style>
-        <p:txBody>
-          <a:bodyPr rtlCol="0" anchor="ctr"/>
-          <a:lstStyle/>
-          <a:p>
-            <a:pPr algn="ctr"/>
-            <a:endParaRPr lang="es-ES"/>
-          </a:p>
-        </p:txBody>
-      </p:sp>
-      <p:sp>
-        <p:nvSpPr>
-          <p:cNvPr id="7" name="Title 6"/>
-          <p:cNvSpPr>
-            <a:spLocks noGrp="1"/>
-          </p:cNvSpPr>
-          <p:nvPr>
-            <p:ph type="ctrTitle"/>
-          </p:nvPr>
-        </p:nvSpPr>
-        <p:spPr/>
-        <p:txBody>
-          <a:bodyPr>
-            <a:normAutofit/>
-          </a:bodyPr>
-          <a:lstStyle/>
-          <a:p>
-            <a:r>
-              <a:rPr lang="pl-PL" dirty="0" smtClean="0">
-                <a:solidFill>
-                  <a:schemeClr val="accent4">
-                    <a:lumMod val="75000"/>
-                  </a:schemeClr>
-                </a:solidFill>
-              </a:rPr>
-              <a:t>Ta</a:t>
-            </a:r>
-            <a:r>
-              <a:rPr lang="pl-PL" b="1" dirty="0" smtClean="0">
-                <a:solidFill>
-                  <a:schemeClr val="accent4">
-                    <a:lumMod val="75000"/>
-                  </a:schemeClr>
-                </a:solidFill>
-              </a:rPr>
-              <a:t>Da</a:t>
-            </a:r>
-            <a:endParaRPr lang="en-US" b="1" dirty="0"/>
-          </a:p>
-        </p:txBody>
-      </p:sp>
-      <p:sp>
-        <p:nvSpPr>
-          <p:cNvPr id="10" name="Subtitle 9"/>
-          <p:cNvSpPr>
-            <a:spLocks noGrp="1"/>
-          </p:cNvSpPr>
-          <p:nvPr>
-            <p:ph type="subTitle" idx="1"/>
-          </p:nvPr>
-        </p:nvSpPr>
-        <p:spPr/>
-        <p:txBody>
-          <a:bodyPr/>
-          <a:lstStyle/>
-          <a:p>
-            <a:endParaRPr lang="en-US" dirty="0"/>
-          </a:p>
-        </p:txBody>
-      </p:sp>
-      <p:sp>
-        <p:nvSpPr>
-          <p:cNvPr id="11" name="2 Subtítulo"/>
-          <p:cNvSpPr txBox="1">
-            <a:spLocks/>
-          </p:cNvSpPr>
-          <p:nvPr/>
-        </p:nvSpPr>
-        <p:spPr>
-          <a:xfrm>
-            <a:off x="6804248" y="6165304"/>
-            <a:ext cx="2160240" cy="360040"/>
-          </a:xfrm>
-          <a:prstGeom prst="rect">
-            <a:avLst/>
-          </a:prstGeom>
-        </p:spPr>
-        <p:txBody>
-          <a:bodyPr vert="horz" lIns="91440" tIns="45720" rIns="91440" bIns="45720" rtlCol="0">
-            <a:normAutofit/>
-          </a:bodyPr>
-          <a:lstStyle>
-            <a:lvl1pPr marL="0" indent="0" algn="ctr" defTabSz="914400" rtl="0" eaLnBrk="1" latinLnBrk="0" hangingPunct="1">
-              <a:spcBef>
-                <a:spcPct val="20000"/>
-              </a:spcBef>
-              <a:buFont typeface="Arial" pitchFamily="34" charset="0"/>
-              <a:buNone/>
-              <a:defRPr sz="3200" kern="1200">
-                <a:solidFill>
-                  <a:schemeClr val="tx1">
-                    <a:tint val="75000"/>
-                  </a:schemeClr>
-                </a:solidFill>
-                <a:latin typeface="+mn-lt"/>
-                <a:ea typeface="+mn-ea"/>
-                <a:cs typeface="+mn-cs"/>
-              </a:defRPr>
-            </a:lvl1pPr>
-            <a:lvl2pPr marL="457200" indent="0" algn="ctr" defTabSz="914400" rtl="0" eaLnBrk="1" latinLnBrk="0" hangingPunct="1">
-              <a:spcBef>
-                <a:spcPct val="20000"/>
-              </a:spcBef>
-              <a:buFont typeface="Arial" pitchFamily="34" charset="0"/>
-              <a:buNone/>
-              <a:defRPr sz="2800" kern="1200">
-                <a:solidFill>
-                  <a:schemeClr val="tx1">
-                    <a:tint val="75000"/>
-                  </a:schemeClr>
-                </a:solidFill>
-                <a:latin typeface="+mn-lt"/>
-                <a:ea typeface="+mn-ea"/>
-                <a:cs typeface="+mn-cs"/>
-              </a:defRPr>
-            </a:lvl2pPr>
-            <a:lvl3pPr marL="914400" indent="0" algn="ctr" defTabSz="914400" rtl="0" eaLnBrk="1" latinLnBrk="0" hangingPunct="1">
-              <a:spcBef>
-                <a:spcPct val="20000"/>
-              </a:spcBef>
-              <a:buFont typeface="Arial" pitchFamily="34" charset="0"/>
-              <a:buNone/>
-              <a:defRPr sz="2400" kern="1200">
-                <a:solidFill>
-                  <a:schemeClr val="tx1">
-                    <a:tint val="75000"/>
-                  </a:schemeClr>
-                </a:solidFill>
-                <a:latin typeface="+mn-lt"/>
-                <a:ea typeface="+mn-ea"/>
-                <a:cs typeface="+mn-cs"/>
-              </a:defRPr>
-            </a:lvl3pPr>
-            <a:lvl4pPr marL="1371600" indent="0" algn="ctr" defTabSz="914400" rtl="0" eaLnBrk="1" latinLnBrk="0" hangingPunct="1">
-              <a:spcBef>
-                <a:spcPct val="20000"/>
-              </a:spcBef>
-              <a:buFont typeface="Arial" pitchFamily="34" charset="0"/>
-              <a:buNone/>
-              <a:defRPr sz="2000" kern="1200">
-                <a:solidFill>
-                  <a:schemeClr val="tx1">
-                    <a:tint val="75000"/>
-                  </a:schemeClr>
-                </a:solidFill>
-                <a:latin typeface="+mn-lt"/>
-                <a:ea typeface="+mn-ea"/>
-                <a:cs typeface="+mn-cs"/>
-              </a:defRPr>
-            </a:lvl4pPr>
-            <a:lvl5pPr marL="1828800" indent="0" algn="ctr" defTabSz="914400" rtl="0" eaLnBrk="1" latinLnBrk="0" hangingPunct="1">
-              <a:spcBef>
-                <a:spcPct val="20000"/>
-              </a:spcBef>
-              <a:buFont typeface="Arial" pitchFamily="34" charset="0"/>
-              <a:buNone/>
-              <a:defRPr sz="2000" kern="1200">
-                <a:solidFill>
-                  <a:schemeClr val="tx1">
-                    <a:tint val="75000"/>
-                  </a:schemeClr>
-                </a:solidFill>
-                <a:latin typeface="+mn-lt"/>
-                <a:ea typeface="+mn-ea"/>
-                <a:cs typeface="+mn-cs"/>
-              </a:defRPr>
-            </a:lvl5pPr>
-            <a:lvl6pPr marL="2286000" indent="0" algn="ctr" defTabSz="914400" rtl="0" eaLnBrk="1" latinLnBrk="0" hangingPunct="1">
-              <a:spcBef>
-                <a:spcPct val="20000"/>
-              </a:spcBef>
-              <a:buFont typeface="Arial" pitchFamily="34" charset="0"/>
-              <a:buNone/>
-              <a:defRPr sz="2000" kern="1200">
-                <a:solidFill>
-                  <a:schemeClr val="tx1">
-                    <a:tint val="75000"/>
-                  </a:schemeClr>
-                </a:solidFill>
-                <a:latin typeface="+mn-lt"/>
-                <a:ea typeface="+mn-ea"/>
-                <a:cs typeface="+mn-cs"/>
-              </a:defRPr>
-            </a:lvl6pPr>
-            <a:lvl7pPr marL="2743200" indent="0" algn="ctr" defTabSz="914400" rtl="0" eaLnBrk="1" latinLnBrk="0" hangingPunct="1">
-              <a:spcBef>
-                <a:spcPct val="20000"/>
-              </a:spcBef>
-              <a:buFont typeface="Arial" pitchFamily="34" charset="0"/>
-              <a:buNone/>
-              <a:defRPr sz="2000" kern="1200">
-                <a:solidFill>
-                  <a:schemeClr val="tx1">
-                    <a:tint val="75000"/>
-                  </a:schemeClr>
-                </a:solidFill>
-                <a:latin typeface="+mn-lt"/>
-                <a:ea typeface="+mn-ea"/>
-                <a:cs typeface="+mn-cs"/>
-              </a:defRPr>
-            </a:lvl7pPr>
-            <a:lvl8pPr marL="3200400" indent="0" algn="ctr" defTabSz="914400" rtl="0" eaLnBrk="1" latinLnBrk="0" hangingPunct="1">
-              <a:spcBef>
-                <a:spcPct val="20000"/>
-              </a:spcBef>
-              <a:buFont typeface="Arial" pitchFamily="34" charset="0"/>
-              <a:buNone/>
-              <a:defRPr sz="2000" kern="1200">
-                <a:solidFill>
-                  <a:schemeClr val="tx1">
-                    <a:tint val="75000"/>
-                  </a:schemeClr>
-                </a:solidFill>
-                <a:latin typeface="+mn-lt"/>
-                <a:ea typeface="+mn-ea"/>
-                <a:cs typeface="+mn-cs"/>
-              </a:defRPr>
-            </a:lvl8pPr>
-            <a:lvl9pPr marL="3657600" indent="0" algn="ctr" defTabSz="914400" rtl="0" eaLnBrk="1" latinLnBrk="0" hangingPunct="1">
-              <a:spcBef>
-                <a:spcPct val="20000"/>
-              </a:spcBef>
-              <a:buFont typeface="Arial" pitchFamily="34" charset="0"/>
-              <a:buNone/>
-              <a:defRPr sz="2000" kern="1200">
-                <a:solidFill>
-                  <a:schemeClr val="tx1">
-                    <a:tint val="75000"/>
-                  </a:schemeClr>
-                </a:solidFill>
-                <a:latin typeface="+mn-lt"/>
-                <a:ea typeface="+mn-ea"/>
-                <a:cs typeface="+mn-cs"/>
-              </a:defRPr>
-            </a:lvl9pPr>
-          </a:lstStyle>
-          <a:p>
-            <a:r>
-              <a:rPr lang="pl-PL" sz="1500" b="1" dirty="0" smtClean="0">
-                <a:solidFill>
-                  <a:schemeClr val="tx1">
-                    <a:lumMod val="50000"/>
-                    <a:lumOff val="50000"/>
-                  </a:schemeClr>
-                </a:solidFill>
-              </a:rPr>
-              <a:t>PAUZA</a:t>
-            </a:r>
-            <a:endParaRPr lang="es-ES" sz="1500" b="1" dirty="0">
-              <a:solidFill>
-                <a:schemeClr val="tx1">
-                  <a:lumMod val="50000"/>
-                  <a:lumOff val="50000"/>
-                </a:schemeClr>
-              </a:solidFill>
-            </a:endParaRPr>
-          </a:p>
-        </p:txBody>
-      </p:sp>
-      <p:pic>
-        <p:nvPicPr>
-          <p:cNvPr id="1026" name="Picture 2" descr="C:\Users\Ernest\Pictures\dziki_dzik.png"/>
-          <p:cNvPicPr>
-            <a:picLocks noChangeAspect="1" noChangeArrowheads="1"/>
-          </p:cNvPicPr>
-          <p:nvPr/>
-        </p:nvPicPr>
-        <p:blipFill>
-          <a:blip r:embed="rId2" cstate="print"/>
-          <a:srcRect/>
-          <a:stretch>
-            <a:fillRect/>
-          </a:stretch>
-        </p:blipFill>
-        <p:spPr bwMode="auto">
-          <a:xfrm>
-            <a:off x="179512" y="5877272"/>
-            <a:ext cx="1800200" cy="860673"/>
-          </a:xfrm>
-          <a:prstGeom prst="rect">
-            <a:avLst/>
-          </a:prstGeom>
-          <a:ln>
-            <a:noFill/>
-          </a:ln>
-          <a:effectLst>
-            <a:outerShdw blurRad="190500" algn="tl" rotWithShape="0">
-              <a:srgbClr val="000000">
-                <a:alpha val="70000"/>
-              </a:srgbClr>
-            </a:outerShdw>
-          </a:effectLst>
-        </p:spPr>
-      </p:pic>
-    </p:spTree>
-    <p:extLst>
-      <p:ext uri="{BB962C8B-B14F-4D97-AF65-F5344CB8AC3E}">
-        <p14:creationId xmlns:p14="http://schemas.microsoft.com/office/powerpoint/2010/main" xmlns="" val="2367997045"/>
-      </p:ext>
-    </p:extLst>
-  </p:cSld>
-  <p:clrMapOvr>
-    <a:masterClrMapping/>
-  </p:clrMapOvr>
-  <mc:AlternateContent xmlns:mc="http://schemas.openxmlformats.org/markup-compatibility/2006">
-    <mc:Choice xmlns:p14="http://schemas.microsoft.com/office/powerpoint/2010/main" xmlns="" Requires="p14">
-      <p:transition spd="med" p14:dur="699">
-        <p:fade/>
-      </p:transition>
-    </mc:Choice>
-    <mc:Fallback>
-      <p:transition spd="med">
-        <p:fade/>
-      </p:transition>
-    </mc:Fallback>
-  </mc:AlternateContent>
-  <p:timing>
-    <p:tnLst>
-      <p:par>
-        <p:cTn id="1" dur="indefinite" restart="never" nodeType="tmRoot"/>
-      </p:par>
-    </p:tnLst>
-  </p:timing>
-</p:sld>
-</file>
-
-<file path=ppt/slides/slide17.xml><?xml version="1.0" encoding="utf-8"?>
-<p:sld xmlns:a="http://schemas.openxmlformats.org/drawingml/2006/main" xmlns:r="http://schemas.openxmlformats.org/officeDocument/2006/relationships" xmlns:p="http://schemas.openxmlformats.org/presentationml/2006/main">
-  <p:cSld>
-    <p:spTree>
-      <p:nvGrpSpPr>
-        <p:cNvPr id="1" name=""/>
-        <p:cNvGrpSpPr/>
-        <p:nvPr/>
-      </p:nvGrpSpPr>
-      <p:grpSpPr>
-        <a:xfrm>
-          <a:off x="0" y="0"/>
-          <a:ext cx="0" cy="0"/>
-          <a:chOff x="0" y="0"/>
-          <a:chExt cx="0" cy="0"/>
-        </a:xfrm>
-      </p:grpSpPr>
-      <p:sp>
-        <p:nvSpPr>
           <p:cNvPr id="4" name="1 Título"/>
           <p:cNvSpPr>
             <a:spLocks noGrp="1"/>
@@ -6371,7 +5970,7 @@
 </p:sld>
 </file>
 
-<file path=ppt/slides/slide18.xml><?xml version="1.0" encoding="utf-8"?>
+<file path=ppt/slides/slide17.xml><?xml version="1.0" encoding="utf-8"?>
 <p:sld xmlns:a="http://schemas.openxmlformats.org/drawingml/2006/main" xmlns:r="http://schemas.openxmlformats.org/officeDocument/2006/relationships" xmlns:p="http://schemas.openxmlformats.org/presentationml/2006/main">
   <p:cSld>
     <p:spTree>
@@ -6843,7 +6442,7 @@
 </p:sld>
 </file>
 
-<file path=ppt/slides/slide19.xml><?xml version="1.0" encoding="utf-8"?>
+<file path=ppt/slides/slide18.xml><?xml version="1.0" encoding="utf-8"?>
 <p:sld xmlns:a="http://schemas.openxmlformats.org/drawingml/2006/main" xmlns:r="http://schemas.openxmlformats.org/officeDocument/2006/relationships" xmlns:p="http://schemas.openxmlformats.org/presentationml/2006/main">
   <p:cSld>
     <p:spTree>
@@ -7824,6 +7423,1510 @@
     <p:extLst>
       <p:ext uri="{BB962C8B-B14F-4D97-AF65-F5344CB8AC3E}">
         <p14:creationId xmlns:p14="http://schemas.microsoft.com/office/powerpoint/2010/main" xmlns="" val="2305319834"/>
+      </p:ext>
+    </p:extLst>
+  </p:cSld>
+  <p:clrMapOvr>
+    <a:masterClrMapping/>
+  </p:clrMapOvr>
+  <mc:AlternateContent xmlns:mc="http://schemas.openxmlformats.org/markup-compatibility/2006">
+    <mc:Choice xmlns:p14="http://schemas.microsoft.com/office/powerpoint/2010/main" xmlns="" Requires="p14">
+      <p:transition spd="med" p14:dur="699">
+        <p:fade/>
+      </p:transition>
+    </mc:Choice>
+    <mc:Fallback>
+      <p:transition spd="med">
+        <p:fade/>
+      </p:transition>
+    </mc:Fallback>
+  </mc:AlternateContent>
+  <p:timing>
+    <p:tnLst>
+      <p:par>
+        <p:cTn id="1" dur="indefinite" restart="never" nodeType="tmRoot"/>
+      </p:par>
+    </p:tnLst>
+  </p:timing>
+</p:sld>
+</file>
+
+<file path=ppt/slides/slide19.xml><?xml version="1.0" encoding="utf-8"?>
+<p:sld xmlns:a="http://schemas.openxmlformats.org/drawingml/2006/main" xmlns:r="http://schemas.openxmlformats.org/officeDocument/2006/relationships" xmlns:p="http://schemas.openxmlformats.org/presentationml/2006/main">
+  <p:cSld>
+    <p:spTree>
+      <p:nvGrpSpPr>
+        <p:cNvPr id="1" name=""/>
+        <p:cNvGrpSpPr/>
+        <p:nvPr/>
+      </p:nvGrpSpPr>
+      <p:grpSpPr>
+        <a:xfrm>
+          <a:off x="0" y="0"/>
+          <a:ext cx="0" cy="0"/>
+          <a:chOff x="0" y="0"/>
+          <a:chExt cx="0" cy="0"/>
+        </a:xfrm>
+      </p:grpSpPr>
+      <p:sp>
+        <p:nvSpPr>
+          <p:cNvPr id="4" name="3 Recortar rectángulo de esquina del mismo lado"/>
+          <p:cNvSpPr/>
+          <p:nvPr/>
+        </p:nvSpPr>
+        <p:spPr>
+          <a:xfrm>
+            <a:off x="8316416" y="-38912"/>
+            <a:ext cx="432048" cy="432048"/>
+          </a:xfrm>
+          <a:prstGeom prst="snip2SameRect">
+            <a:avLst/>
+          </a:prstGeom>
+          <a:effectLst>
+            <a:outerShdw blurRad="40000" dist="23000" dir="5400000" sx="1000" sy="1000" rotWithShape="0">
+              <a:srgbClr val="000000">
+                <a:alpha val="0"/>
+              </a:srgbClr>
+            </a:outerShdw>
+          </a:effectLst>
+        </p:spPr>
+        <p:style>
+          <a:lnRef idx="1">
+            <a:schemeClr val="accent4"/>
+          </a:lnRef>
+          <a:fillRef idx="3">
+            <a:schemeClr val="accent4"/>
+          </a:fillRef>
+          <a:effectRef idx="2">
+            <a:schemeClr val="accent4"/>
+          </a:effectRef>
+          <a:fontRef idx="minor">
+            <a:schemeClr val="lt1"/>
+          </a:fontRef>
+        </p:style>
+        <p:txBody>
+          <a:bodyPr rtlCol="0" anchor="ctr"/>
+          <a:lstStyle/>
+          <a:p>
+            <a:pPr algn="ctr"/>
+            <a:r>
+              <a:rPr lang="es-HN" b="1" smtClean="0"/>
+              <a:t>4</a:t>
+            </a:r>
+            <a:endParaRPr lang="es-ES" b="1" dirty="0"/>
+          </a:p>
+        </p:txBody>
+      </p:sp>
+      <p:sp>
+        <p:nvSpPr>
+          <p:cNvPr id="6" name="1 Título"/>
+          <p:cNvSpPr txBox="1">
+            <a:spLocks/>
+          </p:cNvSpPr>
+          <p:nvPr/>
+        </p:nvSpPr>
+        <p:spPr>
+          <a:xfrm>
+            <a:off x="3095179" y="573826"/>
+            <a:ext cx="5653285" cy="858753"/>
+          </a:xfrm>
+          <a:prstGeom prst="rect">
+            <a:avLst/>
+          </a:prstGeom>
+        </p:spPr>
+        <p:txBody>
+          <a:bodyPr vert="horz" lIns="91440" tIns="45720" rIns="91440" bIns="45720" rtlCol="0" anchor="ctr">
+            <a:noAutofit/>
+          </a:bodyPr>
+          <a:lstStyle>
+            <a:lvl1pPr algn="ctr" defTabSz="914400" rtl="0" eaLnBrk="1" latinLnBrk="0" hangingPunct="1">
+              <a:spcBef>
+                <a:spcPct val="0"/>
+              </a:spcBef>
+              <a:buNone/>
+              <a:defRPr sz="4400" kern="1200">
+                <a:solidFill>
+                  <a:schemeClr val="tx1"/>
+                </a:solidFill>
+                <a:latin typeface="+mj-lt"/>
+                <a:ea typeface="+mj-ea"/>
+                <a:cs typeface="+mj-cs"/>
+              </a:defRPr>
+            </a:lvl1pPr>
+          </a:lstStyle>
+          <a:p>
+            <a:pPr algn="r"/>
+            <a:r>
+              <a:rPr lang="pl-PL" sz="7000" dirty="0" smtClean="0">
+                <a:solidFill>
+                  <a:schemeClr val="accent4">
+                    <a:lumMod val="75000"/>
+                  </a:schemeClr>
+                </a:solidFill>
+              </a:rPr>
+              <a:t>źródła</a:t>
+            </a:r>
+            <a:endParaRPr lang="es-ES" sz="7000" b="1" dirty="0">
+              <a:solidFill>
+                <a:schemeClr val="accent4">
+                  <a:lumMod val="75000"/>
+                </a:schemeClr>
+              </a:solidFill>
+            </a:endParaRPr>
+          </a:p>
+        </p:txBody>
+      </p:sp>
+      <p:sp>
+        <p:nvSpPr>
+          <p:cNvPr id="7" name="2 Marcador de contenido"/>
+          <p:cNvSpPr txBox="1">
+            <a:spLocks/>
+          </p:cNvSpPr>
+          <p:nvPr/>
+        </p:nvSpPr>
+        <p:spPr>
+          <a:xfrm>
+            <a:off x="323528" y="3216213"/>
+            <a:ext cx="2088232" cy="252028"/>
+          </a:xfrm>
+          <a:prstGeom prst="rect">
+            <a:avLst/>
+          </a:prstGeom>
+        </p:spPr>
+        <p:txBody>
+          <a:bodyPr vert="horz" lIns="91440" tIns="45720" rIns="91440" bIns="45720" rtlCol="0">
+            <a:normAutofit fontScale="92500" lnSpcReduction="20000"/>
+          </a:bodyPr>
+          <a:lstStyle>
+            <a:lvl1pPr marL="342900" indent="-342900" algn="l" defTabSz="914400" rtl="0" eaLnBrk="1" latinLnBrk="0" hangingPunct="1">
+              <a:spcBef>
+                <a:spcPct val="20000"/>
+              </a:spcBef>
+              <a:buFont typeface="Arial" pitchFamily="34" charset="0"/>
+              <a:buChar char="•"/>
+              <a:defRPr sz="3200" kern="1200">
+                <a:solidFill>
+                  <a:schemeClr val="tx1"/>
+                </a:solidFill>
+                <a:latin typeface="+mn-lt"/>
+                <a:ea typeface="+mn-ea"/>
+                <a:cs typeface="+mn-cs"/>
+              </a:defRPr>
+            </a:lvl1pPr>
+            <a:lvl2pPr marL="742950" indent="-285750" algn="l" defTabSz="914400" rtl="0" eaLnBrk="1" latinLnBrk="0" hangingPunct="1">
+              <a:spcBef>
+                <a:spcPct val="20000"/>
+              </a:spcBef>
+              <a:buFont typeface="Arial" pitchFamily="34" charset="0"/>
+              <a:buChar char="–"/>
+              <a:defRPr sz="2800" kern="1200">
+                <a:solidFill>
+                  <a:schemeClr val="tx1"/>
+                </a:solidFill>
+                <a:latin typeface="+mn-lt"/>
+                <a:ea typeface="+mn-ea"/>
+                <a:cs typeface="+mn-cs"/>
+              </a:defRPr>
+            </a:lvl2pPr>
+            <a:lvl3pPr marL="1143000" indent="-228600" algn="l" defTabSz="914400" rtl="0" eaLnBrk="1" latinLnBrk="0" hangingPunct="1">
+              <a:spcBef>
+                <a:spcPct val="20000"/>
+              </a:spcBef>
+              <a:buFont typeface="Arial" pitchFamily="34" charset="0"/>
+              <a:buChar char="•"/>
+              <a:defRPr sz="2400" kern="1200">
+                <a:solidFill>
+                  <a:schemeClr val="tx1"/>
+                </a:solidFill>
+                <a:latin typeface="+mn-lt"/>
+                <a:ea typeface="+mn-ea"/>
+                <a:cs typeface="+mn-cs"/>
+              </a:defRPr>
+            </a:lvl3pPr>
+            <a:lvl4pPr marL="1600200" indent="-228600" algn="l" defTabSz="914400" rtl="0" eaLnBrk="1" latinLnBrk="0" hangingPunct="1">
+              <a:spcBef>
+                <a:spcPct val="20000"/>
+              </a:spcBef>
+              <a:buFont typeface="Arial" pitchFamily="34" charset="0"/>
+              <a:buChar char="–"/>
+              <a:defRPr sz="2000" kern="1200">
+                <a:solidFill>
+                  <a:schemeClr val="tx1"/>
+                </a:solidFill>
+                <a:latin typeface="+mn-lt"/>
+                <a:ea typeface="+mn-ea"/>
+                <a:cs typeface="+mn-cs"/>
+              </a:defRPr>
+            </a:lvl4pPr>
+            <a:lvl5pPr marL="2057400" indent="-228600" algn="l" defTabSz="914400" rtl="0" eaLnBrk="1" latinLnBrk="0" hangingPunct="1">
+              <a:spcBef>
+                <a:spcPct val="20000"/>
+              </a:spcBef>
+              <a:buFont typeface="Arial" pitchFamily="34" charset="0"/>
+              <a:buChar char="»"/>
+              <a:defRPr sz="2000" kern="1200">
+                <a:solidFill>
+                  <a:schemeClr val="tx1"/>
+                </a:solidFill>
+                <a:latin typeface="+mn-lt"/>
+                <a:ea typeface="+mn-ea"/>
+                <a:cs typeface="+mn-cs"/>
+              </a:defRPr>
+            </a:lvl5pPr>
+            <a:lvl6pPr marL="2514600" indent="-228600" algn="l" defTabSz="914400" rtl="0" eaLnBrk="1" latinLnBrk="0" hangingPunct="1">
+              <a:spcBef>
+                <a:spcPct val="20000"/>
+              </a:spcBef>
+              <a:buFont typeface="Arial" pitchFamily="34" charset="0"/>
+              <a:buChar char="•"/>
+              <a:defRPr sz="2000" kern="1200">
+                <a:solidFill>
+                  <a:schemeClr val="tx1"/>
+                </a:solidFill>
+                <a:latin typeface="+mn-lt"/>
+                <a:ea typeface="+mn-ea"/>
+                <a:cs typeface="+mn-cs"/>
+              </a:defRPr>
+            </a:lvl6pPr>
+            <a:lvl7pPr marL="2971800" indent="-228600" algn="l" defTabSz="914400" rtl="0" eaLnBrk="1" latinLnBrk="0" hangingPunct="1">
+              <a:spcBef>
+                <a:spcPct val="20000"/>
+              </a:spcBef>
+              <a:buFont typeface="Arial" pitchFamily="34" charset="0"/>
+              <a:buChar char="•"/>
+              <a:defRPr sz="2000" kern="1200">
+                <a:solidFill>
+                  <a:schemeClr val="tx1"/>
+                </a:solidFill>
+                <a:latin typeface="+mn-lt"/>
+                <a:ea typeface="+mn-ea"/>
+                <a:cs typeface="+mn-cs"/>
+              </a:defRPr>
+            </a:lvl7pPr>
+            <a:lvl8pPr marL="3429000" indent="-228600" algn="l" defTabSz="914400" rtl="0" eaLnBrk="1" latinLnBrk="0" hangingPunct="1">
+              <a:spcBef>
+                <a:spcPct val="20000"/>
+              </a:spcBef>
+              <a:buFont typeface="Arial" pitchFamily="34" charset="0"/>
+              <a:buChar char="•"/>
+              <a:defRPr sz="2000" kern="1200">
+                <a:solidFill>
+                  <a:schemeClr val="tx1"/>
+                </a:solidFill>
+                <a:latin typeface="+mn-lt"/>
+                <a:ea typeface="+mn-ea"/>
+                <a:cs typeface="+mn-cs"/>
+              </a:defRPr>
+            </a:lvl8pPr>
+            <a:lvl9pPr marL="3886200" indent="-228600" algn="l" defTabSz="914400" rtl="0" eaLnBrk="1" latinLnBrk="0" hangingPunct="1">
+              <a:spcBef>
+                <a:spcPct val="20000"/>
+              </a:spcBef>
+              <a:buFont typeface="Arial" pitchFamily="34" charset="0"/>
+              <a:buChar char="•"/>
+              <a:defRPr sz="2000" kern="1200">
+                <a:solidFill>
+                  <a:schemeClr val="tx1"/>
+                </a:solidFill>
+                <a:latin typeface="+mn-lt"/>
+                <a:ea typeface="+mn-ea"/>
+                <a:cs typeface="+mn-cs"/>
+              </a:defRPr>
+            </a:lvl9pPr>
+          </a:lstStyle>
+          <a:p>
+            <a:pPr marL="0" indent="0" algn="just">
+              <a:lnSpc>
+                <a:spcPct val="120000"/>
+              </a:lnSpc>
+              <a:buFont typeface="Arial" pitchFamily="34" charset="0"/>
+              <a:buNone/>
+            </a:pPr>
+            <a:r>
+              <a:rPr lang="pl-PL" sz="1050" dirty="0" smtClean="0">
+                <a:solidFill>
+                  <a:srgbClr val="5F5F5F"/>
+                </a:solidFill>
+              </a:rPr>
+              <a:t>2001</a:t>
+            </a:r>
+            <a:endParaRPr lang="en-US" sz="1050" dirty="0" smtClean="0">
+              <a:solidFill>
+                <a:srgbClr val="5F5F5F"/>
+              </a:solidFill>
+            </a:endParaRPr>
+          </a:p>
+        </p:txBody>
+      </p:sp>
+      <p:sp>
+        <p:nvSpPr>
+          <p:cNvPr id="12" name="11 Rectángulo"/>
+          <p:cNvSpPr/>
+          <p:nvPr/>
+        </p:nvSpPr>
+        <p:spPr>
+          <a:xfrm>
+            <a:off x="395536" y="1499827"/>
+            <a:ext cx="1872208" cy="1479404"/>
+          </a:xfrm>
+          <a:prstGeom prst="rect">
+            <a:avLst/>
+          </a:prstGeom>
+          <a:solidFill>
+            <a:schemeClr val="bg1">
+              <a:lumMod val="95000"/>
+            </a:schemeClr>
+          </a:solidFill>
+        </p:spPr>
+        <p:style>
+          <a:lnRef idx="3">
+            <a:schemeClr val="lt1"/>
+          </a:lnRef>
+          <a:fillRef idx="1">
+            <a:schemeClr val="accent4"/>
+          </a:fillRef>
+          <a:effectRef idx="1">
+            <a:schemeClr val="accent4"/>
+          </a:effectRef>
+          <a:fontRef idx="minor">
+            <a:schemeClr val="lt1"/>
+          </a:fontRef>
+        </p:style>
+        <p:txBody>
+          <a:bodyPr rtlCol="0" anchor="ctr"/>
+          <a:lstStyle/>
+          <a:p>
+            <a:pPr algn="ctr"/>
+            <a:r>
+              <a:rPr lang="pl-PL" dirty="0" smtClean="0">
+                <a:solidFill>
+                  <a:schemeClr val="bg1">
+                    <a:lumMod val="65000"/>
+                  </a:schemeClr>
+                </a:solidFill>
+              </a:rPr>
+              <a:t>Java 2: The complete Reference</a:t>
+            </a:r>
+            <a:endParaRPr lang="es-ES" dirty="0">
+              <a:solidFill>
+                <a:schemeClr val="bg1">
+                  <a:lumMod val="65000"/>
+                </a:schemeClr>
+              </a:solidFill>
+            </a:endParaRPr>
+          </a:p>
+        </p:txBody>
+      </p:sp>
+      <p:sp>
+        <p:nvSpPr>
+          <p:cNvPr id="14" name="2 Marcador de contenido"/>
+          <p:cNvSpPr txBox="1">
+            <a:spLocks/>
+          </p:cNvSpPr>
+          <p:nvPr/>
+        </p:nvSpPr>
+        <p:spPr>
+          <a:xfrm>
+            <a:off x="323528" y="3008947"/>
+            <a:ext cx="2426704" cy="351281"/>
+          </a:xfrm>
+          <a:prstGeom prst="rect">
+            <a:avLst/>
+          </a:prstGeom>
+        </p:spPr>
+        <p:txBody>
+          <a:bodyPr vert="horz" lIns="91440" tIns="45720" rIns="91440" bIns="45720" rtlCol="0">
+            <a:normAutofit/>
+          </a:bodyPr>
+          <a:lstStyle>
+            <a:lvl1pPr marL="342900" indent="-342900" algn="l" defTabSz="914400" rtl="0" eaLnBrk="1" latinLnBrk="0" hangingPunct="1">
+              <a:spcBef>
+                <a:spcPct val="20000"/>
+              </a:spcBef>
+              <a:buFont typeface="Arial" pitchFamily="34" charset="0"/>
+              <a:buChar char="•"/>
+              <a:defRPr sz="3200" kern="1200">
+                <a:solidFill>
+                  <a:schemeClr val="tx1"/>
+                </a:solidFill>
+                <a:latin typeface="+mn-lt"/>
+                <a:ea typeface="+mn-ea"/>
+                <a:cs typeface="+mn-cs"/>
+              </a:defRPr>
+            </a:lvl1pPr>
+            <a:lvl2pPr marL="742950" indent="-285750" algn="l" defTabSz="914400" rtl="0" eaLnBrk="1" latinLnBrk="0" hangingPunct="1">
+              <a:spcBef>
+                <a:spcPct val="20000"/>
+              </a:spcBef>
+              <a:buFont typeface="Arial" pitchFamily="34" charset="0"/>
+              <a:buChar char="–"/>
+              <a:defRPr sz="2800" kern="1200">
+                <a:solidFill>
+                  <a:schemeClr val="tx1"/>
+                </a:solidFill>
+                <a:latin typeface="+mn-lt"/>
+                <a:ea typeface="+mn-ea"/>
+                <a:cs typeface="+mn-cs"/>
+              </a:defRPr>
+            </a:lvl2pPr>
+            <a:lvl3pPr marL="1143000" indent="-228600" algn="l" defTabSz="914400" rtl="0" eaLnBrk="1" latinLnBrk="0" hangingPunct="1">
+              <a:spcBef>
+                <a:spcPct val="20000"/>
+              </a:spcBef>
+              <a:buFont typeface="Arial" pitchFamily="34" charset="0"/>
+              <a:buChar char="•"/>
+              <a:defRPr sz="2400" kern="1200">
+                <a:solidFill>
+                  <a:schemeClr val="tx1"/>
+                </a:solidFill>
+                <a:latin typeface="+mn-lt"/>
+                <a:ea typeface="+mn-ea"/>
+                <a:cs typeface="+mn-cs"/>
+              </a:defRPr>
+            </a:lvl3pPr>
+            <a:lvl4pPr marL="1600200" indent="-228600" algn="l" defTabSz="914400" rtl="0" eaLnBrk="1" latinLnBrk="0" hangingPunct="1">
+              <a:spcBef>
+                <a:spcPct val="20000"/>
+              </a:spcBef>
+              <a:buFont typeface="Arial" pitchFamily="34" charset="0"/>
+              <a:buChar char="–"/>
+              <a:defRPr sz="2000" kern="1200">
+                <a:solidFill>
+                  <a:schemeClr val="tx1"/>
+                </a:solidFill>
+                <a:latin typeface="+mn-lt"/>
+                <a:ea typeface="+mn-ea"/>
+                <a:cs typeface="+mn-cs"/>
+              </a:defRPr>
+            </a:lvl4pPr>
+            <a:lvl5pPr marL="2057400" indent="-228600" algn="l" defTabSz="914400" rtl="0" eaLnBrk="1" latinLnBrk="0" hangingPunct="1">
+              <a:spcBef>
+                <a:spcPct val="20000"/>
+              </a:spcBef>
+              <a:buFont typeface="Arial" pitchFamily="34" charset="0"/>
+              <a:buChar char="»"/>
+              <a:defRPr sz="2000" kern="1200">
+                <a:solidFill>
+                  <a:schemeClr val="tx1"/>
+                </a:solidFill>
+                <a:latin typeface="+mn-lt"/>
+                <a:ea typeface="+mn-ea"/>
+                <a:cs typeface="+mn-cs"/>
+              </a:defRPr>
+            </a:lvl5pPr>
+            <a:lvl6pPr marL="2514600" indent="-228600" algn="l" defTabSz="914400" rtl="0" eaLnBrk="1" latinLnBrk="0" hangingPunct="1">
+              <a:spcBef>
+                <a:spcPct val="20000"/>
+              </a:spcBef>
+              <a:buFont typeface="Arial" pitchFamily="34" charset="0"/>
+              <a:buChar char="•"/>
+              <a:defRPr sz="2000" kern="1200">
+                <a:solidFill>
+                  <a:schemeClr val="tx1"/>
+                </a:solidFill>
+                <a:latin typeface="+mn-lt"/>
+                <a:ea typeface="+mn-ea"/>
+                <a:cs typeface="+mn-cs"/>
+              </a:defRPr>
+            </a:lvl6pPr>
+            <a:lvl7pPr marL="2971800" indent="-228600" algn="l" defTabSz="914400" rtl="0" eaLnBrk="1" latinLnBrk="0" hangingPunct="1">
+              <a:spcBef>
+                <a:spcPct val="20000"/>
+              </a:spcBef>
+              <a:buFont typeface="Arial" pitchFamily="34" charset="0"/>
+              <a:buChar char="•"/>
+              <a:defRPr sz="2000" kern="1200">
+                <a:solidFill>
+                  <a:schemeClr val="tx1"/>
+                </a:solidFill>
+                <a:latin typeface="+mn-lt"/>
+                <a:ea typeface="+mn-ea"/>
+                <a:cs typeface="+mn-cs"/>
+              </a:defRPr>
+            </a:lvl7pPr>
+            <a:lvl8pPr marL="3429000" indent="-228600" algn="l" defTabSz="914400" rtl="0" eaLnBrk="1" latinLnBrk="0" hangingPunct="1">
+              <a:spcBef>
+                <a:spcPct val="20000"/>
+              </a:spcBef>
+              <a:buFont typeface="Arial" pitchFamily="34" charset="0"/>
+              <a:buChar char="•"/>
+              <a:defRPr sz="2000" kern="1200">
+                <a:solidFill>
+                  <a:schemeClr val="tx1"/>
+                </a:solidFill>
+                <a:latin typeface="+mn-lt"/>
+                <a:ea typeface="+mn-ea"/>
+                <a:cs typeface="+mn-cs"/>
+              </a:defRPr>
+            </a:lvl8pPr>
+            <a:lvl9pPr marL="3886200" indent="-228600" algn="l" defTabSz="914400" rtl="0" eaLnBrk="1" latinLnBrk="0" hangingPunct="1">
+              <a:spcBef>
+                <a:spcPct val="20000"/>
+              </a:spcBef>
+              <a:buFont typeface="Arial" pitchFamily="34" charset="0"/>
+              <a:buChar char="•"/>
+              <a:defRPr sz="2000" kern="1200">
+                <a:solidFill>
+                  <a:schemeClr val="tx1"/>
+                </a:solidFill>
+                <a:latin typeface="+mn-lt"/>
+                <a:ea typeface="+mn-ea"/>
+                <a:cs typeface="+mn-cs"/>
+              </a:defRPr>
+            </a:lvl9pPr>
+          </a:lstStyle>
+          <a:p>
+            <a:pPr marL="0" indent="0">
+              <a:lnSpc>
+                <a:spcPct val="120000"/>
+              </a:lnSpc>
+              <a:buFont typeface="Arial" pitchFamily="34" charset="0"/>
+              <a:buNone/>
+            </a:pPr>
+            <a:r>
+              <a:rPr lang="pl-PL" sz="1400" b="1" dirty="0" smtClean="0">
+                <a:solidFill>
+                  <a:srgbClr val="5F5F5F"/>
+                </a:solidFill>
+              </a:rPr>
+              <a:t>Schildt, Herbert, TMH</a:t>
+            </a:r>
+            <a:endParaRPr lang="es-ES" sz="1400" b="1" dirty="0">
+              <a:solidFill>
+                <a:srgbClr val="5F5F5F"/>
+              </a:solidFill>
+            </a:endParaRPr>
+          </a:p>
+        </p:txBody>
+      </p:sp>
+      <p:sp>
+        <p:nvSpPr>
+          <p:cNvPr id="24" name="23 Rectángulo"/>
+          <p:cNvSpPr/>
+          <p:nvPr/>
+        </p:nvSpPr>
+        <p:spPr>
+          <a:xfrm>
+            <a:off x="2555776" y="1499827"/>
+            <a:ext cx="1872208" cy="1479404"/>
+          </a:xfrm>
+          <a:prstGeom prst="rect">
+            <a:avLst/>
+          </a:prstGeom>
+          <a:solidFill>
+            <a:schemeClr val="bg1">
+              <a:lumMod val="95000"/>
+            </a:schemeClr>
+          </a:solidFill>
+        </p:spPr>
+        <p:style>
+          <a:lnRef idx="3">
+            <a:schemeClr val="lt1"/>
+          </a:lnRef>
+          <a:fillRef idx="1">
+            <a:schemeClr val="accent4"/>
+          </a:fillRef>
+          <a:effectRef idx="1">
+            <a:schemeClr val="accent4"/>
+          </a:effectRef>
+          <a:fontRef idx="minor">
+            <a:schemeClr val="lt1"/>
+          </a:fontRef>
+        </p:style>
+        <p:txBody>
+          <a:bodyPr rtlCol="0" anchor="ctr"/>
+          <a:lstStyle/>
+          <a:p>
+            <a:pPr algn="ctr"/>
+            <a:r>
+              <a:rPr lang="pl-PL" dirty="0" smtClean="0">
+                <a:solidFill>
+                  <a:schemeClr val="bg1">
+                    <a:lumMod val="65000"/>
+                  </a:schemeClr>
+                </a:solidFill>
+              </a:rPr>
+              <a:t>Java SUN website</a:t>
+            </a:r>
+            <a:endParaRPr lang="es-ES" dirty="0">
+              <a:solidFill>
+                <a:schemeClr val="bg1">
+                  <a:lumMod val="65000"/>
+                </a:schemeClr>
+              </a:solidFill>
+            </a:endParaRPr>
+          </a:p>
+        </p:txBody>
+      </p:sp>
+      <p:sp>
+        <p:nvSpPr>
+          <p:cNvPr id="33" name="32 Rectángulo"/>
+          <p:cNvSpPr/>
+          <p:nvPr/>
+        </p:nvSpPr>
+        <p:spPr>
+          <a:xfrm>
+            <a:off x="395536" y="3624063"/>
+            <a:ext cx="1872208" cy="1479404"/>
+          </a:xfrm>
+          <a:prstGeom prst="rect">
+            <a:avLst/>
+          </a:prstGeom>
+          <a:solidFill>
+            <a:schemeClr val="bg1">
+              <a:lumMod val="95000"/>
+            </a:schemeClr>
+          </a:solidFill>
+        </p:spPr>
+        <p:style>
+          <a:lnRef idx="3">
+            <a:schemeClr val="lt1"/>
+          </a:lnRef>
+          <a:fillRef idx="1">
+            <a:schemeClr val="accent4"/>
+          </a:fillRef>
+          <a:effectRef idx="1">
+            <a:schemeClr val="accent4"/>
+          </a:effectRef>
+          <a:fontRef idx="minor">
+            <a:schemeClr val="lt1"/>
+          </a:fontRef>
+        </p:style>
+        <p:txBody>
+          <a:bodyPr rtlCol="0" anchor="ctr"/>
+          <a:lstStyle/>
+          <a:p>
+            <a:pPr algn="ctr"/>
+            <a:endParaRPr lang="es-ES" dirty="0">
+              <a:solidFill>
+                <a:schemeClr val="bg1">
+                  <a:lumMod val="65000"/>
+                </a:schemeClr>
+              </a:solidFill>
+            </a:endParaRPr>
+          </a:p>
+        </p:txBody>
+      </p:sp>
+      <p:sp>
+        <p:nvSpPr>
+          <p:cNvPr id="36" name="35 Rectángulo"/>
+          <p:cNvSpPr/>
+          <p:nvPr/>
+        </p:nvSpPr>
+        <p:spPr>
+          <a:xfrm>
+            <a:off x="2555776" y="3624063"/>
+            <a:ext cx="1872208" cy="1479404"/>
+          </a:xfrm>
+          <a:prstGeom prst="rect">
+            <a:avLst/>
+          </a:prstGeom>
+          <a:solidFill>
+            <a:schemeClr val="bg1">
+              <a:lumMod val="95000"/>
+            </a:schemeClr>
+          </a:solidFill>
+        </p:spPr>
+        <p:style>
+          <a:lnRef idx="3">
+            <a:schemeClr val="lt1"/>
+          </a:lnRef>
+          <a:fillRef idx="1">
+            <a:schemeClr val="accent4"/>
+          </a:fillRef>
+          <a:effectRef idx="1">
+            <a:schemeClr val="accent4"/>
+          </a:effectRef>
+          <a:fontRef idx="minor">
+            <a:schemeClr val="lt1"/>
+          </a:fontRef>
+        </p:style>
+        <p:txBody>
+          <a:bodyPr rtlCol="0" anchor="ctr"/>
+          <a:lstStyle/>
+          <a:p>
+            <a:pPr algn="ctr"/>
+            <a:endParaRPr lang="es-ES" dirty="0">
+              <a:solidFill>
+                <a:schemeClr val="bg1">
+                  <a:lumMod val="65000"/>
+                </a:schemeClr>
+              </a:solidFill>
+            </a:endParaRPr>
+          </a:p>
+        </p:txBody>
+      </p:sp>
+      <p:sp>
+        <p:nvSpPr>
+          <p:cNvPr id="39" name="38 Rectángulo"/>
+          <p:cNvSpPr/>
+          <p:nvPr/>
+        </p:nvSpPr>
+        <p:spPr>
+          <a:xfrm>
+            <a:off x="4716016" y="3624063"/>
+            <a:ext cx="1872208" cy="1479404"/>
+          </a:xfrm>
+          <a:prstGeom prst="rect">
+            <a:avLst/>
+          </a:prstGeom>
+          <a:solidFill>
+            <a:schemeClr val="bg1">
+              <a:lumMod val="95000"/>
+            </a:schemeClr>
+          </a:solidFill>
+        </p:spPr>
+        <p:style>
+          <a:lnRef idx="3">
+            <a:schemeClr val="lt1"/>
+          </a:lnRef>
+          <a:fillRef idx="1">
+            <a:schemeClr val="accent4"/>
+          </a:fillRef>
+          <a:effectRef idx="1">
+            <a:schemeClr val="accent4"/>
+          </a:effectRef>
+          <a:fontRef idx="minor">
+            <a:schemeClr val="lt1"/>
+          </a:fontRef>
+        </p:style>
+        <p:txBody>
+          <a:bodyPr rtlCol="0" anchor="ctr"/>
+          <a:lstStyle/>
+          <a:p>
+            <a:pPr algn="ctr"/>
+            <a:endParaRPr lang="es-ES" dirty="0">
+              <a:solidFill>
+                <a:schemeClr val="bg1">
+                  <a:lumMod val="65000"/>
+                </a:schemeClr>
+              </a:solidFill>
+            </a:endParaRPr>
+          </a:p>
+        </p:txBody>
+      </p:sp>
+      <p:sp>
+        <p:nvSpPr>
+          <p:cNvPr id="42" name="41 Rectángulo"/>
+          <p:cNvSpPr/>
+          <p:nvPr/>
+        </p:nvSpPr>
+        <p:spPr>
+          <a:xfrm>
+            <a:off x="6836356" y="3624063"/>
+            <a:ext cx="1872208" cy="1479404"/>
+          </a:xfrm>
+          <a:prstGeom prst="rect">
+            <a:avLst/>
+          </a:prstGeom>
+          <a:solidFill>
+            <a:schemeClr val="bg1">
+              <a:lumMod val="95000"/>
+            </a:schemeClr>
+          </a:solidFill>
+        </p:spPr>
+        <p:style>
+          <a:lnRef idx="3">
+            <a:schemeClr val="lt1"/>
+          </a:lnRef>
+          <a:fillRef idx="1">
+            <a:schemeClr val="accent4"/>
+          </a:fillRef>
+          <a:effectRef idx="1">
+            <a:schemeClr val="accent4"/>
+          </a:effectRef>
+          <a:fontRef idx="minor">
+            <a:schemeClr val="lt1"/>
+          </a:fontRef>
+        </p:style>
+        <p:txBody>
+          <a:bodyPr rtlCol="0" anchor="ctr"/>
+          <a:lstStyle/>
+          <a:p>
+            <a:pPr algn="ctr"/>
+            <a:endParaRPr lang="es-ES" dirty="0">
+              <a:solidFill>
+                <a:schemeClr val="bg1">
+                  <a:lumMod val="65000"/>
+                </a:schemeClr>
+              </a:solidFill>
+            </a:endParaRPr>
+          </a:p>
+        </p:txBody>
+      </p:sp>
+      <p:sp>
+        <p:nvSpPr>
+          <p:cNvPr id="45" name="2 Marcador de contenido"/>
+          <p:cNvSpPr txBox="1">
+            <a:spLocks/>
+          </p:cNvSpPr>
+          <p:nvPr/>
+        </p:nvSpPr>
+        <p:spPr>
+          <a:xfrm>
+            <a:off x="2501702" y="3008947"/>
+            <a:ext cx="2426704" cy="351281"/>
+          </a:xfrm>
+          <a:prstGeom prst="rect">
+            <a:avLst/>
+          </a:prstGeom>
+        </p:spPr>
+        <p:txBody>
+          <a:bodyPr vert="horz" lIns="91440" tIns="45720" rIns="91440" bIns="45720" rtlCol="0">
+            <a:normAutofit/>
+          </a:bodyPr>
+          <a:lstStyle>
+            <a:lvl1pPr marL="342900" indent="-342900" algn="l" defTabSz="914400" rtl="0" eaLnBrk="1" latinLnBrk="0" hangingPunct="1">
+              <a:spcBef>
+                <a:spcPct val="20000"/>
+              </a:spcBef>
+              <a:buFont typeface="Arial" pitchFamily="34" charset="0"/>
+              <a:buChar char="•"/>
+              <a:defRPr sz="3200" kern="1200">
+                <a:solidFill>
+                  <a:schemeClr val="tx1"/>
+                </a:solidFill>
+                <a:latin typeface="+mn-lt"/>
+                <a:ea typeface="+mn-ea"/>
+                <a:cs typeface="+mn-cs"/>
+              </a:defRPr>
+            </a:lvl1pPr>
+            <a:lvl2pPr marL="742950" indent="-285750" algn="l" defTabSz="914400" rtl="0" eaLnBrk="1" latinLnBrk="0" hangingPunct="1">
+              <a:spcBef>
+                <a:spcPct val="20000"/>
+              </a:spcBef>
+              <a:buFont typeface="Arial" pitchFamily="34" charset="0"/>
+              <a:buChar char="–"/>
+              <a:defRPr sz="2800" kern="1200">
+                <a:solidFill>
+                  <a:schemeClr val="tx1"/>
+                </a:solidFill>
+                <a:latin typeface="+mn-lt"/>
+                <a:ea typeface="+mn-ea"/>
+                <a:cs typeface="+mn-cs"/>
+              </a:defRPr>
+            </a:lvl2pPr>
+            <a:lvl3pPr marL="1143000" indent="-228600" algn="l" defTabSz="914400" rtl="0" eaLnBrk="1" latinLnBrk="0" hangingPunct="1">
+              <a:spcBef>
+                <a:spcPct val="20000"/>
+              </a:spcBef>
+              <a:buFont typeface="Arial" pitchFamily="34" charset="0"/>
+              <a:buChar char="•"/>
+              <a:defRPr sz="2400" kern="1200">
+                <a:solidFill>
+                  <a:schemeClr val="tx1"/>
+                </a:solidFill>
+                <a:latin typeface="+mn-lt"/>
+                <a:ea typeface="+mn-ea"/>
+                <a:cs typeface="+mn-cs"/>
+              </a:defRPr>
+            </a:lvl3pPr>
+            <a:lvl4pPr marL="1600200" indent="-228600" algn="l" defTabSz="914400" rtl="0" eaLnBrk="1" latinLnBrk="0" hangingPunct="1">
+              <a:spcBef>
+                <a:spcPct val="20000"/>
+              </a:spcBef>
+              <a:buFont typeface="Arial" pitchFamily="34" charset="0"/>
+              <a:buChar char="–"/>
+              <a:defRPr sz="2000" kern="1200">
+                <a:solidFill>
+                  <a:schemeClr val="tx1"/>
+                </a:solidFill>
+                <a:latin typeface="+mn-lt"/>
+                <a:ea typeface="+mn-ea"/>
+                <a:cs typeface="+mn-cs"/>
+              </a:defRPr>
+            </a:lvl4pPr>
+            <a:lvl5pPr marL="2057400" indent="-228600" algn="l" defTabSz="914400" rtl="0" eaLnBrk="1" latinLnBrk="0" hangingPunct="1">
+              <a:spcBef>
+                <a:spcPct val="20000"/>
+              </a:spcBef>
+              <a:buFont typeface="Arial" pitchFamily="34" charset="0"/>
+              <a:buChar char="»"/>
+              <a:defRPr sz="2000" kern="1200">
+                <a:solidFill>
+                  <a:schemeClr val="tx1"/>
+                </a:solidFill>
+                <a:latin typeface="+mn-lt"/>
+                <a:ea typeface="+mn-ea"/>
+                <a:cs typeface="+mn-cs"/>
+              </a:defRPr>
+            </a:lvl5pPr>
+            <a:lvl6pPr marL="2514600" indent="-228600" algn="l" defTabSz="914400" rtl="0" eaLnBrk="1" latinLnBrk="0" hangingPunct="1">
+              <a:spcBef>
+                <a:spcPct val="20000"/>
+              </a:spcBef>
+              <a:buFont typeface="Arial" pitchFamily="34" charset="0"/>
+              <a:buChar char="•"/>
+              <a:defRPr sz="2000" kern="1200">
+                <a:solidFill>
+                  <a:schemeClr val="tx1"/>
+                </a:solidFill>
+                <a:latin typeface="+mn-lt"/>
+                <a:ea typeface="+mn-ea"/>
+                <a:cs typeface="+mn-cs"/>
+              </a:defRPr>
+            </a:lvl6pPr>
+            <a:lvl7pPr marL="2971800" indent="-228600" algn="l" defTabSz="914400" rtl="0" eaLnBrk="1" latinLnBrk="0" hangingPunct="1">
+              <a:spcBef>
+                <a:spcPct val="20000"/>
+              </a:spcBef>
+              <a:buFont typeface="Arial" pitchFamily="34" charset="0"/>
+              <a:buChar char="•"/>
+              <a:defRPr sz="2000" kern="1200">
+                <a:solidFill>
+                  <a:schemeClr val="tx1"/>
+                </a:solidFill>
+                <a:latin typeface="+mn-lt"/>
+                <a:ea typeface="+mn-ea"/>
+                <a:cs typeface="+mn-cs"/>
+              </a:defRPr>
+            </a:lvl7pPr>
+            <a:lvl8pPr marL="3429000" indent="-228600" algn="l" defTabSz="914400" rtl="0" eaLnBrk="1" latinLnBrk="0" hangingPunct="1">
+              <a:spcBef>
+                <a:spcPct val="20000"/>
+              </a:spcBef>
+              <a:buFont typeface="Arial" pitchFamily="34" charset="0"/>
+              <a:buChar char="•"/>
+              <a:defRPr sz="2000" kern="1200">
+                <a:solidFill>
+                  <a:schemeClr val="tx1"/>
+                </a:solidFill>
+                <a:latin typeface="+mn-lt"/>
+                <a:ea typeface="+mn-ea"/>
+                <a:cs typeface="+mn-cs"/>
+              </a:defRPr>
+            </a:lvl8pPr>
+            <a:lvl9pPr marL="3886200" indent="-228600" algn="l" defTabSz="914400" rtl="0" eaLnBrk="1" latinLnBrk="0" hangingPunct="1">
+              <a:spcBef>
+                <a:spcPct val="20000"/>
+              </a:spcBef>
+              <a:buFont typeface="Arial" pitchFamily="34" charset="0"/>
+              <a:buChar char="•"/>
+              <a:defRPr sz="2000" kern="1200">
+                <a:solidFill>
+                  <a:schemeClr val="tx1"/>
+                </a:solidFill>
+                <a:latin typeface="+mn-lt"/>
+                <a:ea typeface="+mn-ea"/>
+                <a:cs typeface="+mn-cs"/>
+              </a:defRPr>
+            </a:lvl9pPr>
+          </a:lstStyle>
+          <a:p>
+            <a:pPr marL="0" indent="0">
+              <a:lnSpc>
+                <a:spcPct val="120000"/>
+              </a:lnSpc>
+              <a:buFont typeface="Arial" pitchFamily="34" charset="0"/>
+              <a:buNone/>
+            </a:pPr>
+            <a:r>
+              <a:rPr lang="pl-PL" sz="1400" b="1" dirty="0" smtClean="0">
+                <a:solidFill>
+                  <a:srgbClr val="5F5F5F"/>
+                </a:solidFill>
+              </a:rPr>
+              <a:t>Java.sun.com</a:t>
+            </a:r>
+            <a:endParaRPr lang="es-ES" sz="1400" b="1" dirty="0">
+              <a:solidFill>
+                <a:srgbClr val="5F5F5F"/>
+              </a:solidFill>
+            </a:endParaRPr>
+          </a:p>
+        </p:txBody>
+      </p:sp>
+      <p:grpSp>
+        <p:nvGrpSpPr>
+          <p:cNvPr id="60" name="59 Grupo"/>
+          <p:cNvGrpSpPr/>
+          <p:nvPr/>
+        </p:nvGrpSpPr>
+        <p:grpSpPr>
+          <a:xfrm>
+            <a:off x="6876256" y="6146254"/>
+            <a:ext cx="414046" cy="360040"/>
+            <a:chOff x="7308304" y="6165304"/>
+            <a:chExt cx="414046" cy="360040"/>
+          </a:xfrm>
+        </p:grpSpPr>
+        <p:sp>
+          <p:nvSpPr>
+            <p:cNvPr id="61" name="60 Rectángulo redondeado"/>
+            <p:cNvSpPr/>
+            <p:nvPr/>
+          </p:nvSpPr>
+          <p:spPr>
+            <a:xfrm>
+              <a:off x="7308304" y="6165304"/>
+              <a:ext cx="414046" cy="360040"/>
+            </a:xfrm>
+            <a:prstGeom prst="roundRect">
+              <a:avLst/>
+            </a:prstGeom>
+            <a:gradFill>
+              <a:gsLst>
+                <a:gs pos="0">
+                  <a:schemeClr val="bg1">
+                    <a:lumMod val="75000"/>
+                  </a:schemeClr>
+                </a:gs>
+                <a:gs pos="80000">
+                  <a:schemeClr val="bg1">
+                    <a:lumMod val="95000"/>
+                  </a:schemeClr>
+                </a:gs>
+                <a:gs pos="100000">
+                  <a:schemeClr val="bg1">
+                    <a:lumMod val="95000"/>
+                  </a:schemeClr>
+                </a:gs>
+              </a:gsLst>
+            </a:gradFill>
+          </p:spPr>
+          <p:style>
+            <a:lnRef idx="0">
+              <a:schemeClr val="accent4"/>
+            </a:lnRef>
+            <a:fillRef idx="3">
+              <a:schemeClr val="accent4"/>
+            </a:fillRef>
+            <a:effectRef idx="3">
+              <a:schemeClr val="accent4"/>
+            </a:effectRef>
+            <a:fontRef idx="minor">
+              <a:schemeClr val="lt1"/>
+            </a:fontRef>
+          </p:style>
+          <p:txBody>
+            <a:bodyPr rtlCol="0" anchor="ctr"/>
+            <a:lstStyle/>
+            <a:p>
+              <a:pPr algn="ctr"/>
+              <a:endParaRPr lang="es-ES"/>
+            </a:p>
+          </p:txBody>
+        </p:sp>
+        <p:sp>
+          <p:nvSpPr>
+            <p:cNvPr id="62" name="61 Lágrima">
+              <a:hlinkClick r:id="" action="ppaction://hlinkshowjump?jump=previousslide"/>
+            </p:cNvPr>
+            <p:cNvSpPr/>
+            <p:nvPr/>
+          </p:nvSpPr>
+          <p:spPr>
+            <a:xfrm rot="13500000">
+              <a:off x="7443319" y="6279493"/>
+              <a:ext cx="144016" cy="144016"/>
+            </a:xfrm>
+            <a:prstGeom prst="teardrop">
+              <a:avLst/>
+            </a:prstGeom>
+          </p:spPr>
+          <p:style>
+            <a:lnRef idx="0">
+              <a:schemeClr val="accent4"/>
+            </a:lnRef>
+            <a:fillRef idx="3">
+              <a:schemeClr val="accent4"/>
+            </a:fillRef>
+            <a:effectRef idx="3">
+              <a:schemeClr val="accent4"/>
+            </a:effectRef>
+            <a:fontRef idx="minor">
+              <a:schemeClr val="lt1"/>
+            </a:fontRef>
+          </p:style>
+          <p:txBody>
+            <a:bodyPr rtlCol="0" anchor="ctr"/>
+            <a:lstStyle/>
+            <a:p>
+              <a:pPr algn="ctr"/>
+              <a:endParaRPr lang="es-ES"/>
+            </a:p>
+          </p:txBody>
+        </p:sp>
+      </p:grpSp>
+      <p:grpSp>
+        <p:nvGrpSpPr>
+          <p:cNvPr id="63" name="62 Grupo"/>
+          <p:cNvGrpSpPr/>
+          <p:nvPr/>
+        </p:nvGrpSpPr>
+        <p:grpSpPr>
+          <a:xfrm>
+            <a:off x="7422697" y="6146254"/>
+            <a:ext cx="414046" cy="360040"/>
+            <a:chOff x="7902370" y="6165304"/>
+            <a:chExt cx="414046" cy="360040"/>
+          </a:xfrm>
+        </p:grpSpPr>
+        <p:sp>
+          <p:nvSpPr>
+            <p:cNvPr id="64" name="63 Rectángulo redondeado"/>
+            <p:cNvSpPr/>
+            <p:nvPr/>
+          </p:nvSpPr>
+          <p:spPr>
+            <a:xfrm>
+              <a:off x="7902370" y="6165304"/>
+              <a:ext cx="414046" cy="360040"/>
+            </a:xfrm>
+            <a:prstGeom prst="roundRect">
+              <a:avLst/>
+            </a:prstGeom>
+            <a:gradFill>
+              <a:gsLst>
+                <a:gs pos="0">
+                  <a:schemeClr val="bg1">
+                    <a:lumMod val="75000"/>
+                  </a:schemeClr>
+                </a:gs>
+                <a:gs pos="80000">
+                  <a:schemeClr val="bg1">
+                    <a:lumMod val="95000"/>
+                  </a:schemeClr>
+                </a:gs>
+                <a:gs pos="100000">
+                  <a:schemeClr val="bg1">
+                    <a:lumMod val="95000"/>
+                  </a:schemeClr>
+                </a:gs>
+              </a:gsLst>
+            </a:gradFill>
+          </p:spPr>
+          <p:style>
+            <a:lnRef idx="0">
+              <a:schemeClr val="accent4"/>
+            </a:lnRef>
+            <a:fillRef idx="3">
+              <a:schemeClr val="accent4"/>
+            </a:fillRef>
+            <a:effectRef idx="3">
+              <a:schemeClr val="accent4"/>
+            </a:effectRef>
+            <a:fontRef idx="minor">
+              <a:schemeClr val="lt1"/>
+            </a:fontRef>
+          </p:style>
+          <p:txBody>
+            <a:bodyPr rtlCol="0" anchor="ctr"/>
+            <a:lstStyle/>
+            <a:p>
+              <a:pPr algn="ctr"/>
+              <a:endParaRPr lang="es-ES"/>
+            </a:p>
+          </p:txBody>
+        </p:sp>
+        <p:sp>
+          <p:nvSpPr>
+            <p:cNvPr id="65" name="64 Lágrima">
+              <a:hlinkClick r:id="" action="ppaction://hlinkshowjump?jump=nextslide"/>
+            </p:cNvPr>
+            <p:cNvSpPr/>
+            <p:nvPr/>
+          </p:nvSpPr>
+          <p:spPr>
+            <a:xfrm rot="2700000">
+              <a:off x="8037385" y="6279493"/>
+              <a:ext cx="144016" cy="144016"/>
+            </a:xfrm>
+            <a:prstGeom prst="teardrop">
+              <a:avLst/>
+            </a:prstGeom>
+          </p:spPr>
+          <p:style>
+            <a:lnRef idx="0">
+              <a:schemeClr val="accent4"/>
+            </a:lnRef>
+            <a:fillRef idx="3">
+              <a:schemeClr val="accent4"/>
+            </a:fillRef>
+            <a:effectRef idx="3">
+              <a:schemeClr val="accent4"/>
+            </a:effectRef>
+            <a:fontRef idx="minor">
+              <a:schemeClr val="lt1"/>
+            </a:fontRef>
+          </p:style>
+          <p:txBody>
+            <a:bodyPr rtlCol="0" anchor="ctr"/>
+            <a:lstStyle/>
+            <a:p>
+              <a:pPr algn="ctr"/>
+              <a:endParaRPr lang="es-ES"/>
+            </a:p>
+          </p:txBody>
+        </p:sp>
+      </p:grpSp>
+      <p:grpSp>
+        <p:nvGrpSpPr>
+          <p:cNvPr id="66" name="65 Grupo"/>
+          <p:cNvGrpSpPr/>
+          <p:nvPr/>
+        </p:nvGrpSpPr>
+        <p:grpSpPr>
+          <a:xfrm>
+            <a:off x="8490086" y="6146254"/>
+            <a:ext cx="414046" cy="360040"/>
+            <a:chOff x="8490086" y="6146254"/>
+            <a:chExt cx="414046" cy="360040"/>
+          </a:xfrm>
+        </p:grpSpPr>
+        <p:sp>
+          <p:nvSpPr>
+            <p:cNvPr id="67" name="66 Rectángulo redondeado"/>
+            <p:cNvSpPr/>
+            <p:nvPr/>
+          </p:nvSpPr>
+          <p:spPr>
+            <a:xfrm>
+              <a:off x="8490086" y="6146254"/>
+              <a:ext cx="414046" cy="360040"/>
+            </a:xfrm>
+            <a:prstGeom prst="roundRect">
+              <a:avLst/>
+            </a:prstGeom>
+            <a:gradFill>
+              <a:gsLst>
+                <a:gs pos="0">
+                  <a:schemeClr val="bg1">
+                    <a:lumMod val="75000"/>
+                  </a:schemeClr>
+                </a:gs>
+                <a:gs pos="80000">
+                  <a:schemeClr val="bg1">
+                    <a:lumMod val="95000"/>
+                  </a:schemeClr>
+                </a:gs>
+                <a:gs pos="100000">
+                  <a:schemeClr val="bg1">
+                    <a:lumMod val="95000"/>
+                  </a:schemeClr>
+                </a:gs>
+              </a:gsLst>
+            </a:gradFill>
+          </p:spPr>
+          <p:style>
+            <a:lnRef idx="0">
+              <a:schemeClr val="accent4"/>
+            </a:lnRef>
+            <a:fillRef idx="3">
+              <a:schemeClr val="accent4"/>
+            </a:fillRef>
+            <a:effectRef idx="3">
+              <a:schemeClr val="accent4"/>
+            </a:effectRef>
+            <a:fontRef idx="minor">
+              <a:schemeClr val="lt1"/>
+            </a:fontRef>
+          </p:style>
+          <p:txBody>
+            <a:bodyPr rtlCol="0" anchor="ctr"/>
+            <a:lstStyle/>
+            <a:p>
+              <a:pPr algn="ctr"/>
+              <a:endParaRPr lang="es-ES"/>
+            </a:p>
+          </p:txBody>
+        </p:sp>
+        <p:sp>
+          <p:nvSpPr>
+            <p:cNvPr id="68" name="67 Multiplicar">
+              <a:hlinkClick r:id="" action="ppaction://hlinkshowjump?jump=endshow"/>
+            </p:cNvPr>
+            <p:cNvSpPr/>
+            <p:nvPr/>
+          </p:nvSpPr>
+          <p:spPr>
+            <a:xfrm>
+              <a:off x="8604448" y="6230616"/>
+              <a:ext cx="203670" cy="203670"/>
+            </a:xfrm>
+            <a:prstGeom prst="mathMultiply">
+              <a:avLst/>
+            </a:prstGeom>
+          </p:spPr>
+          <p:style>
+            <a:lnRef idx="0">
+              <a:schemeClr val="accent4"/>
+            </a:lnRef>
+            <a:fillRef idx="3">
+              <a:schemeClr val="accent4"/>
+            </a:fillRef>
+            <a:effectRef idx="3">
+              <a:schemeClr val="accent4"/>
+            </a:effectRef>
+            <a:fontRef idx="minor">
+              <a:schemeClr val="lt1"/>
+            </a:fontRef>
+          </p:style>
+          <p:txBody>
+            <a:bodyPr rtlCol="0" anchor="ctr"/>
+            <a:lstStyle/>
+            <a:p>
+              <a:pPr algn="ctr"/>
+              <a:endParaRPr lang="es-ES"/>
+            </a:p>
+          </p:txBody>
+        </p:sp>
+      </p:grpSp>
+      <p:grpSp>
+        <p:nvGrpSpPr>
+          <p:cNvPr id="69" name="68 Grupo"/>
+          <p:cNvGrpSpPr/>
+          <p:nvPr/>
+        </p:nvGrpSpPr>
+        <p:grpSpPr>
+          <a:xfrm>
+            <a:off x="7956580" y="6146254"/>
+            <a:ext cx="414046" cy="360040"/>
+            <a:chOff x="7956580" y="6146254"/>
+            <a:chExt cx="414046" cy="360040"/>
+          </a:xfrm>
+        </p:grpSpPr>
+        <p:sp>
+          <p:nvSpPr>
+            <p:cNvPr id="70" name="69 Rectángulo redondeado"/>
+            <p:cNvSpPr/>
+            <p:nvPr/>
+          </p:nvSpPr>
+          <p:spPr>
+            <a:xfrm>
+              <a:off x="7956580" y="6146254"/>
+              <a:ext cx="414046" cy="360040"/>
+            </a:xfrm>
+            <a:prstGeom prst="roundRect">
+              <a:avLst/>
+            </a:prstGeom>
+            <a:gradFill>
+              <a:gsLst>
+                <a:gs pos="0">
+                  <a:schemeClr val="bg1">
+                    <a:lumMod val="75000"/>
+                  </a:schemeClr>
+                </a:gs>
+                <a:gs pos="80000">
+                  <a:schemeClr val="bg1">
+                    <a:lumMod val="95000"/>
+                  </a:schemeClr>
+                </a:gs>
+                <a:gs pos="100000">
+                  <a:schemeClr val="bg1">
+                    <a:lumMod val="95000"/>
+                  </a:schemeClr>
+                </a:gs>
+              </a:gsLst>
+            </a:gradFill>
+          </p:spPr>
+          <p:style>
+            <a:lnRef idx="0">
+              <a:schemeClr val="accent4"/>
+            </a:lnRef>
+            <a:fillRef idx="3">
+              <a:schemeClr val="accent4"/>
+            </a:fillRef>
+            <a:effectRef idx="3">
+              <a:schemeClr val="accent4"/>
+            </a:effectRef>
+            <a:fontRef idx="minor">
+              <a:schemeClr val="lt1"/>
+            </a:fontRef>
+          </p:style>
+          <p:txBody>
+            <a:bodyPr rtlCol="0" anchor="ctr"/>
+            <a:lstStyle/>
+            <a:p>
+              <a:pPr algn="ctr"/>
+              <a:endParaRPr lang="es-ES"/>
+            </a:p>
+          </p:txBody>
+        </p:sp>
+        <p:sp>
+          <p:nvSpPr>
+            <p:cNvPr id="71" name="70 Flecha curvada hacia la izquierda">
+              <a:hlinkClick r:id="" action="ppaction://hlinkshowjump?jump=firstslide"/>
+            </p:cNvPr>
+            <p:cNvSpPr/>
+            <p:nvPr/>
+          </p:nvSpPr>
+          <p:spPr>
+            <a:xfrm>
+              <a:off x="8081546" y="6221091"/>
+              <a:ext cx="143812" cy="239087"/>
+            </a:xfrm>
+            <a:prstGeom prst="curvedLeftArrow">
+              <a:avLst/>
+            </a:prstGeom>
+          </p:spPr>
+          <p:style>
+            <a:lnRef idx="0">
+              <a:schemeClr val="accent4"/>
+            </a:lnRef>
+            <a:fillRef idx="3">
+              <a:schemeClr val="accent4"/>
+            </a:fillRef>
+            <a:effectRef idx="3">
+              <a:schemeClr val="accent4"/>
+            </a:effectRef>
+            <a:fontRef idx="minor">
+              <a:schemeClr val="lt1"/>
+            </a:fontRef>
+          </p:style>
+          <p:txBody>
+            <a:bodyPr rtlCol="0" anchor="ctr"/>
+            <a:lstStyle/>
+            <a:p>
+              <a:pPr algn="ctr"/>
+              <a:endParaRPr lang="es-ES">
+                <a:solidFill>
+                  <a:schemeClr val="tx1"/>
+                </a:solidFill>
+              </a:endParaRPr>
+            </a:p>
+          </p:txBody>
+        </p:sp>
+      </p:grpSp>
+      <p:pic>
+        <p:nvPicPr>
+          <p:cNvPr id="43" name="Picture 2" descr="C:\Users\Ernest\Pictures\dziki_dzik.png"/>
+          <p:cNvPicPr>
+            <a:picLocks noChangeAspect="1" noChangeArrowheads="1"/>
+          </p:cNvPicPr>
+          <p:nvPr/>
+        </p:nvPicPr>
+        <p:blipFill>
+          <a:blip r:embed="rId2" cstate="print"/>
+          <a:srcRect/>
+          <a:stretch>
+            <a:fillRect/>
+          </a:stretch>
+        </p:blipFill>
+        <p:spPr bwMode="auto">
+          <a:xfrm>
+            <a:off x="179512" y="5877272"/>
+            <a:ext cx="1800200" cy="860673"/>
+          </a:xfrm>
+          <a:prstGeom prst="rect">
+            <a:avLst/>
+          </a:prstGeom>
+          <a:ln>
+            <a:noFill/>
+          </a:ln>
+          <a:effectLst>
+            <a:outerShdw blurRad="190500" algn="tl" rotWithShape="0">
+              <a:srgbClr val="000000">
+                <a:alpha val="70000"/>
+              </a:srgbClr>
+            </a:outerShdw>
+          </a:effectLst>
+        </p:spPr>
+      </p:pic>
+    </p:spTree>
+    <p:extLst>
+      <p:ext uri="{BB962C8B-B14F-4D97-AF65-F5344CB8AC3E}">
+        <p14:creationId xmlns:p14="http://schemas.microsoft.com/office/powerpoint/2010/main" xmlns="" val="2115499910"/>
       </p:ext>
     </p:extLst>
   </p:cSld>
@@ -8889,1510 +9992,6 @@
     <p:extLst>
       <p:ext uri="{BB962C8B-B14F-4D97-AF65-F5344CB8AC3E}">
         <p14:creationId xmlns:p14="http://schemas.microsoft.com/office/powerpoint/2010/main" xmlns="" val="1335941665"/>
-      </p:ext>
-    </p:extLst>
-  </p:cSld>
-  <p:clrMapOvr>
-    <a:masterClrMapping/>
-  </p:clrMapOvr>
-  <mc:AlternateContent xmlns:mc="http://schemas.openxmlformats.org/markup-compatibility/2006">
-    <mc:Choice xmlns:p14="http://schemas.microsoft.com/office/powerpoint/2010/main" xmlns="" Requires="p14">
-      <p:transition spd="med" p14:dur="699">
-        <p:fade/>
-      </p:transition>
-    </mc:Choice>
-    <mc:Fallback>
-      <p:transition spd="med">
-        <p:fade/>
-      </p:transition>
-    </mc:Fallback>
-  </mc:AlternateContent>
-  <p:timing>
-    <p:tnLst>
-      <p:par>
-        <p:cTn id="1" dur="indefinite" restart="never" nodeType="tmRoot"/>
-      </p:par>
-    </p:tnLst>
-  </p:timing>
-</p:sld>
-</file>
-
-<file path=ppt/slides/slide20.xml><?xml version="1.0" encoding="utf-8"?>
-<p:sld xmlns:a="http://schemas.openxmlformats.org/drawingml/2006/main" xmlns:r="http://schemas.openxmlformats.org/officeDocument/2006/relationships" xmlns:p="http://schemas.openxmlformats.org/presentationml/2006/main">
-  <p:cSld>
-    <p:spTree>
-      <p:nvGrpSpPr>
-        <p:cNvPr id="1" name=""/>
-        <p:cNvGrpSpPr/>
-        <p:nvPr/>
-      </p:nvGrpSpPr>
-      <p:grpSpPr>
-        <a:xfrm>
-          <a:off x="0" y="0"/>
-          <a:ext cx="0" cy="0"/>
-          <a:chOff x="0" y="0"/>
-          <a:chExt cx="0" cy="0"/>
-        </a:xfrm>
-      </p:grpSpPr>
-      <p:sp>
-        <p:nvSpPr>
-          <p:cNvPr id="4" name="3 Recortar rectángulo de esquina del mismo lado"/>
-          <p:cNvSpPr/>
-          <p:nvPr/>
-        </p:nvSpPr>
-        <p:spPr>
-          <a:xfrm>
-            <a:off x="8316416" y="-38912"/>
-            <a:ext cx="432048" cy="432048"/>
-          </a:xfrm>
-          <a:prstGeom prst="snip2SameRect">
-            <a:avLst/>
-          </a:prstGeom>
-          <a:effectLst>
-            <a:outerShdw blurRad="40000" dist="23000" dir="5400000" sx="1000" sy="1000" rotWithShape="0">
-              <a:srgbClr val="000000">
-                <a:alpha val="0"/>
-              </a:srgbClr>
-            </a:outerShdw>
-          </a:effectLst>
-        </p:spPr>
-        <p:style>
-          <a:lnRef idx="1">
-            <a:schemeClr val="accent4"/>
-          </a:lnRef>
-          <a:fillRef idx="3">
-            <a:schemeClr val="accent4"/>
-          </a:fillRef>
-          <a:effectRef idx="2">
-            <a:schemeClr val="accent4"/>
-          </a:effectRef>
-          <a:fontRef idx="minor">
-            <a:schemeClr val="lt1"/>
-          </a:fontRef>
-        </p:style>
-        <p:txBody>
-          <a:bodyPr rtlCol="0" anchor="ctr"/>
-          <a:lstStyle/>
-          <a:p>
-            <a:pPr algn="ctr"/>
-            <a:r>
-              <a:rPr lang="es-HN" b="1" smtClean="0"/>
-              <a:t>4</a:t>
-            </a:r>
-            <a:endParaRPr lang="es-ES" b="1" dirty="0"/>
-          </a:p>
-        </p:txBody>
-      </p:sp>
-      <p:sp>
-        <p:nvSpPr>
-          <p:cNvPr id="6" name="1 Título"/>
-          <p:cNvSpPr txBox="1">
-            <a:spLocks/>
-          </p:cNvSpPr>
-          <p:nvPr/>
-        </p:nvSpPr>
-        <p:spPr>
-          <a:xfrm>
-            <a:off x="3095179" y="573826"/>
-            <a:ext cx="5653285" cy="858753"/>
-          </a:xfrm>
-          <a:prstGeom prst="rect">
-            <a:avLst/>
-          </a:prstGeom>
-        </p:spPr>
-        <p:txBody>
-          <a:bodyPr vert="horz" lIns="91440" tIns="45720" rIns="91440" bIns="45720" rtlCol="0" anchor="ctr">
-            <a:noAutofit/>
-          </a:bodyPr>
-          <a:lstStyle>
-            <a:lvl1pPr algn="ctr" defTabSz="914400" rtl="0" eaLnBrk="1" latinLnBrk="0" hangingPunct="1">
-              <a:spcBef>
-                <a:spcPct val="0"/>
-              </a:spcBef>
-              <a:buNone/>
-              <a:defRPr sz="4400" kern="1200">
-                <a:solidFill>
-                  <a:schemeClr val="tx1"/>
-                </a:solidFill>
-                <a:latin typeface="+mj-lt"/>
-                <a:ea typeface="+mj-ea"/>
-                <a:cs typeface="+mj-cs"/>
-              </a:defRPr>
-            </a:lvl1pPr>
-          </a:lstStyle>
-          <a:p>
-            <a:pPr algn="r"/>
-            <a:r>
-              <a:rPr lang="pl-PL" sz="7000" dirty="0" smtClean="0">
-                <a:solidFill>
-                  <a:schemeClr val="accent4">
-                    <a:lumMod val="75000"/>
-                  </a:schemeClr>
-                </a:solidFill>
-              </a:rPr>
-              <a:t>źródła</a:t>
-            </a:r>
-            <a:endParaRPr lang="es-ES" sz="7000" b="1" dirty="0">
-              <a:solidFill>
-                <a:schemeClr val="accent4">
-                  <a:lumMod val="75000"/>
-                </a:schemeClr>
-              </a:solidFill>
-            </a:endParaRPr>
-          </a:p>
-        </p:txBody>
-      </p:sp>
-      <p:sp>
-        <p:nvSpPr>
-          <p:cNvPr id="7" name="2 Marcador de contenido"/>
-          <p:cNvSpPr txBox="1">
-            <a:spLocks/>
-          </p:cNvSpPr>
-          <p:nvPr/>
-        </p:nvSpPr>
-        <p:spPr>
-          <a:xfrm>
-            <a:off x="323528" y="3216213"/>
-            <a:ext cx="2088232" cy="252028"/>
-          </a:xfrm>
-          <a:prstGeom prst="rect">
-            <a:avLst/>
-          </a:prstGeom>
-        </p:spPr>
-        <p:txBody>
-          <a:bodyPr vert="horz" lIns="91440" tIns="45720" rIns="91440" bIns="45720" rtlCol="0">
-            <a:normAutofit fontScale="92500" lnSpcReduction="20000"/>
-          </a:bodyPr>
-          <a:lstStyle>
-            <a:lvl1pPr marL="342900" indent="-342900" algn="l" defTabSz="914400" rtl="0" eaLnBrk="1" latinLnBrk="0" hangingPunct="1">
-              <a:spcBef>
-                <a:spcPct val="20000"/>
-              </a:spcBef>
-              <a:buFont typeface="Arial" pitchFamily="34" charset="0"/>
-              <a:buChar char="•"/>
-              <a:defRPr sz="3200" kern="1200">
-                <a:solidFill>
-                  <a:schemeClr val="tx1"/>
-                </a:solidFill>
-                <a:latin typeface="+mn-lt"/>
-                <a:ea typeface="+mn-ea"/>
-                <a:cs typeface="+mn-cs"/>
-              </a:defRPr>
-            </a:lvl1pPr>
-            <a:lvl2pPr marL="742950" indent="-285750" algn="l" defTabSz="914400" rtl="0" eaLnBrk="1" latinLnBrk="0" hangingPunct="1">
-              <a:spcBef>
-                <a:spcPct val="20000"/>
-              </a:spcBef>
-              <a:buFont typeface="Arial" pitchFamily="34" charset="0"/>
-              <a:buChar char="–"/>
-              <a:defRPr sz="2800" kern="1200">
-                <a:solidFill>
-                  <a:schemeClr val="tx1"/>
-                </a:solidFill>
-                <a:latin typeface="+mn-lt"/>
-                <a:ea typeface="+mn-ea"/>
-                <a:cs typeface="+mn-cs"/>
-              </a:defRPr>
-            </a:lvl2pPr>
-            <a:lvl3pPr marL="1143000" indent="-228600" algn="l" defTabSz="914400" rtl="0" eaLnBrk="1" latinLnBrk="0" hangingPunct="1">
-              <a:spcBef>
-                <a:spcPct val="20000"/>
-              </a:spcBef>
-              <a:buFont typeface="Arial" pitchFamily="34" charset="0"/>
-              <a:buChar char="•"/>
-              <a:defRPr sz="2400" kern="1200">
-                <a:solidFill>
-                  <a:schemeClr val="tx1"/>
-                </a:solidFill>
-                <a:latin typeface="+mn-lt"/>
-                <a:ea typeface="+mn-ea"/>
-                <a:cs typeface="+mn-cs"/>
-              </a:defRPr>
-            </a:lvl3pPr>
-            <a:lvl4pPr marL="1600200" indent="-228600" algn="l" defTabSz="914400" rtl="0" eaLnBrk="1" latinLnBrk="0" hangingPunct="1">
-              <a:spcBef>
-                <a:spcPct val="20000"/>
-              </a:spcBef>
-              <a:buFont typeface="Arial" pitchFamily="34" charset="0"/>
-              <a:buChar char="–"/>
-              <a:defRPr sz="2000" kern="1200">
-                <a:solidFill>
-                  <a:schemeClr val="tx1"/>
-                </a:solidFill>
-                <a:latin typeface="+mn-lt"/>
-                <a:ea typeface="+mn-ea"/>
-                <a:cs typeface="+mn-cs"/>
-              </a:defRPr>
-            </a:lvl4pPr>
-            <a:lvl5pPr marL="2057400" indent="-228600" algn="l" defTabSz="914400" rtl="0" eaLnBrk="1" latinLnBrk="0" hangingPunct="1">
-              <a:spcBef>
-                <a:spcPct val="20000"/>
-              </a:spcBef>
-              <a:buFont typeface="Arial" pitchFamily="34" charset="0"/>
-              <a:buChar char="»"/>
-              <a:defRPr sz="2000" kern="1200">
-                <a:solidFill>
-                  <a:schemeClr val="tx1"/>
-                </a:solidFill>
-                <a:latin typeface="+mn-lt"/>
-                <a:ea typeface="+mn-ea"/>
-                <a:cs typeface="+mn-cs"/>
-              </a:defRPr>
-            </a:lvl5pPr>
-            <a:lvl6pPr marL="2514600" indent="-228600" algn="l" defTabSz="914400" rtl="0" eaLnBrk="1" latinLnBrk="0" hangingPunct="1">
-              <a:spcBef>
-                <a:spcPct val="20000"/>
-              </a:spcBef>
-              <a:buFont typeface="Arial" pitchFamily="34" charset="0"/>
-              <a:buChar char="•"/>
-              <a:defRPr sz="2000" kern="1200">
-                <a:solidFill>
-                  <a:schemeClr val="tx1"/>
-                </a:solidFill>
-                <a:latin typeface="+mn-lt"/>
-                <a:ea typeface="+mn-ea"/>
-                <a:cs typeface="+mn-cs"/>
-              </a:defRPr>
-            </a:lvl6pPr>
-            <a:lvl7pPr marL="2971800" indent="-228600" algn="l" defTabSz="914400" rtl="0" eaLnBrk="1" latinLnBrk="0" hangingPunct="1">
-              <a:spcBef>
-                <a:spcPct val="20000"/>
-              </a:spcBef>
-              <a:buFont typeface="Arial" pitchFamily="34" charset="0"/>
-              <a:buChar char="•"/>
-              <a:defRPr sz="2000" kern="1200">
-                <a:solidFill>
-                  <a:schemeClr val="tx1"/>
-                </a:solidFill>
-                <a:latin typeface="+mn-lt"/>
-                <a:ea typeface="+mn-ea"/>
-                <a:cs typeface="+mn-cs"/>
-              </a:defRPr>
-            </a:lvl7pPr>
-            <a:lvl8pPr marL="3429000" indent="-228600" algn="l" defTabSz="914400" rtl="0" eaLnBrk="1" latinLnBrk="0" hangingPunct="1">
-              <a:spcBef>
-                <a:spcPct val="20000"/>
-              </a:spcBef>
-              <a:buFont typeface="Arial" pitchFamily="34" charset="0"/>
-              <a:buChar char="•"/>
-              <a:defRPr sz="2000" kern="1200">
-                <a:solidFill>
-                  <a:schemeClr val="tx1"/>
-                </a:solidFill>
-                <a:latin typeface="+mn-lt"/>
-                <a:ea typeface="+mn-ea"/>
-                <a:cs typeface="+mn-cs"/>
-              </a:defRPr>
-            </a:lvl8pPr>
-            <a:lvl9pPr marL="3886200" indent="-228600" algn="l" defTabSz="914400" rtl="0" eaLnBrk="1" latinLnBrk="0" hangingPunct="1">
-              <a:spcBef>
-                <a:spcPct val="20000"/>
-              </a:spcBef>
-              <a:buFont typeface="Arial" pitchFamily="34" charset="0"/>
-              <a:buChar char="•"/>
-              <a:defRPr sz="2000" kern="1200">
-                <a:solidFill>
-                  <a:schemeClr val="tx1"/>
-                </a:solidFill>
-                <a:latin typeface="+mn-lt"/>
-                <a:ea typeface="+mn-ea"/>
-                <a:cs typeface="+mn-cs"/>
-              </a:defRPr>
-            </a:lvl9pPr>
-          </a:lstStyle>
-          <a:p>
-            <a:pPr marL="0" indent="0" algn="just">
-              <a:lnSpc>
-                <a:spcPct val="120000"/>
-              </a:lnSpc>
-              <a:buFont typeface="Arial" pitchFamily="34" charset="0"/>
-              <a:buNone/>
-            </a:pPr>
-            <a:r>
-              <a:rPr lang="pl-PL" sz="1050" dirty="0" smtClean="0">
-                <a:solidFill>
-                  <a:srgbClr val="5F5F5F"/>
-                </a:solidFill>
-              </a:rPr>
-              <a:t>2001</a:t>
-            </a:r>
-            <a:endParaRPr lang="en-US" sz="1050" dirty="0" smtClean="0">
-              <a:solidFill>
-                <a:srgbClr val="5F5F5F"/>
-              </a:solidFill>
-            </a:endParaRPr>
-          </a:p>
-        </p:txBody>
-      </p:sp>
-      <p:sp>
-        <p:nvSpPr>
-          <p:cNvPr id="12" name="11 Rectángulo"/>
-          <p:cNvSpPr/>
-          <p:nvPr/>
-        </p:nvSpPr>
-        <p:spPr>
-          <a:xfrm>
-            <a:off x="395536" y="1499827"/>
-            <a:ext cx="1872208" cy="1479404"/>
-          </a:xfrm>
-          <a:prstGeom prst="rect">
-            <a:avLst/>
-          </a:prstGeom>
-          <a:solidFill>
-            <a:schemeClr val="bg1">
-              <a:lumMod val="95000"/>
-            </a:schemeClr>
-          </a:solidFill>
-        </p:spPr>
-        <p:style>
-          <a:lnRef idx="3">
-            <a:schemeClr val="lt1"/>
-          </a:lnRef>
-          <a:fillRef idx="1">
-            <a:schemeClr val="accent4"/>
-          </a:fillRef>
-          <a:effectRef idx="1">
-            <a:schemeClr val="accent4"/>
-          </a:effectRef>
-          <a:fontRef idx="minor">
-            <a:schemeClr val="lt1"/>
-          </a:fontRef>
-        </p:style>
-        <p:txBody>
-          <a:bodyPr rtlCol="0" anchor="ctr"/>
-          <a:lstStyle/>
-          <a:p>
-            <a:pPr algn="ctr"/>
-            <a:r>
-              <a:rPr lang="pl-PL" dirty="0" smtClean="0">
-                <a:solidFill>
-                  <a:schemeClr val="bg1">
-                    <a:lumMod val="65000"/>
-                  </a:schemeClr>
-                </a:solidFill>
-              </a:rPr>
-              <a:t>Java 2: The complete Reference</a:t>
-            </a:r>
-            <a:endParaRPr lang="es-ES" dirty="0">
-              <a:solidFill>
-                <a:schemeClr val="bg1">
-                  <a:lumMod val="65000"/>
-                </a:schemeClr>
-              </a:solidFill>
-            </a:endParaRPr>
-          </a:p>
-        </p:txBody>
-      </p:sp>
-      <p:sp>
-        <p:nvSpPr>
-          <p:cNvPr id="14" name="2 Marcador de contenido"/>
-          <p:cNvSpPr txBox="1">
-            <a:spLocks/>
-          </p:cNvSpPr>
-          <p:nvPr/>
-        </p:nvSpPr>
-        <p:spPr>
-          <a:xfrm>
-            <a:off x="323528" y="3008947"/>
-            <a:ext cx="2426704" cy="351281"/>
-          </a:xfrm>
-          <a:prstGeom prst="rect">
-            <a:avLst/>
-          </a:prstGeom>
-        </p:spPr>
-        <p:txBody>
-          <a:bodyPr vert="horz" lIns="91440" tIns="45720" rIns="91440" bIns="45720" rtlCol="0">
-            <a:normAutofit/>
-          </a:bodyPr>
-          <a:lstStyle>
-            <a:lvl1pPr marL="342900" indent="-342900" algn="l" defTabSz="914400" rtl="0" eaLnBrk="1" latinLnBrk="0" hangingPunct="1">
-              <a:spcBef>
-                <a:spcPct val="20000"/>
-              </a:spcBef>
-              <a:buFont typeface="Arial" pitchFamily="34" charset="0"/>
-              <a:buChar char="•"/>
-              <a:defRPr sz="3200" kern="1200">
-                <a:solidFill>
-                  <a:schemeClr val="tx1"/>
-                </a:solidFill>
-                <a:latin typeface="+mn-lt"/>
-                <a:ea typeface="+mn-ea"/>
-                <a:cs typeface="+mn-cs"/>
-              </a:defRPr>
-            </a:lvl1pPr>
-            <a:lvl2pPr marL="742950" indent="-285750" algn="l" defTabSz="914400" rtl="0" eaLnBrk="1" latinLnBrk="0" hangingPunct="1">
-              <a:spcBef>
-                <a:spcPct val="20000"/>
-              </a:spcBef>
-              <a:buFont typeface="Arial" pitchFamily="34" charset="0"/>
-              <a:buChar char="–"/>
-              <a:defRPr sz="2800" kern="1200">
-                <a:solidFill>
-                  <a:schemeClr val="tx1"/>
-                </a:solidFill>
-                <a:latin typeface="+mn-lt"/>
-                <a:ea typeface="+mn-ea"/>
-                <a:cs typeface="+mn-cs"/>
-              </a:defRPr>
-            </a:lvl2pPr>
-            <a:lvl3pPr marL="1143000" indent="-228600" algn="l" defTabSz="914400" rtl="0" eaLnBrk="1" latinLnBrk="0" hangingPunct="1">
-              <a:spcBef>
-                <a:spcPct val="20000"/>
-              </a:spcBef>
-              <a:buFont typeface="Arial" pitchFamily="34" charset="0"/>
-              <a:buChar char="•"/>
-              <a:defRPr sz="2400" kern="1200">
-                <a:solidFill>
-                  <a:schemeClr val="tx1"/>
-                </a:solidFill>
-                <a:latin typeface="+mn-lt"/>
-                <a:ea typeface="+mn-ea"/>
-                <a:cs typeface="+mn-cs"/>
-              </a:defRPr>
-            </a:lvl3pPr>
-            <a:lvl4pPr marL="1600200" indent="-228600" algn="l" defTabSz="914400" rtl="0" eaLnBrk="1" latinLnBrk="0" hangingPunct="1">
-              <a:spcBef>
-                <a:spcPct val="20000"/>
-              </a:spcBef>
-              <a:buFont typeface="Arial" pitchFamily="34" charset="0"/>
-              <a:buChar char="–"/>
-              <a:defRPr sz="2000" kern="1200">
-                <a:solidFill>
-                  <a:schemeClr val="tx1"/>
-                </a:solidFill>
-                <a:latin typeface="+mn-lt"/>
-                <a:ea typeface="+mn-ea"/>
-                <a:cs typeface="+mn-cs"/>
-              </a:defRPr>
-            </a:lvl4pPr>
-            <a:lvl5pPr marL="2057400" indent="-228600" algn="l" defTabSz="914400" rtl="0" eaLnBrk="1" latinLnBrk="0" hangingPunct="1">
-              <a:spcBef>
-                <a:spcPct val="20000"/>
-              </a:spcBef>
-              <a:buFont typeface="Arial" pitchFamily="34" charset="0"/>
-              <a:buChar char="»"/>
-              <a:defRPr sz="2000" kern="1200">
-                <a:solidFill>
-                  <a:schemeClr val="tx1"/>
-                </a:solidFill>
-                <a:latin typeface="+mn-lt"/>
-                <a:ea typeface="+mn-ea"/>
-                <a:cs typeface="+mn-cs"/>
-              </a:defRPr>
-            </a:lvl5pPr>
-            <a:lvl6pPr marL="2514600" indent="-228600" algn="l" defTabSz="914400" rtl="0" eaLnBrk="1" latinLnBrk="0" hangingPunct="1">
-              <a:spcBef>
-                <a:spcPct val="20000"/>
-              </a:spcBef>
-              <a:buFont typeface="Arial" pitchFamily="34" charset="0"/>
-              <a:buChar char="•"/>
-              <a:defRPr sz="2000" kern="1200">
-                <a:solidFill>
-                  <a:schemeClr val="tx1"/>
-                </a:solidFill>
-                <a:latin typeface="+mn-lt"/>
-                <a:ea typeface="+mn-ea"/>
-                <a:cs typeface="+mn-cs"/>
-              </a:defRPr>
-            </a:lvl6pPr>
-            <a:lvl7pPr marL="2971800" indent="-228600" algn="l" defTabSz="914400" rtl="0" eaLnBrk="1" latinLnBrk="0" hangingPunct="1">
-              <a:spcBef>
-                <a:spcPct val="20000"/>
-              </a:spcBef>
-              <a:buFont typeface="Arial" pitchFamily="34" charset="0"/>
-              <a:buChar char="•"/>
-              <a:defRPr sz="2000" kern="1200">
-                <a:solidFill>
-                  <a:schemeClr val="tx1"/>
-                </a:solidFill>
-                <a:latin typeface="+mn-lt"/>
-                <a:ea typeface="+mn-ea"/>
-                <a:cs typeface="+mn-cs"/>
-              </a:defRPr>
-            </a:lvl7pPr>
-            <a:lvl8pPr marL="3429000" indent="-228600" algn="l" defTabSz="914400" rtl="0" eaLnBrk="1" latinLnBrk="0" hangingPunct="1">
-              <a:spcBef>
-                <a:spcPct val="20000"/>
-              </a:spcBef>
-              <a:buFont typeface="Arial" pitchFamily="34" charset="0"/>
-              <a:buChar char="•"/>
-              <a:defRPr sz="2000" kern="1200">
-                <a:solidFill>
-                  <a:schemeClr val="tx1"/>
-                </a:solidFill>
-                <a:latin typeface="+mn-lt"/>
-                <a:ea typeface="+mn-ea"/>
-                <a:cs typeface="+mn-cs"/>
-              </a:defRPr>
-            </a:lvl8pPr>
-            <a:lvl9pPr marL="3886200" indent="-228600" algn="l" defTabSz="914400" rtl="0" eaLnBrk="1" latinLnBrk="0" hangingPunct="1">
-              <a:spcBef>
-                <a:spcPct val="20000"/>
-              </a:spcBef>
-              <a:buFont typeface="Arial" pitchFamily="34" charset="0"/>
-              <a:buChar char="•"/>
-              <a:defRPr sz="2000" kern="1200">
-                <a:solidFill>
-                  <a:schemeClr val="tx1"/>
-                </a:solidFill>
-                <a:latin typeface="+mn-lt"/>
-                <a:ea typeface="+mn-ea"/>
-                <a:cs typeface="+mn-cs"/>
-              </a:defRPr>
-            </a:lvl9pPr>
-          </a:lstStyle>
-          <a:p>
-            <a:pPr marL="0" indent="0">
-              <a:lnSpc>
-                <a:spcPct val="120000"/>
-              </a:lnSpc>
-              <a:buFont typeface="Arial" pitchFamily="34" charset="0"/>
-              <a:buNone/>
-            </a:pPr>
-            <a:r>
-              <a:rPr lang="pl-PL" sz="1400" b="1" dirty="0" smtClean="0">
-                <a:solidFill>
-                  <a:srgbClr val="5F5F5F"/>
-                </a:solidFill>
-              </a:rPr>
-              <a:t>Schildt, Herbert, TMH</a:t>
-            </a:r>
-            <a:endParaRPr lang="es-ES" sz="1400" b="1" dirty="0">
-              <a:solidFill>
-                <a:srgbClr val="5F5F5F"/>
-              </a:solidFill>
-            </a:endParaRPr>
-          </a:p>
-        </p:txBody>
-      </p:sp>
-      <p:sp>
-        <p:nvSpPr>
-          <p:cNvPr id="24" name="23 Rectángulo"/>
-          <p:cNvSpPr/>
-          <p:nvPr/>
-        </p:nvSpPr>
-        <p:spPr>
-          <a:xfrm>
-            <a:off x="2555776" y="1499827"/>
-            <a:ext cx="1872208" cy="1479404"/>
-          </a:xfrm>
-          <a:prstGeom prst="rect">
-            <a:avLst/>
-          </a:prstGeom>
-          <a:solidFill>
-            <a:schemeClr val="bg1">
-              <a:lumMod val="95000"/>
-            </a:schemeClr>
-          </a:solidFill>
-        </p:spPr>
-        <p:style>
-          <a:lnRef idx="3">
-            <a:schemeClr val="lt1"/>
-          </a:lnRef>
-          <a:fillRef idx="1">
-            <a:schemeClr val="accent4"/>
-          </a:fillRef>
-          <a:effectRef idx="1">
-            <a:schemeClr val="accent4"/>
-          </a:effectRef>
-          <a:fontRef idx="minor">
-            <a:schemeClr val="lt1"/>
-          </a:fontRef>
-        </p:style>
-        <p:txBody>
-          <a:bodyPr rtlCol="0" anchor="ctr"/>
-          <a:lstStyle/>
-          <a:p>
-            <a:pPr algn="ctr"/>
-            <a:r>
-              <a:rPr lang="pl-PL" dirty="0" smtClean="0">
-                <a:solidFill>
-                  <a:schemeClr val="bg1">
-                    <a:lumMod val="65000"/>
-                  </a:schemeClr>
-                </a:solidFill>
-              </a:rPr>
-              <a:t>Java SUN website</a:t>
-            </a:r>
-            <a:endParaRPr lang="es-ES" dirty="0">
-              <a:solidFill>
-                <a:schemeClr val="bg1">
-                  <a:lumMod val="65000"/>
-                </a:schemeClr>
-              </a:solidFill>
-            </a:endParaRPr>
-          </a:p>
-        </p:txBody>
-      </p:sp>
-      <p:sp>
-        <p:nvSpPr>
-          <p:cNvPr id="33" name="32 Rectángulo"/>
-          <p:cNvSpPr/>
-          <p:nvPr/>
-        </p:nvSpPr>
-        <p:spPr>
-          <a:xfrm>
-            <a:off x="395536" y="3624063"/>
-            <a:ext cx="1872208" cy="1479404"/>
-          </a:xfrm>
-          <a:prstGeom prst="rect">
-            <a:avLst/>
-          </a:prstGeom>
-          <a:solidFill>
-            <a:schemeClr val="bg1">
-              <a:lumMod val="95000"/>
-            </a:schemeClr>
-          </a:solidFill>
-        </p:spPr>
-        <p:style>
-          <a:lnRef idx="3">
-            <a:schemeClr val="lt1"/>
-          </a:lnRef>
-          <a:fillRef idx="1">
-            <a:schemeClr val="accent4"/>
-          </a:fillRef>
-          <a:effectRef idx="1">
-            <a:schemeClr val="accent4"/>
-          </a:effectRef>
-          <a:fontRef idx="minor">
-            <a:schemeClr val="lt1"/>
-          </a:fontRef>
-        </p:style>
-        <p:txBody>
-          <a:bodyPr rtlCol="0" anchor="ctr"/>
-          <a:lstStyle/>
-          <a:p>
-            <a:pPr algn="ctr"/>
-            <a:endParaRPr lang="es-ES" dirty="0">
-              <a:solidFill>
-                <a:schemeClr val="bg1">
-                  <a:lumMod val="65000"/>
-                </a:schemeClr>
-              </a:solidFill>
-            </a:endParaRPr>
-          </a:p>
-        </p:txBody>
-      </p:sp>
-      <p:sp>
-        <p:nvSpPr>
-          <p:cNvPr id="36" name="35 Rectángulo"/>
-          <p:cNvSpPr/>
-          <p:nvPr/>
-        </p:nvSpPr>
-        <p:spPr>
-          <a:xfrm>
-            <a:off x="2555776" y="3624063"/>
-            <a:ext cx="1872208" cy="1479404"/>
-          </a:xfrm>
-          <a:prstGeom prst="rect">
-            <a:avLst/>
-          </a:prstGeom>
-          <a:solidFill>
-            <a:schemeClr val="bg1">
-              <a:lumMod val="95000"/>
-            </a:schemeClr>
-          </a:solidFill>
-        </p:spPr>
-        <p:style>
-          <a:lnRef idx="3">
-            <a:schemeClr val="lt1"/>
-          </a:lnRef>
-          <a:fillRef idx="1">
-            <a:schemeClr val="accent4"/>
-          </a:fillRef>
-          <a:effectRef idx="1">
-            <a:schemeClr val="accent4"/>
-          </a:effectRef>
-          <a:fontRef idx="minor">
-            <a:schemeClr val="lt1"/>
-          </a:fontRef>
-        </p:style>
-        <p:txBody>
-          <a:bodyPr rtlCol="0" anchor="ctr"/>
-          <a:lstStyle/>
-          <a:p>
-            <a:pPr algn="ctr"/>
-            <a:endParaRPr lang="es-ES" dirty="0">
-              <a:solidFill>
-                <a:schemeClr val="bg1">
-                  <a:lumMod val="65000"/>
-                </a:schemeClr>
-              </a:solidFill>
-            </a:endParaRPr>
-          </a:p>
-        </p:txBody>
-      </p:sp>
-      <p:sp>
-        <p:nvSpPr>
-          <p:cNvPr id="39" name="38 Rectángulo"/>
-          <p:cNvSpPr/>
-          <p:nvPr/>
-        </p:nvSpPr>
-        <p:spPr>
-          <a:xfrm>
-            <a:off x="4716016" y="3624063"/>
-            <a:ext cx="1872208" cy="1479404"/>
-          </a:xfrm>
-          <a:prstGeom prst="rect">
-            <a:avLst/>
-          </a:prstGeom>
-          <a:solidFill>
-            <a:schemeClr val="bg1">
-              <a:lumMod val="95000"/>
-            </a:schemeClr>
-          </a:solidFill>
-        </p:spPr>
-        <p:style>
-          <a:lnRef idx="3">
-            <a:schemeClr val="lt1"/>
-          </a:lnRef>
-          <a:fillRef idx="1">
-            <a:schemeClr val="accent4"/>
-          </a:fillRef>
-          <a:effectRef idx="1">
-            <a:schemeClr val="accent4"/>
-          </a:effectRef>
-          <a:fontRef idx="minor">
-            <a:schemeClr val="lt1"/>
-          </a:fontRef>
-        </p:style>
-        <p:txBody>
-          <a:bodyPr rtlCol="0" anchor="ctr"/>
-          <a:lstStyle/>
-          <a:p>
-            <a:pPr algn="ctr"/>
-            <a:endParaRPr lang="es-ES" dirty="0">
-              <a:solidFill>
-                <a:schemeClr val="bg1">
-                  <a:lumMod val="65000"/>
-                </a:schemeClr>
-              </a:solidFill>
-            </a:endParaRPr>
-          </a:p>
-        </p:txBody>
-      </p:sp>
-      <p:sp>
-        <p:nvSpPr>
-          <p:cNvPr id="42" name="41 Rectángulo"/>
-          <p:cNvSpPr/>
-          <p:nvPr/>
-        </p:nvSpPr>
-        <p:spPr>
-          <a:xfrm>
-            <a:off x="6836356" y="3624063"/>
-            <a:ext cx="1872208" cy="1479404"/>
-          </a:xfrm>
-          <a:prstGeom prst="rect">
-            <a:avLst/>
-          </a:prstGeom>
-          <a:solidFill>
-            <a:schemeClr val="bg1">
-              <a:lumMod val="95000"/>
-            </a:schemeClr>
-          </a:solidFill>
-        </p:spPr>
-        <p:style>
-          <a:lnRef idx="3">
-            <a:schemeClr val="lt1"/>
-          </a:lnRef>
-          <a:fillRef idx="1">
-            <a:schemeClr val="accent4"/>
-          </a:fillRef>
-          <a:effectRef idx="1">
-            <a:schemeClr val="accent4"/>
-          </a:effectRef>
-          <a:fontRef idx="minor">
-            <a:schemeClr val="lt1"/>
-          </a:fontRef>
-        </p:style>
-        <p:txBody>
-          <a:bodyPr rtlCol="0" anchor="ctr"/>
-          <a:lstStyle/>
-          <a:p>
-            <a:pPr algn="ctr"/>
-            <a:endParaRPr lang="es-ES" dirty="0">
-              <a:solidFill>
-                <a:schemeClr val="bg1">
-                  <a:lumMod val="65000"/>
-                </a:schemeClr>
-              </a:solidFill>
-            </a:endParaRPr>
-          </a:p>
-        </p:txBody>
-      </p:sp>
-      <p:sp>
-        <p:nvSpPr>
-          <p:cNvPr id="45" name="2 Marcador de contenido"/>
-          <p:cNvSpPr txBox="1">
-            <a:spLocks/>
-          </p:cNvSpPr>
-          <p:nvPr/>
-        </p:nvSpPr>
-        <p:spPr>
-          <a:xfrm>
-            <a:off x="2501702" y="3008947"/>
-            <a:ext cx="2426704" cy="351281"/>
-          </a:xfrm>
-          <a:prstGeom prst="rect">
-            <a:avLst/>
-          </a:prstGeom>
-        </p:spPr>
-        <p:txBody>
-          <a:bodyPr vert="horz" lIns="91440" tIns="45720" rIns="91440" bIns="45720" rtlCol="0">
-            <a:normAutofit/>
-          </a:bodyPr>
-          <a:lstStyle>
-            <a:lvl1pPr marL="342900" indent="-342900" algn="l" defTabSz="914400" rtl="0" eaLnBrk="1" latinLnBrk="0" hangingPunct="1">
-              <a:spcBef>
-                <a:spcPct val="20000"/>
-              </a:spcBef>
-              <a:buFont typeface="Arial" pitchFamily="34" charset="0"/>
-              <a:buChar char="•"/>
-              <a:defRPr sz="3200" kern="1200">
-                <a:solidFill>
-                  <a:schemeClr val="tx1"/>
-                </a:solidFill>
-                <a:latin typeface="+mn-lt"/>
-                <a:ea typeface="+mn-ea"/>
-                <a:cs typeface="+mn-cs"/>
-              </a:defRPr>
-            </a:lvl1pPr>
-            <a:lvl2pPr marL="742950" indent="-285750" algn="l" defTabSz="914400" rtl="0" eaLnBrk="1" latinLnBrk="0" hangingPunct="1">
-              <a:spcBef>
-                <a:spcPct val="20000"/>
-              </a:spcBef>
-              <a:buFont typeface="Arial" pitchFamily="34" charset="0"/>
-              <a:buChar char="–"/>
-              <a:defRPr sz="2800" kern="1200">
-                <a:solidFill>
-                  <a:schemeClr val="tx1"/>
-                </a:solidFill>
-                <a:latin typeface="+mn-lt"/>
-                <a:ea typeface="+mn-ea"/>
-                <a:cs typeface="+mn-cs"/>
-              </a:defRPr>
-            </a:lvl2pPr>
-            <a:lvl3pPr marL="1143000" indent="-228600" algn="l" defTabSz="914400" rtl="0" eaLnBrk="1" latinLnBrk="0" hangingPunct="1">
-              <a:spcBef>
-                <a:spcPct val="20000"/>
-              </a:spcBef>
-              <a:buFont typeface="Arial" pitchFamily="34" charset="0"/>
-              <a:buChar char="•"/>
-              <a:defRPr sz="2400" kern="1200">
-                <a:solidFill>
-                  <a:schemeClr val="tx1"/>
-                </a:solidFill>
-                <a:latin typeface="+mn-lt"/>
-                <a:ea typeface="+mn-ea"/>
-                <a:cs typeface="+mn-cs"/>
-              </a:defRPr>
-            </a:lvl3pPr>
-            <a:lvl4pPr marL="1600200" indent="-228600" algn="l" defTabSz="914400" rtl="0" eaLnBrk="1" latinLnBrk="0" hangingPunct="1">
-              <a:spcBef>
-                <a:spcPct val="20000"/>
-              </a:spcBef>
-              <a:buFont typeface="Arial" pitchFamily="34" charset="0"/>
-              <a:buChar char="–"/>
-              <a:defRPr sz="2000" kern="1200">
-                <a:solidFill>
-                  <a:schemeClr val="tx1"/>
-                </a:solidFill>
-                <a:latin typeface="+mn-lt"/>
-                <a:ea typeface="+mn-ea"/>
-                <a:cs typeface="+mn-cs"/>
-              </a:defRPr>
-            </a:lvl4pPr>
-            <a:lvl5pPr marL="2057400" indent="-228600" algn="l" defTabSz="914400" rtl="0" eaLnBrk="1" latinLnBrk="0" hangingPunct="1">
-              <a:spcBef>
-                <a:spcPct val="20000"/>
-              </a:spcBef>
-              <a:buFont typeface="Arial" pitchFamily="34" charset="0"/>
-              <a:buChar char="»"/>
-              <a:defRPr sz="2000" kern="1200">
-                <a:solidFill>
-                  <a:schemeClr val="tx1"/>
-                </a:solidFill>
-                <a:latin typeface="+mn-lt"/>
-                <a:ea typeface="+mn-ea"/>
-                <a:cs typeface="+mn-cs"/>
-              </a:defRPr>
-            </a:lvl5pPr>
-            <a:lvl6pPr marL="2514600" indent="-228600" algn="l" defTabSz="914400" rtl="0" eaLnBrk="1" latinLnBrk="0" hangingPunct="1">
-              <a:spcBef>
-                <a:spcPct val="20000"/>
-              </a:spcBef>
-              <a:buFont typeface="Arial" pitchFamily="34" charset="0"/>
-              <a:buChar char="•"/>
-              <a:defRPr sz="2000" kern="1200">
-                <a:solidFill>
-                  <a:schemeClr val="tx1"/>
-                </a:solidFill>
-                <a:latin typeface="+mn-lt"/>
-                <a:ea typeface="+mn-ea"/>
-                <a:cs typeface="+mn-cs"/>
-              </a:defRPr>
-            </a:lvl6pPr>
-            <a:lvl7pPr marL="2971800" indent="-228600" algn="l" defTabSz="914400" rtl="0" eaLnBrk="1" latinLnBrk="0" hangingPunct="1">
-              <a:spcBef>
-                <a:spcPct val="20000"/>
-              </a:spcBef>
-              <a:buFont typeface="Arial" pitchFamily="34" charset="0"/>
-              <a:buChar char="•"/>
-              <a:defRPr sz="2000" kern="1200">
-                <a:solidFill>
-                  <a:schemeClr val="tx1"/>
-                </a:solidFill>
-                <a:latin typeface="+mn-lt"/>
-                <a:ea typeface="+mn-ea"/>
-                <a:cs typeface="+mn-cs"/>
-              </a:defRPr>
-            </a:lvl7pPr>
-            <a:lvl8pPr marL="3429000" indent="-228600" algn="l" defTabSz="914400" rtl="0" eaLnBrk="1" latinLnBrk="0" hangingPunct="1">
-              <a:spcBef>
-                <a:spcPct val="20000"/>
-              </a:spcBef>
-              <a:buFont typeface="Arial" pitchFamily="34" charset="0"/>
-              <a:buChar char="•"/>
-              <a:defRPr sz="2000" kern="1200">
-                <a:solidFill>
-                  <a:schemeClr val="tx1"/>
-                </a:solidFill>
-                <a:latin typeface="+mn-lt"/>
-                <a:ea typeface="+mn-ea"/>
-                <a:cs typeface="+mn-cs"/>
-              </a:defRPr>
-            </a:lvl8pPr>
-            <a:lvl9pPr marL="3886200" indent="-228600" algn="l" defTabSz="914400" rtl="0" eaLnBrk="1" latinLnBrk="0" hangingPunct="1">
-              <a:spcBef>
-                <a:spcPct val="20000"/>
-              </a:spcBef>
-              <a:buFont typeface="Arial" pitchFamily="34" charset="0"/>
-              <a:buChar char="•"/>
-              <a:defRPr sz="2000" kern="1200">
-                <a:solidFill>
-                  <a:schemeClr val="tx1"/>
-                </a:solidFill>
-                <a:latin typeface="+mn-lt"/>
-                <a:ea typeface="+mn-ea"/>
-                <a:cs typeface="+mn-cs"/>
-              </a:defRPr>
-            </a:lvl9pPr>
-          </a:lstStyle>
-          <a:p>
-            <a:pPr marL="0" indent="0">
-              <a:lnSpc>
-                <a:spcPct val="120000"/>
-              </a:lnSpc>
-              <a:buFont typeface="Arial" pitchFamily="34" charset="0"/>
-              <a:buNone/>
-            </a:pPr>
-            <a:r>
-              <a:rPr lang="pl-PL" sz="1400" b="1" dirty="0" smtClean="0">
-                <a:solidFill>
-                  <a:srgbClr val="5F5F5F"/>
-                </a:solidFill>
-              </a:rPr>
-              <a:t>Java.sun.com</a:t>
-            </a:r>
-            <a:endParaRPr lang="es-ES" sz="1400" b="1" dirty="0">
-              <a:solidFill>
-                <a:srgbClr val="5F5F5F"/>
-              </a:solidFill>
-            </a:endParaRPr>
-          </a:p>
-        </p:txBody>
-      </p:sp>
-      <p:grpSp>
-        <p:nvGrpSpPr>
-          <p:cNvPr id="60" name="59 Grupo"/>
-          <p:cNvGrpSpPr/>
-          <p:nvPr/>
-        </p:nvGrpSpPr>
-        <p:grpSpPr>
-          <a:xfrm>
-            <a:off x="6876256" y="6146254"/>
-            <a:ext cx="414046" cy="360040"/>
-            <a:chOff x="7308304" y="6165304"/>
-            <a:chExt cx="414046" cy="360040"/>
-          </a:xfrm>
-        </p:grpSpPr>
-        <p:sp>
-          <p:nvSpPr>
-            <p:cNvPr id="61" name="60 Rectángulo redondeado"/>
-            <p:cNvSpPr/>
-            <p:nvPr/>
-          </p:nvSpPr>
-          <p:spPr>
-            <a:xfrm>
-              <a:off x="7308304" y="6165304"/>
-              <a:ext cx="414046" cy="360040"/>
-            </a:xfrm>
-            <a:prstGeom prst="roundRect">
-              <a:avLst/>
-            </a:prstGeom>
-            <a:gradFill>
-              <a:gsLst>
-                <a:gs pos="0">
-                  <a:schemeClr val="bg1">
-                    <a:lumMod val="75000"/>
-                  </a:schemeClr>
-                </a:gs>
-                <a:gs pos="80000">
-                  <a:schemeClr val="bg1">
-                    <a:lumMod val="95000"/>
-                  </a:schemeClr>
-                </a:gs>
-                <a:gs pos="100000">
-                  <a:schemeClr val="bg1">
-                    <a:lumMod val="95000"/>
-                  </a:schemeClr>
-                </a:gs>
-              </a:gsLst>
-            </a:gradFill>
-          </p:spPr>
-          <p:style>
-            <a:lnRef idx="0">
-              <a:schemeClr val="accent4"/>
-            </a:lnRef>
-            <a:fillRef idx="3">
-              <a:schemeClr val="accent4"/>
-            </a:fillRef>
-            <a:effectRef idx="3">
-              <a:schemeClr val="accent4"/>
-            </a:effectRef>
-            <a:fontRef idx="minor">
-              <a:schemeClr val="lt1"/>
-            </a:fontRef>
-          </p:style>
-          <p:txBody>
-            <a:bodyPr rtlCol="0" anchor="ctr"/>
-            <a:lstStyle/>
-            <a:p>
-              <a:pPr algn="ctr"/>
-              <a:endParaRPr lang="es-ES"/>
-            </a:p>
-          </p:txBody>
-        </p:sp>
-        <p:sp>
-          <p:nvSpPr>
-            <p:cNvPr id="62" name="61 Lágrima">
-              <a:hlinkClick r:id="" action="ppaction://hlinkshowjump?jump=previousslide"/>
-            </p:cNvPr>
-            <p:cNvSpPr/>
-            <p:nvPr/>
-          </p:nvSpPr>
-          <p:spPr>
-            <a:xfrm rot="13500000">
-              <a:off x="7443319" y="6279493"/>
-              <a:ext cx="144016" cy="144016"/>
-            </a:xfrm>
-            <a:prstGeom prst="teardrop">
-              <a:avLst/>
-            </a:prstGeom>
-          </p:spPr>
-          <p:style>
-            <a:lnRef idx="0">
-              <a:schemeClr val="accent4"/>
-            </a:lnRef>
-            <a:fillRef idx="3">
-              <a:schemeClr val="accent4"/>
-            </a:fillRef>
-            <a:effectRef idx="3">
-              <a:schemeClr val="accent4"/>
-            </a:effectRef>
-            <a:fontRef idx="minor">
-              <a:schemeClr val="lt1"/>
-            </a:fontRef>
-          </p:style>
-          <p:txBody>
-            <a:bodyPr rtlCol="0" anchor="ctr"/>
-            <a:lstStyle/>
-            <a:p>
-              <a:pPr algn="ctr"/>
-              <a:endParaRPr lang="es-ES"/>
-            </a:p>
-          </p:txBody>
-        </p:sp>
-      </p:grpSp>
-      <p:grpSp>
-        <p:nvGrpSpPr>
-          <p:cNvPr id="63" name="62 Grupo"/>
-          <p:cNvGrpSpPr/>
-          <p:nvPr/>
-        </p:nvGrpSpPr>
-        <p:grpSpPr>
-          <a:xfrm>
-            <a:off x="7422697" y="6146254"/>
-            <a:ext cx="414046" cy="360040"/>
-            <a:chOff x="7902370" y="6165304"/>
-            <a:chExt cx="414046" cy="360040"/>
-          </a:xfrm>
-        </p:grpSpPr>
-        <p:sp>
-          <p:nvSpPr>
-            <p:cNvPr id="64" name="63 Rectángulo redondeado"/>
-            <p:cNvSpPr/>
-            <p:nvPr/>
-          </p:nvSpPr>
-          <p:spPr>
-            <a:xfrm>
-              <a:off x="7902370" y="6165304"/>
-              <a:ext cx="414046" cy="360040"/>
-            </a:xfrm>
-            <a:prstGeom prst="roundRect">
-              <a:avLst/>
-            </a:prstGeom>
-            <a:gradFill>
-              <a:gsLst>
-                <a:gs pos="0">
-                  <a:schemeClr val="bg1">
-                    <a:lumMod val="75000"/>
-                  </a:schemeClr>
-                </a:gs>
-                <a:gs pos="80000">
-                  <a:schemeClr val="bg1">
-                    <a:lumMod val="95000"/>
-                  </a:schemeClr>
-                </a:gs>
-                <a:gs pos="100000">
-                  <a:schemeClr val="bg1">
-                    <a:lumMod val="95000"/>
-                  </a:schemeClr>
-                </a:gs>
-              </a:gsLst>
-            </a:gradFill>
-          </p:spPr>
-          <p:style>
-            <a:lnRef idx="0">
-              <a:schemeClr val="accent4"/>
-            </a:lnRef>
-            <a:fillRef idx="3">
-              <a:schemeClr val="accent4"/>
-            </a:fillRef>
-            <a:effectRef idx="3">
-              <a:schemeClr val="accent4"/>
-            </a:effectRef>
-            <a:fontRef idx="minor">
-              <a:schemeClr val="lt1"/>
-            </a:fontRef>
-          </p:style>
-          <p:txBody>
-            <a:bodyPr rtlCol="0" anchor="ctr"/>
-            <a:lstStyle/>
-            <a:p>
-              <a:pPr algn="ctr"/>
-              <a:endParaRPr lang="es-ES"/>
-            </a:p>
-          </p:txBody>
-        </p:sp>
-        <p:sp>
-          <p:nvSpPr>
-            <p:cNvPr id="65" name="64 Lágrima">
-              <a:hlinkClick r:id="" action="ppaction://hlinkshowjump?jump=nextslide"/>
-            </p:cNvPr>
-            <p:cNvSpPr/>
-            <p:nvPr/>
-          </p:nvSpPr>
-          <p:spPr>
-            <a:xfrm rot="2700000">
-              <a:off x="8037385" y="6279493"/>
-              <a:ext cx="144016" cy="144016"/>
-            </a:xfrm>
-            <a:prstGeom prst="teardrop">
-              <a:avLst/>
-            </a:prstGeom>
-          </p:spPr>
-          <p:style>
-            <a:lnRef idx="0">
-              <a:schemeClr val="accent4"/>
-            </a:lnRef>
-            <a:fillRef idx="3">
-              <a:schemeClr val="accent4"/>
-            </a:fillRef>
-            <a:effectRef idx="3">
-              <a:schemeClr val="accent4"/>
-            </a:effectRef>
-            <a:fontRef idx="minor">
-              <a:schemeClr val="lt1"/>
-            </a:fontRef>
-          </p:style>
-          <p:txBody>
-            <a:bodyPr rtlCol="0" anchor="ctr"/>
-            <a:lstStyle/>
-            <a:p>
-              <a:pPr algn="ctr"/>
-              <a:endParaRPr lang="es-ES"/>
-            </a:p>
-          </p:txBody>
-        </p:sp>
-      </p:grpSp>
-      <p:grpSp>
-        <p:nvGrpSpPr>
-          <p:cNvPr id="66" name="65 Grupo"/>
-          <p:cNvGrpSpPr/>
-          <p:nvPr/>
-        </p:nvGrpSpPr>
-        <p:grpSpPr>
-          <a:xfrm>
-            <a:off x="8490086" y="6146254"/>
-            <a:ext cx="414046" cy="360040"/>
-            <a:chOff x="8490086" y="6146254"/>
-            <a:chExt cx="414046" cy="360040"/>
-          </a:xfrm>
-        </p:grpSpPr>
-        <p:sp>
-          <p:nvSpPr>
-            <p:cNvPr id="67" name="66 Rectángulo redondeado"/>
-            <p:cNvSpPr/>
-            <p:nvPr/>
-          </p:nvSpPr>
-          <p:spPr>
-            <a:xfrm>
-              <a:off x="8490086" y="6146254"/>
-              <a:ext cx="414046" cy="360040"/>
-            </a:xfrm>
-            <a:prstGeom prst="roundRect">
-              <a:avLst/>
-            </a:prstGeom>
-            <a:gradFill>
-              <a:gsLst>
-                <a:gs pos="0">
-                  <a:schemeClr val="bg1">
-                    <a:lumMod val="75000"/>
-                  </a:schemeClr>
-                </a:gs>
-                <a:gs pos="80000">
-                  <a:schemeClr val="bg1">
-                    <a:lumMod val="95000"/>
-                  </a:schemeClr>
-                </a:gs>
-                <a:gs pos="100000">
-                  <a:schemeClr val="bg1">
-                    <a:lumMod val="95000"/>
-                  </a:schemeClr>
-                </a:gs>
-              </a:gsLst>
-            </a:gradFill>
-          </p:spPr>
-          <p:style>
-            <a:lnRef idx="0">
-              <a:schemeClr val="accent4"/>
-            </a:lnRef>
-            <a:fillRef idx="3">
-              <a:schemeClr val="accent4"/>
-            </a:fillRef>
-            <a:effectRef idx="3">
-              <a:schemeClr val="accent4"/>
-            </a:effectRef>
-            <a:fontRef idx="minor">
-              <a:schemeClr val="lt1"/>
-            </a:fontRef>
-          </p:style>
-          <p:txBody>
-            <a:bodyPr rtlCol="0" anchor="ctr"/>
-            <a:lstStyle/>
-            <a:p>
-              <a:pPr algn="ctr"/>
-              <a:endParaRPr lang="es-ES"/>
-            </a:p>
-          </p:txBody>
-        </p:sp>
-        <p:sp>
-          <p:nvSpPr>
-            <p:cNvPr id="68" name="67 Multiplicar">
-              <a:hlinkClick r:id="" action="ppaction://hlinkshowjump?jump=endshow"/>
-            </p:cNvPr>
-            <p:cNvSpPr/>
-            <p:nvPr/>
-          </p:nvSpPr>
-          <p:spPr>
-            <a:xfrm>
-              <a:off x="8604448" y="6230616"/>
-              <a:ext cx="203670" cy="203670"/>
-            </a:xfrm>
-            <a:prstGeom prst="mathMultiply">
-              <a:avLst/>
-            </a:prstGeom>
-          </p:spPr>
-          <p:style>
-            <a:lnRef idx="0">
-              <a:schemeClr val="accent4"/>
-            </a:lnRef>
-            <a:fillRef idx="3">
-              <a:schemeClr val="accent4"/>
-            </a:fillRef>
-            <a:effectRef idx="3">
-              <a:schemeClr val="accent4"/>
-            </a:effectRef>
-            <a:fontRef idx="minor">
-              <a:schemeClr val="lt1"/>
-            </a:fontRef>
-          </p:style>
-          <p:txBody>
-            <a:bodyPr rtlCol="0" anchor="ctr"/>
-            <a:lstStyle/>
-            <a:p>
-              <a:pPr algn="ctr"/>
-              <a:endParaRPr lang="es-ES"/>
-            </a:p>
-          </p:txBody>
-        </p:sp>
-      </p:grpSp>
-      <p:grpSp>
-        <p:nvGrpSpPr>
-          <p:cNvPr id="69" name="68 Grupo"/>
-          <p:cNvGrpSpPr/>
-          <p:nvPr/>
-        </p:nvGrpSpPr>
-        <p:grpSpPr>
-          <a:xfrm>
-            <a:off x="7956580" y="6146254"/>
-            <a:ext cx="414046" cy="360040"/>
-            <a:chOff x="7956580" y="6146254"/>
-            <a:chExt cx="414046" cy="360040"/>
-          </a:xfrm>
-        </p:grpSpPr>
-        <p:sp>
-          <p:nvSpPr>
-            <p:cNvPr id="70" name="69 Rectángulo redondeado"/>
-            <p:cNvSpPr/>
-            <p:nvPr/>
-          </p:nvSpPr>
-          <p:spPr>
-            <a:xfrm>
-              <a:off x="7956580" y="6146254"/>
-              <a:ext cx="414046" cy="360040"/>
-            </a:xfrm>
-            <a:prstGeom prst="roundRect">
-              <a:avLst/>
-            </a:prstGeom>
-            <a:gradFill>
-              <a:gsLst>
-                <a:gs pos="0">
-                  <a:schemeClr val="bg1">
-                    <a:lumMod val="75000"/>
-                  </a:schemeClr>
-                </a:gs>
-                <a:gs pos="80000">
-                  <a:schemeClr val="bg1">
-                    <a:lumMod val="95000"/>
-                  </a:schemeClr>
-                </a:gs>
-                <a:gs pos="100000">
-                  <a:schemeClr val="bg1">
-                    <a:lumMod val="95000"/>
-                  </a:schemeClr>
-                </a:gs>
-              </a:gsLst>
-            </a:gradFill>
-          </p:spPr>
-          <p:style>
-            <a:lnRef idx="0">
-              <a:schemeClr val="accent4"/>
-            </a:lnRef>
-            <a:fillRef idx="3">
-              <a:schemeClr val="accent4"/>
-            </a:fillRef>
-            <a:effectRef idx="3">
-              <a:schemeClr val="accent4"/>
-            </a:effectRef>
-            <a:fontRef idx="minor">
-              <a:schemeClr val="lt1"/>
-            </a:fontRef>
-          </p:style>
-          <p:txBody>
-            <a:bodyPr rtlCol="0" anchor="ctr"/>
-            <a:lstStyle/>
-            <a:p>
-              <a:pPr algn="ctr"/>
-              <a:endParaRPr lang="es-ES"/>
-            </a:p>
-          </p:txBody>
-        </p:sp>
-        <p:sp>
-          <p:nvSpPr>
-            <p:cNvPr id="71" name="70 Flecha curvada hacia la izquierda">
-              <a:hlinkClick r:id="" action="ppaction://hlinkshowjump?jump=firstslide"/>
-            </p:cNvPr>
-            <p:cNvSpPr/>
-            <p:nvPr/>
-          </p:nvSpPr>
-          <p:spPr>
-            <a:xfrm>
-              <a:off x="8081546" y="6221091"/>
-              <a:ext cx="143812" cy="239087"/>
-            </a:xfrm>
-            <a:prstGeom prst="curvedLeftArrow">
-              <a:avLst/>
-            </a:prstGeom>
-          </p:spPr>
-          <p:style>
-            <a:lnRef idx="0">
-              <a:schemeClr val="accent4"/>
-            </a:lnRef>
-            <a:fillRef idx="3">
-              <a:schemeClr val="accent4"/>
-            </a:fillRef>
-            <a:effectRef idx="3">
-              <a:schemeClr val="accent4"/>
-            </a:effectRef>
-            <a:fontRef idx="minor">
-              <a:schemeClr val="lt1"/>
-            </a:fontRef>
-          </p:style>
-          <p:txBody>
-            <a:bodyPr rtlCol="0" anchor="ctr"/>
-            <a:lstStyle/>
-            <a:p>
-              <a:pPr algn="ctr"/>
-              <a:endParaRPr lang="es-ES">
-                <a:solidFill>
-                  <a:schemeClr val="tx1"/>
-                </a:solidFill>
-              </a:endParaRPr>
-            </a:p>
-          </p:txBody>
-        </p:sp>
-      </p:grpSp>
-      <p:pic>
-        <p:nvPicPr>
-          <p:cNvPr id="43" name="Picture 2" descr="C:\Users\Ernest\Pictures\dziki_dzik.png"/>
-          <p:cNvPicPr>
-            <a:picLocks noChangeAspect="1" noChangeArrowheads="1"/>
-          </p:cNvPicPr>
-          <p:nvPr/>
-        </p:nvPicPr>
-        <p:blipFill>
-          <a:blip r:embed="rId2" cstate="print"/>
-          <a:srcRect/>
-          <a:stretch>
-            <a:fillRect/>
-          </a:stretch>
-        </p:blipFill>
-        <p:spPr bwMode="auto">
-          <a:xfrm>
-            <a:off x="179512" y="5877272"/>
-            <a:ext cx="1800200" cy="860673"/>
-          </a:xfrm>
-          <a:prstGeom prst="rect">
-            <a:avLst/>
-          </a:prstGeom>
-          <a:ln>
-            <a:noFill/>
-          </a:ln>
-          <a:effectLst>
-            <a:outerShdw blurRad="190500" algn="tl" rotWithShape="0">
-              <a:srgbClr val="000000">
-                <a:alpha val="70000"/>
-              </a:srgbClr>
-            </a:outerShdw>
-          </a:effectLst>
-        </p:spPr>
-      </p:pic>
-    </p:spTree>
-    <p:extLst>
-      <p:ext uri="{BB962C8B-B14F-4D97-AF65-F5344CB8AC3E}">
-        <p14:creationId xmlns:p14="http://schemas.microsoft.com/office/powerpoint/2010/main" xmlns="" val="2115499910"/>
       </p:ext>
     </p:extLst>
   </p:cSld>

--- a/prezka.pptx
+++ b/prezka.pptx
@@ -21,9 +21,10 @@
     <p:sldId id="279" r:id="rId15"/>
     <p:sldId id="280" r:id="rId16"/>
     <p:sldId id="259" r:id="rId17"/>
-    <p:sldId id="266" r:id="rId18"/>
-    <p:sldId id="264" r:id="rId19"/>
-    <p:sldId id="262" r:id="rId20"/>
+    <p:sldId id="281" r:id="rId18"/>
+    <p:sldId id="266" r:id="rId19"/>
+    <p:sldId id="264" r:id="rId20"/>
+    <p:sldId id="262" r:id="rId21"/>
   </p:sldIdLst>
   <p:sldSz cx="9144000" cy="6858000" type="screen4x3"/>
   <p:notesSz cx="6858000" cy="9144000"/>
@@ -5258,7 +5259,7 @@
               </a:rPr>
             </a:br>
             <a:r>
-              <a:rPr lang="pl-PL" sz="1600" b="1" smtClean="0">
+              <a:rPr lang="pl-PL" sz="1600" b="1" dirty="0" smtClean="0">
                 <a:solidFill>
                   <a:schemeClr val="accent4">
                     <a:lumMod val="75000"/>
@@ -5989,6 +5990,102 @@
       </p:grpSpPr>
       <p:sp>
         <p:nvSpPr>
+          <p:cNvPr id="2" name="Title 1"/>
+          <p:cNvSpPr>
+            <a:spLocks noGrp="1"/>
+          </p:cNvSpPr>
+          <p:nvPr>
+            <p:ph type="title"/>
+          </p:nvPr>
+        </p:nvSpPr>
+        <p:spPr/>
+        <p:txBody>
+          <a:bodyPr/>
+          <a:lstStyle/>
+          <a:p>
+            <a:endParaRPr lang="en-US"/>
+          </a:p>
+        </p:txBody>
+      </p:sp>
+      <p:sp>
+        <p:nvSpPr>
+          <p:cNvPr id="3" name="Content Placeholder 2"/>
+          <p:cNvSpPr>
+            <a:spLocks noGrp="1"/>
+          </p:cNvSpPr>
+          <p:nvPr>
+            <p:ph idx="1"/>
+          </p:nvPr>
+        </p:nvSpPr>
+        <p:spPr/>
+        <p:txBody>
+          <a:bodyPr/>
+          <a:lstStyle/>
+          <a:p>
+            <a:endParaRPr lang="en-US"/>
+          </a:p>
+        </p:txBody>
+      </p:sp>
+      <p:pic>
+        <p:nvPicPr>
+          <p:cNvPr id="1026" name="Picture 2" descr="5196_ece9"/>
+          <p:cNvPicPr>
+            <a:picLocks noChangeAspect="1" noChangeArrowheads="1"/>
+          </p:cNvPicPr>
+          <p:nvPr/>
+        </p:nvPicPr>
+        <p:blipFill>
+          <a:blip r:embed="rId2" cstate="print"/>
+          <a:srcRect/>
+          <a:stretch>
+            <a:fillRect/>
+          </a:stretch>
+        </p:blipFill>
+        <p:spPr bwMode="auto">
+          <a:xfrm>
+            <a:off x="-177424" y="0"/>
+            <a:ext cx="9321424" cy="5760640"/>
+          </a:xfrm>
+          <a:prstGeom prst="rect">
+            <a:avLst/>
+          </a:prstGeom>
+          <a:noFill/>
+        </p:spPr>
+      </p:pic>
+    </p:spTree>
+  </p:cSld>
+  <p:clrMapOvr>
+    <a:masterClrMapping/>
+  </p:clrMapOvr>
+  <p:timing>
+    <p:tnLst>
+      <p:par>
+        <p:cTn id="1" dur="indefinite" restart="never" nodeType="tmRoot"/>
+      </p:par>
+    </p:tnLst>
+  </p:timing>
+</p:sld>
+</file>
+
+<file path=ppt/slides/slide18.xml><?xml version="1.0" encoding="utf-8"?>
+<p:sld xmlns:a="http://schemas.openxmlformats.org/drawingml/2006/main" xmlns:r="http://schemas.openxmlformats.org/officeDocument/2006/relationships" xmlns:p="http://schemas.openxmlformats.org/presentationml/2006/main">
+  <p:cSld>
+    <p:spTree>
+      <p:nvGrpSpPr>
+        <p:cNvPr id="1" name=""/>
+        <p:cNvGrpSpPr/>
+        <p:nvPr/>
+      </p:nvGrpSpPr>
+      <p:grpSpPr>
+        <a:xfrm>
+          <a:off x="0" y="0"/>
+          <a:ext cx="0" cy="0"/>
+          <a:chOff x="0" y="0"/>
+          <a:chExt cx="0" cy="0"/>
+        </a:xfrm>
+      </p:grpSpPr>
+      <p:sp>
+        <p:nvSpPr>
           <p:cNvPr id="4" name="1 Título"/>
           <p:cNvSpPr>
             <a:spLocks noGrp="1"/>
@@ -6442,7 +6539,7 @@
 </p:sld>
 </file>
 
-<file path=ppt/slides/slide18.xml><?xml version="1.0" encoding="utf-8"?>
+<file path=ppt/slides/slide19.xml><?xml version="1.0" encoding="utf-8"?>
 <p:sld xmlns:a="http://schemas.openxmlformats.org/drawingml/2006/main" xmlns:r="http://schemas.openxmlformats.org/officeDocument/2006/relationships" xmlns:p="http://schemas.openxmlformats.org/presentationml/2006/main">
   <p:cSld>
     <p:spTree>
@@ -7423,1510 +7520,6 @@
     <p:extLst>
       <p:ext uri="{BB962C8B-B14F-4D97-AF65-F5344CB8AC3E}">
         <p14:creationId xmlns:p14="http://schemas.microsoft.com/office/powerpoint/2010/main" xmlns="" val="2305319834"/>
-      </p:ext>
-    </p:extLst>
-  </p:cSld>
-  <p:clrMapOvr>
-    <a:masterClrMapping/>
-  </p:clrMapOvr>
-  <mc:AlternateContent xmlns:mc="http://schemas.openxmlformats.org/markup-compatibility/2006">
-    <mc:Choice xmlns:p14="http://schemas.microsoft.com/office/powerpoint/2010/main" xmlns="" Requires="p14">
-      <p:transition spd="med" p14:dur="699">
-        <p:fade/>
-      </p:transition>
-    </mc:Choice>
-    <mc:Fallback>
-      <p:transition spd="med">
-        <p:fade/>
-      </p:transition>
-    </mc:Fallback>
-  </mc:AlternateContent>
-  <p:timing>
-    <p:tnLst>
-      <p:par>
-        <p:cTn id="1" dur="indefinite" restart="never" nodeType="tmRoot"/>
-      </p:par>
-    </p:tnLst>
-  </p:timing>
-</p:sld>
-</file>
-
-<file path=ppt/slides/slide19.xml><?xml version="1.0" encoding="utf-8"?>
-<p:sld xmlns:a="http://schemas.openxmlformats.org/drawingml/2006/main" xmlns:r="http://schemas.openxmlformats.org/officeDocument/2006/relationships" xmlns:p="http://schemas.openxmlformats.org/presentationml/2006/main">
-  <p:cSld>
-    <p:spTree>
-      <p:nvGrpSpPr>
-        <p:cNvPr id="1" name=""/>
-        <p:cNvGrpSpPr/>
-        <p:nvPr/>
-      </p:nvGrpSpPr>
-      <p:grpSpPr>
-        <a:xfrm>
-          <a:off x="0" y="0"/>
-          <a:ext cx="0" cy="0"/>
-          <a:chOff x="0" y="0"/>
-          <a:chExt cx="0" cy="0"/>
-        </a:xfrm>
-      </p:grpSpPr>
-      <p:sp>
-        <p:nvSpPr>
-          <p:cNvPr id="4" name="3 Recortar rectángulo de esquina del mismo lado"/>
-          <p:cNvSpPr/>
-          <p:nvPr/>
-        </p:nvSpPr>
-        <p:spPr>
-          <a:xfrm>
-            <a:off x="8316416" y="-38912"/>
-            <a:ext cx="432048" cy="432048"/>
-          </a:xfrm>
-          <a:prstGeom prst="snip2SameRect">
-            <a:avLst/>
-          </a:prstGeom>
-          <a:effectLst>
-            <a:outerShdw blurRad="40000" dist="23000" dir="5400000" sx="1000" sy="1000" rotWithShape="0">
-              <a:srgbClr val="000000">
-                <a:alpha val="0"/>
-              </a:srgbClr>
-            </a:outerShdw>
-          </a:effectLst>
-        </p:spPr>
-        <p:style>
-          <a:lnRef idx="1">
-            <a:schemeClr val="accent4"/>
-          </a:lnRef>
-          <a:fillRef idx="3">
-            <a:schemeClr val="accent4"/>
-          </a:fillRef>
-          <a:effectRef idx="2">
-            <a:schemeClr val="accent4"/>
-          </a:effectRef>
-          <a:fontRef idx="minor">
-            <a:schemeClr val="lt1"/>
-          </a:fontRef>
-        </p:style>
-        <p:txBody>
-          <a:bodyPr rtlCol="0" anchor="ctr"/>
-          <a:lstStyle/>
-          <a:p>
-            <a:pPr algn="ctr"/>
-            <a:r>
-              <a:rPr lang="es-HN" b="1" smtClean="0"/>
-              <a:t>4</a:t>
-            </a:r>
-            <a:endParaRPr lang="es-ES" b="1" dirty="0"/>
-          </a:p>
-        </p:txBody>
-      </p:sp>
-      <p:sp>
-        <p:nvSpPr>
-          <p:cNvPr id="6" name="1 Título"/>
-          <p:cNvSpPr txBox="1">
-            <a:spLocks/>
-          </p:cNvSpPr>
-          <p:nvPr/>
-        </p:nvSpPr>
-        <p:spPr>
-          <a:xfrm>
-            <a:off x="3095179" y="573826"/>
-            <a:ext cx="5653285" cy="858753"/>
-          </a:xfrm>
-          <a:prstGeom prst="rect">
-            <a:avLst/>
-          </a:prstGeom>
-        </p:spPr>
-        <p:txBody>
-          <a:bodyPr vert="horz" lIns="91440" tIns="45720" rIns="91440" bIns="45720" rtlCol="0" anchor="ctr">
-            <a:noAutofit/>
-          </a:bodyPr>
-          <a:lstStyle>
-            <a:lvl1pPr algn="ctr" defTabSz="914400" rtl="0" eaLnBrk="1" latinLnBrk="0" hangingPunct="1">
-              <a:spcBef>
-                <a:spcPct val="0"/>
-              </a:spcBef>
-              <a:buNone/>
-              <a:defRPr sz="4400" kern="1200">
-                <a:solidFill>
-                  <a:schemeClr val="tx1"/>
-                </a:solidFill>
-                <a:latin typeface="+mj-lt"/>
-                <a:ea typeface="+mj-ea"/>
-                <a:cs typeface="+mj-cs"/>
-              </a:defRPr>
-            </a:lvl1pPr>
-          </a:lstStyle>
-          <a:p>
-            <a:pPr algn="r"/>
-            <a:r>
-              <a:rPr lang="pl-PL" sz="7000" dirty="0" smtClean="0">
-                <a:solidFill>
-                  <a:schemeClr val="accent4">
-                    <a:lumMod val="75000"/>
-                  </a:schemeClr>
-                </a:solidFill>
-              </a:rPr>
-              <a:t>źródła</a:t>
-            </a:r>
-            <a:endParaRPr lang="es-ES" sz="7000" b="1" dirty="0">
-              <a:solidFill>
-                <a:schemeClr val="accent4">
-                  <a:lumMod val="75000"/>
-                </a:schemeClr>
-              </a:solidFill>
-            </a:endParaRPr>
-          </a:p>
-        </p:txBody>
-      </p:sp>
-      <p:sp>
-        <p:nvSpPr>
-          <p:cNvPr id="7" name="2 Marcador de contenido"/>
-          <p:cNvSpPr txBox="1">
-            <a:spLocks/>
-          </p:cNvSpPr>
-          <p:nvPr/>
-        </p:nvSpPr>
-        <p:spPr>
-          <a:xfrm>
-            <a:off x="323528" y="3216213"/>
-            <a:ext cx="2088232" cy="252028"/>
-          </a:xfrm>
-          <a:prstGeom prst="rect">
-            <a:avLst/>
-          </a:prstGeom>
-        </p:spPr>
-        <p:txBody>
-          <a:bodyPr vert="horz" lIns="91440" tIns="45720" rIns="91440" bIns="45720" rtlCol="0">
-            <a:normAutofit fontScale="92500" lnSpcReduction="20000"/>
-          </a:bodyPr>
-          <a:lstStyle>
-            <a:lvl1pPr marL="342900" indent="-342900" algn="l" defTabSz="914400" rtl="0" eaLnBrk="1" latinLnBrk="0" hangingPunct="1">
-              <a:spcBef>
-                <a:spcPct val="20000"/>
-              </a:spcBef>
-              <a:buFont typeface="Arial" pitchFamily="34" charset="0"/>
-              <a:buChar char="•"/>
-              <a:defRPr sz="3200" kern="1200">
-                <a:solidFill>
-                  <a:schemeClr val="tx1"/>
-                </a:solidFill>
-                <a:latin typeface="+mn-lt"/>
-                <a:ea typeface="+mn-ea"/>
-                <a:cs typeface="+mn-cs"/>
-              </a:defRPr>
-            </a:lvl1pPr>
-            <a:lvl2pPr marL="742950" indent="-285750" algn="l" defTabSz="914400" rtl="0" eaLnBrk="1" latinLnBrk="0" hangingPunct="1">
-              <a:spcBef>
-                <a:spcPct val="20000"/>
-              </a:spcBef>
-              <a:buFont typeface="Arial" pitchFamily="34" charset="0"/>
-              <a:buChar char="–"/>
-              <a:defRPr sz="2800" kern="1200">
-                <a:solidFill>
-                  <a:schemeClr val="tx1"/>
-                </a:solidFill>
-                <a:latin typeface="+mn-lt"/>
-                <a:ea typeface="+mn-ea"/>
-                <a:cs typeface="+mn-cs"/>
-              </a:defRPr>
-            </a:lvl2pPr>
-            <a:lvl3pPr marL="1143000" indent="-228600" algn="l" defTabSz="914400" rtl="0" eaLnBrk="1" latinLnBrk="0" hangingPunct="1">
-              <a:spcBef>
-                <a:spcPct val="20000"/>
-              </a:spcBef>
-              <a:buFont typeface="Arial" pitchFamily="34" charset="0"/>
-              <a:buChar char="•"/>
-              <a:defRPr sz="2400" kern="1200">
-                <a:solidFill>
-                  <a:schemeClr val="tx1"/>
-                </a:solidFill>
-                <a:latin typeface="+mn-lt"/>
-                <a:ea typeface="+mn-ea"/>
-                <a:cs typeface="+mn-cs"/>
-              </a:defRPr>
-            </a:lvl3pPr>
-            <a:lvl4pPr marL="1600200" indent="-228600" algn="l" defTabSz="914400" rtl="0" eaLnBrk="1" latinLnBrk="0" hangingPunct="1">
-              <a:spcBef>
-                <a:spcPct val="20000"/>
-              </a:spcBef>
-              <a:buFont typeface="Arial" pitchFamily="34" charset="0"/>
-              <a:buChar char="–"/>
-              <a:defRPr sz="2000" kern="1200">
-                <a:solidFill>
-                  <a:schemeClr val="tx1"/>
-                </a:solidFill>
-                <a:latin typeface="+mn-lt"/>
-                <a:ea typeface="+mn-ea"/>
-                <a:cs typeface="+mn-cs"/>
-              </a:defRPr>
-            </a:lvl4pPr>
-            <a:lvl5pPr marL="2057400" indent="-228600" algn="l" defTabSz="914400" rtl="0" eaLnBrk="1" latinLnBrk="0" hangingPunct="1">
-              <a:spcBef>
-                <a:spcPct val="20000"/>
-              </a:spcBef>
-              <a:buFont typeface="Arial" pitchFamily="34" charset="0"/>
-              <a:buChar char="»"/>
-              <a:defRPr sz="2000" kern="1200">
-                <a:solidFill>
-                  <a:schemeClr val="tx1"/>
-                </a:solidFill>
-                <a:latin typeface="+mn-lt"/>
-                <a:ea typeface="+mn-ea"/>
-                <a:cs typeface="+mn-cs"/>
-              </a:defRPr>
-            </a:lvl5pPr>
-            <a:lvl6pPr marL="2514600" indent="-228600" algn="l" defTabSz="914400" rtl="0" eaLnBrk="1" latinLnBrk="0" hangingPunct="1">
-              <a:spcBef>
-                <a:spcPct val="20000"/>
-              </a:spcBef>
-              <a:buFont typeface="Arial" pitchFamily="34" charset="0"/>
-              <a:buChar char="•"/>
-              <a:defRPr sz="2000" kern="1200">
-                <a:solidFill>
-                  <a:schemeClr val="tx1"/>
-                </a:solidFill>
-                <a:latin typeface="+mn-lt"/>
-                <a:ea typeface="+mn-ea"/>
-                <a:cs typeface="+mn-cs"/>
-              </a:defRPr>
-            </a:lvl6pPr>
-            <a:lvl7pPr marL="2971800" indent="-228600" algn="l" defTabSz="914400" rtl="0" eaLnBrk="1" latinLnBrk="0" hangingPunct="1">
-              <a:spcBef>
-                <a:spcPct val="20000"/>
-              </a:spcBef>
-              <a:buFont typeface="Arial" pitchFamily="34" charset="0"/>
-              <a:buChar char="•"/>
-              <a:defRPr sz="2000" kern="1200">
-                <a:solidFill>
-                  <a:schemeClr val="tx1"/>
-                </a:solidFill>
-                <a:latin typeface="+mn-lt"/>
-                <a:ea typeface="+mn-ea"/>
-                <a:cs typeface="+mn-cs"/>
-              </a:defRPr>
-            </a:lvl7pPr>
-            <a:lvl8pPr marL="3429000" indent="-228600" algn="l" defTabSz="914400" rtl="0" eaLnBrk="1" latinLnBrk="0" hangingPunct="1">
-              <a:spcBef>
-                <a:spcPct val="20000"/>
-              </a:spcBef>
-              <a:buFont typeface="Arial" pitchFamily="34" charset="0"/>
-              <a:buChar char="•"/>
-              <a:defRPr sz="2000" kern="1200">
-                <a:solidFill>
-                  <a:schemeClr val="tx1"/>
-                </a:solidFill>
-                <a:latin typeface="+mn-lt"/>
-                <a:ea typeface="+mn-ea"/>
-                <a:cs typeface="+mn-cs"/>
-              </a:defRPr>
-            </a:lvl8pPr>
-            <a:lvl9pPr marL="3886200" indent="-228600" algn="l" defTabSz="914400" rtl="0" eaLnBrk="1" latinLnBrk="0" hangingPunct="1">
-              <a:spcBef>
-                <a:spcPct val="20000"/>
-              </a:spcBef>
-              <a:buFont typeface="Arial" pitchFamily="34" charset="0"/>
-              <a:buChar char="•"/>
-              <a:defRPr sz="2000" kern="1200">
-                <a:solidFill>
-                  <a:schemeClr val="tx1"/>
-                </a:solidFill>
-                <a:latin typeface="+mn-lt"/>
-                <a:ea typeface="+mn-ea"/>
-                <a:cs typeface="+mn-cs"/>
-              </a:defRPr>
-            </a:lvl9pPr>
-          </a:lstStyle>
-          <a:p>
-            <a:pPr marL="0" indent="0" algn="just">
-              <a:lnSpc>
-                <a:spcPct val="120000"/>
-              </a:lnSpc>
-              <a:buFont typeface="Arial" pitchFamily="34" charset="0"/>
-              <a:buNone/>
-            </a:pPr>
-            <a:r>
-              <a:rPr lang="pl-PL" sz="1050" dirty="0" smtClean="0">
-                <a:solidFill>
-                  <a:srgbClr val="5F5F5F"/>
-                </a:solidFill>
-              </a:rPr>
-              <a:t>2001</a:t>
-            </a:r>
-            <a:endParaRPr lang="en-US" sz="1050" dirty="0" smtClean="0">
-              <a:solidFill>
-                <a:srgbClr val="5F5F5F"/>
-              </a:solidFill>
-            </a:endParaRPr>
-          </a:p>
-        </p:txBody>
-      </p:sp>
-      <p:sp>
-        <p:nvSpPr>
-          <p:cNvPr id="12" name="11 Rectángulo"/>
-          <p:cNvSpPr/>
-          <p:nvPr/>
-        </p:nvSpPr>
-        <p:spPr>
-          <a:xfrm>
-            <a:off x="395536" y="1499827"/>
-            <a:ext cx="1872208" cy="1479404"/>
-          </a:xfrm>
-          <a:prstGeom prst="rect">
-            <a:avLst/>
-          </a:prstGeom>
-          <a:solidFill>
-            <a:schemeClr val="bg1">
-              <a:lumMod val="95000"/>
-            </a:schemeClr>
-          </a:solidFill>
-        </p:spPr>
-        <p:style>
-          <a:lnRef idx="3">
-            <a:schemeClr val="lt1"/>
-          </a:lnRef>
-          <a:fillRef idx="1">
-            <a:schemeClr val="accent4"/>
-          </a:fillRef>
-          <a:effectRef idx="1">
-            <a:schemeClr val="accent4"/>
-          </a:effectRef>
-          <a:fontRef idx="minor">
-            <a:schemeClr val="lt1"/>
-          </a:fontRef>
-        </p:style>
-        <p:txBody>
-          <a:bodyPr rtlCol="0" anchor="ctr"/>
-          <a:lstStyle/>
-          <a:p>
-            <a:pPr algn="ctr"/>
-            <a:r>
-              <a:rPr lang="pl-PL" dirty="0" smtClean="0">
-                <a:solidFill>
-                  <a:schemeClr val="bg1">
-                    <a:lumMod val="65000"/>
-                  </a:schemeClr>
-                </a:solidFill>
-              </a:rPr>
-              <a:t>Java 2: The complete Reference</a:t>
-            </a:r>
-            <a:endParaRPr lang="es-ES" dirty="0">
-              <a:solidFill>
-                <a:schemeClr val="bg1">
-                  <a:lumMod val="65000"/>
-                </a:schemeClr>
-              </a:solidFill>
-            </a:endParaRPr>
-          </a:p>
-        </p:txBody>
-      </p:sp>
-      <p:sp>
-        <p:nvSpPr>
-          <p:cNvPr id="14" name="2 Marcador de contenido"/>
-          <p:cNvSpPr txBox="1">
-            <a:spLocks/>
-          </p:cNvSpPr>
-          <p:nvPr/>
-        </p:nvSpPr>
-        <p:spPr>
-          <a:xfrm>
-            <a:off x="323528" y="3008947"/>
-            <a:ext cx="2426704" cy="351281"/>
-          </a:xfrm>
-          <a:prstGeom prst="rect">
-            <a:avLst/>
-          </a:prstGeom>
-        </p:spPr>
-        <p:txBody>
-          <a:bodyPr vert="horz" lIns="91440" tIns="45720" rIns="91440" bIns="45720" rtlCol="0">
-            <a:normAutofit/>
-          </a:bodyPr>
-          <a:lstStyle>
-            <a:lvl1pPr marL="342900" indent="-342900" algn="l" defTabSz="914400" rtl="0" eaLnBrk="1" latinLnBrk="0" hangingPunct="1">
-              <a:spcBef>
-                <a:spcPct val="20000"/>
-              </a:spcBef>
-              <a:buFont typeface="Arial" pitchFamily="34" charset="0"/>
-              <a:buChar char="•"/>
-              <a:defRPr sz="3200" kern="1200">
-                <a:solidFill>
-                  <a:schemeClr val="tx1"/>
-                </a:solidFill>
-                <a:latin typeface="+mn-lt"/>
-                <a:ea typeface="+mn-ea"/>
-                <a:cs typeface="+mn-cs"/>
-              </a:defRPr>
-            </a:lvl1pPr>
-            <a:lvl2pPr marL="742950" indent="-285750" algn="l" defTabSz="914400" rtl="0" eaLnBrk="1" latinLnBrk="0" hangingPunct="1">
-              <a:spcBef>
-                <a:spcPct val="20000"/>
-              </a:spcBef>
-              <a:buFont typeface="Arial" pitchFamily="34" charset="0"/>
-              <a:buChar char="–"/>
-              <a:defRPr sz="2800" kern="1200">
-                <a:solidFill>
-                  <a:schemeClr val="tx1"/>
-                </a:solidFill>
-                <a:latin typeface="+mn-lt"/>
-                <a:ea typeface="+mn-ea"/>
-                <a:cs typeface="+mn-cs"/>
-              </a:defRPr>
-            </a:lvl2pPr>
-            <a:lvl3pPr marL="1143000" indent="-228600" algn="l" defTabSz="914400" rtl="0" eaLnBrk="1" latinLnBrk="0" hangingPunct="1">
-              <a:spcBef>
-                <a:spcPct val="20000"/>
-              </a:spcBef>
-              <a:buFont typeface="Arial" pitchFamily="34" charset="0"/>
-              <a:buChar char="•"/>
-              <a:defRPr sz="2400" kern="1200">
-                <a:solidFill>
-                  <a:schemeClr val="tx1"/>
-                </a:solidFill>
-                <a:latin typeface="+mn-lt"/>
-                <a:ea typeface="+mn-ea"/>
-                <a:cs typeface="+mn-cs"/>
-              </a:defRPr>
-            </a:lvl3pPr>
-            <a:lvl4pPr marL="1600200" indent="-228600" algn="l" defTabSz="914400" rtl="0" eaLnBrk="1" latinLnBrk="0" hangingPunct="1">
-              <a:spcBef>
-                <a:spcPct val="20000"/>
-              </a:spcBef>
-              <a:buFont typeface="Arial" pitchFamily="34" charset="0"/>
-              <a:buChar char="–"/>
-              <a:defRPr sz="2000" kern="1200">
-                <a:solidFill>
-                  <a:schemeClr val="tx1"/>
-                </a:solidFill>
-                <a:latin typeface="+mn-lt"/>
-                <a:ea typeface="+mn-ea"/>
-                <a:cs typeface="+mn-cs"/>
-              </a:defRPr>
-            </a:lvl4pPr>
-            <a:lvl5pPr marL="2057400" indent="-228600" algn="l" defTabSz="914400" rtl="0" eaLnBrk="1" latinLnBrk="0" hangingPunct="1">
-              <a:spcBef>
-                <a:spcPct val="20000"/>
-              </a:spcBef>
-              <a:buFont typeface="Arial" pitchFamily="34" charset="0"/>
-              <a:buChar char="»"/>
-              <a:defRPr sz="2000" kern="1200">
-                <a:solidFill>
-                  <a:schemeClr val="tx1"/>
-                </a:solidFill>
-                <a:latin typeface="+mn-lt"/>
-                <a:ea typeface="+mn-ea"/>
-                <a:cs typeface="+mn-cs"/>
-              </a:defRPr>
-            </a:lvl5pPr>
-            <a:lvl6pPr marL="2514600" indent="-228600" algn="l" defTabSz="914400" rtl="0" eaLnBrk="1" latinLnBrk="0" hangingPunct="1">
-              <a:spcBef>
-                <a:spcPct val="20000"/>
-              </a:spcBef>
-              <a:buFont typeface="Arial" pitchFamily="34" charset="0"/>
-              <a:buChar char="•"/>
-              <a:defRPr sz="2000" kern="1200">
-                <a:solidFill>
-                  <a:schemeClr val="tx1"/>
-                </a:solidFill>
-                <a:latin typeface="+mn-lt"/>
-                <a:ea typeface="+mn-ea"/>
-                <a:cs typeface="+mn-cs"/>
-              </a:defRPr>
-            </a:lvl6pPr>
-            <a:lvl7pPr marL="2971800" indent="-228600" algn="l" defTabSz="914400" rtl="0" eaLnBrk="1" latinLnBrk="0" hangingPunct="1">
-              <a:spcBef>
-                <a:spcPct val="20000"/>
-              </a:spcBef>
-              <a:buFont typeface="Arial" pitchFamily="34" charset="0"/>
-              <a:buChar char="•"/>
-              <a:defRPr sz="2000" kern="1200">
-                <a:solidFill>
-                  <a:schemeClr val="tx1"/>
-                </a:solidFill>
-                <a:latin typeface="+mn-lt"/>
-                <a:ea typeface="+mn-ea"/>
-                <a:cs typeface="+mn-cs"/>
-              </a:defRPr>
-            </a:lvl7pPr>
-            <a:lvl8pPr marL="3429000" indent="-228600" algn="l" defTabSz="914400" rtl="0" eaLnBrk="1" latinLnBrk="0" hangingPunct="1">
-              <a:spcBef>
-                <a:spcPct val="20000"/>
-              </a:spcBef>
-              <a:buFont typeface="Arial" pitchFamily="34" charset="0"/>
-              <a:buChar char="•"/>
-              <a:defRPr sz="2000" kern="1200">
-                <a:solidFill>
-                  <a:schemeClr val="tx1"/>
-                </a:solidFill>
-                <a:latin typeface="+mn-lt"/>
-                <a:ea typeface="+mn-ea"/>
-                <a:cs typeface="+mn-cs"/>
-              </a:defRPr>
-            </a:lvl8pPr>
-            <a:lvl9pPr marL="3886200" indent="-228600" algn="l" defTabSz="914400" rtl="0" eaLnBrk="1" latinLnBrk="0" hangingPunct="1">
-              <a:spcBef>
-                <a:spcPct val="20000"/>
-              </a:spcBef>
-              <a:buFont typeface="Arial" pitchFamily="34" charset="0"/>
-              <a:buChar char="•"/>
-              <a:defRPr sz="2000" kern="1200">
-                <a:solidFill>
-                  <a:schemeClr val="tx1"/>
-                </a:solidFill>
-                <a:latin typeface="+mn-lt"/>
-                <a:ea typeface="+mn-ea"/>
-                <a:cs typeface="+mn-cs"/>
-              </a:defRPr>
-            </a:lvl9pPr>
-          </a:lstStyle>
-          <a:p>
-            <a:pPr marL="0" indent="0">
-              <a:lnSpc>
-                <a:spcPct val="120000"/>
-              </a:lnSpc>
-              <a:buFont typeface="Arial" pitchFamily="34" charset="0"/>
-              <a:buNone/>
-            </a:pPr>
-            <a:r>
-              <a:rPr lang="pl-PL" sz="1400" b="1" dirty="0" smtClean="0">
-                <a:solidFill>
-                  <a:srgbClr val="5F5F5F"/>
-                </a:solidFill>
-              </a:rPr>
-              <a:t>Schildt, Herbert, TMH</a:t>
-            </a:r>
-            <a:endParaRPr lang="es-ES" sz="1400" b="1" dirty="0">
-              <a:solidFill>
-                <a:srgbClr val="5F5F5F"/>
-              </a:solidFill>
-            </a:endParaRPr>
-          </a:p>
-        </p:txBody>
-      </p:sp>
-      <p:sp>
-        <p:nvSpPr>
-          <p:cNvPr id="24" name="23 Rectángulo"/>
-          <p:cNvSpPr/>
-          <p:nvPr/>
-        </p:nvSpPr>
-        <p:spPr>
-          <a:xfrm>
-            <a:off x="2555776" y="1499827"/>
-            <a:ext cx="1872208" cy="1479404"/>
-          </a:xfrm>
-          <a:prstGeom prst="rect">
-            <a:avLst/>
-          </a:prstGeom>
-          <a:solidFill>
-            <a:schemeClr val="bg1">
-              <a:lumMod val="95000"/>
-            </a:schemeClr>
-          </a:solidFill>
-        </p:spPr>
-        <p:style>
-          <a:lnRef idx="3">
-            <a:schemeClr val="lt1"/>
-          </a:lnRef>
-          <a:fillRef idx="1">
-            <a:schemeClr val="accent4"/>
-          </a:fillRef>
-          <a:effectRef idx="1">
-            <a:schemeClr val="accent4"/>
-          </a:effectRef>
-          <a:fontRef idx="minor">
-            <a:schemeClr val="lt1"/>
-          </a:fontRef>
-        </p:style>
-        <p:txBody>
-          <a:bodyPr rtlCol="0" anchor="ctr"/>
-          <a:lstStyle/>
-          <a:p>
-            <a:pPr algn="ctr"/>
-            <a:r>
-              <a:rPr lang="pl-PL" dirty="0" smtClean="0">
-                <a:solidFill>
-                  <a:schemeClr val="bg1">
-                    <a:lumMod val="65000"/>
-                  </a:schemeClr>
-                </a:solidFill>
-              </a:rPr>
-              <a:t>Java SUN website</a:t>
-            </a:r>
-            <a:endParaRPr lang="es-ES" dirty="0">
-              <a:solidFill>
-                <a:schemeClr val="bg1">
-                  <a:lumMod val="65000"/>
-                </a:schemeClr>
-              </a:solidFill>
-            </a:endParaRPr>
-          </a:p>
-        </p:txBody>
-      </p:sp>
-      <p:sp>
-        <p:nvSpPr>
-          <p:cNvPr id="33" name="32 Rectángulo"/>
-          <p:cNvSpPr/>
-          <p:nvPr/>
-        </p:nvSpPr>
-        <p:spPr>
-          <a:xfrm>
-            <a:off x="395536" y="3624063"/>
-            <a:ext cx="1872208" cy="1479404"/>
-          </a:xfrm>
-          <a:prstGeom prst="rect">
-            <a:avLst/>
-          </a:prstGeom>
-          <a:solidFill>
-            <a:schemeClr val="bg1">
-              <a:lumMod val="95000"/>
-            </a:schemeClr>
-          </a:solidFill>
-        </p:spPr>
-        <p:style>
-          <a:lnRef idx="3">
-            <a:schemeClr val="lt1"/>
-          </a:lnRef>
-          <a:fillRef idx="1">
-            <a:schemeClr val="accent4"/>
-          </a:fillRef>
-          <a:effectRef idx="1">
-            <a:schemeClr val="accent4"/>
-          </a:effectRef>
-          <a:fontRef idx="minor">
-            <a:schemeClr val="lt1"/>
-          </a:fontRef>
-        </p:style>
-        <p:txBody>
-          <a:bodyPr rtlCol="0" anchor="ctr"/>
-          <a:lstStyle/>
-          <a:p>
-            <a:pPr algn="ctr"/>
-            <a:endParaRPr lang="es-ES" dirty="0">
-              <a:solidFill>
-                <a:schemeClr val="bg1">
-                  <a:lumMod val="65000"/>
-                </a:schemeClr>
-              </a:solidFill>
-            </a:endParaRPr>
-          </a:p>
-        </p:txBody>
-      </p:sp>
-      <p:sp>
-        <p:nvSpPr>
-          <p:cNvPr id="36" name="35 Rectángulo"/>
-          <p:cNvSpPr/>
-          <p:nvPr/>
-        </p:nvSpPr>
-        <p:spPr>
-          <a:xfrm>
-            <a:off x="2555776" y="3624063"/>
-            <a:ext cx="1872208" cy="1479404"/>
-          </a:xfrm>
-          <a:prstGeom prst="rect">
-            <a:avLst/>
-          </a:prstGeom>
-          <a:solidFill>
-            <a:schemeClr val="bg1">
-              <a:lumMod val="95000"/>
-            </a:schemeClr>
-          </a:solidFill>
-        </p:spPr>
-        <p:style>
-          <a:lnRef idx="3">
-            <a:schemeClr val="lt1"/>
-          </a:lnRef>
-          <a:fillRef idx="1">
-            <a:schemeClr val="accent4"/>
-          </a:fillRef>
-          <a:effectRef idx="1">
-            <a:schemeClr val="accent4"/>
-          </a:effectRef>
-          <a:fontRef idx="minor">
-            <a:schemeClr val="lt1"/>
-          </a:fontRef>
-        </p:style>
-        <p:txBody>
-          <a:bodyPr rtlCol="0" anchor="ctr"/>
-          <a:lstStyle/>
-          <a:p>
-            <a:pPr algn="ctr"/>
-            <a:endParaRPr lang="es-ES" dirty="0">
-              <a:solidFill>
-                <a:schemeClr val="bg1">
-                  <a:lumMod val="65000"/>
-                </a:schemeClr>
-              </a:solidFill>
-            </a:endParaRPr>
-          </a:p>
-        </p:txBody>
-      </p:sp>
-      <p:sp>
-        <p:nvSpPr>
-          <p:cNvPr id="39" name="38 Rectángulo"/>
-          <p:cNvSpPr/>
-          <p:nvPr/>
-        </p:nvSpPr>
-        <p:spPr>
-          <a:xfrm>
-            <a:off x="4716016" y="3624063"/>
-            <a:ext cx="1872208" cy="1479404"/>
-          </a:xfrm>
-          <a:prstGeom prst="rect">
-            <a:avLst/>
-          </a:prstGeom>
-          <a:solidFill>
-            <a:schemeClr val="bg1">
-              <a:lumMod val="95000"/>
-            </a:schemeClr>
-          </a:solidFill>
-        </p:spPr>
-        <p:style>
-          <a:lnRef idx="3">
-            <a:schemeClr val="lt1"/>
-          </a:lnRef>
-          <a:fillRef idx="1">
-            <a:schemeClr val="accent4"/>
-          </a:fillRef>
-          <a:effectRef idx="1">
-            <a:schemeClr val="accent4"/>
-          </a:effectRef>
-          <a:fontRef idx="minor">
-            <a:schemeClr val="lt1"/>
-          </a:fontRef>
-        </p:style>
-        <p:txBody>
-          <a:bodyPr rtlCol="0" anchor="ctr"/>
-          <a:lstStyle/>
-          <a:p>
-            <a:pPr algn="ctr"/>
-            <a:endParaRPr lang="es-ES" dirty="0">
-              <a:solidFill>
-                <a:schemeClr val="bg1">
-                  <a:lumMod val="65000"/>
-                </a:schemeClr>
-              </a:solidFill>
-            </a:endParaRPr>
-          </a:p>
-        </p:txBody>
-      </p:sp>
-      <p:sp>
-        <p:nvSpPr>
-          <p:cNvPr id="42" name="41 Rectángulo"/>
-          <p:cNvSpPr/>
-          <p:nvPr/>
-        </p:nvSpPr>
-        <p:spPr>
-          <a:xfrm>
-            <a:off x="6836356" y="3624063"/>
-            <a:ext cx="1872208" cy="1479404"/>
-          </a:xfrm>
-          <a:prstGeom prst="rect">
-            <a:avLst/>
-          </a:prstGeom>
-          <a:solidFill>
-            <a:schemeClr val="bg1">
-              <a:lumMod val="95000"/>
-            </a:schemeClr>
-          </a:solidFill>
-        </p:spPr>
-        <p:style>
-          <a:lnRef idx="3">
-            <a:schemeClr val="lt1"/>
-          </a:lnRef>
-          <a:fillRef idx="1">
-            <a:schemeClr val="accent4"/>
-          </a:fillRef>
-          <a:effectRef idx="1">
-            <a:schemeClr val="accent4"/>
-          </a:effectRef>
-          <a:fontRef idx="minor">
-            <a:schemeClr val="lt1"/>
-          </a:fontRef>
-        </p:style>
-        <p:txBody>
-          <a:bodyPr rtlCol="0" anchor="ctr"/>
-          <a:lstStyle/>
-          <a:p>
-            <a:pPr algn="ctr"/>
-            <a:endParaRPr lang="es-ES" dirty="0">
-              <a:solidFill>
-                <a:schemeClr val="bg1">
-                  <a:lumMod val="65000"/>
-                </a:schemeClr>
-              </a:solidFill>
-            </a:endParaRPr>
-          </a:p>
-        </p:txBody>
-      </p:sp>
-      <p:sp>
-        <p:nvSpPr>
-          <p:cNvPr id="45" name="2 Marcador de contenido"/>
-          <p:cNvSpPr txBox="1">
-            <a:spLocks/>
-          </p:cNvSpPr>
-          <p:nvPr/>
-        </p:nvSpPr>
-        <p:spPr>
-          <a:xfrm>
-            <a:off x="2501702" y="3008947"/>
-            <a:ext cx="2426704" cy="351281"/>
-          </a:xfrm>
-          <a:prstGeom prst="rect">
-            <a:avLst/>
-          </a:prstGeom>
-        </p:spPr>
-        <p:txBody>
-          <a:bodyPr vert="horz" lIns="91440" tIns="45720" rIns="91440" bIns="45720" rtlCol="0">
-            <a:normAutofit/>
-          </a:bodyPr>
-          <a:lstStyle>
-            <a:lvl1pPr marL="342900" indent="-342900" algn="l" defTabSz="914400" rtl="0" eaLnBrk="1" latinLnBrk="0" hangingPunct="1">
-              <a:spcBef>
-                <a:spcPct val="20000"/>
-              </a:spcBef>
-              <a:buFont typeface="Arial" pitchFamily="34" charset="0"/>
-              <a:buChar char="•"/>
-              <a:defRPr sz="3200" kern="1200">
-                <a:solidFill>
-                  <a:schemeClr val="tx1"/>
-                </a:solidFill>
-                <a:latin typeface="+mn-lt"/>
-                <a:ea typeface="+mn-ea"/>
-                <a:cs typeface="+mn-cs"/>
-              </a:defRPr>
-            </a:lvl1pPr>
-            <a:lvl2pPr marL="742950" indent="-285750" algn="l" defTabSz="914400" rtl="0" eaLnBrk="1" latinLnBrk="0" hangingPunct="1">
-              <a:spcBef>
-                <a:spcPct val="20000"/>
-              </a:spcBef>
-              <a:buFont typeface="Arial" pitchFamily="34" charset="0"/>
-              <a:buChar char="–"/>
-              <a:defRPr sz="2800" kern="1200">
-                <a:solidFill>
-                  <a:schemeClr val="tx1"/>
-                </a:solidFill>
-                <a:latin typeface="+mn-lt"/>
-                <a:ea typeface="+mn-ea"/>
-                <a:cs typeface="+mn-cs"/>
-              </a:defRPr>
-            </a:lvl2pPr>
-            <a:lvl3pPr marL="1143000" indent="-228600" algn="l" defTabSz="914400" rtl="0" eaLnBrk="1" latinLnBrk="0" hangingPunct="1">
-              <a:spcBef>
-                <a:spcPct val="20000"/>
-              </a:spcBef>
-              <a:buFont typeface="Arial" pitchFamily="34" charset="0"/>
-              <a:buChar char="•"/>
-              <a:defRPr sz="2400" kern="1200">
-                <a:solidFill>
-                  <a:schemeClr val="tx1"/>
-                </a:solidFill>
-                <a:latin typeface="+mn-lt"/>
-                <a:ea typeface="+mn-ea"/>
-                <a:cs typeface="+mn-cs"/>
-              </a:defRPr>
-            </a:lvl3pPr>
-            <a:lvl4pPr marL="1600200" indent="-228600" algn="l" defTabSz="914400" rtl="0" eaLnBrk="1" latinLnBrk="0" hangingPunct="1">
-              <a:spcBef>
-                <a:spcPct val="20000"/>
-              </a:spcBef>
-              <a:buFont typeface="Arial" pitchFamily="34" charset="0"/>
-              <a:buChar char="–"/>
-              <a:defRPr sz="2000" kern="1200">
-                <a:solidFill>
-                  <a:schemeClr val="tx1"/>
-                </a:solidFill>
-                <a:latin typeface="+mn-lt"/>
-                <a:ea typeface="+mn-ea"/>
-                <a:cs typeface="+mn-cs"/>
-              </a:defRPr>
-            </a:lvl4pPr>
-            <a:lvl5pPr marL="2057400" indent="-228600" algn="l" defTabSz="914400" rtl="0" eaLnBrk="1" latinLnBrk="0" hangingPunct="1">
-              <a:spcBef>
-                <a:spcPct val="20000"/>
-              </a:spcBef>
-              <a:buFont typeface="Arial" pitchFamily="34" charset="0"/>
-              <a:buChar char="»"/>
-              <a:defRPr sz="2000" kern="1200">
-                <a:solidFill>
-                  <a:schemeClr val="tx1"/>
-                </a:solidFill>
-                <a:latin typeface="+mn-lt"/>
-                <a:ea typeface="+mn-ea"/>
-                <a:cs typeface="+mn-cs"/>
-              </a:defRPr>
-            </a:lvl5pPr>
-            <a:lvl6pPr marL="2514600" indent="-228600" algn="l" defTabSz="914400" rtl="0" eaLnBrk="1" latinLnBrk="0" hangingPunct="1">
-              <a:spcBef>
-                <a:spcPct val="20000"/>
-              </a:spcBef>
-              <a:buFont typeface="Arial" pitchFamily="34" charset="0"/>
-              <a:buChar char="•"/>
-              <a:defRPr sz="2000" kern="1200">
-                <a:solidFill>
-                  <a:schemeClr val="tx1"/>
-                </a:solidFill>
-                <a:latin typeface="+mn-lt"/>
-                <a:ea typeface="+mn-ea"/>
-                <a:cs typeface="+mn-cs"/>
-              </a:defRPr>
-            </a:lvl6pPr>
-            <a:lvl7pPr marL="2971800" indent="-228600" algn="l" defTabSz="914400" rtl="0" eaLnBrk="1" latinLnBrk="0" hangingPunct="1">
-              <a:spcBef>
-                <a:spcPct val="20000"/>
-              </a:spcBef>
-              <a:buFont typeface="Arial" pitchFamily="34" charset="0"/>
-              <a:buChar char="•"/>
-              <a:defRPr sz="2000" kern="1200">
-                <a:solidFill>
-                  <a:schemeClr val="tx1"/>
-                </a:solidFill>
-                <a:latin typeface="+mn-lt"/>
-                <a:ea typeface="+mn-ea"/>
-                <a:cs typeface="+mn-cs"/>
-              </a:defRPr>
-            </a:lvl7pPr>
-            <a:lvl8pPr marL="3429000" indent="-228600" algn="l" defTabSz="914400" rtl="0" eaLnBrk="1" latinLnBrk="0" hangingPunct="1">
-              <a:spcBef>
-                <a:spcPct val="20000"/>
-              </a:spcBef>
-              <a:buFont typeface="Arial" pitchFamily="34" charset="0"/>
-              <a:buChar char="•"/>
-              <a:defRPr sz="2000" kern="1200">
-                <a:solidFill>
-                  <a:schemeClr val="tx1"/>
-                </a:solidFill>
-                <a:latin typeface="+mn-lt"/>
-                <a:ea typeface="+mn-ea"/>
-                <a:cs typeface="+mn-cs"/>
-              </a:defRPr>
-            </a:lvl8pPr>
-            <a:lvl9pPr marL="3886200" indent="-228600" algn="l" defTabSz="914400" rtl="0" eaLnBrk="1" latinLnBrk="0" hangingPunct="1">
-              <a:spcBef>
-                <a:spcPct val="20000"/>
-              </a:spcBef>
-              <a:buFont typeface="Arial" pitchFamily="34" charset="0"/>
-              <a:buChar char="•"/>
-              <a:defRPr sz="2000" kern="1200">
-                <a:solidFill>
-                  <a:schemeClr val="tx1"/>
-                </a:solidFill>
-                <a:latin typeface="+mn-lt"/>
-                <a:ea typeface="+mn-ea"/>
-                <a:cs typeface="+mn-cs"/>
-              </a:defRPr>
-            </a:lvl9pPr>
-          </a:lstStyle>
-          <a:p>
-            <a:pPr marL="0" indent="0">
-              <a:lnSpc>
-                <a:spcPct val="120000"/>
-              </a:lnSpc>
-              <a:buFont typeface="Arial" pitchFamily="34" charset="0"/>
-              <a:buNone/>
-            </a:pPr>
-            <a:r>
-              <a:rPr lang="pl-PL" sz="1400" b="1" dirty="0" smtClean="0">
-                <a:solidFill>
-                  <a:srgbClr val="5F5F5F"/>
-                </a:solidFill>
-              </a:rPr>
-              <a:t>Java.sun.com</a:t>
-            </a:r>
-            <a:endParaRPr lang="es-ES" sz="1400" b="1" dirty="0">
-              <a:solidFill>
-                <a:srgbClr val="5F5F5F"/>
-              </a:solidFill>
-            </a:endParaRPr>
-          </a:p>
-        </p:txBody>
-      </p:sp>
-      <p:grpSp>
-        <p:nvGrpSpPr>
-          <p:cNvPr id="60" name="59 Grupo"/>
-          <p:cNvGrpSpPr/>
-          <p:nvPr/>
-        </p:nvGrpSpPr>
-        <p:grpSpPr>
-          <a:xfrm>
-            <a:off x="6876256" y="6146254"/>
-            <a:ext cx="414046" cy="360040"/>
-            <a:chOff x="7308304" y="6165304"/>
-            <a:chExt cx="414046" cy="360040"/>
-          </a:xfrm>
-        </p:grpSpPr>
-        <p:sp>
-          <p:nvSpPr>
-            <p:cNvPr id="61" name="60 Rectángulo redondeado"/>
-            <p:cNvSpPr/>
-            <p:nvPr/>
-          </p:nvSpPr>
-          <p:spPr>
-            <a:xfrm>
-              <a:off x="7308304" y="6165304"/>
-              <a:ext cx="414046" cy="360040"/>
-            </a:xfrm>
-            <a:prstGeom prst="roundRect">
-              <a:avLst/>
-            </a:prstGeom>
-            <a:gradFill>
-              <a:gsLst>
-                <a:gs pos="0">
-                  <a:schemeClr val="bg1">
-                    <a:lumMod val="75000"/>
-                  </a:schemeClr>
-                </a:gs>
-                <a:gs pos="80000">
-                  <a:schemeClr val="bg1">
-                    <a:lumMod val="95000"/>
-                  </a:schemeClr>
-                </a:gs>
-                <a:gs pos="100000">
-                  <a:schemeClr val="bg1">
-                    <a:lumMod val="95000"/>
-                  </a:schemeClr>
-                </a:gs>
-              </a:gsLst>
-            </a:gradFill>
-          </p:spPr>
-          <p:style>
-            <a:lnRef idx="0">
-              <a:schemeClr val="accent4"/>
-            </a:lnRef>
-            <a:fillRef idx="3">
-              <a:schemeClr val="accent4"/>
-            </a:fillRef>
-            <a:effectRef idx="3">
-              <a:schemeClr val="accent4"/>
-            </a:effectRef>
-            <a:fontRef idx="minor">
-              <a:schemeClr val="lt1"/>
-            </a:fontRef>
-          </p:style>
-          <p:txBody>
-            <a:bodyPr rtlCol="0" anchor="ctr"/>
-            <a:lstStyle/>
-            <a:p>
-              <a:pPr algn="ctr"/>
-              <a:endParaRPr lang="es-ES"/>
-            </a:p>
-          </p:txBody>
-        </p:sp>
-        <p:sp>
-          <p:nvSpPr>
-            <p:cNvPr id="62" name="61 Lágrima">
-              <a:hlinkClick r:id="" action="ppaction://hlinkshowjump?jump=previousslide"/>
-            </p:cNvPr>
-            <p:cNvSpPr/>
-            <p:nvPr/>
-          </p:nvSpPr>
-          <p:spPr>
-            <a:xfrm rot="13500000">
-              <a:off x="7443319" y="6279493"/>
-              <a:ext cx="144016" cy="144016"/>
-            </a:xfrm>
-            <a:prstGeom prst="teardrop">
-              <a:avLst/>
-            </a:prstGeom>
-          </p:spPr>
-          <p:style>
-            <a:lnRef idx="0">
-              <a:schemeClr val="accent4"/>
-            </a:lnRef>
-            <a:fillRef idx="3">
-              <a:schemeClr val="accent4"/>
-            </a:fillRef>
-            <a:effectRef idx="3">
-              <a:schemeClr val="accent4"/>
-            </a:effectRef>
-            <a:fontRef idx="minor">
-              <a:schemeClr val="lt1"/>
-            </a:fontRef>
-          </p:style>
-          <p:txBody>
-            <a:bodyPr rtlCol="0" anchor="ctr"/>
-            <a:lstStyle/>
-            <a:p>
-              <a:pPr algn="ctr"/>
-              <a:endParaRPr lang="es-ES"/>
-            </a:p>
-          </p:txBody>
-        </p:sp>
-      </p:grpSp>
-      <p:grpSp>
-        <p:nvGrpSpPr>
-          <p:cNvPr id="63" name="62 Grupo"/>
-          <p:cNvGrpSpPr/>
-          <p:nvPr/>
-        </p:nvGrpSpPr>
-        <p:grpSpPr>
-          <a:xfrm>
-            <a:off x="7422697" y="6146254"/>
-            <a:ext cx="414046" cy="360040"/>
-            <a:chOff x="7902370" y="6165304"/>
-            <a:chExt cx="414046" cy="360040"/>
-          </a:xfrm>
-        </p:grpSpPr>
-        <p:sp>
-          <p:nvSpPr>
-            <p:cNvPr id="64" name="63 Rectángulo redondeado"/>
-            <p:cNvSpPr/>
-            <p:nvPr/>
-          </p:nvSpPr>
-          <p:spPr>
-            <a:xfrm>
-              <a:off x="7902370" y="6165304"/>
-              <a:ext cx="414046" cy="360040"/>
-            </a:xfrm>
-            <a:prstGeom prst="roundRect">
-              <a:avLst/>
-            </a:prstGeom>
-            <a:gradFill>
-              <a:gsLst>
-                <a:gs pos="0">
-                  <a:schemeClr val="bg1">
-                    <a:lumMod val="75000"/>
-                  </a:schemeClr>
-                </a:gs>
-                <a:gs pos="80000">
-                  <a:schemeClr val="bg1">
-                    <a:lumMod val="95000"/>
-                  </a:schemeClr>
-                </a:gs>
-                <a:gs pos="100000">
-                  <a:schemeClr val="bg1">
-                    <a:lumMod val="95000"/>
-                  </a:schemeClr>
-                </a:gs>
-              </a:gsLst>
-            </a:gradFill>
-          </p:spPr>
-          <p:style>
-            <a:lnRef idx="0">
-              <a:schemeClr val="accent4"/>
-            </a:lnRef>
-            <a:fillRef idx="3">
-              <a:schemeClr val="accent4"/>
-            </a:fillRef>
-            <a:effectRef idx="3">
-              <a:schemeClr val="accent4"/>
-            </a:effectRef>
-            <a:fontRef idx="minor">
-              <a:schemeClr val="lt1"/>
-            </a:fontRef>
-          </p:style>
-          <p:txBody>
-            <a:bodyPr rtlCol="0" anchor="ctr"/>
-            <a:lstStyle/>
-            <a:p>
-              <a:pPr algn="ctr"/>
-              <a:endParaRPr lang="es-ES"/>
-            </a:p>
-          </p:txBody>
-        </p:sp>
-        <p:sp>
-          <p:nvSpPr>
-            <p:cNvPr id="65" name="64 Lágrima">
-              <a:hlinkClick r:id="" action="ppaction://hlinkshowjump?jump=nextslide"/>
-            </p:cNvPr>
-            <p:cNvSpPr/>
-            <p:nvPr/>
-          </p:nvSpPr>
-          <p:spPr>
-            <a:xfrm rot="2700000">
-              <a:off x="8037385" y="6279493"/>
-              <a:ext cx="144016" cy="144016"/>
-            </a:xfrm>
-            <a:prstGeom prst="teardrop">
-              <a:avLst/>
-            </a:prstGeom>
-          </p:spPr>
-          <p:style>
-            <a:lnRef idx="0">
-              <a:schemeClr val="accent4"/>
-            </a:lnRef>
-            <a:fillRef idx="3">
-              <a:schemeClr val="accent4"/>
-            </a:fillRef>
-            <a:effectRef idx="3">
-              <a:schemeClr val="accent4"/>
-            </a:effectRef>
-            <a:fontRef idx="minor">
-              <a:schemeClr val="lt1"/>
-            </a:fontRef>
-          </p:style>
-          <p:txBody>
-            <a:bodyPr rtlCol="0" anchor="ctr"/>
-            <a:lstStyle/>
-            <a:p>
-              <a:pPr algn="ctr"/>
-              <a:endParaRPr lang="es-ES"/>
-            </a:p>
-          </p:txBody>
-        </p:sp>
-      </p:grpSp>
-      <p:grpSp>
-        <p:nvGrpSpPr>
-          <p:cNvPr id="66" name="65 Grupo"/>
-          <p:cNvGrpSpPr/>
-          <p:nvPr/>
-        </p:nvGrpSpPr>
-        <p:grpSpPr>
-          <a:xfrm>
-            <a:off x="8490086" y="6146254"/>
-            <a:ext cx="414046" cy="360040"/>
-            <a:chOff x="8490086" y="6146254"/>
-            <a:chExt cx="414046" cy="360040"/>
-          </a:xfrm>
-        </p:grpSpPr>
-        <p:sp>
-          <p:nvSpPr>
-            <p:cNvPr id="67" name="66 Rectángulo redondeado"/>
-            <p:cNvSpPr/>
-            <p:nvPr/>
-          </p:nvSpPr>
-          <p:spPr>
-            <a:xfrm>
-              <a:off x="8490086" y="6146254"/>
-              <a:ext cx="414046" cy="360040"/>
-            </a:xfrm>
-            <a:prstGeom prst="roundRect">
-              <a:avLst/>
-            </a:prstGeom>
-            <a:gradFill>
-              <a:gsLst>
-                <a:gs pos="0">
-                  <a:schemeClr val="bg1">
-                    <a:lumMod val="75000"/>
-                  </a:schemeClr>
-                </a:gs>
-                <a:gs pos="80000">
-                  <a:schemeClr val="bg1">
-                    <a:lumMod val="95000"/>
-                  </a:schemeClr>
-                </a:gs>
-                <a:gs pos="100000">
-                  <a:schemeClr val="bg1">
-                    <a:lumMod val="95000"/>
-                  </a:schemeClr>
-                </a:gs>
-              </a:gsLst>
-            </a:gradFill>
-          </p:spPr>
-          <p:style>
-            <a:lnRef idx="0">
-              <a:schemeClr val="accent4"/>
-            </a:lnRef>
-            <a:fillRef idx="3">
-              <a:schemeClr val="accent4"/>
-            </a:fillRef>
-            <a:effectRef idx="3">
-              <a:schemeClr val="accent4"/>
-            </a:effectRef>
-            <a:fontRef idx="minor">
-              <a:schemeClr val="lt1"/>
-            </a:fontRef>
-          </p:style>
-          <p:txBody>
-            <a:bodyPr rtlCol="0" anchor="ctr"/>
-            <a:lstStyle/>
-            <a:p>
-              <a:pPr algn="ctr"/>
-              <a:endParaRPr lang="es-ES"/>
-            </a:p>
-          </p:txBody>
-        </p:sp>
-        <p:sp>
-          <p:nvSpPr>
-            <p:cNvPr id="68" name="67 Multiplicar">
-              <a:hlinkClick r:id="" action="ppaction://hlinkshowjump?jump=endshow"/>
-            </p:cNvPr>
-            <p:cNvSpPr/>
-            <p:nvPr/>
-          </p:nvSpPr>
-          <p:spPr>
-            <a:xfrm>
-              <a:off x="8604448" y="6230616"/>
-              <a:ext cx="203670" cy="203670"/>
-            </a:xfrm>
-            <a:prstGeom prst="mathMultiply">
-              <a:avLst/>
-            </a:prstGeom>
-          </p:spPr>
-          <p:style>
-            <a:lnRef idx="0">
-              <a:schemeClr val="accent4"/>
-            </a:lnRef>
-            <a:fillRef idx="3">
-              <a:schemeClr val="accent4"/>
-            </a:fillRef>
-            <a:effectRef idx="3">
-              <a:schemeClr val="accent4"/>
-            </a:effectRef>
-            <a:fontRef idx="minor">
-              <a:schemeClr val="lt1"/>
-            </a:fontRef>
-          </p:style>
-          <p:txBody>
-            <a:bodyPr rtlCol="0" anchor="ctr"/>
-            <a:lstStyle/>
-            <a:p>
-              <a:pPr algn="ctr"/>
-              <a:endParaRPr lang="es-ES"/>
-            </a:p>
-          </p:txBody>
-        </p:sp>
-      </p:grpSp>
-      <p:grpSp>
-        <p:nvGrpSpPr>
-          <p:cNvPr id="69" name="68 Grupo"/>
-          <p:cNvGrpSpPr/>
-          <p:nvPr/>
-        </p:nvGrpSpPr>
-        <p:grpSpPr>
-          <a:xfrm>
-            <a:off x="7956580" y="6146254"/>
-            <a:ext cx="414046" cy="360040"/>
-            <a:chOff x="7956580" y="6146254"/>
-            <a:chExt cx="414046" cy="360040"/>
-          </a:xfrm>
-        </p:grpSpPr>
-        <p:sp>
-          <p:nvSpPr>
-            <p:cNvPr id="70" name="69 Rectángulo redondeado"/>
-            <p:cNvSpPr/>
-            <p:nvPr/>
-          </p:nvSpPr>
-          <p:spPr>
-            <a:xfrm>
-              <a:off x="7956580" y="6146254"/>
-              <a:ext cx="414046" cy="360040"/>
-            </a:xfrm>
-            <a:prstGeom prst="roundRect">
-              <a:avLst/>
-            </a:prstGeom>
-            <a:gradFill>
-              <a:gsLst>
-                <a:gs pos="0">
-                  <a:schemeClr val="bg1">
-                    <a:lumMod val="75000"/>
-                  </a:schemeClr>
-                </a:gs>
-                <a:gs pos="80000">
-                  <a:schemeClr val="bg1">
-                    <a:lumMod val="95000"/>
-                  </a:schemeClr>
-                </a:gs>
-                <a:gs pos="100000">
-                  <a:schemeClr val="bg1">
-                    <a:lumMod val="95000"/>
-                  </a:schemeClr>
-                </a:gs>
-              </a:gsLst>
-            </a:gradFill>
-          </p:spPr>
-          <p:style>
-            <a:lnRef idx="0">
-              <a:schemeClr val="accent4"/>
-            </a:lnRef>
-            <a:fillRef idx="3">
-              <a:schemeClr val="accent4"/>
-            </a:fillRef>
-            <a:effectRef idx="3">
-              <a:schemeClr val="accent4"/>
-            </a:effectRef>
-            <a:fontRef idx="minor">
-              <a:schemeClr val="lt1"/>
-            </a:fontRef>
-          </p:style>
-          <p:txBody>
-            <a:bodyPr rtlCol="0" anchor="ctr"/>
-            <a:lstStyle/>
-            <a:p>
-              <a:pPr algn="ctr"/>
-              <a:endParaRPr lang="es-ES"/>
-            </a:p>
-          </p:txBody>
-        </p:sp>
-        <p:sp>
-          <p:nvSpPr>
-            <p:cNvPr id="71" name="70 Flecha curvada hacia la izquierda">
-              <a:hlinkClick r:id="" action="ppaction://hlinkshowjump?jump=firstslide"/>
-            </p:cNvPr>
-            <p:cNvSpPr/>
-            <p:nvPr/>
-          </p:nvSpPr>
-          <p:spPr>
-            <a:xfrm>
-              <a:off x="8081546" y="6221091"/>
-              <a:ext cx="143812" cy="239087"/>
-            </a:xfrm>
-            <a:prstGeom prst="curvedLeftArrow">
-              <a:avLst/>
-            </a:prstGeom>
-          </p:spPr>
-          <p:style>
-            <a:lnRef idx="0">
-              <a:schemeClr val="accent4"/>
-            </a:lnRef>
-            <a:fillRef idx="3">
-              <a:schemeClr val="accent4"/>
-            </a:fillRef>
-            <a:effectRef idx="3">
-              <a:schemeClr val="accent4"/>
-            </a:effectRef>
-            <a:fontRef idx="minor">
-              <a:schemeClr val="lt1"/>
-            </a:fontRef>
-          </p:style>
-          <p:txBody>
-            <a:bodyPr rtlCol="0" anchor="ctr"/>
-            <a:lstStyle/>
-            <a:p>
-              <a:pPr algn="ctr"/>
-              <a:endParaRPr lang="es-ES">
-                <a:solidFill>
-                  <a:schemeClr val="tx1"/>
-                </a:solidFill>
-              </a:endParaRPr>
-            </a:p>
-          </p:txBody>
-        </p:sp>
-      </p:grpSp>
-      <p:pic>
-        <p:nvPicPr>
-          <p:cNvPr id="43" name="Picture 2" descr="C:\Users\Ernest\Pictures\dziki_dzik.png"/>
-          <p:cNvPicPr>
-            <a:picLocks noChangeAspect="1" noChangeArrowheads="1"/>
-          </p:cNvPicPr>
-          <p:nvPr/>
-        </p:nvPicPr>
-        <p:blipFill>
-          <a:blip r:embed="rId2" cstate="print"/>
-          <a:srcRect/>
-          <a:stretch>
-            <a:fillRect/>
-          </a:stretch>
-        </p:blipFill>
-        <p:spPr bwMode="auto">
-          <a:xfrm>
-            <a:off x="179512" y="5877272"/>
-            <a:ext cx="1800200" cy="860673"/>
-          </a:xfrm>
-          <a:prstGeom prst="rect">
-            <a:avLst/>
-          </a:prstGeom>
-          <a:ln>
-            <a:noFill/>
-          </a:ln>
-          <a:effectLst>
-            <a:outerShdw blurRad="190500" algn="tl" rotWithShape="0">
-              <a:srgbClr val="000000">
-                <a:alpha val="70000"/>
-              </a:srgbClr>
-            </a:outerShdw>
-          </a:effectLst>
-        </p:spPr>
-      </p:pic>
-    </p:spTree>
-    <p:extLst>
-      <p:ext uri="{BB962C8B-B14F-4D97-AF65-F5344CB8AC3E}">
-        <p14:creationId xmlns:p14="http://schemas.microsoft.com/office/powerpoint/2010/main" xmlns="" val="2115499910"/>
       </p:ext>
     </p:extLst>
   </p:cSld>
@@ -9992,6 +8585,1510 @@
     <p:extLst>
       <p:ext uri="{BB962C8B-B14F-4D97-AF65-F5344CB8AC3E}">
         <p14:creationId xmlns:p14="http://schemas.microsoft.com/office/powerpoint/2010/main" xmlns="" val="1335941665"/>
+      </p:ext>
+    </p:extLst>
+  </p:cSld>
+  <p:clrMapOvr>
+    <a:masterClrMapping/>
+  </p:clrMapOvr>
+  <mc:AlternateContent xmlns:mc="http://schemas.openxmlformats.org/markup-compatibility/2006">
+    <mc:Choice xmlns:p14="http://schemas.microsoft.com/office/powerpoint/2010/main" xmlns="" Requires="p14">
+      <p:transition spd="med" p14:dur="699">
+        <p:fade/>
+      </p:transition>
+    </mc:Choice>
+    <mc:Fallback>
+      <p:transition spd="med">
+        <p:fade/>
+      </p:transition>
+    </mc:Fallback>
+  </mc:AlternateContent>
+  <p:timing>
+    <p:tnLst>
+      <p:par>
+        <p:cTn id="1" dur="indefinite" restart="never" nodeType="tmRoot"/>
+      </p:par>
+    </p:tnLst>
+  </p:timing>
+</p:sld>
+</file>
+
+<file path=ppt/slides/slide20.xml><?xml version="1.0" encoding="utf-8"?>
+<p:sld xmlns:a="http://schemas.openxmlformats.org/drawingml/2006/main" xmlns:r="http://schemas.openxmlformats.org/officeDocument/2006/relationships" xmlns:p="http://schemas.openxmlformats.org/presentationml/2006/main">
+  <p:cSld>
+    <p:spTree>
+      <p:nvGrpSpPr>
+        <p:cNvPr id="1" name=""/>
+        <p:cNvGrpSpPr/>
+        <p:nvPr/>
+      </p:nvGrpSpPr>
+      <p:grpSpPr>
+        <a:xfrm>
+          <a:off x="0" y="0"/>
+          <a:ext cx="0" cy="0"/>
+          <a:chOff x="0" y="0"/>
+          <a:chExt cx="0" cy="0"/>
+        </a:xfrm>
+      </p:grpSpPr>
+      <p:sp>
+        <p:nvSpPr>
+          <p:cNvPr id="4" name="3 Recortar rectángulo de esquina del mismo lado"/>
+          <p:cNvSpPr/>
+          <p:nvPr/>
+        </p:nvSpPr>
+        <p:spPr>
+          <a:xfrm>
+            <a:off x="8316416" y="-38912"/>
+            <a:ext cx="432048" cy="432048"/>
+          </a:xfrm>
+          <a:prstGeom prst="snip2SameRect">
+            <a:avLst/>
+          </a:prstGeom>
+          <a:effectLst>
+            <a:outerShdw blurRad="40000" dist="23000" dir="5400000" sx="1000" sy="1000" rotWithShape="0">
+              <a:srgbClr val="000000">
+                <a:alpha val="0"/>
+              </a:srgbClr>
+            </a:outerShdw>
+          </a:effectLst>
+        </p:spPr>
+        <p:style>
+          <a:lnRef idx="1">
+            <a:schemeClr val="accent4"/>
+          </a:lnRef>
+          <a:fillRef idx="3">
+            <a:schemeClr val="accent4"/>
+          </a:fillRef>
+          <a:effectRef idx="2">
+            <a:schemeClr val="accent4"/>
+          </a:effectRef>
+          <a:fontRef idx="minor">
+            <a:schemeClr val="lt1"/>
+          </a:fontRef>
+        </p:style>
+        <p:txBody>
+          <a:bodyPr rtlCol="0" anchor="ctr"/>
+          <a:lstStyle/>
+          <a:p>
+            <a:pPr algn="ctr"/>
+            <a:r>
+              <a:rPr lang="es-HN" b="1" smtClean="0"/>
+              <a:t>4</a:t>
+            </a:r>
+            <a:endParaRPr lang="es-ES" b="1" dirty="0"/>
+          </a:p>
+        </p:txBody>
+      </p:sp>
+      <p:sp>
+        <p:nvSpPr>
+          <p:cNvPr id="6" name="1 Título"/>
+          <p:cNvSpPr txBox="1">
+            <a:spLocks/>
+          </p:cNvSpPr>
+          <p:nvPr/>
+        </p:nvSpPr>
+        <p:spPr>
+          <a:xfrm>
+            <a:off x="3095179" y="573826"/>
+            <a:ext cx="5653285" cy="858753"/>
+          </a:xfrm>
+          <a:prstGeom prst="rect">
+            <a:avLst/>
+          </a:prstGeom>
+        </p:spPr>
+        <p:txBody>
+          <a:bodyPr vert="horz" lIns="91440" tIns="45720" rIns="91440" bIns="45720" rtlCol="0" anchor="ctr">
+            <a:noAutofit/>
+          </a:bodyPr>
+          <a:lstStyle>
+            <a:lvl1pPr algn="ctr" defTabSz="914400" rtl="0" eaLnBrk="1" latinLnBrk="0" hangingPunct="1">
+              <a:spcBef>
+                <a:spcPct val="0"/>
+              </a:spcBef>
+              <a:buNone/>
+              <a:defRPr sz="4400" kern="1200">
+                <a:solidFill>
+                  <a:schemeClr val="tx1"/>
+                </a:solidFill>
+                <a:latin typeface="+mj-lt"/>
+                <a:ea typeface="+mj-ea"/>
+                <a:cs typeface="+mj-cs"/>
+              </a:defRPr>
+            </a:lvl1pPr>
+          </a:lstStyle>
+          <a:p>
+            <a:pPr algn="r"/>
+            <a:r>
+              <a:rPr lang="pl-PL" sz="7000" dirty="0" smtClean="0">
+                <a:solidFill>
+                  <a:schemeClr val="accent4">
+                    <a:lumMod val="75000"/>
+                  </a:schemeClr>
+                </a:solidFill>
+              </a:rPr>
+              <a:t>źródła</a:t>
+            </a:r>
+            <a:endParaRPr lang="es-ES" sz="7000" b="1" dirty="0">
+              <a:solidFill>
+                <a:schemeClr val="accent4">
+                  <a:lumMod val="75000"/>
+                </a:schemeClr>
+              </a:solidFill>
+            </a:endParaRPr>
+          </a:p>
+        </p:txBody>
+      </p:sp>
+      <p:sp>
+        <p:nvSpPr>
+          <p:cNvPr id="7" name="2 Marcador de contenido"/>
+          <p:cNvSpPr txBox="1">
+            <a:spLocks/>
+          </p:cNvSpPr>
+          <p:nvPr/>
+        </p:nvSpPr>
+        <p:spPr>
+          <a:xfrm>
+            <a:off x="323528" y="3216213"/>
+            <a:ext cx="2088232" cy="252028"/>
+          </a:xfrm>
+          <a:prstGeom prst="rect">
+            <a:avLst/>
+          </a:prstGeom>
+        </p:spPr>
+        <p:txBody>
+          <a:bodyPr vert="horz" lIns="91440" tIns="45720" rIns="91440" bIns="45720" rtlCol="0">
+            <a:normAutofit fontScale="92500" lnSpcReduction="20000"/>
+          </a:bodyPr>
+          <a:lstStyle>
+            <a:lvl1pPr marL="342900" indent="-342900" algn="l" defTabSz="914400" rtl="0" eaLnBrk="1" latinLnBrk="0" hangingPunct="1">
+              <a:spcBef>
+                <a:spcPct val="20000"/>
+              </a:spcBef>
+              <a:buFont typeface="Arial" pitchFamily="34" charset="0"/>
+              <a:buChar char="•"/>
+              <a:defRPr sz="3200" kern="1200">
+                <a:solidFill>
+                  <a:schemeClr val="tx1"/>
+                </a:solidFill>
+                <a:latin typeface="+mn-lt"/>
+                <a:ea typeface="+mn-ea"/>
+                <a:cs typeface="+mn-cs"/>
+              </a:defRPr>
+            </a:lvl1pPr>
+            <a:lvl2pPr marL="742950" indent="-285750" algn="l" defTabSz="914400" rtl="0" eaLnBrk="1" latinLnBrk="0" hangingPunct="1">
+              <a:spcBef>
+                <a:spcPct val="20000"/>
+              </a:spcBef>
+              <a:buFont typeface="Arial" pitchFamily="34" charset="0"/>
+              <a:buChar char="–"/>
+              <a:defRPr sz="2800" kern="1200">
+                <a:solidFill>
+                  <a:schemeClr val="tx1"/>
+                </a:solidFill>
+                <a:latin typeface="+mn-lt"/>
+                <a:ea typeface="+mn-ea"/>
+                <a:cs typeface="+mn-cs"/>
+              </a:defRPr>
+            </a:lvl2pPr>
+            <a:lvl3pPr marL="1143000" indent="-228600" algn="l" defTabSz="914400" rtl="0" eaLnBrk="1" latinLnBrk="0" hangingPunct="1">
+              <a:spcBef>
+                <a:spcPct val="20000"/>
+              </a:spcBef>
+              <a:buFont typeface="Arial" pitchFamily="34" charset="0"/>
+              <a:buChar char="•"/>
+              <a:defRPr sz="2400" kern="1200">
+                <a:solidFill>
+                  <a:schemeClr val="tx1"/>
+                </a:solidFill>
+                <a:latin typeface="+mn-lt"/>
+                <a:ea typeface="+mn-ea"/>
+                <a:cs typeface="+mn-cs"/>
+              </a:defRPr>
+            </a:lvl3pPr>
+            <a:lvl4pPr marL="1600200" indent="-228600" algn="l" defTabSz="914400" rtl="0" eaLnBrk="1" latinLnBrk="0" hangingPunct="1">
+              <a:spcBef>
+                <a:spcPct val="20000"/>
+              </a:spcBef>
+              <a:buFont typeface="Arial" pitchFamily="34" charset="0"/>
+              <a:buChar char="–"/>
+              <a:defRPr sz="2000" kern="1200">
+                <a:solidFill>
+                  <a:schemeClr val="tx1"/>
+                </a:solidFill>
+                <a:latin typeface="+mn-lt"/>
+                <a:ea typeface="+mn-ea"/>
+                <a:cs typeface="+mn-cs"/>
+              </a:defRPr>
+            </a:lvl4pPr>
+            <a:lvl5pPr marL="2057400" indent="-228600" algn="l" defTabSz="914400" rtl="0" eaLnBrk="1" latinLnBrk="0" hangingPunct="1">
+              <a:spcBef>
+                <a:spcPct val="20000"/>
+              </a:spcBef>
+              <a:buFont typeface="Arial" pitchFamily="34" charset="0"/>
+              <a:buChar char="»"/>
+              <a:defRPr sz="2000" kern="1200">
+                <a:solidFill>
+                  <a:schemeClr val="tx1"/>
+                </a:solidFill>
+                <a:latin typeface="+mn-lt"/>
+                <a:ea typeface="+mn-ea"/>
+                <a:cs typeface="+mn-cs"/>
+              </a:defRPr>
+            </a:lvl5pPr>
+            <a:lvl6pPr marL="2514600" indent="-228600" algn="l" defTabSz="914400" rtl="0" eaLnBrk="1" latinLnBrk="0" hangingPunct="1">
+              <a:spcBef>
+                <a:spcPct val="20000"/>
+              </a:spcBef>
+              <a:buFont typeface="Arial" pitchFamily="34" charset="0"/>
+              <a:buChar char="•"/>
+              <a:defRPr sz="2000" kern="1200">
+                <a:solidFill>
+                  <a:schemeClr val="tx1"/>
+                </a:solidFill>
+                <a:latin typeface="+mn-lt"/>
+                <a:ea typeface="+mn-ea"/>
+                <a:cs typeface="+mn-cs"/>
+              </a:defRPr>
+            </a:lvl6pPr>
+            <a:lvl7pPr marL="2971800" indent="-228600" algn="l" defTabSz="914400" rtl="0" eaLnBrk="1" latinLnBrk="0" hangingPunct="1">
+              <a:spcBef>
+                <a:spcPct val="20000"/>
+              </a:spcBef>
+              <a:buFont typeface="Arial" pitchFamily="34" charset="0"/>
+              <a:buChar char="•"/>
+              <a:defRPr sz="2000" kern="1200">
+                <a:solidFill>
+                  <a:schemeClr val="tx1"/>
+                </a:solidFill>
+                <a:latin typeface="+mn-lt"/>
+                <a:ea typeface="+mn-ea"/>
+                <a:cs typeface="+mn-cs"/>
+              </a:defRPr>
+            </a:lvl7pPr>
+            <a:lvl8pPr marL="3429000" indent="-228600" algn="l" defTabSz="914400" rtl="0" eaLnBrk="1" latinLnBrk="0" hangingPunct="1">
+              <a:spcBef>
+                <a:spcPct val="20000"/>
+              </a:spcBef>
+              <a:buFont typeface="Arial" pitchFamily="34" charset="0"/>
+              <a:buChar char="•"/>
+              <a:defRPr sz="2000" kern="1200">
+                <a:solidFill>
+                  <a:schemeClr val="tx1"/>
+                </a:solidFill>
+                <a:latin typeface="+mn-lt"/>
+                <a:ea typeface="+mn-ea"/>
+                <a:cs typeface="+mn-cs"/>
+              </a:defRPr>
+            </a:lvl8pPr>
+            <a:lvl9pPr marL="3886200" indent="-228600" algn="l" defTabSz="914400" rtl="0" eaLnBrk="1" latinLnBrk="0" hangingPunct="1">
+              <a:spcBef>
+                <a:spcPct val="20000"/>
+              </a:spcBef>
+              <a:buFont typeface="Arial" pitchFamily="34" charset="0"/>
+              <a:buChar char="•"/>
+              <a:defRPr sz="2000" kern="1200">
+                <a:solidFill>
+                  <a:schemeClr val="tx1"/>
+                </a:solidFill>
+                <a:latin typeface="+mn-lt"/>
+                <a:ea typeface="+mn-ea"/>
+                <a:cs typeface="+mn-cs"/>
+              </a:defRPr>
+            </a:lvl9pPr>
+          </a:lstStyle>
+          <a:p>
+            <a:pPr marL="0" indent="0" algn="just">
+              <a:lnSpc>
+                <a:spcPct val="120000"/>
+              </a:lnSpc>
+              <a:buFont typeface="Arial" pitchFamily="34" charset="0"/>
+              <a:buNone/>
+            </a:pPr>
+            <a:r>
+              <a:rPr lang="pl-PL" sz="1050" dirty="0" smtClean="0">
+                <a:solidFill>
+                  <a:srgbClr val="5F5F5F"/>
+                </a:solidFill>
+              </a:rPr>
+              <a:t>2001</a:t>
+            </a:r>
+            <a:endParaRPr lang="en-US" sz="1050" dirty="0" smtClean="0">
+              <a:solidFill>
+                <a:srgbClr val="5F5F5F"/>
+              </a:solidFill>
+            </a:endParaRPr>
+          </a:p>
+        </p:txBody>
+      </p:sp>
+      <p:sp>
+        <p:nvSpPr>
+          <p:cNvPr id="12" name="11 Rectángulo"/>
+          <p:cNvSpPr/>
+          <p:nvPr/>
+        </p:nvSpPr>
+        <p:spPr>
+          <a:xfrm>
+            <a:off x="395536" y="1499827"/>
+            <a:ext cx="1872208" cy="1479404"/>
+          </a:xfrm>
+          <a:prstGeom prst="rect">
+            <a:avLst/>
+          </a:prstGeom>
+          <a:solidFill>
+            <a:schemeClr val="bg1">
+              <a:lumMod val="95000"/>
+            </a:schemeClr>
+          </a:solidFill>
+        </p:spPr>
+        <p:style>
+          <a:lnRef idx="3">
+            <a:schemeClr val="lt1"/>
+          </a:lnRef>
+          <a:fillRef idx="1">
+            <a:schemeClr val="accent4"/>
+          </a:fillRef>
+          <a:effectRef idx="1">
+            <a:schemeClr val="accent4"/>
+          </a:effectRef>
+          <a:fontRef idx="minor">
+            <a:schemeClr val="lt1"/>
+          </a:fontRef>
+        </p:style>
+        <p:txBody>
+          <a:bodyPr rtlCol="0" anchor="ctr"/>
+          <a:lstStyle/>
+          <a:p>
+            <a:pPr algn="ctr"/>
+            <a:r>
+              <a:rPr lang="pl-PL" dirty="0" smtClean="0">
+                <a:solidFill>
+                  <a:schemeClr val="bg1">
+                    <a:lumMod val="65000"/>
+                  </a:schemeClr>
+                </a:solidFill>
+              </a:rPr>
+              <a:t>Java 2: The complete Reference</a:t>
+            </a:r>
+            <a:endParaRPr lang="es-ES" dirty="0">
+              <a:solidFill>
+                <a:schemeClr val="bg1">
+                  <a:lumMod val="65000"/>
+                </a:schemeClr>
+              </a:solidFill>
+            </a:endParaRPr>
+          </a:p>
+        </p:txBody>
+      </p:sp>
+      <p:sp>
+        <p:nvSpPr>
+          <p:cNvPr id="14" name="2 Marcador de contenido"/>
+          <p:cNvSpPr txBox="1">
+            <a:spLocks/>
+          </p:cNvSpPr>
+          <p:nvPr/>
+        </p:nvSpPr>
+        <p:spPr>
+          <a:xfrm>
+            <a:off x="323528" y="3008947"/>
+            <a:ext cx="2426704" cy="351281"/>
+          </a:xfrm>
+          <a:prstGeom prst="rect">
+            <a:avLst/>
+          </a:prstGeom>
+        </p:spPr>
+        <p:txBody>
+          <a:bodyPr vert="horz" lIns="91440" tIns="45720" rIns="91440" bIns="45720" rtlCol="0">
+            <a:normAutofit/>
+          </a:bodyPr>
+          <a:lstStyle>
+            <a:lvl1pPr marL="342900" indent="-342900" algn="l" defTabSz="914400" rtl="0" eaLnBrk="1" latinLnBrk="0" hangingPunct="1">
+              <a:spcBef>
+                <a:spcPct val="20000"/>
+              </a:spcBef>
+              <a:buFont typeface="Arial" pitchFamily="34" charset="0"/>
+              <a:buChar char="•"/>
+              <a:defRPr sz="3200" kern="1200">
+                <a:solidFill>
+                  <a:schemeClr val="tx1"/>
+                </a:solidFill>
+                <a:latin typeface="+mn-lt"/>
+                <a:ea typeface="+mn-ea"/>
+                <a:cs typeface="+mn-cs"/>
+              </a:defRPr>
+            </a:lvl1pPr>
+            <a:lvl2pPr marL="742950" indent="-285750" algn="l" defTabSz="914400" rtl="0" eaLnBrk="1" latinLnBrk="0" hangingPunct="1">
+              <a:spcBef>
+                <a:spcPct val="20000"/>
+              </a:spcBef>
+              <a:buFont typeface="Arial" pitchFamily="34" charset="0"/>
+              <a:buChar char="–"/>
+              <a:defRPr sz="2800" kern="1200">
+                <a:solidFill>
+                  <a:schemeClr val="tx1"/>
+                </a:solidFill>
+                <a:latin typeface="+mn-lt"/>
+                <a:ea typeface="+mn-ea"/>
+                <a:cs typeface="+mn-cs"/>
+              </a:defRPr>
+            </a:lvl2pPr>
+            <a:lvl3pPr marL="1143000" indent="-228600" algn="l" defTabSz="914400" rtl="0" eaLnBrk="1" latinLnBrk="0" hangingPunct="1">
+              <a:spcBef>
+                <a:spcPct val="20000"/>
+              </a:spcBef>
+              <a:buFont typeface="Arial" pitchFamily="34" charset="0"/>
+              <a:buChar char="•"/>
+              <a:defRPr sz="2400" kern="1200">
+                <a:solidFill>
+                  <a:schemeClr val="tx1"/>
+                </a:solidFill>
+                <a:latin typeface="+mn-lt"/>
+                <a:ea typeface="+mn-ea"/>
+                <a:cs typeface="+mn-cs"/>
+              </a:defRPr>
+            </a:lvl3pPr>
+            <a:lvl4pPr marL="1600200" indent="-228600" algn="l" defTabSz="914400" rtl="0" eaLnBrk="1" latinLnBrk="0" hangingPunct="1">
+              <a:spcBef>
+                <a:spcPct val="20000"/>
+              </a:spcBef>
+              <a:buFont typeface="Arial" pitchFamily="34" charset="0"/>
+              <a:buChar char="–"/>
+              <a:defRPr sz="2000" kern="1200">
+                <a:solidFill>
+                  <a:schemeClr val="tx1"/>
+                </a:solidFill>
+                <a:latin typeface="+mn-lt"/>
+                <a:ea typeface="+mn-ea"/>
+                <a:cs typeface="+mn-cs"/>
+              </a:defRPr>
+            </a:lvl4pPr>
+            <a:lvl5pPr marL="2057400" indent="-228600" algn="l" defTabSz="914400" rtl="0" eaLnBrk="1" latinLnBrk="0" hangingPunct="1">
+              <a:spcBef>
+                <a:spcPct val="20000"/>
+              </a:spcBef>
+              <a:buFont typeface="Arial" pitchFamily="34" charset="0"/>
+              <a:buChar char="»"/>
+              <a:defRPr sz="2000" kern="1200">
+                <a:solidFill>
+                  <a:schemeClr val="tx1"/>
+                </a:solidFill>
+                <a:latin typeface="+mn-lt"/>
+                <a:ea typeface="+mn-ea"/>
+                <a:cs typeface="+mn-cs"/>
+              </a:defRPr>
+            </a:lvl5pPr>
+            <a:lvl6pPr marL="2514600" indent="-228600" algn="l" defTabSz="914400" rtl="0" eaLnBrk="1" latinLnBrk="0" hangingPunct="1">
+              <a:spcBef>
+                <a:spcPct val="20000"/>
+              </a:spcBef>
+              <a:buFont typeface="Arial" pitchFamily="34" charset="0"/>
+              <a:buChar char="•"/>
+              <a:defRPr sz="2000" kern="1200">
+                <a:solidFill>
+                  <a:schemeClr val="tx1"/>
+                </a:solidFill>
+                <a:latin typeface="+mn-lt"/>
+                <a:ea typeface="+mn-ea"/>
+                <a:cs typeface="+mn-cs"/>
+              </a:defRPr>
+            </a:lvl6pPr>
+            <a:lvl7pPr marL="2971800" indent="-228600" algn="l" defTabSz="914400" rtl="0" eaLnBrk="1" latinLnBrk="0" hangingPunct="1">
+              <a:spcBef>
+                <a:spcPct val="20000"/>
+              </a:spcBef>
+              <a:buFont typeface="Arial" pitchFamily="34" charset="0"/>
+              <a:buChar char="•"/>
+              <a:defRPr sz="2000" kern="1200">
+                <a:solidFill>
+                  <a:schemeClr val="tx1"/>
+                </a:solidFill>
+                <a:latin typeface="+mn-lt"/>
+                <a:ea typeface="+mn-ea"/>
+                <a:cs typeface="+mn-cs"/>
+              </a:defRPr>
+            </a:lvl7pPr>
+            <a:lvl8pPr marL="3429000" indent="-228600" algn="l" defTabSz="914400" rtl="0" eaLnBrk="1" latinLnBrk="0" hangingPunct="1">
+              <a:spcBef>
+                <a:spcPct val="20000"/>
+              </a:spcBef>
+              <a:buFont typeface="Arial" pitchFamily="34" charset="0"/>
+              <a:buChar char="•"/>
+              <a:defRPr sz="2000" kern="1200">
+                <a:solidFill>
+                  <a:schemeClr val="tx1"/>
+                </a:solidFill>
+                <a:latin typeface="+mn-lt"/>
+                <a:ea typeface="+mn-ea"/>
+                <a:cs typeface="+mn-cs"/>
+              </a:defRPr>
+            </a:lvl8pPr>
+            <a:lvl9pPr marL="3886200" indent="-228600" algn="l" defTabSz="914400" rtl="0" eaLnBrk="1" latinLnBrk="0" hangingPunct="1">
+              <a:spcBef>
+                <a:spcPct val="20000"/>
+              </a:spcBef>
+              <a:buFont typeface="Arial" pitchFamily="34" charset="0"/>
+              <a:buChar char="•"/>
+              <a:defRPr sz="2000" kern="1200">
+                <a:solidFill>
+                  <a:schemeClr val="tx1"/>
+                </a:solidFill>
+                <a:latin typeface="+mn-lt"/>
+                <a:ea typeface="+mn-ea"/>
+                <a:cs typeface="+mn-cs"/>
+              </a:defRPr>
+            </a:lvl9pPr>
+          </a:lstStyle>
+          <a:p>
+            <a:pPr marL="0" indent="0">
+              <a:lnSpc>
+                <a:spcPct val="120000"/>
+              </a:lnSpc>
+              <a:buFont typeface="Arial" pitchFamily="34" charset="0"/>
+              <a:buNone/>
+            </a:pPr>
+            <a:r>
+              <a:rPr lang="pl-PL" sz="1400" b="1" dirty="0" smtClean="0">
+                <a:solidFill>
+                  <a:srgbClr val="5F5F5F"/>
+                </a:solidFill>
+              </a:rPr>
+              <a:t>Schildt, Herbert, TMH</a:t>
+            </a:r>
+            <a:endParaRPr lang="es-ES" sz="1400" b="1" dirty="0">
+              <a:solidFill>
+                <a:srgbClr val="5F5F5F"/>
+              </a:solidFill>
+            </a:endParaRPr>
+          </a:p>
+        </p:txBody>
+      </p:sp>
+      <p:sp>
+        <p:nvSpPr>
+          <p:cNvPr id="24" name="23 Rectángulo"/>
+          <p:cNvSpPr/>
+          <p:nvPr/>
+        </p:nvSpPr>
+        <p:spPr>
+          <a:xfrm>
+            <a:off x="2555776" y="1499827"/>
+            <a:ext cx="1872208" cy="1479404"/>
+          </a:xfrm>
+          <a:prstGeom prst="rect">
+            <a:avLst/>
+          </a:prstGeom>
+          <a:solidFill>
+            <a:schemeClr val="bg1">
+              <a:lumMod val="95000"/>
+            </a:schemeClr>
+          </a:solidFill>
+        </p:spPr>
+        <p:style>
+          <a:lnRef idx="3">
+            <a:schemeClr val="lt1"/>
+          </a:lnRef>
+          <a:fillRef idx="1">
+            <a:schemeClr val="accent4"/>
+          </a:fillRef>
+          <a:effectRef idx="1">
+            <a:schemeClr val="accent4"/>
+          </a:effectRef>
+          <a:fontRef idx="minor">
+            <a:schemeClr val="lt1"/>
+          </a:fontRef>
+        </p:style>
+        <p:txBody>
+          <a:bodyPr rtlCol="0" anchor="ctr"/>
+          <a:lstStyle/>
+          <a:p>
+            <a:pPr algn="ctr"/>
+            <a:r>
+              <a:rPr lang="pl-PL" dirty="0" smtClean="0">
+                <a:solidFill>
+                  <a:schemeClr val="bg1">
+                    <a:lumMod val="65000"/>
+                  </a:schemeClr>
+                </a:solidFill>
+              </a:rPr>
+              <a:t>Java SUN website</a:t>
+            </a:r>
+            <a:endParaRPr lang="es-ES" dirty="0">
+              <a:solidFill>
+                <a:schemeClr val="bg1">
+                  <a:lumMod val="65000"/>
+                </a:schemeClr>
+              </a:solidFill>
+            </a:endParaRPr>
+          </a:p>
+        </p:txBody>
+      </p:sp>
+      <p:sp>
+        <p:nvSpPr>
+          <p:cNvPr id="33" name="32 Rectángulo"/>
+          <p:cNvSpPr/>
+          <p:nvPr/>
+        </p:nvSpPr>
+        <p:spPr>
+          <a:xfrm>
+            <a:off x="395536" y="3624063"/>
+            <a:ext cx="1872208" cy="1479404"/>
+          </a:xfrm>
+          <a:prstGeom prst="rect">
+            <a:avLst/>
+          </a:prstGeom>
+          <a:solidFill>
+            <a:schemeClr val="bg1">
+              <a:lumMod val="95000"/>
+            </a:schemeClr>
+          </a:solidFill>
+        </p:spPr>
+        <p:style>
+          <a:lnRef idx="3">
+            <a:schemeClr val="lt1"/>
+          </a:lnRef>
+          <a:fillRef idx="1">
+            <a:schemeClr val="accent4"/>
+          </a:fillRef>
+          <a:effectRef idx="1">
+            <a:schemeClr val="accent4"/>
+          </a:effectRef>
+          <a:fontRef idx="minor">
+            <a:schemeClr val="lt1"/>
+          </a:fontRef>
+        </p:style>
+        <p:txBody>
+          <a:bodyPr rtlCol="0" anchor="ctr"/>
+          <a:lstStyle/>
+          <a:p>
+            <a:pPr algn="ctr"/>
+            <a:endParaRPr lang="es-ES" dirty="0">
+              <a:solidFill>
+                <a:schemeClr val="bg1">
+                  <a:lumMod val="65000"/>
+                </a:schemeClr>
+              </a:solidFill>
+            </a:endParaRPr>
+          </a:p>
+        </p:txBody>
+      </p:sp>
+      <p:sp>
+        <p:nvSpPr>
+          <p:cNvPr id="36" name="35 Rectángulo"/>
+          <p:cNvSpPr/>
+          <p:nvPr/>
+        </p:nvSpPr>
+        <p:spPr>
+          <a:xfrm>
+            <a:off x="2555776" y="3624063"/>
+            <a:ext cx="1872208" cy="1479404"/>
+          </a:xfrm>
+          <a:prstGeom prst="rect">
+            <a:avLst/>
+          </a:prstGeom>
+          <a:solidFill>
+            <a:schemeClr val="bg1">
+              <a:lumMod val="95000"/>
+            </a:schemeClr>
+          </a:solidFill>
+        </p:spPr>
+        <p:style>
+          <a:lnRef idx="3">
+            <a:schemeClr val="lt1"/>
+          </a:lnRef>
+          <a:fillRef idx="1">
+            <a:schemeClr val="accent4"/>
+          </a:fillRef>
+          <a:effectRef idx="1">
+            <a:schemeClr val="accent4"/>
+          </a:effectRef>
+          <a:fontRef idx="minor">
+            <a:schemeClr val="lt1"/>
+          </a:fontRef>
+        </p:style>
+        <p:txBody>
+          <a:bodyPr rtlCol="0" anchor="ctr"/>
+          <a:lstStyle/>
+          <a:p>
+            <a:pPr algn="ctr"/>
+            <a:endParaRPr lang="es-ES" dirty="0">
+              <a:solidFill>
+                <a:schemeClr val="bg1">
+                  <a:lumMod val="65000"/>
+                </a:schemeClr>
+              </a:solidFill>
+            </a:endParaRPr>
+          </a:p>
+        </p:txBody>
+      </p:sp>
+      <p:sp>
+        <p:nvSpPr>
+          <p:cNvPr id="39" name="38 Rectángulo"/>
+          <p:cNvSpPr/>
+          <p:nvPr/>
+        </p:nvSpPr>
+        <p:spPr>
+          <a:xfrm>
+            <a:off x="4716016" y="3624063"/>
+            <a:ext cx="1872208" cy="1479404"/>
+          </a:xfrm>
+          <a:prstGeom prst="rect">
+            <a:avLst/>
+          </a:prstGeom>
+          <a:solidFill>
+            <a:schemeClr val="bg1">
+              <a:lumMod val="95000"/>
+            </a:schemeClr>
+          </a:solidFill>
+        </p:spPr>
+        <p:style>
+          <a:lnRef idx="3">
+            <a:schemeClr val="lt1"/>
+          </a:lnRef>
+          <a:fillRef idx="1">
+            <a:schemeClr val="accent4"/>
+          </a:fillRef>
+          <a:effectRef idx="1">
+            <a:schemeClr val="accent4"/>
+          </a:effectRef>
+          <a:fontRef idx="minor">
+            <a:schemeClr val="lt1"/>
+          </a:fontRef>
+        </p:style>
+        <p:txBody>
+          <a:bodyPr rtlCol="0" anchor="ctr"/>
+          <a:lstStyle/>
+          <a:p>
+            <a:pPr algn="ctr"/>
+            <a:endParaRPr lang="es-ES" dirty="0">
+              <a:solidFill>
+                <a:schemeClr val="bg1">
+                  <a:lumMod val="65000"/>
+                </a:schemeClr>
+              </a:solidFill>
+            </a:endParaRPr>
+          </a:p>
+        </p:txBody>
+      </p:sp>
+      <p:sp>
+        <p:nvSpPr>
+          <p:cNvPr id="42" name="41 Rectángulo"/>
+          <p:cNvSpPr/>
+          <p:nvPr/>
+        </p:nvSpPr>
+        <p:spPr>
+          <a:xfrm>
+            <a:off x="6836356" y="3624063"/>
+            <a:ext cx="1872208" cy="1479404"/>
+          </a:xfrm>
+          <a:prstGeom prst="rect">
+            <a:avLst/>
+          </a:prstGeom>
+          <a:solidFill>
+            <a:schemeClr val="bg1">
+              <a:lumMod val="95000"/>
+            </a:schemeClr>
+          </a:solidFill>
+        </p:spPr>
+        <p:style>
+          <a:lnRef idx="3">
+            <a:schemeClr val="lt1"/>
+          </a:lnRef>
+          <a:fillRef idx="1">
+            <a:schemeClr val="accent4"/>
+          </a:fillRef>
+          <a:effectRef idx="1">
+            <a:schemeClr val="accent4"/>
+          </a:effectRef>
+          <a:fontRef idx="minor">
+            <a:schemeClr val="lt1"/>
+          </a:fontRef>
+        </p:style>
+        <p:txBody>
+          <a:bodyPr rtlCol="0" anchor="ctr"/>
+          <a:lstStyle/>
+          <a:p>
+            <a:pPr algn="ctr"/>
+            <a:endParaRPr lang="es-ES" dirty="0">
+              <a:solidFill>
+                <a:schemeClr val="bg1">
+                  <a:lumMod val="65000"/>
+                </a:schemeClr>
+              </a:solidFill>
+            </a:endParaRPr>
+          </a:p>
+        </p:txBody>
+      </p:sp>
+      <p:sp>
+        <p:nvSpPr>
+          <p:cNvPr id="45" name="2 Marcador de contenido"/>
+          <p:cNvSpPr txBox="1">
+            <a:spLocks/>
+          </p:cNvSpPr>
+          <p:nvPr/>
+        </p:nvSpPr>
+        <p:spPr>
+          <a:xfrm>
+            <a:off x="2501702" y="3008947"/>
+            <a:ext cx="2426704" cy="351281"/>
+          </a:xfrm>
+          <a:prstGeom prst="rect">
+            <a:avLst/>
+          </a:prstGeom>
+        </p:spPr>
+        <p:txBody>
+          <a:bodyPr vert="horz" lIns="91440" tIns="45720" rIns="91440" bIns="45720" rtlCol="0">
+            <a:normAutofit/>
+          </a:bodyPr>
+          <a:lstStyle>
+            <a:lvl1pPr marL="342900" indent="-342900" algn="l" defTabSz="914400" rtl="0" eaLnBrk="1" latinLnBrk="0" hangingPunct="1">
+              <a:spcBef>
+                <a:spcPct val="20000"/>
+              </a:spcBef>
+              <a:buFont typeface="Arial" pitchFamily="34" charset="0"/>
+              <a:buChar char="•"/>
+              <a:defRPr sz="3200" kern="1200">
+                <a:solidFill>
+                  <a:schemeClr val="tx1"/>
+                </a:solidFill>
+                <a:latin typeface="+mn-lt"/>
+                <a:ea typeface="+mn-ea"/>
+                <a:cs typeface="+mn-cs"/>
+              </a:defRPr>
+            </a:lvl1pPr>
+            <a:lvl2pPr marL="742950" indent="-285750" algn="l" defTabSz="914400" rtl="0" eaLnBrk="1" latinLnBrk="0" hangingPunct="1">
+              <a:spcBef>
+                <a:spcPct val="20000"/>
+              </a:spcBef>
+              <a:buFont typeface="Arial" pitchFamily="34" charset="0"/>
+              <a:buChar char="–"/>
+              <a:defRPr sz="2800" kern="1200">
+                <a:solidFill>
+                  <a:schemeClr val="tx1"/>
+                </a:solidFill>
+                <a:latin typeface="+mn-lt"/>
+                <a:ea typeface="+mn-ea"/>
+                <a:cs typeface="+mn-cs"/>
+              </a:defRPr>
+            </a:lvl2pPr>
+            <a:lvl3pPr marL="1143000" indent="-228600" algn="l" defTabSz="914400" rtl="0" eaLnBrk="1" latinLnBrk="0" hangingPunct="1">
+              <a:spcBef>
+                <a:spcPct val="20000"/>
+              </a:spcBef>
+              <a:buFont typeface="Arial" pitchFamily="34" charset="0"/>
+              <a:buChar char="•"/>
+              <a:defRPr sz="2400" kern="1200">
+                <a:solidFill>
+                  <a:schemeClr val="tx1"/>
+                </a:solidFill>
+                <a:latin typeface="+mn-lt"/>
+                <a:ea typeface="+mn-ea"/>
+                <a:cs typeface="+mn-cs"/>
+              </a:defRPr>
+            </a:lvl3pPr>
+            <a:lvl4pPr marL="1600200" indent="-228600" algn="l" defTabSz="914400" rtl="0" eaLnBrk="1" latinLnBrk="0" hangingPunct="1">
+              <a:spcBef>
+                <a:spcPct val="20000"/>
+              </a:spcBef>
+              <a:buFont typeface="Arial" pitchFamily="34" charset="0"/>
+              <a:buChar char="–"/>
+              <a:defRPr sz="2000" kern="1200">
+                <a:solidFill>
+                  <a:schemeClr val="tx1"/>
+                </a:solidFill>
+                <a:latin typeface="+mn-lt"/>
+                <a:ea typeface="+mn-ea"/>
+                <a:cs typeface="+mn-cs"/>
+              </a:defRPr>
+            </a:lvl4pPr>
+            <a:lvl5pPr marL="2057400" indent="-228600" algn="l" defTabSz="914400" rtl="0" eaLnBrk="1" latinLnBrk="0" hangingPunct="1">
+              <a:spcBef>
+                <a:spcPct val="20000"/>
+              </a:spcBef>
+              <a:buFont typeface="Arial" pitchFamily="34" charset="0"/>
+              <a:buChar char="»"/>
+              <a:defRPr sz="2000" kern="1200">
+                <a:solidFill>
+                  <a:schemeClr val="tx1"/>
+                </a:solidFill>
+                <a:latin typeface="+mn-lt"/>
+                <a:ea typeface="+mn-ea"/>
+                <a:cs typeface="+mn-cs"/>
+              </a:defRPr>
+            </a:lvl5pPr>
+            <a:lvl6pPr marL="2514600" indent="-228600" algn="l" defTabSz="914400" rtl="0" eaLnBrk="1" latinLnBrk="0" hangingPunct="1">
+              <a:spcBef>
+                <a:spcPct val="20000"/>
+              </a:spcBef>
+              <a:buFont typeface="Arial" pitchFamily="34" charset="0"/>
+              <a:buChar char="•"/>
+              <a:defRPr sz="2000" kern="1200">
+                <a:solidFill>
+                  <a:schemeClr val="tx1"/>
+                </a:solidFill>
+                <a:latin typeface="+mn-lt"/>
+                <a:ea typeface="+mn-ea"/>
+                <a:cs typeface="+mn-cs"/>
+              </a:defRPr>
+            </a:lvl6pPr>
+            <a:lvl7pPr marL="2971800" indent="-228600" algn="l" defTabSz="914400" rtl="0" eaLnBrk="1" latinLnBrk="0" hangingPunct="1">
+              <a:spcBef>
+                <a:spcPct val="20000"/>
+              </a:spcBef>
+              <a:buFont typeface="Arial" pitchFamily="34" charset="0"/>
+              <a:buChar char="•"/>
+              <a:defRPr sz="2000" kern="1200">
+                <a:solidFill>
+                  <a:schemeClr val="tx1"/>
+                </a:solidFill>
+                <a:latin typeface="+mn-lt"/>
+                <a:ea typeface="+mn-ea"/>
+                <a:cs typeface="+mn-cs"/>
+              </a:defRPr>
+            </a:lvl7pPr>
+            <a:lvl8pPr marL="3429000" indent="-228600" algn="l" defTabSz="914400" rtl="0" eaLnBrk="1" latinLnBrk="0" hangingPunct="1">
+              <a:spcBef>
+                <a:spcPct val="20000"/>
+              </a:spcBef>
+              <a:buFont typeface="Arial" pitchFamily="34" charset="0"/>
+              <a:buChar char="•"/>
+              <a:defRPr sz="2000" kern="1200">
+                <a:solidFill>
+                  <a:schemeClr val="tx1"/>
+                </a:solidFill>
+                <a:latin typeface="+mn-lt"/>
+                <a:ea typeface="+mn-ea"/>
+                <a:cs typeface="+mn-cs"/>
+              </a:defRPr>
+            </a:lvl8pPr>
+            <a:lvl9pPr marL="3886200" indent="-228600" algn="l" defTabSz="914400" rtl="0" eaLnBrk="1" latinLnBrk="0" hangingPunct="1">
+              <a:spcBef>
+                <a:spcPct val="20000"/>
+              </a:spcBef>
+              <a:buFont typeface="Arial" pitchFamily="34" charset="0"/>
+              <a:buChar char="•"/>
+              <a:defRPr sz="2000" kern="1200">
+                <a:solidFill>
+                  <a:schemeClr val="tx1"/>
+                </a:solidFill>
+                <a:latin typeface="+mn-lt"/>
+                <a:ea typeface="+mn-ea"/>
+                <a:cs typeface="+mn-cs"/>
+              </a:defRPr>
+            </a:lvl9pPr>
+          </a:lstStyle>
+          <a:p>
+            <a:pPr marL="0" indent="0">
+              <a:lnSpc>
+                <a:spcPct val="120000"/>
+              </a:lnSpc>
+              <a:buFont typeface="Arial" pitchFamily="34" charset="0"/>
+              <a:buNone/>
+            </a:pPr>
+            <a:r>
+              <a:rPr lang="pl-PL" sz="1400" b="1" dirty="0" smtClean="0">
+                <a:solidFill>
+                  <a:srgbClr val="5F5F5F"/>
+                </a:solidFill>
+              </a:rPr>
+              <a:t>Java.sun.com</a:t>
+            </a:r>
+            <a:endParaRPr lang="es-ES" sz="1400" b="1" dirty="0">
+              <a:solidFill>
+                <a:srgbClr val="5F5F5F"/>
+              </a:solidFill>
+            </a:endParaRPr>
+          </a:p>
+        </p:txBody>
+      </p:sp>
+      <p:grpSp>
+        <p:nvGrpSpPr>
+          <p:cNvPr id="60" name="59 Grupo"/>
+          <p:cNvGrpSpPr/>
+          <p:nvPr/>
+        </p:nvGrpSpPr>
+        <p:grpSpPr>
+          <a:xfrm>
+            <a:off x="6876256" y="6146254"/>
+            <a:ext cx="414046" cy="360040"/>
+            <a:chOff x="7308304" y="6165304"/>
+            <a:chExt cx="414046" cy="360040"/>
+          </a:xfrm>
+        </p:grpSpPr>
+        <p:sp>
+          <p:nvSpPr>
+            <p:cNvPr id="61" name="60 Rectángulo redondeado"/>
+            <p:cNvSpPr/>
+            <p:nvPr/>
+          </p:nvSpPr>
+          <p:spPr>
+            <a:xfrm>
+              <a:off x="7308304" y="6165304"/>
+              <a:ext cx="414046" cy="360040"/>
+            </a:xfrm>
+            <a:prstGeom prst="roundRect">
+              <a:avLst/>
+            </a:prstGeom>
+            <a:gradFill>
+              <a:gsLst>
+                <a:gs pos="0">
+                  <a:schemeClr val="bg1">
+                    <a:lumMod val="75000"/>
+                  </a:schemeClr>
+                </a:gs>
+                <a:gs pos="80000">
+                  <a:schemeClr val="bg1">
+                    <a:lumMod val="95000"/>
+                  </a:schemeClr>
+                </a:gs>
+                <a:gs pos="100000">
+                  <a:schemeClr val="bg1">
+                    <a:lumMod val="95000"/>
+                  </a:schemeClr>
+                </a:gs>
+              </a:gsLst>
+            </a:gradFill>
+          </p:spPr>
+          <p:style>
+            <a:lnRef idx="0">
+              <a:schemeClr val="accent4"/>
+            </a:lnRef>
+            <a:fillRef idx="3">
+              <a:schemeClr val="accent4"/>
+            </a:fillRef>
+            <a:effectRef idx="3">
+              <a:schemeClr val="accent4"/>
+            </a:effectRef>
+            <a:fontRef idx="minor">
+              <a:schemeClr val="lt1"/>
+            </a:fontRef>
+          </p:style>
+          <p:txBody>
+            <a:bodyPr rtlCol="0" anchor="ctr"/>
+            <a:lstStyle/>
+            <a:p>
+              <a:pPr algn="ctr"/>
+              <a:endParaRPr lang="es-ES"/>
+            </a:p>
+          </p:txBody>
+        </p:sp>
+        <p:sp>
+          <p:nvSpPr>
+            <p:cNvPr id="62" name="61 Lágrima">
+              <a:hlinkClick r:id="" action="ppaction://hlinkshowjump?jump=previousslide"/>
+            </p:cNvPr>
+            <p:cNvSpPr/>
+            <p:nvPr/>
+          </p:nvSpPr>
+          <p:spPr>
+            <a:xfrm rot="13500000">
+              <a:off x="7443319" y="6279493"/>
+              <a:ext cx="144016" cy="144016"/>
+            </a:xfrm>
+            <a:prstGeom prst="teardrop">
+              <a:avLst/>
+            </a:prstGeom>
+          </p:spPr>
+          <p:style>
+            <a:lnRef idx="0">
+              <a:schemeClr val="accent4"/>
+            </a:lnRef>
+            <a:fillRef idx="3">
+              <a:schemeClr val="accent4"/>
+            </a:fillRef>
+            <a:effectRef idx="3">
+              <a:schemeClr val="accent4"/>
+            </a:effectRef>
+            <a:fontRef idx="minor">
+              <a:schemeClr val="lt1"/>
+            </a:fontRef>
+          </p:style>
+          <p:txBody>
+            <a:bodyPr rtlCol="0" anchor="ctr"/>
+            <a:lstStyle/>
+            <a:p>
+              <a:pPr algn="ctr"/>
+              <a:endParaRPr lang="es-ES"/>
+            </a:p>
+          </p:txBody>
+        </p:sp>
+      </p:grpSp>
+      <p:grpSp>
+        <p:nvGrpSpPr>
+          <p:cNvPr id="63" name="62 Grupo"/>
+          <p:cNvGrpSpPr/>
+          <p:nvPr/>
+        </p:nvGrpSpPr>
+        <p:grpSpPr>
+          <a:xfrm>
+            <a:off x="7422697" y="6146254"/>
+            <a:ext cx="414046" cy="360040"/>
+            <a:chOff x="7902370" y="6165304"/>
+            <a:chExt cx="414046" cy="360040"/>
+          </a:xfrm>
+        </p:grpSpPr>
+        <p:sp>
+          <p:nvSpPr>
+            <p:cNvPr id="64" name="63 Rectángulo redondeado"/>
+            <p:cNvSpPr/>
+            <p:nvPr/>
+          </p:nvSpPr>
+          <p:spPr>
+            <a:xfrm>
+              <a:off x="7902370" y="6165304"/>
+              <a:ext cx="414046" cy="360040"/>
+            </a:xfrm>
+            <a:prstGeom prst="roundRect">
+              <a:avLst/>
+            </a:prstGeom>
+            <a:gradFill>
+              <a:gsLst>
+                <a:gs pos="0">
+                  <a:schemeClr val="bg1">
+                    <a:lumMod val="75000"/>
+                  </a:schemeClr>
+                </a:gs>
+                <a:gs pos="80000">
+                  <a:schemeClr val="bg1">
+                    <a:lumMod val="95000"/>
+                  </a:schemeClr>
+                </a:gs>
+                <a:gs pos="100000">
+                  <a:schemeClr val="bg1">
+                    <a:lumMod val="95000"/>
+                  </a:schemeClr>
+                </a:gs>
+              </a:gsLst>
+            </a:gradFill>
+          </p:spPr>
+          <p:style>
+            <a:lnRef idx="0">
+              <a:schemeClr val="accent4"/>
+            </a:lnRef>
+            <a:fillRef idx="3">
+              <a:schemeClr val="accent4"/>
+            </a:fillRef>
+            <a:effectRef idx="3">
+              <a:schemeClr val="accent4"/>
+            </a:effectRef>
+            <a:fontRef idx="minor">
+              <a:schemeClr val="lt1"/>
+            </a:fontRef>
+          </p:style>
+          <p:txBody>
+            <a:bodyPr rtlCol="0" anchor="ctr"/>
+            <a:lstStyle/>
+            <a:p>
+              <a:pPr algn="ctr"/>
+              <a:endParaRPr lang="es-ES"/>
+            </a:p>
+          </p:txBody>
+        </p:sp>
+        <p:sp>
+          <p:nvSpPr>
+            <p:cNvPr id="65" name="64 Lágrima">
+              <a:hlinkClick r:id="" action="ppaction://hlinkshowjump?jump=nextslide"/>
+            </p:cNvPr>
+            <p:cNvSpPr/>
+            <p:nvPr/>
+          </p:nvSpPr>
+          <p:spPr>
+            <a:xfrm rot="2700000">
+              <a:off x="8037385" y="6279493"/>
+              <a:ext cx="144016" cy="144016"/>
+            </a:xfrm>
+            <a:prstGeom prst="teardrop">
+              <a:avLst/>
+            </a:prstGeom>
+          </p:spPr>
+          <p:style>
+            <a:lnRef idx="0">
+              <a:schemeClr val="accent4"/>
+            </a:lnRef>
+            <a:fillRef idx="3">
+              <a:schemeClr val="accent4"/>
+            </a:fillRef>
+            <a:effectRef idx="3">
+              <a:schemeClr val="accent4"/>
+            </a:effectRef>
+            <a:fontRef idx="minor">
+              <a:schemeClr val="lt1"/>
+            </a:fontRef>
+          </p:style>
+          <p:txBody>
+            <a:bodyPr rtlCol="0" anchor="ctr"/>
+            <a:lstStyle/>
+            <a:p>
+              <a:pPr algn="ctr"/>
+              <a:endParaRPr lang="es-ES"/>
+            </a:p>
+          </p:txBody>
+        </p:sp>
+      </p:grpSp>
+      <p:grpSp>
+        <p:nvGrpSpPr>
+          <p:cNvPr id="66" name="65 Grupo"/>
+          <p:cNvGrpSpPr/>
+          <p:nvPr/>
+        </p:nvGrpSpPr>
+        <p:grpSpPr>
+          <a:xfrm>
+            <a:off x="8490086" y="6146254"/>
+            <a:ext cx="414046" cy="360040"/>
+            <a:chOff x="8490086" y="6146254"/>
+            <a:chExt cx="414046" cy="360040"/>
+          </a:xfrm>
+        </p:grpSpPr>
+        <p:sp>
+          <p:nvSpPr>
+            <p:cNvPr id="67" name="66 Rectángulo redondeado"/>
+            <p:cNvSpPr/>
+            <p:nvPr/>
+          </p:nvSpPr>
+          <p:spPr>
+            <a:xfrm>
+              <a:off x="8490086" y="6146254"/>
+              <a:ext cx="414046" cy="360040"/>
+            </a:xfrm>
+            <a:prstGeom prst="roundRect">
+              <a:avLst/>
+            </a:prstGeom>
+            <a:gradFill>
+              <a:gsLst>
+                <a:gs pos="0">
+                  <a:schemeClr val="bg1">
+                    <a:lumMod val="75000"/>
+                  </a:schemeClr>
+                </a:gs>
+                <a:gs pos="80000">
+                  <a:schemeClr val="bg1">
+                    <a:lumMod val="95000"/>
+                  </a:schemeClr>
+                </a:gs>
+                <a:gs pos="100000">
+                  <a:schemeClr val="bg1">
+                    <a:lumMod val="95000"/>
+                  </a:schemeClr>
+                </a:gs>
+              </a:gsLst>
+            </a:gradFill>
+          </p:spPr>
+          <p:style>
+            <a:lnRef idx="0">
+              <a:schemeClr val="accent4"/>
+            </a:lnRef>
+            <a:fillRef idx="3">
+              <a:schemeClr val="accent4"/>
+            </a:fillRef>
+            <a:effectRef idx="3">
+              <a:schemeClr val="accent4"/>
+            </a:effectRef>
+            <a:fontRef idx="minor">
+              <a:schemeClr val="lt1"/>
+            </a:fontRef>
+          </p:style>
+          <p:txBody>
+            <a:bodyPr rtlCol="0" anchor="ctr"/>
+            <a:lstStyle/>
+            <a:p>
+              <a:pPr algn="ctr"/>
+              <a:endParaRPr lang="es-ES"/>
+            </a:p>
+          </p:txBody>
+        </p:sp>
+        <p:sp>
+          <p:nvSpPr>
+            <p:cNvPr id="68" name="67 Multiplicar">
+              <a:hlinkClick r:id="" action="ppaction://hlinkshowjump?jump=endshow"/>
+            </p:cNvPr>
+            <p:cNvSpPr/>
+            <p:nvPr/>
+          </p:nvSpPr>
+          <p:spPr>
+            <a:xfrm>
+              <a:off x="8604448" y="6230616"/>
+              <a:ext cx="203670" cy="203670"/>
+            </a:xfrm>
+            <a:prstGeom prst="mathMultiply">
+              <a:avLst/>
+            </a:prstGeom>
+          </p:spPr>
+          <p:style>
+            <a:lnRef idx="0">
+              <a:schemeClr val="accent4"/>
+            </a:lnRef>
+            <a:fillRef idx="3">
+              <a:schemeClr val="accent4"/>
+            </a:fillRef>
+            <a:effectRef idx="3">
+              <a:schemeClr val="accent4"/>
+            </a:effectRef>
+            <a:fontRef idx="minor">
+              <a:schemeClr val="lt1"/>
+            </a:fontRef>
+          </p:style>
+          <p:txBody>
+            <a:bodyPr rtlCol="0" anchor="ctr"/>
+            <a:lstStyle/>
+            <a:p>
+              <a:pPr algn="ctr"/>
+              <a:endParaRPr lang="es-ES"/>
+            </a:p>
+          </p:txBody>
+        </p:sp>
+      </p:grpSp>
+      <p:grpSp>
+        <p:nvGrpSpPr>
+          <p:cNvPr id="69" name="68 Grupo"/>
+          <p:cNvGrpSpPr/>
+          <p:nvPr/>
+        </p:nvGrpSpPr>
+        <p:grpSpPr>
+          <a:xfrm>
+            <a:off x="7956580" y="6146254"/>
+            <a:ext cx="414046" cy="360040"/>
+            <a:chOff x="7956580" y="6146254"/>
+            <a:chExt cx="414046" cy="360040"/>
+          </a:xfrm>
+        </p:grpSpPr>
+        <p:sp>
+          <p:nvSpPr>
+            <p:cNvPr id="70" name="69 Rectángulo redondeado"/>
+            <p:cNvSpPr/>
+            <p:nvPr/>
+          </p:nvSpPr>
+          <p:spPr>
+            <a:xfrm>
+              <a:off x="7956580" y="6146254"/>
+              <a:ext cx="414046" cy="360040"/>
+            </a:xfrm>
+            <a:prstGeom prst="roundRect">
+              <a:avLst/>
+            </a:prstGeom>
+            <a:gradFill>
+              <a:gsLst>
+                <a:gs pos="0">
+                  <a:schemeClr val="bg1">
+                    <a:lumMod val="75000"/>
+                  </a:schemeClr>
+                </a:gs>
+                <a:gs pos="80000">
+                  <a:schemeClr val="bg1">
+                    <a:lumMod val="95000"/>
+                  </a:schemeClr>
+                </a:gs>
+                <a:gs pos="100000">
+                  <a:schemeClr val="bg1">
+                    <a:lumMod val="95000"/>
+                  </a:schemeClr>
+                </a:gs>
+              </a:gsLst>
+            </a:gradFill>
+          </p:spPr>
+          <p:style>
+            <a:lnRef idx="0">
+              <a:schemeClr val="accent4"/>
+            </a:lnRef>
+            <a:fillRef idx="3">
+              <a:schemeClr val="accent4"/>
+            </a:fillRef>
+            <a:effectRef idx="3">
+              <a:schemeClr val="accent4"/>
+            </a:effectRef>
+            <a:fontRef idx="minor">
+              <a:schemeClr val="lt1"/>
+            </a:fontRef>
+          </p:style>
+          <p:txBody>
+            <a:bodyPr rtlCol="0" anchor="ctr"/>
+            <a:lstStyle/>
+            <a:p>
+              <a:pPr algn="ctr"/>
+              <a:endParaRPr lang="es-ES"/>
+            </a:p>
+          </p:txBody>
+        </p:sp>
+        <p:sp>
+          <p:nvSpPr>
+            <p:cNvPr id="71" name="70 Flecha curvada hacia la izquierda">
+              <a:hlinkClick r:id="" action="ppaction://hlinkshowjump?jump=firstslide"/>
+            </p:cNvPr>
+            <p:cNvSpPr/>
+            <p:nvPr/>
+          </p:nvSpPr>
+          <p:spPr>
+            <a:xfrm>
+              <a:off x="8081546" y="6221091"/>
+              <a:ext cx="143812" cy="239087"/>
+            </a:xfrm>
+            <a:prstGeom prst="curvedLeftArrow">
+              <a:avLst/>
+            </a:prstGeom>
+          </p:spPr>
+          <p:style>
+            <a:lnRef idx="0">
+              <a:schemeClr val="accent4"/>
+            </a:lnRef>
+            <a:fillRef idx="3">
+              <a:schemeClr val="accent4"/>
+            </a:fillRef>
+            <a:effectRef idx="3">
+              <a:schemeClr val="accent4"/>
+            </a:effectRef>
+            <a:fontRef idx="minor">
+              <a:schemeClr val="lt1"/>
+            </a:fontRef>
+          </p:style>
+          <p:txBody>
+            <a:bodyPr rtlCol="0" anchor="ctr"/>
+            <a:lstStyle/>
+            <a:p>
+              <a:pPr algn="ctr"/>
+              <a:endParaRPr lang="es-ES">
+                <a:solidFill>
+                  <a:schemeClr val="tx1"/>
+                </a:solidFill>
+              </a:endParaRPr>
+            </a:p>
+          </p:txBody>
+        </p:sp>
+      </p:grpSp>
+      <p:pic>
+        <p:nvPicPr>
+          <p:cNvPr id="43" name="Picture 2" descr="C:\Users\Ernest\Pictures\dziki_dzik.png"/>
+          <p:cNvPicPr>
+            <a:picLocks noChangeAspect="1" noChangeArrowheads="1"/>
+          </p:cNvPicPr>
+          <p:nvPr/>
+        </p:nvPicPr>
+        <p:blipFill>
+          <a:blip r:embed="rId2" cstate="print"/>
+          <a:srcRect/>
+          <a:stretch>
+            <a:fillRect/>
+          </a:stretch>
+        </p:blipFill>
+        <p:spPr bwMode="auto">
+          <a:xfrm>
+            <a:off x="179512" y="5877272"/>
+            <a:ext cx="1800200" cy="860673"/>
+          </a:xfrm>
+          <a:prstGeom prst="rect">
+            <a:avLst/>
+          </a:prstGeom>
+          <a:ln>
+            <a:noFill/>
+          </a:ln>
+          <a:effectLst>
+            <a:outerShdw blurRad="190500" algn="tl" rotWithShape="0">
+              <a:srgbClr val="000000">
+                <a:alpha val="70000"/>
+              </a:srgbClr>
+            </a:outerShdw>
+          </a:effectLst>
+        </p:spPr>
+      </p:pic>
+    </p:spTree>
+    <p:extLst>
+      <p:ext uri="{BB962C8B-B14F-4D97-AF65-F5344CB8AC3E}">
+        <p14:creationId xmlns:p14="http://schemas.microsoft.com/office/powerpoint/2010/main" xmlns="" val="2115499910"/>
       </p:ext>
     </p:extLst>
   </p:cSld>

--- a/prezka.pptx
+++ b/prezka.pptx
@@ -360,7 +360,7 @@
     </p:spTree>
     <p:extLst>
       <p:ext uri="{BB962C8B-B14F-4D97-AF65-F5344CB8AC3E}">
-        <p14:creationId xmlns:p14="http://schemas.microsoft.com/office/powerpoint/2010/main" xmlns="" val="1731233127"/>
+        <p14:creationId xmlns="" xmlns:p14="http://schemas.microsoft.com/office/powerpoint/2010/main" val="1731233127"/>
       </p:ext>
     </p:extLst>
   </p:cSld>
@@ -532,7 +532,7 @@
     </p:spTree>
     <p:extLst>
       <p:ext uri="{BB962C8B-B14F-4D97-AF65-F5344CB8AC3E}">
-        <p14:creationId xmlns:p14="http://schemas.microsoft.com/office/powerpoint/2010/main" xmlns="" val="2847812126"/>
+        <p14:creationId xmlns="" xmlns:p14="http://schemas.microsoft.com/office/powerpoint/2010/main" val="2847812126"/>
       </p:ext>
     </p:extLst>
   </p:cSld>
@@ -714,7 +714,7 @@
     </p:spTree>
     <p:extLst>
       <p:ext uri="{BB962C8B-B14F-4D97-AF65-F5344CB8AC3E}">
-        <p14:creationId xmlns:p14="http://schemas.microsoft.com/office/powerpoint/2010/main" xmlns="" val="516095393"/>
+        <p14:creationId xmlns="" xmlns:p14="http://schemas.microsoft.com/office/powerpoint/2010/main" val="516095393"/>
       </p:ext>
     </p:extLst>
   </p:cSld>
@@ -886,7 +886,7 @@
     </p:spTree>
     <p:extLst>
       <p:ext uri="{BB962C8B-B14F-4D97-AF65-F5344CB8AC3E}">
-        <p14:creationId xmlns:p14="http://schemas.microsoft.com/office/powerpoint/2010/main" xmlns="" val="1384265332"/>
+        <p14:creationId xmlns="" xmlns:p14="http://schemas.microsoft.com/office/powerpoint/2010/main" val="1384265332"/>
       </p:ext>
     </p:extLst>
   </p:cSld>
@@ -1134,7 +1134,7 @@
     </p:spTree>
     <p:extLst>
       <p:ext uri="{BB962C8B-B14F-4D97-AF65-F5344CB8AC3E}">
-        <p14:creationId xmlns:p14="http://schemas.microsoft.com/office/powerpoint/2010/main" xmlns="" val="4241166118"/>
+        <p14:creationId xmlns="" xmlns:p14="http://schemas.microsoft.com/office/powerpoint/2010/main" val="4241166118"/>
       </p:ext>
     </p:extLst>
   </p:cSld>
@@ -1424,7 +1424,7 @@
     </p:spTree>
     <p:extLst>
       <p:ext uri="{BB962C8B-B14F-4D97-AF65-F5344CB8AC3E}">
-        <p14:creationId xmlns:p14="http://schemas.microsoft.com/office/powerpoint/2010/main" xmlns="" val="2967055804"/>
+        <p14:creationId xmlns="" xmlns:p14="http://schemas.microsoft.com/office/powerpoint/2010/main" val="2967055804"/>
       </p:ext>
     </p:extLst>
   </p:cSld>
@@ -1848,7 +1848,7 @@
     </p:spTree>
     <p:extLst>
       <p:ext uri="{BB962C8B-B14F-4D97-AF65-F5344CB8AC3E}">
-        <p14:creationId xmlns:p14="http://schemas.microsoft.com/office/powerpoint/2010/main" xmlns="" val="1967685052"/>
+        <p14:creationId xmlns="" xmlns:p14="http://schemas.microsoft.com/office/powerpoint/2010/main" val="1967685052"/>
       </p:ext>
     </p:extLst>
   </p:cSld>
@@ -1968,7 +1968,7 @@
     </p:spTree>
     <p:extLst>
       <p:ext uri="{BB962C8B-B14F-4D97-AF65-F5344CB8AC3E}">
-        <p14:creationId xmlns:p14="http://schemas.microsoft.com/office/powerpoint/2010/main" xmlns="" val="3560315199"/>
+        <p14:creationId xmlns="" xmlns:p14="http://schemas.microsoft.com/office/powerpoint/2010/main" val="3560315199"/>
       </p:ext>
     </p:extLst>
   </p:cSld>
@@ -2065,7 +2065,7 @@
     </p:spTree>
     <p:extLst>
       <p:ext uri="{BB962C8B-B14F-4D97-AF65-F5344CB8AC3E}">
-        <p14:creationId xmlns:p14="http://schemas.microsoft.com/office/powerpoint/2010/main" xmlns="" val="850799134"/>
+        <p14:creationId xmlns="" xmlns:p14="http://schemas.microsoft.com/office/powerpoint/2010/main" val="850799134"/>
       </p:ext>
     </p:extLst>
   </p:cSld>
@@ -2344,7 +2344,7 @@
     </p:spTree>
     <p:extLst>
       <p:ext uri="{BB962C8B-B14F-4D97-AF65-F5344CB8AC3E}">
-        <p14:creationId xmlns:p14="http://schemas.microsoft.com/office/powerpoint/2010/main" xmlns="" val="3990278901"/>
+        <p14:creationId xmlns="" xmlns:p14="http://schemas.microsoft.com/office/powerpoint/2010/main" val="3990278901"/>
       </p:ext>
     </p:extLst>
   </p:cSld>
@@ -2599,7 +2599,7 @@
     </p:spTree>
     <p:extLst>
       <p:ext uri="{BB962C8B-B14F-4D97-AF65-F5344CB8AC3E}">
-        <p14:creationId xmlns:p14="http://schemas.microsoft.com/office/powerpoint/2010/main" xmlns="" val="1763289167"/>
+        <p14:creationId xmlns="" xmlns:p14="http://schemas.microsoft.com/office/powerpoint/2010/main" val="1763289167"/>
       </p:ext>
     </p:extLst>
   </p:cSld>
@@ -2859,7 +2859,7 @@
     </p:spTree>
     <p:extLst>
       <p:ext uri="{BB962C8B-B14F-4D97-AF65-F5344CB8AC3E}">
-        <p14:creationId xmlns:p14="http://schemas.microsoft.com/office/powerpoint/2010/main" xmlns="" val="866398959"/>
+        <p14:creationId xmlns="" xmlns:p14="http://schemas.microsoft.com/office/powerpoint/2010/main" val="866398959"/>
       </p:ext>
     </p:extLst>
   </p:cSld>
@@ -3713,7 +3713,7 @@
     </p:spTree>
     <p:extLst>
       <p:ext uri="{BB962C8B-B14F-4D97-AF65-F5344CB8AC3E}">
-        <p14:creationId xmlns:p14="http://schemas.microsoft.com/office/powerpoint/2010/main" xmlns="" val="2367997045"/>
+        <p14:creationId xmlns="" xmlns:p14="http://schemas.microsoft.com/office/powerpoint/2010/main" val="2367997045"/>
       </p:ext>
     </p:extLst>
   </p:cSld>
@@ -3721,7 +3721,7 @@
     <a:masterClrMapping/>
   </p:clrMapOvr>
   <mc:AlternateContent xmlns:mc="http://schemas.openxmlformats.org/markup-compatibility/2006">
-    <mc:Choice xmlns:p14="http://schemas.microsoft.com/office/powerpoint/2010/main" xmlns="" Requires="p14">
+    <mc:Choice xmlns="" xmlns:p14="http://schemas.microsoft.com/office/powerpoint/2010/main" Requires="p14">
       <p:transition spd="med" p14:dur="699">
         <p:fade/>
       </p:transition>
@@ -3949,7 +3949,7 @@
     </p:spTree>
     <p:extLst>
       <p:ext uri="{BB962C8B-B14F-4D97-AF65-F5344CB8AC3E}">
-        <p14:creationId xmlns:p14="http://schemas.microsoft.com/office/powerpoint/2010/main" xmlns="" val="2367997045"/>
+        <p14:creationId xmlns="" xmlns:p14="http://schemas.microsoft.com/office/powerpoint/2010/main" val="2367997045"/>
       </p:ext>
     </p:extLst>
   </p:cSld>
@@ -3957,7 +3957,7 @@
     <a:masterClrMapping/>
   </p:clrMapOvr>
   <mc:AlternateContent xmlns:mc="http://schemas.openxmlformats.org/markup-compatibility/2006">
-    <mc:Choice xmlns:p14="http://schemas.microsoft.com/office/powerpoint/2010/main" xmlns="" Requires="p14">
+    <mc:Choice xmlns="" xmlns:p14="http://schemas.microsoft.com/office/powerpoint/2010/main" Requires="p14">
       <p:transition spd="med" p14:dur="699">
         <p:fade/>
       </p:transition>
@@ -4179,7 +4179,7 @@
     </p:spTree>
     <p:extLst>
       <p:ext uri="{BB962C8B-B14F-4D97-AF65-F5344CB8AC3E}">
-        <p14:creationId xmlns:p14="http://schemas.microsoft.com/office/powerpoint/2010/main" xmlns="" val="2367997045"/>
+        <p14:creationId xmlns="" xmlns:p14="http://schemas.microsoft.com/office/powerpoint/2010/main" val="2367997045"/>
       </p:ext>
     </p:extLst>
   </p:cSld>
@@ -4187,7 +4187,7 @@
     <a:masterClrMapping/>
   </p:clrMapOvr>
   <mc:AlternateContent xmlns:mc="http://schemas.openxmlformats.org/markup-compatibility/2006">
-    <mc:Choice xmlns:p14="http://schemas.microsoft.com/office/powerpoint/2010/main" xmlns="" Requires="p14">
+    <mc:Choice xmlns="" xmlns:p14="http://schemas.microsoft.com/office/powerpoint/2010/main" Requires="p14">
       <p:transition spd="med" p14:dur="699">
         <p:fade/>
       </p:transition>
@@ -4407,7 +4407,6 @@
               <a:rPr lang="pl-PL" sz="2000" dirty="0" smtClean="0"/>
               <a:t>()</a:t>
             </a:r>
-            <a:endParaRPr lang="pl-PL" sz="2000" dirty="0" smtClean="0"/>
           </a:p>
         </p:txBody>
       </p:sp>
@@ -4463,7 +4462,7 @@
     </p:spTree>
     <p:extLst>
       <p:ext uri="{BB962C8B-B14F-4D97-AF65-F5344CB8AC3E}">
-        <p14:creationId xmlns:p14="http://schemas.microsoft.com/office/powerpoint/2010/main" xmlns="" val="2367997045"/>
+        <p14:creationId xmlns="" xmlns:p14="http://schemas.microsoft.com/office/powerpoint/2010/main" val="2367997045"/>
       </p:ext>
     </p:extLst>
   </p:cSld>
@@ -4471,7 +4470,7 @@
     <a:masterClrMapping/>
   </p:clrMapOvr>
   <mc:AlternateContent xmlns:mc="http://schemas.openxmlformats.org/markup-compatibility/2006">
-    <mc:Choice xmlns:p14="http://schemas.microsoft.com/office/powerpoint/2010/main" xmlns="" Requires="p14">
+    <mc:Choice xmlns="" xmlns:p14="http://schemas.microsoft.com/office/powerpoint/2010/main" Requires="p14">
       <p:transition spd="med" p14:dur="699">
         <p:fade/>
       </p:transition>
@@ -4685,7 +4684,7 @@
     </p:spTree>
     <p:extLst>
       <p:ext uri="{BB962C8B-B14F-4D97-AF65-F5344CB8AC3E}">
-        <p14:creationId xmlns:p14="http://schemas.microsoft.com/office/powerpoint/2010/main" xmlns="" val="2367997045"/>
+        <p14:creationId xmlns="" xmlns:p14="http://schemas.microsoft.com/office/powerpoint/2010/main" val="2367997045"/>
       </p:ext>
     </p:extLst>
   </p:cSld>
@@ -4693,7 +4692,7 @@
     <a:masterClrMapping/>
   </p:clrMapOvr>
   <mc:AlternateContent xmlns:mc="http://schemas.openxmlformats.org/markup-compatibility/2006">
-    <mc:Choice xmlns:p14="http://schemas.microsoft.com/office/powerpoint/2010/main" xmlns="" Requires="p14">
+    <mc:Choice xmlns="" xmlns:p14="http://schemas.microsoft.com/office/powerpoint/2010/main" Requires="p14">
       <p:transition spd="med" p14:dur="699">
         <p:fade/>
       </p:transition>
@@ -5099,7 +5098,7 @@
     </p:spTree>
     <p:extLst>
       <p:ext uri="{BB962C8B-B14F-4D97-AF65-F5344CB8AC3E}">
-        <p14:creationId xmlns:p14="http://schemas.microsoft.com/office/powerpoint/2010/main" xmlns="" val="2740888392"/>
+        <p14:creationId xmlns="" xmlns:p14="http://schemas.microsoft.com/office/powerpoint/2010/main" val="2740888392"/>
       </p:ext>
     </p:extLst>
   </p:cSld>
@@ -5107,7 +5106,7 @@
     <a:masterClrMapping/>
   </p:clrMapOvr>
   <mc:AlternateContent xmlns:mc="http://schemas.openxmlformats.org/markup-compatibility/2006">
-    <mc:Choice xmlns:p14="http://schemas.microsoft.com/office/powerpoint/2010/main" xmlns="" Requires="p14">
+    <mc:Choice xmlns="" xmlns:p14="http://schemas.microsoft.com/office/powerpoint/2010/main" Requires="p14">
       <p:transition spd="med" p14:dur="699">
         <p:fade/>
       </p:transition>
@@ -5239,16 +5238,6 @@
               </a:rPr>
               <a:t>Javie</a:t>
             </a:r>
-            <a:r>
-              <a:rPr lang="pl-PL" b="1" dirty="0" smtClean="0">
-                <a:solidFill>
-                  <a:schemeClr val="accent4">
-                    <a:lumMod val="75000"/>
-                  </a:schemeClr>
-                </a:solidFill>
-              </a:rPr>
-              <a:t/>
-            </a:r>
             <a:br>
               <a:rPr lang="pl-PL" b="1" dirty="0" smtClean="0">
                 <a:solidFill>
@@ -5528,7 +5517,7 @@
     </p:spTree>
     <p:extLst>
       <p:ext uri="{BB962C8B-B14F-4D97-AF65-F5344CB8AC3E}">
-        <p14:creationId xmlns:p14="http://schemas.microsoft.com/office/powerpoint/2010/main" xmlns="" val="2367997045"/>
+        <p14:creationId xmlns="" xmlns:p14="http://schemas.microsoft.com/office/powerpoint/2010/main" val="2367997045"/>
       </p:ext>
     </p:extLst>
   </p:cSld>
@@ -5536,7 +5525,7 @@
     <a:masterClrMapping/>
   </p:clrMapOvr>
   <mc:AlternateContent xmlns:mc="http://schemas.openxmlformats.org/markup-compatibility/2006">
-    <mc:Choice xmlns:p14="http://schemas.microsoft.com/office/powerpoint/2010/main" xmlns="" Requires="p14">
+    <mc:Choice xmlns="" xmlns:p14="http://schemas.microsoft.com/office/powerpoint/2010/main" Requires="p14">
       <p:transition spd="med" p14:dur="699">
         <p:fade/>
       </p:transition>
@@ -5942,7 +5931,7 @@
     </p:spTree>
     <p:extLst>
       <p:ext uri="{BB962C8B-B14F-4D97-AF65-F5344CB8AC3E}">
-        <p14:creationId xmlns:p14="http://schemas.microsoft.com/office/powerpoint/2010/main" xmlns="" val="2740888392"/>
+        <p14:creationId xmlns="" xmlns:p14="http://schemas.microsoft.com/office/powerpoint/2010/main" val="2740888392"/>
       </p:ext>
     </p:extLst>
   </p:cSld>
@@ -5950,7 +5939,7 @@
     <a:masterClrMapping/>
   </p:clrMapOvr>
   <mc:AlternateContent xmlns:mc="http://schemas.openxmlformats.org/markup-compatibility/2006">
-    <mc:Choice xmlns:p14="http://schemas.microsoft.com/office/powerpoint/2010/main" xmlns="" Requires="p14">
+    <mc:Choice xmlns="" xmlns:p14="http://schemas.microsoft.com/office/powerpoint/2010/main" Requires="p14">
       <p:transition spd="med" p14:dur="699">
         <p:fade/>
       </p:transition>
@@ -6510,7 +6499,7 @@
     </p:spTree>
     <p:extLst>
       <p:ext uri="{BB962C8B-B14F-4D97-AF65-F5344CB8AC3E}">
-        <p14:creationId xmlns:p14="http://schemas.microsoft.com/office/powerpoint/2010/main" xmlns="" val="2740888392"/>
+        <p14:creationId xmlns="" xmlns:p14="http://schemas.microsoft.com/office/powerpoint/2010/main" val="2740888392"/>
       </p:ext>
     </p:extLst>
   </p:cSld>
@@ -6518,7 +6507,7 @@
     <a:masterClrMapping/>
   </p:clrMapOvr>
   <mc:AlternateContent xmlns:mc="http://schemas.openxmlformats.org/markup-compatibility/2006">
-    <mc:Choice xmlns:p14="http://schemas.microsoft.com/office/powerpoint/2010/main" xmlns="" Requires="p14">
+    <mc:Choice xmlns="" xmlns:p14="http://schemas.microsoft.com/office/powerpoint/2010/main" Requires="p14">
       <p:transition spd="med" p14:dur="699">
         <p:fade/>
       </p:transition>
@@ -7519,7 +7508,7 @@
     </p:spTree>
     <p:extLst>
       <p:ext uri="{BB962C8B-B14F-4D97-AF65-F5344CB8AC3E}">
-        <p14:creationId xmlns:p14="http://schemas.microsoft.com/office/powerpoint/2010/main" xmlns="" val="2305319834"/>
+        <p14:creationId xmlns="" xmlns:p14="http://schemas.microsoft.com/office/powerpoint/2010/main" val="2305319834"/>
       </p:ext>
     </p:extLst>
   </p:cSld>
@@ -7527,7 +7516,7 @@
     <a:masterClrMapping/>
   </p:clrMapOvr>
   <mc:AlternateContent xmlns:mc="http://schemas.openxmlformats.org/markup-compatibility/2006">
-    <mc:Choice xmlns:p14="http://schemas.microsoft.com/office/powerpoint/2010/main" xmlns="" Requires="p14">
+    <mc:Choice xmlns="" xmlns:p14="http://schemas.microsoft.com/office/powerpoint/2010/main" Requires="p14">
       <p:transition spd="med" p14:dur="699">
         <p:fade/>
       </p:transition>
@@ -7661,7 +7650,7 @@
                   <a:srgbClr val="5F5F5F"/>
                 </a:solidFill>
               </a:rPr>
-              <a:t> Webdeveloper</a:t>
+              <a:t> Ernest Bursa</a:t>
             </a:r>
           </a:p>
           <a:p>
@@ -7676,8 +7665,74 @@
                   <a:srgbClr val="5F5F5F"/>
                 </a:solidFill>
               </a:rPr>
+              <a:t> </a:t>
+            </a:r>
+            <a:r>
+              <a:rPr lang="pl-PL" dirty="0" smtClean="0">
+                <a:solidFill>
+                  <a:srgbClr val="5F5F5F"/>
+                </a:solidFill>
+              </a:rPr>
+              <a:t>Webdeveloper</a:t>
+            </a:r>
+          </a:p>
+          <a:p>
+            <a:pPr marL="800100" lvl="2" indent="0">
+              <a:lnSpc>
+                <a:spcPct val="120000"/>
+              </a:lnSpc>
+            </a:pPr>
+            <a:r>
+              <a:rPr lang="pl-PL" dirty="0" smtClean="0">
+                <a:solidFill>
+                  <a:srgbClr val="5F5F5F"/>
+                </a:solidFill>
+              </a:rPr>
               <a:t> Python</a:t>
             </a:r>
+          </a:p>
+          <a:p>
+            <a:pPr marL="800100" lvl="2" indent="0">
+              <a:lnSpc>
+                <a:spcPct val="120000"/>
+              </a:lnSpc>
+            </a:pPr>
+            <a:r>
+              <a:rPr lang="pl-PL" dirty="0" smtClean="0">
+                <a:solidFill>
+                  <a:srgbClr val="5F5F5F"/>
+                </a:solidFill>
+              </a:rPr>
+              <a:t> Ruby </a:t>
+            </a:r>
+          </a:p>
+          <a:p>
+            <a:pPr marL="800100" lvl="2" indent="0">
+              <a:lnSpc>
+                <a:spcPct val="120000"/>
+              </a:lnSpc>
+            </a:pPr>
+            <a:r>
+              <a:rPr lang="pl-PL" dirty="0" smtClean="0">
+                <a:solidFill>
+                  <a:srgbClr val="5F5F5F"/>
+                </a:solidFill>
+              </a:rPr>
+              <a:t> </a:t>
+            </a:r>
+            <a:r>
+              <a:rPr lang="pl-PL" sz="2100" dirty="0" smtClean="0">
+                <a:solidFill>
+                  <a:srgbClr val="5F5F5F"/>
+                </a:solidFill>
+              </a:rPr>
+              <a:t>Client side (javascript, html5, css3)</a:t>
+            </a:r>
+            <a:endParaRPr lang="pl-PL" dirty="0" smtClean="0">
+              <a:solidFill>
+                <a:srgbClr val="5F5F5F"/>
+              </a:solidFill>
+            </a:endParaRPr>
           </a:p>
           <a:p>
             <a:pPr marL="400050" lvl="1" indent="0">
@@ -7691,11 +7746,11 @@
                   <a:srgbClr val="5F5F5F"/>
                 </a:solidFill>
               </a:rPr>
-              <a:t> Ruby </a:t>
-            </a:r>
-          </a:p>
-          <a:p>
-            <a:pPr marL="400050" lvl="1" indent="0">
+              <a:t> Student</a:t>
+            </a:r>
+          </a:p>
+          <a:p>
+            <a:pPr marL="800100" lvl="2" indent="0">
               <a:lnSpc>
                 <a:spcPct val="120000"/>
               </a:lnSpc>
@@ -7706,54 +7761,11 @@
                   <a:srgbClr val="5F5F5F"/>
                 </a:solidFill>
               </a:rPr>
-              <a:t> </a:t>
-            </a:r>
-            <a:r>
-              <a:rPr lang="pl-PL" sz="2500" dirty="0" smtClean="0">
-                <a:solidFill>
-                  <a:srgbClr val="5F5F5F"/>
-                </a:solidFill>
-              </a:rPr>
-              <a:t>Client side (javascript, html5, css3)</a:t>
-            </a:r>
-            <a:endParaRPr lang="pl-PL" dirty="0" smtClean="0">
-              <a:solidFill>
-                <a:srgbClr val="5F5F5F"/>
-              </a:solidFill>
-            </a:endParaRPr>
-          </a:p>
-          <a:p>
-            <a:pPr marL="0" indent="0">
-              <a:lnSpc>
-                <a:spcPct val="120000"/>
-              </a:lnSpc>
-            </a:pPr>
-            <a:r>
-              <a:rPr lang="pl-PL" dirty="0" smtClean="0">
-                <a:solidFill>
-                  <a:srgbClr val="5F5F5F"/>
-                </a:solidFill>
-              </a:rPr>
-              <a:t> Student</a:t>
-            </a:r>
-          </a:p>
-          <a:p>
-            <a:pPr marL="400050" lvl="1" indent="0">
-              <a:lnSpc>
-                <a:spcPct val="120000"/>
-              </a:lnSpc>
-            </a:pPr>
-            <a:r>
-              <a:rPr lang="pl-PL" dirty="0" smtClean="0">
-                <a:solidFill>
-                  <a:srgbClr val="5F5F5F"/>
-                </a:solidFill>
-              </a:rPr>
               <a:t> C++, C#</a:t>
             </a:r>
           </a:p>
           <a:p>
-            <a:pPr marL="400050" lvl="1" indent="0">
+            <a:pPr marL="800100" lvl="2" indent="0">
               <a:lnSpc>
                 <a:spcPct val="120000"/>
               </a:lnSpc>
@@ -8499,7 +8511,7 @@
               <a:defRPr/>
             </a:pPr>
             <a:r>
-              <a:rPr kumimoji="0" lang="pl-PL" sz="7000" b="0" i="0" u="none" strike="noStrike" kern="1200" cap="none" spc="0" normalizeH="0" baseline="0" noProof="0" smtClean="0">
+              <a:rPr kumimoji="0" lang="pl-PL" sz="7000" b="0" i="0" u="none" strike="noStrike" kern="1200" cap="none" spc="0" normalizeH="0" baseline="0" noProof="0" dirty="0" smtClean="0">
                 <a:ln>
                   <a:noFill/>
                 </a:ln>
@@ -8518,7 +8530,7 @@
               <a:t>O</a:t>
             </a:r>
             <a:r>
-              <a:rPr kumimoji="0" lang="pl-PL" sz="7000" b="1" i="0" u="none" strike="noStrike" kern="1200" cap="none" spc="0" normalizeH="0" baseline="0" noProof="0" smtClean="0">
+              <a:rPr kumimoji="0" lang="pl-PL" sz="7000" b="1" i="0" u="none" strike="noStrike" kern="1200" cap="none" spc="0" normalizeH="0" baseline="0" noProof="0" dirty="0" smtClean="0">
                 <a:ln>
                   <a:noFill/>
                 </a:ln>
@@ -8584,7 +8596,7 @@
     </p:spTree>
     <p:extLst>
       <p:ext uri="{BB962C8B-B14F-4D97-AF65-F5344CB8AC3E}">
-        <p14:creationId xmlns:p14="http://schemas.microsoft.com/office/powerpoint/2010/main" xmlns="" val="1335941665"/>
+        <p14:creationId xmlns="" xmlns:p14="http://schemas.microsoft.com/office/powerpoint/2010/main" val="1335941665"/>
       </p:ext>
     </p:extLst>
   </p:cSld>
@@ -8592,7 +8604,7 @@
     <a:masterClrMapping/>
   </p:clrMapOvr>
   <mc:AlternateContent xmlns:mc="http://schemas.openxmlformats.org/markup-compatibility/2006">
-    <mc:Choice xmlns:p14="http://schemas.microsoft.com/office/powerpoint/2010/main" xmlns="" Requires="p14">
+    <mc:Choice xmlns="" xmlns:p14="http://schemas.microsoft.com/office/powerpoint/2010/main" Requires="p14">
       <p:transition spd="med" p14:dur="699">
         <p:fade/>
       </p:transition>
@@ -10088,7 +10100,7 @@
     </p:spTree>
     <p:extLst>
       <p:ext uri="{BB962C8B-B14F-4D97-AF65-F5344CB8AC3E}">
-        <p14:creationId xmlns:p14="http://schemas.microsoft.com/office/powerpoint/2010/main" xmlns="" val="2115499910"/>
+        <p14:creationId xmlns="" xmlns:p14="http://schemas.microsoft.com/office/powerpoint/2010/main" val="2115499910"/>
       </p:ext>
     </p:extLst>
   </p:cSld>
@@ -10096,7 +10108,7 @@
     <a:masterClrMapping/>
   </p:clrMapOvr>
   <mc:AlternateContent xmlns:mc="http://schemas.openxmlformats.org/markup-compatibility/2006">
-    <mc:Choice xmlns:p14="http://schemas.microsoft.com/office/powerpoint/2010/main" xmlns="" Requires="p14">
+    <mc:Choice xmlns="" xmlns:p14="http://schemas.microsoft.com/office/powerpoint/2010/main" Requires="p14">
       <p:transition spd="med" p14:dur="699">
         <p:fade/>
       </p:transition>
@@ -11832,7 +11844,7 @@
     </p:spTree>
     <p:extLst>
       <p:ext uri="{BB962C8B-B14F-4D97-AF65-F5344CB8AC3E}">
-        <p14:creationId xmlns:p14="http://schemas.microsoft.com/office/powerpoint/2010/main" xmlns="" val="3867510109"/>
+        <p14:creationId xmlns="" xmlns:p14="http://schemas.microsoft.com/office/powerpoint/2010/main" val="3867510109"/>
       </p:ext>
     </p:extLst>
   </p:cSld>
@@ -11840,7 +11852,7 @@
     <a:masterClrMapping/>
   </p:clrMapOvr>
   <mc:AlternateContent xmlns:mc="http://schemas.openxmlformats.org/markup-compatibility/2006">
-    <mc:Choice xmlns:p14="http://schemas.microsoft.com/office/powerpoint/2010/main" xmlns="" Requires="p14">
+    <mc:Choice xmlns="" xmlns:p14="http://schemas.microsoft.com/office/powerpoint/2010/main" Requires="p14">
       <p:transition spd="med" p14:dur="699">
         <p:fade/>
       </p:transition>
@@ -13642,7 +13654,7 @@
     </p:spTree>
     <p:extLst>
       <p:ext uri="{BB962C8B-B14F-4D97-AF65-F5344CB8AC3E}">
-        <p14:creationId xmlns:p14="http://schemas.microsoft.com/office/powerpoint/2010/main" xmlns="" val="3867510109"/>
+        <p14:creationId xmlns="" xmlns:p14="http://schemas.microsoft.com/office/powerpoint/2010/main" val="3867510109"/>
       </p:ext>
     </p:extLst>
   </p:cSld>
@@ -13650,7 +13662,7 @@
     <a:masterClrMapping/>
   </p:clrMapOvr>
   <mc:AlternateContent xmlns:mc="http://schemas.openxmlformats.org/markup-compatibility/2006">
-    <mc:Choice xmlns:p14="http://schemas.microsoft.com/office/powerpoint/2010/main" xmlns="" Requires="p14">
+    <mc:Choice xmlns="" xmlns:p14="http://schemas.microsoft.com/office/powerpoint/2010/main" Requires="p14">
       <p:transition spd="med" p14:dur="699">
         <p:fade/>
       </p:transition>
@@ -15312,7 +15324,7 @@
     </p:spTree>
     <p:extLst>
       <p:ext uri="{BB962C8B-B14F-4D97-AF65-F5344CB8AC3E}">
-        <p14:creationId xmlns:p14="http://schemas.microsoft.com/office/powerpoint/2010/main" xmlns="" val="2115499910"/>
+        <p14:creationId xmlns="" xmlns:p14="http://schemas.microsoft.com/office/powerpoint/2010/main" val="2115499910"/>
       </p:ext>
     </p:extLst>
   </p:cSld>
@@ -15320,7 +15332,7 @@
     <a:masterClrMapping/>
   </p:clrMapOvr>
   <mc:AlternateContent xmlns:mc="http://schemas.openxmlformats.org/markup-compatibility/2006">
-    <mc:Choice xmlns:p14="http://schemas.microsoft.com/office/powerpoint/2010/main" xmlns="" Requires="p14">
+    <mc:Choice xmlns="" xmlns:p14="http://schemas.microsoft.com/office/powerpoint/2010/main" Requires="p14">
       <p:transition spd="med" p14:dur="699">
         <p:fade/>
       </p:transition>
@@ -15583,7 +15595,7 @@
     </p:spTree>
     <p:extLst>
       <p:ext uri="{BB962C8B-B14F-4D97-AF65-F5344CB8AC3E}">
-        <p14:creationId xmlns:p14="http://schemas.microsoft.com/office/powerpoint/2010/main" xmlns="" val="2367997045"/>
+        <p14:creationId xmlns="" xmlns:p14="http://schemas.microsoft.com/office/powerpoint/2010/main" val="2367997045"/>
       </p:ext>
     </p:extLst>
   </p:cSld>
@@ -15591,7 +15603,7 @@
     <a:masterClrMapping/>
   </p:clrMapOvr>
   <mc:AlternateContent xmlns:mc="http://schemas.openxmlformats.org/markup-compatibility/2006">
-    <mc:Choice xmlns:p14="http://schemas.microsoft.com/office/powerpoint/2010/main" xmlns="" Requires="p14">
+    <mc:Choice xmlns="" xmlns:p14="http://schemas.microsoft.com/office/powerpoint/2010/main" Requires="p14">
       <p:transition spd="med" p14:dur="699">
         <p:fade/>
       </p:transition>
@@ -15804,7 +15816,7 @@
     </p:spTree>
     <p:extLst>
       <p:ext uri="{BB962C8B-B14F-4D97-AF65-F5344CB8AC3E}">
-        <p14:creationId xmlns:p14="http://schemas.microsoft.com/office/powerpoint/2010/main" xmlns="" val="2367997045"/>
+        <p14:creationId xmlns="" xmlns:p14="http://schemas.microsoft.com/office/powerpoint/2010/main" val="2367997045"/>
       </p:ext>
     </p:extLst>
   </p:cSld>
@@ -15812,7 +15824,7 @@
     <a:masterClrMapping/>
   </p:clrMapOvr>
   <mc:AlternateContent xmlns:mc="http://schemas.openxmlformats.org/markup-compatibility/2006">
-    <mc:Choice xmlns:p14="http://schemas.microsoft.com/office/powerpoint/2010/main" xmlns="" Requires="p14">
+    <mc:Choice xmlns="" xmlns:p14="http://schemas.microsoft.com/office/powerpoint/2010/main" Requires="p14">
       <p:transition spd="med" p14:dur="699">
         <p:fade/>
       </p:transition>
@@ -16124,7 +16136,7 @@
     </p:spTree>
     <p:extLst>
       <p:ext uri="{BB962C8B-B14F-4D97-AF65-F5344CB8AC3E}">
-        <p14:creationId xmlns:p14="http://schemas.microsoft.com/office/powerpoint/2010/main" xmlns="" val="2367997045"/>
+        <p14:creationId xmlns="" xmlns:p14="http://schemas.microsoft.com/office/powerpoint/2010/main" val="2367997045"/>
       </p:ext>
     </p:extLst>
   </p:cSld>
@@ -16132,7 +16144,7 @@
     <a:masterClrMapping/>
   </p:clrMapOvr>
   <mc:AlternateContent xmlns:mc="http://schemas.openxmlformats.org/markup-compatibility/2006">
-    <mc:Choice xmlns:p14="http://schemas.microsoft.com/office/powerpoint/2010/main" xmlns="" Requires="p14">
+    <mc:Choice xmlns="" xmlns:p14="http://schemas.microsoft.com/office/powerpoint/2010/main" Requires="p14">
       <p:transition spd="med" p14:dur="699">
         <p:fade/>
       </p:transition>
@@ -16344,7 +16356,7 @@
     </p:spTree>
     <p:extLst>
       <p:ext uri="{BB962C8B-B14F-4D97-AF65-F5344CB8AC3E}">
-        <p14:creationId xmlns:p14="http://schemas.microsoft.com/office/powerpoint/2010/main" xmlns="" val="2367997045"/>
+        <p14:creationId xmlns="" xmlns:p14="http://schemas.microsoft.com/office/powerpoint/2010/main" val="2367997045"/>
       </p:ext>
     </p:extLst>
   </p:cSld>
@@ -16352,7 +16364,7 @@
     <a:masterClrMapping/>
   </p:clrMapOvr>
   <mc:AlternateContent xmlns:mc="http://schemas.openxmlformats.org/markup-compatibility/2006">
-    <mc:Choice xmlns:p14="http://schemas.microsoft.com/office/powerpoint/2010/main" xmlns="" Requires="p14">
+    <mc:Choice xmlns="" xmlns:p14="http://schemas.microsoft.com/office/powerpoint/2010/main" Requires="p14">
       <p:transition spd="med" p14:dur="699">
         <p:fade/>
       </p:transition>
